--- a/스토리보드/3학년/2차/한대희/suhi_h_0301_02_0004_v2_완료.pptx
+++ b/스토리보드/3학년/2차/한대희/suhi_h_0301_02_0004_v2_완료.pptx
@@ -1,25 +1,25 @@
 
 <file path=ppt/presentation.xml><?xml version="1.0" encoding="utf-8"?>
-<p:presentation xmlns:a="http://schemas.openxmlformats.org/drawingml/2006/main" xmlns:r="http://schemas.openxmlformats.org/officeDocument/2006/relationships" xmlns:p="http://schemas.openxmlformats.org/presentationml/2006/main" saveSubsetFonts="1">
+<p:presentation xmlns:r="http://schemas.openxmlformats.org/officeDocument/2006/relationships" xmlns:c="http://schemas.openxmlformats.org/drawingml/2006/chart" xmlns:a="http://schemas.openxmlformats.org/drawingml/2006/main" xmlns:dgm="http://schemas.openxmlformats.org/drawingml/2006/diagram" xmlns:dsp="http://schemas.microsoft.com/office/drawing/2008/diagram" xmlns:p="http://schemas.openxmlformats.org/presentationml/2006/main" saveSubsetFonts="1">
   <p:sldMasterIdLst>
-    <p:sldMasterId id="2147483661" r:id="rId1"/>
+    <p:sldMasterId id="2147483670" r:id="rId1"/>
   </p:sldMasterIdLst>
   <p:notesMasterIdLst>
-    <p:notesMasterId r:id="rId11"/>
+    <p:notesMasterId r:id="rId2"/>
   </p:notesMasterIdLst>
   <p:handoutMasterIdLst>
-    <p:handoutMasterId r:id="rId12"/>
+    <p:handoutMasterId r:id="rId3"/>
   </p:handoutMasterIdLst>
   <p:sldIdLst>
-    <p:sldId id="782" r:id="rId2"/>
-    <p:sldId id="783" r:id="rId3"/>
-    <p:sldId id="1372" r:id="rId4"/>
-    <p:sldId id="1338" r:id="rId5"/>
-    <p:sldId id="1374" r:id="rId6"/>
-    <p:sldId id="1376" r:id="rId7"/>
-    <p:sldId id="1378" r:id="rId8"/>
-    <p:sldId id="1379" r:id="rId9"/>
-    <p:sldId id="1380" r:id="rId10"/>
+    <p:sldId id="256" r:id="rId4"/>
+    <p:sldId id="257" r:id="rId5"/>
+    <p:sldId id="258" r:id="rId6"/>
+    <p:sldId id="259" r:id="rId7"/>
+    <p:sldId id="260" r:id="rId8"/>
+    <p:sldId id="261" r:id="rId9"/>
+    <p:sldId id="262" r:id="rId10"/>
+    <p:sldId id="263" r:id="rId11"/>
+    <p:sldId id="264" r:id="rId12"/>
   </p:sldIdLst>
   <p:sldSz cx="9144000" cy="6858000" type="screen4x3"/>
   <p:notesSz cx="6797675" cy="9926638"/>
@@ -38,8 +38,8 @@
         <a:solidFill>
           <a:schemeClr val="tx1"/>
         </a:solidFill>
-        <a:latin typeface="돋움" pitchFamily="50" charset="-127"/>
-        <a:ea typeface="굴림" charset="-127"/>
+        <a:latin typeface="돋움"/>
+        <a:ea typeface="굴림"/>
         <a:cs typeface="+mn-cs"/>
       </a:defRPr>
     </a:lvl1pPr>
@@ -54,8 +54,8 @@
         <a:solidFill>
           <a:schemeClr val="tx1"/>
         </a:solidFill>
-        <a:latin typeface="돋움" pitchFamily="50" charset="-127"/>
-        <a:ea typeface="굴림" charset="-127"/>
+        <a:latin typeface="돋움"/>
+        <a:ea typeface="굴림"/>
         <a:cs typeface="+mn-cs"/>
       </a:defRPr>
     </a:lvl2pPr>
@@ -70,8 +70,8 @@
         <a:solidFill>
           <a:schemeClr val="tx1"/>
         </a:solidFill>
-        <a:latin typeface="돋움" pitchFamily="50" charset="-127"/>
-        <a:ea typeface="굴림" charset="-127"/>
+        <a:latin typeface="돋움"/>
+        <a:ea typeface="굴림"/>
         <a:cs typeface="+mn-cs"/>
       </a:defRPr>
     </a:lvl3pPr>
@@ -86,8 +86,8 @@
         <a:solidFill>
           <a:schemeClr val="tx1"/>
         </a:solidFill>
-        <a:latin typeface="돋움" pitchFamily="50" charset="-127"/>
-        <a:ea typeface="굴림" charset="-127"/>
+        <a:latin typeface="돋움"/>
+        <a:ea typeface="굴림"/>
         <a:cs typeface="+mn-cs"/>
       </a:defRPr>
     </a:lvl4pPr>
@@ -102,8 +102,8 @@
         <a:solidFill>
           <a:schemeClr val="tx1"/>
         </a:solidFill>
-        <a:latin typeface="돋움" pitchFamily="50" charset="-127"/>
-        <a:ea typeface="굴림" charset="-127"/>
+        <a:latin typeface="돋움"/>
+        <a:ea typeface="굴림"/>
         <a:cs typeface="+mn-cs"/>
       </a:defRPr>
     </a:lvl5pPr>
@@ -112,8 +112,8 @@
         <a:solidFill>
           <a:schemeClr val="tx1"/>
         </a:solidFill>
-        <a:latin typeface="돋움" pitchFamily="50" charset="-127"/>
-        <a:ea typeface="굴림" charset="-127"/>
+        <a:latin typeface="돋움"/>
+        <a:ea typeface="굴림"/>
         <a:cs typeface="+mn-cs"/>
       </a:defRPr>
     </a:lvl6pPr>
@@ -122,8 +122,8 @@
         <a:solidFill>
           <a:schemeClr val="tx1"/>
         </a:solidFill>
-        <a:latin typeface="돋움" pitchFamily="50" charset="-127"/>
-        <a:ea typeface="굴림" charset="-127"/>
+        <a:latin typeface="돋움"/>
+        <a:ea typeface="굴림"/>
         <a:cs typeface="+mn-cs"/>
       </a:defRPr>
     </a:lvl7pPr>
@@ -132,8 +132,8 @@
         <a:solidFill>
           <a:schemeClr val="tx1"/>
         </a:solidFill>
-        <a:latin typeface="돋움" pitchFamily="50" charset="-127"/>
-        <a:ea typeface="굴림" charset="-127"/>
+        <a:latin typeface="돋움"/>
+        <a:ea typeface="굴림"/>
         <a:cs typeface="+mn-cs"/>
       </a:defRPr>
     </a:lvl8pPr>
@@ -142,8 +142,8 @@
         <a:solidFill>
           <a:schemeClr val="tx1"/>
         </a:solidFill>
-        <a:latin typeface="돋움" pitchFamily="50" charset="-127"/>
-        <a:ea typeface="굴림" charset="-127"/>
+        <a:latin typeface="돋움"/>
+        <a:ea typeface="굴림"/>
         <a:cs typeface="+mn-cs"/>
       </a:defRPr>
     </a:lvl9pPr>
@@ -152,14 +152,13 @@
 </file>
 
 <file path=ppt/handoutMasters/handoutMaster1.xml><?xml version="1.0" encoding="utf-8"?>
-<p:handoutMaster xmlns:a="http://schemas.openxmlformats.org/drawingml/2006/main" xmlns:r="http://schemas.openxmlformats.org/officeDocument/2006/relationships" xmlns:p="http://schemas.openxmlformats.org/presentationml/2006/main">
+<p:handoutMaster xmlns:r="http://schemas.openxmlformats.org/officeDocument/2006/relationships" xmlns:c="http://schemas.openxmlformats.org/drawingml/2006/chart" xmlns:a="http://schemas.openxmlformats.org/drawingml/2006/main" xmlns:dgm="http://schemas.openxmlformats.org/drawingml/2006/diagram" xmlns:dsp="http://schemas.microsoft.com/office/drawing/2008/diagram" xmlns:p="http://schemas.openxmlformats.org/presentationml/2006/main">
   <p:cSld>
     <p:bg>
-      <p:bgPr>
+      <p:bgPr shadeToTitle="0">
         <a:solidFill>
           <a:schemeClr val="bg1"/>
         </a:solidFill>
-        <a:effectLst/>
       </p:bgPr>
     </p:bg>
     <p:spTree>
@@ -183,10 +182,10 @@
             <a:spLocks noGrp="1" noChangeArrowheads="1"/>
           </p:cNvSpPr>
           <p:nvPr>
-            <p:ph type="hdr" sz="quarter"/>
+            <p:ph type="hdr" sz="quarter" idx="0"/>
           </p:nvPr>
         </p:nvSpPr>
-        <p:spPr bwMode="auto">
+        <p:spPr>
           <a:xfrm>
             <a:off x="0" y="0"/>
             <a:ext cx="2946400" cy="496888"/>
@@ -197,14 +196,12 @@
           <a:noFill/>
           <a:ln w="9525">
             <a:noFill/>
-            <a:miter lim="800000"/>
-            <a:headEnd/>
-            <a:tailEnd/>
+            <a:miter/>
           </a:ln>
           <a:effectLst/>
         </p:spPr>
         <p:txBody>
-          <a:bodyPr vert="horz" wrap="square" lIns="91440" tIns="45720" rIns="91440" bIns="45720" numCol="1" anchor="t" anchorCtr="0" compatLnSpc="1">
+          <a:bodyPr vert="horz" wrap="square" lIns="91440" tIns="45720" rIns="91440" bIns="45720" anchor="t" anchorCtr="0">
             <a:prstTxWarp prst="textNoShape">
               <a:avLst/>
             </a:prstTxWarp>
@@ -215,8 +212,8 @@
                 <a:spcPct val="0"/>
               </a:spcBef>
               <a:defRPr>
-                <a:latin typeface="굴림" pitchFamily="50" charset="-127"/>
-                <a:ea typeface="굴림" pitchFamily="50" charset="-127"/>
+                <a:latin typeface="굴림"/>
+                <a:ea typeface="굴림"/>
               </a:defRPr>
             </a:lvl1pPr>
           </a:lstStyle>
@@ -224,7 +221,11 @@
             <a:pPr>
               <a:defRPr/>
             </a:pPr>
-            <a:endParaRPr lang="en-US" altLang="ko-KR"/>
+            <a:r>
+              <a:rPr lang="ko-KR" altLang="en-US"/>
+              <a:t/>
+            </a:r>
+            <a:endParaRPr lang="ko-KR" altLang="en-US"/>
           </a:p>
         </p:txBody>
       </p:sp>
@@ -238,7 +239,7 @@
             <p:ph type="dt" sz="quarter" idx="1"/>
           </p:nvPr>
         </p:nvSpPr>
-        <p:spPr bwMode="auto">
+        <p:spPr>
           <a:xfrm>
             <a:off x="3852863" y="0"/>
             <a:ext cx="2944812" cy="496888"/>
@@ -249,14 +250,12 @@
           <a:noFill/>
           <a:ln w="9525">
             <a:noFill/>
-            <a:miter lim="800000"/>
-            <a:headEnd/>
-            <a:tailEnd/>
+            <a:miter/>
           </a:ln>
           <a:effectLst/>
         </p:spPr>
         <p:txBody>
-          <a:bodyPr vert="horz" wrap="square" lIns="91440" tIns="45720" rIns="91440" bIns="45720" numCol="1" anchor="t" anchorCtr="0" compatLnSpc="1">
+          <a:bodyPr vert="horz" wrap="square" lIns="91440" tIns="45720" rIns="91440" bIns="45720" anchor="t" anchorCtr="0">
             <a:prstTxWarp prst="textNoShape">
               <a:avLst/>
             </a:prstTxWarp>
@@ -267,8 +266,8 @@
                 <a:spcPct val="0"/>
               </a:spcBef>
               <a:defRPr>
-                <a:latin typeface="굴림" pitchFamily="50" charset="-127"/>
-                <a:ea typeface="굴림" pitchFamily="50" charset="-127"/>
+                <a:latin typeface="굴림"/>
+                <a:ea typeface="굴림"/>
               </a:defRPr>
             </a:lvl1pPr>
           </a:lstStyle>
@@ -276,7 +275,11 @@
             <a:pPr>
               <a:defRPr/>
             </a:pPr>
-            <a:endParaRPr lang="en-US" altLang="ko-KR"/>
+            <a:r>
+              <a:rPr lang="ko-KR" altLang="en-US"/>
+              <a:t/>
+            </a:r>
+            <a:endParaRPr lang="ko-KR" altLang="en-US"/>
           </a:p>
         </p:txBody>
       </p:sp>
@@ -290,7 +293,7 @@
             <p:ph type="ftr" sz="quarter" idx="2"/>
           </p:nvPr>
         </p:nvSpPr>
-        <p:spPr bwMode="auto">
+        <p:spPr>
           <a:xfrm>
             <a:off x="0" y="9428163"/>
             <a:ext cx="2946400" cy="496887"/>
@@ -301,14 +304,12 @@
           <a:noFill/>
           <a:ln w="9525">
             <a:noFill/>
-            <a:miter lim="800000"/>
-            <a:headEnd/>
-            <a:tailEnd/>
+            <a:miter/>
           </a:ln>
           <a:effectLst/>
         </p:spPr>
         <p:txBody>
-          <a:bodyPr vert="horz" wrap="square" lIns="91440" tIns="45720" rIns="91440" bIns="45720" numCol="1" anchor="b" anchorCtr="0" compatLnSpc="1">
+          <a:bodyPr vert="horz" wrap="square" lIns="91440" tIns="45720" rIns="91440" bIns="45720" anchor="b" anchorCtr="0">
             <a:prstTxWarp prst="textNoShape">
               <a:avLst/>
             </a:prstTxWarp>
@@ -319,8 +320,8 @@
                 <a:spcPct val="0"/>
               </a:spcBef>
               <a:defRPr>
-                <a:latin typeface="굴림" pitchFamily="50" charset="-127"/>
-                <a:ea typeface="굴림" pitchFamily="50" charset="-127"/>
+                <a:latin typeface="굴림"/>
+                <a:ea typeface="굴림"/>
               </a:defRPr>
             </a:lvl1pPr>
           </a:lstStyle>
@@ -328,7 +329,11 @@
             <a:pPr>
               <a:defRPr/>
             </a:pPr>
-            <a:endParaRPr lang="en-US" altLang="ko-KR"/>
+            <a:r>
+              <a:rPr lang="ko-KR" altLang="en-US"/>
+              <a:t/>
+            </a:r>
+            <a:endParaRPr lang="ko-KR" altLang="en-US"/>
           </a:p>
         </p:txBody>
       </p:sp>
@@ -342,7 +347,7 @@
             <p:ph type="sldNum" sz="quarter" idx="3"/>
           </p:nvPr>
         </p:nvSpPr>
-        <p:spPr bwMode="auto">
+        <p:spPr>
           <a:xfrm>
             <a:off x="3851275" y="9428163"/>
             <a:ext cx="2944813" cy="496887"/>
@@ -353,14 +358,12 @@
           <a:noFill/>
           <a:ln w="9525">
             <a:noFill/>
-            <a:miter lim="800000"/>
-            <a:headEnd/>
-            <a:tailEnd/>
+            <a:miter/>
           </a:ln>
           <a:effectLst/>
         </p:spPr>
         <p:txBody>
-          <a:bodyPr vert="horz" wrap="square" lIns="91440" tIns="45720" rIns="91440" bIns="45720" numCol="1" anchor="b" anchorCtr="0" compatLnSpc="1">
+          <a:bodyPr vert="horz" wrap="square" lIns="91440" tIns="45720" rIns="91440" bIns="45720" anchor="b" anchorCtr="0">
             <a:prstTxWarp prst="textNoShape">
               <a:avLst/>
             </a:prstTxWarp>
@@ -371,8 +374,8 @@
                 <a:spcPct val="0"/>
               </a:spcBef>
               <a:defRPr>
-                <a:latin typeface="굴림" pitchFamily="50" charset="-127"/>
-                <a:ea typeface="굴림" pitchFamily="50" charset="-127"/>
+                <a:latin typeface="굴림"/>
+                <a:ea typeface="굴림"/>
               </a:defRPr>
             </a:lvl1pPr>
           </a:lstStyle>
@@ -392,25 +395,19 @@
         </p:txBody>
       </p:sp>
     </p:spTree>
-    <p:extLst>
-      <p:ext uri="{BB962C8B-B14F-4D97-AF65-F5344CB8AC3E}">
-        <p14:creationId xmlns:p14="http://schemas.microsoft.com/office/powerpoint/2010/main" val="3907077466"/>
-      </p:ext>
-    </p:extLst>
   </p:cSld>
   <p:clrMap bg1="lt1" tx1="dk1" bg2="lt2" tx2="dk2" accent1="accent1" accent2="accent2" accent3="accent3" accent4="accent4" accent5="accent5" accent6="accent6" hlink="hlink" folHlink="folHlink"/>
 </p:handoutMaster>
 </file>
 
 <file path=ppt/notesMasters/notesMaster1.xml><?xml version="1.0" encoding="utf-8"?>
-<p:notesMaster xmlns:a="http://schemas.openxmlformats.org/drawingml/2006/main" xmlns:r="http://schemas.openxmlformats.org/officeDocument/2006/relationships" xmlns:p="http://schemas.openxmlformats.org/presentationml/2006/main">
+<p:notesMaster xmlns:r="http://schemas.openxmlformats.org/officeDocument/2006/relationships" xmlns:c="http://schemas.openxmlformats.org/drawingml/2006/chart" xmlns:a="http://schemas.openxmlformats.org/drawingml/2006/main" xmlns:dgm="http://schemas.openxmlformats.org/drawingml/2006/diagram" xmlns:dsp="http://schemas.microsoft.com/office/drawing/2008/diagram" xmlns:p="http://schemas.openxmlformats.org/presentationml/2006/main">
   <p:cSld>
     <p:bg>
-      <p:bgPr>
+      <p:bgPr shadeToTitle="0">
         <a:solidFill>
           <a:schemeClr val="bg1"/>
         </a:solidFill>
-        <a:effectLst/>
       </p:bgPr>
     </p:bg>
     <p:spTree>
@@ -434,10 +431,10 @@
             <a:spLocks noGrp="1" noChangeArrowheads="1"/>
           </p:cNvSpPr>
           <p:nvPr>
-            <p:ph type="hdr" sz="quarter"/>
+            <p:ph type="hdr" sz="quarter" idx="0"/>
           </p:nvPr>
         </p:nvSpPr>
-        <p:spPr bwMode="auto">
+        <p:spPr>
           <a:xfrm>
             <a:off x="0" y="0"/>
             <a:ext cx="2946400" cy="496888"/>
@@ -448,14 +445,12 @@
           <a:noFill/>
           <a:ln w="9525">
             <a:noFill/>
-            <a:miter lim="800000"/>
-            <a:headEnd/>
-            <a:tailEnd/>
+            <a:miter/>
           </a:ln>
           <a:effectLst/>
         </p:spPr>
         <p:txBody>
-          <a:bodyPr vert="horz" wrap="square" lIns="91440" tIns="45720" rIns="91440" bIns="45720" numCol="1" anchor="t" anchorCtr="0" compatLnSpc="1">
+          <a:bodyPr vert="horz" wrap="square" lIns="91440" tIns="45720" rIns="91440" bIns="45720" anchor="t" anchorCtr="0">
             <a:prstTxWarp prst="textNoShape">
               <a:avLst/>
             </a:prstTxWarp>
@@ -466,8 +461,8 @@
                 <a:spcPct val="0"/>
               </a:spcBef>
               <a:defRPr>
-                <a:latin typeface="굴림" pitchFamily="50" charset="-127"/>
-                <a:ea typeface="굴림" pitchFamily="50" charset="-127"/>
+                <a:latin typeface="굴림"/>
+                <a:ea typeface="굴림"/>
               </a:defRPr>
             </a:lvl1pPr>
           </a:lstStyle>
@@ -475,7 +470,11 @@
             <a:pPr>
               <a:defRPr/>
             </a:pPr>
-            <a:endParaRPr lang="en-US" altLang="ko-KR"/>
+            <a:r>
+              <a:rPr lang="ko-KR" altLang="en-US"/>
+              <a:t/>
+            </a:r>
+            <a:endParaRPr lang="ko-KR" altLang="en-US"/>
           </a:p>
         </p:txBody>
       </p:sp>
@@ -489,7 +488,7 @@
             <p:ph type="dt" idx="1"/>
           </p:nvPr>
         </p:nvSpPr>
-        <p:spPr bwMode="auto">
+        <p:spPr>
           <a:xfrm>
             <a:off x="3851275" y="0"/>
             <a:ext cx="2944813" cy="496888"/>
@@ -500,14 +499,12 @@
           <a:noFill/>
           <a:ln w="9525">
             <a:noFill/>
-            <a:miter lim="800000"/>
-            <a:headEnd/>
-            <a:tailEnd/>
+            <a:miter/>
           </a:ln>
           <a:effectLst/>
         </p:spPr>
         <p:txBody>
-          <a:bodyPr vert="horz" wrap="square" lIns="91440" tIns="45720" rIns="91440" bIns="45720" numCol="1" anchor="t" anchorCtr="0" compatLnSpc="1">
+          <a:bodyPr vert="horz" wrap="square" lIns="91440" tIns="45720" rIns="91440" bIns="45720" anchor="t" anchorCtr="0">
             <a:prstTxWarp prst="textNoShape">
               <a:avLst/>
             </a:prstTxWarp>
@@ -518,8 +515,8 @@
                 <a:spcPct val="0"/>
               </a:spcBef>
               <a:defRPr>
-                <a:latin typeface="굴림" pitchFamily="50" charset="-127"/>
-                <a:ea typeface="굴림" pitchFamily="50" charset="-127"/>
+                <a:latin typeface="굴림"/>
+                <a:ea typeface="굴림"/>
               </a:defRPr>
             </a:lvl1pPr>
           </a:lstStyle>
@@ -527,7 +524,11 @@
             <a:pPr>
               <a:defRPr/>
             </a:pPr>
-            <a:endParaRPr lang="en-US" altLang="ko-KR"/>
+            <a:r>
+              <a:rPr lang="ko-KR" altLang="en-US"/>
+              <a:t/>
+            </a:r>
+            <a:endParaRPr lang="ko-KR" altLang="en-US"/>
           </a:p>
         </p:txBody>
       </p:sp>
@@ -541,7 +542,7 @@
             <p:ph type="sldImg" idx="2"/>
           </p:nvPr>
         </p:nvSpPr>
-        <p:spPr bwMode="auto">
+        <p:spPr>
           <a:xfrm>
             <a:off x="917575" y="744538"/>
             <a:ext cx="4962525" cy="3722687"/>
@@ -554,9 +555,7 @@
             <a:solidFill>
               <a:srgbClr val="000000"/>
             </a:solidFill>
-            <a:miter lim="800000"/>
-            <a:headEnd/>
-            <a:tailEnd/>
+            <a:miter/>
           </a:ln>
         </p:spPr>
       </p:sp>
@@ -570,7 +569,7 @@
             <p:ph type="body" sz="quarter" idx="3"/>
           </p:nvPr>
         </p:nvSpPr>
-        <p:spPr bwMode="auto">
+        <p:spPr>
           <a:xfrm>
             <a:off x="679450" y="4714875"/>
             <a:ext cx="5438775" cy="4467225"/>
@@ -581,53 +580,66 @@
           <a:noFill/>
           <a:ln w="9525">
             <a:noFill/>
-            <a:miter lim="800000"/>
-            <a:headEnd/>
-            <a:tailEnd/>
+            <a:miter/>
           </a:ln>
           <a:effectLst/>
         </p:spPr>
         <p:txBody>
-          <a:bodyPr vert="horz" wrap="square" lIns="91440" tIns="45720" rIns="91440" bIns="45720" numCol="1" anchor="t" anchorCtr="0" compatLnSpc="1">
+          <a:bodyPr vert="horz" wrap="square" lIns="91440" tIns="45720" rIns="91440" bIns="45720" anchor="t" anchorCtr="0">
             <a:prstTxWarp prst="textNoShape">
               <a:avLst/>
             </a:prstTxWarp>
           </a:bodyPr>
           <a:lstStyle/>
           <a:p>
-            <a:pPr lvl="0"/>
+            <a:pPr lvl="0">
+              <a:defRPr/>
+            </a:pPr>
             <a:r>
-              <a:rPr lang="ko-KR" altLang="en-US" noProof="0" smtClean="0"/>
+              <a:rPr lang="ko-KR" altLang="en-US"/>
               <a:t>마스터 텍스트 스타일을 편집합니다</a:t>
             </a:r>
+            <a:endParaRPr lang="ko-KR" altLang="en-US"/>
           </a:p>
           <a:p>
-            <a:pPr lvl="1"/>
+            <a:pPr lvl="1">
+              <a:defRPr/>
+            </a:pPr>
             <a:r>
-              <a:rPr lang="ko-KR" altLang="en-US" noProof="0" smtClean="0"/>
+              <a:rPr lang="ko-KR" altLang="en-US"/>
               <a:t>둘째 수준</a:t>
             </a:r>
+            <a:endParaRPr lang="ko-KR" altLang="en-US"/>
           </a:p>
           <a:p>
-            <a:pPr lvl="2"/>
+            <a:pPr lvl="2">
+              <a:defRPr/>
+            </a:pPr>
             <a:r>
-              <a:rPr lang="ko-KR" altLang="en-US" noProof="0" smtClean="0"/>
+              <a:rPr lang="ko-KR" altLang="en-US"/>
               <a:t>셋째 수준</a:t>
             </a:r>
+            <a:endParaRPr lang="ko-KR" altLang="en-US"/>
           </a:p>
           <a:p>
-            <a:pPr lvl="3"/>
+            <a:pPr lvl="3">
+              <a:defRPr/>
+            </a:pPr>
             <a:r>
-              <a:rPr lang="ko-KR" altLang="en-US" noProof="0" smtClean="0"/>
+              <a:rPr lang="ko-KR" altLang="en-US"/>
               <a:t>넷째 수준</a:t>
             </a:r>
+            <a:endParaRPr lang="ko-KR" altLang="en-US"/>
           </a:p>
           <a:p>
-            <a:pPr lvl="4"/>
+            <a:pPr lvl="4">
+              <a:defRPr/>
+            </a:pPr>
             <a:r>
-              <a:rPr lang="ko-KR" altLang="en-US" noProof="0" smtClean="0"/>
+              <a:rPr lang="ko-KR" altLang="en-US"/>
               <a:t>다섯째 수준</a:t>
             </a:r>
+            <a:endParaRPr lang="ko-KR" altLang="en-US"/>
           </a:p>
         </p:txBody>
       </p:sp>
@@ -641,7 +653,7 @@
             <p:ph type="ftr" sz="quarter" idx="4"/>
           </p:nvPr>
         </p:nvSpPr>
-        <p:spPr bwMode="auto">
+        <p:spPr>
           <a:xfrm>
             <a:off x="0" y="9428163"/>
             <a:ext cx="2946400" cy="496887"/>
@@ -652,14 +664,12 @@
           <a:noFill/>
           <a:ln w="9525">
             <a:noFill/>
-            <a:miter lim="800000"/>
-            <a:headEnd/>
-            <a:tailEnd/>
+            <a:miter/>
           </a:ln>
           <a:effectLst/>
         </p:spPr>
         <p:txBody>
-          <a:bodyPr vert="horz" wrap="square" lIns="91440" tIns="45720" rIns="91440" bIns="45720" numCol="1" anchor="b" anchorCtr="0" compatLnSpc="1">
+          <a:bodyPr vert="horz" wrap="square" lIns="91440" tIns="45720" rIns="91440" bIns="45720" anchor="b" anchorCtr="0">
             <a:prstTxWarp prst="textNoShape">
               <a:avLst/>
             </a:prstTxWarp>
@@ -670,8 +680,8 @@
                 <a:spcPct val="0"/>
               </a:spcBef>
               <a:defRPr>
-                <a:latin typeface="굴림" pitchFamily="50" charset="-127"/>
-                <a:ea typeface="굴림" pitchFamily="50" charset="-127"/>
+                <a:latin typeface="굴림"/>
+                <a:ea typeface="굴림"/>
               </a:defRPr>
             </a:lvl1pPr>
           </a:lstStyle>
@@ -679,7 +689,11 @@
             <a:pPr>
               <a:defRPr/>
             </a:pPr>
-            <a:endParaRPr lang="en-US" altLang="ko-KR"/>
+            <a:r>
+              <a:rPr lang="ko-KR" altLang="en-US"/>
+              <a:t/>
+            </a:r>
+            <a:endParaRPr lang="ko-KR" altLang="en-US"/>
           </a:p>
         </p:txBody>
       </p:sp>
@@ -693,7 +707,7 @@
             <p:ph type="sldNum" sz="quarter" idx="5"/>
           </p:nvPr>
         </p:nvSpPr>
-        <p:spPr bwMode="auto">
+        <p:spPr>
           <a:xfrm>
             <a:off x="3851275" y="9428163"/>
             <a:ext cx="2944813" cy="496887"/>
@@ -704,14 +718,12 @@
           <a:noFill/>
           <a:ln w="9525">
             <a:noFill/>
-            <a:miter lim="800000"/>
-            <a:headEnd/>
-            <a:tailEnd/>
+            <a:miter/>
           </a:ln>
           <a:effectLst/>
         </p:spPr>
         <p:txBody>
-          <a:bodyPr vert="horz" wrap="square" lIns="91440" tIns="45720" rIns="91440" bIns="45720" numCol="1" anchor="b" anchorCtr="0" compatLnSpc="1">
+          <a:bodyPr vert="horz" wrap="square" lIns="91440" tIns="45720" rIns="91440" bIns="45720" anchor="b" anchorCtr="0">
             <a:prstTxWarp prst="textNoShape">
               <a:avLst/>
             </a:prstTxWarp>
@@ -722,8 +734,8 @@
                 <a:spcPct val="0"/>
               </a:spcBef>
               <a:defRPr>
-                <a:latin typeface="굴림" pitchFamily="50" charset="-127"/>
-                <a:ea typeface="굴림" pitchFamily="50" charset="-127"/>
+                <a:latin typeface="굴림"/>
+                <a:ea typeface="굴림"/>
               </a:defRPr>
             </a:lvl1pPr>
           </a:lstStyle>
@@ -743,13 +755,9 @@
         </p:txBody>
       </p:sp>
     </p:spTree>
-    <p:extLst>
-      <p:ext uri="{BB962C8B-B14F-4D97-AF65-F5344CB8AC3E}">
-        <p14:creationId xmlns:p14="http://schemas.microsoft.com/office/powerpoint/2010/main" val="2442784193"/>
-      </p:ext>
-    </p:extLst>
   </p:cSld>
   <p:clrMap bg1="lt1" tx1="dk1" bg2="lt2" tx2="dk2" accent1="accent1" accent2="accent2" accent3="accent3" accent4="accent4" accent5="accent5" accent6="accent6" hlink="hlink" folHlink="folHlink"/>
+  <p:hf hdr="0" ftr="0" dt="0"/>
   <p:notesStyle>
     <a:lvl1pPr algn="l" rtl="0" eaLnBrk="0" fontAlgn="base" latinLnBrk="1" hangingPunct="0">
       <a:spcBef>
@@ -762,8 +770,8 @@
         <a:solidFill>
           <a:schemeClr val="tx1"/>
         </a:solidFill>
-        <a:latin typeface="굴림" pitchFamily="50" charset="-127"/>
-        <a:ea typeface="굴림" pitchFamily="50" charset="-127"/>
+        <a:latin typeface="굴림"/>
+        <a:ea typeface="굴림"/>
         <a:cs typeface="+mn-cs"/>
       </a:defRPr>
     </a:lvl1pPr>
@@ -778,8 +786,8 @@
         <a:solidFill>
           <a:schemeClr val="tx1"/>
         </a:solidFill>
-        <a:latin typeface="굴림" pitchFamily="50" charset="-127"/>
-        <a:ea typeface="굴림" pitchFamily="50" charset="-127"/>
+        <a:latin typeface="굴림"/>
+        <a:ea typeface="굴림"/>
         <a:cs typeface="+mn-cs"/>
       </a:defRPr>
     </a:lvl2pPr>
@@ -794,8 +802,8 @@
         <a:solidFill>
           <a:schemeClr val="tx1"/>
         </a:solidFill>
-        <a:latin typeface="굴림" pitchFamily="50" charset="-127"/>
-        <a:ea typeface="굴림" pitchFamily="50" charset="-127"/>
+        <a:latin typeface="굴림"/>
+        <a:ea typeface="굴림"/>
         <a:cs typeface="+mn-cs"/>
       </a:defRPr>
     </a:lvl3pPr>
@@ -810,8 +818,8 @@
         <a:solidFill>
           <a:schemeClr val="tx1"/>
         </a:solidFill>
-        <a:latin typeface="굴림" pitchFamily="50" charset="-127"/>
-        <a:ea typeface="굴림" pitchFamily="50" charset="-127"/>
+        <a:latin typeface="굴림"/>
+        <a:ea typeface="굴림"/>
         <a:cs typeface="+mn-cs"/>
       </a:defRPr>
     </a:lvl4pPr>
@@ -826,8 +834,8 @@
         <a:solidFill>
           <a:schemeClr val="tx1"/>
         </a:solidFill>
-        <a:latin typeface="굴림" pitchFamily="50" charset="-127"/>
-        <a:ea typeface="굴림" pitchFamily="50" charset="-127"/>
+        <a:latin typeface="굴림"/>
+        <a:ea typeface="굴림"/>
         <a:cs typeface="+mn-cs"/>
       </a:defRPr>
     </a:lvl5pPr>
@@ -30277,7 +30285,7 @@
 </file>
 
 <file path=ppt/slides/slide7.xml><?xml version="1.0" encoding="utf-8"?>
-<p:sld xmlns:a="http://schemas.openxmlformats.org/drawingml/2006/main" xmlns:r="http://schemas.openxmlformats.org/officeDocument/2006/relationships" xmlns:p="http://schemas.openxmlformats.org/presentationml/2006/main">
+<p:sld xmlns:r="http://schemas.openxmlformats.org/officeDocument/2006/relationships" xmlns:c="http://schemas.openxmlformats.org/drawingml/2006/chart" xmlns:a="http://schemas.openxmlformats.org/drawingml/2006/main" xmlns:dgm="http://schemas.openxmlformats.org/drawingml/2006/diagram" xmlns:dsp="http://schemas.microsoft.com/office/drawing/2008/diagram" xmlns:p="http://schemas.openxmlformats.org/presentationml/2006/main">
   <p:cSld>
     <p:spTree>
       <p:nvGrpSpPr>
@@ -30301,20 +30309,14 @@
           </p:cNvPicPr>
           <p:nvPr/>
         </p:nvPicPr>
-        <p:blipFill>
-          <a:blip r:embed="rId2">
-            <a:extLst>
-              <a:ext uri="{28A0092B-C50C-407E-A947-70E740481C1C}">
-                <a14:useLocalDpi xmlns:a14="http://schemas.microsoft.com/office/drawing/2010/main" val="0"/>
-              </a:ext>
-            </a:extLst>
-          </a:blip>
+        <p:blipFill rotWithShape="1">
+          <a:blip r:embed="rId2"/>
           <a:srcRect/>
           <a:stretch>
             <a:fillRect/>
           </a:stretch>
         </p:blipFill>
-        <p:spPr bwMode="auto">
+        <p:spPr>
           <a:xfrm>
             <a:off x="2375077" y="1943815"/>
             <a:ext cx="2736696" cy="2699061"/>
@@ -30327,34 +30329,6 @@
             <a:noFill/>
           </a:ln>
           <a:effectLst/>
-          <a:extLst>
-            <a:ext uri="{909E8E84-426E-40DD-AFC4-6F175D3DCCD1}">
-              <a14:hiddenFill xmlns:a14="http://schemas.microsoft.com/office/drawing/2010/main">
-                <a:solidFill>
-                  <a:schemeClr val="accent1"/>
-                </a:solidFill>
-              </a14:hiddenFill>
-            </a:ext>
-            <a:ext uri="{91240B29-F687-4F45-9708-019B960494DF}">
-              <a14:hiddenLine xmlns:a14="http://schemas.microsoft.com/office/drawing/2010/main" w="9525">
-                <a:solidFill>
-                  <a:schemeClr val="tx1"/>
-                </a:solidFill>
-                <a:miter lim="800000"/>
-                <a:headEnd/>
-                <a:tailEnd/>
-              </a14:hiddenLine>
-            </a:ext>
-            <a:ext uri="{AF507438-7753-43E0-B8FC-AC1667EBCBE1}">
-              <a14:hiddenEffects xmlns:a14="http://schemas.microsoft.com/office/drawing/2010/main">
-                <a:effectLst>
-                  <a:outerShdw dist="35921" dir="2700000" algn="ctr" rotWithShape="0">
-                    <a:schemeClr val="bg2"/>
-                  </a:outerShdw>
-                </a:effectLst>
-              </a14:hiddenEffects>
-            </a:ext>
-          </a:extLst>
         </p:spPr>
       </p:pic>
       <p:sp>
@@ -30366,7 +30340,7 @@
         <p:spPr>
           <a:xfrm>
             <a:off x="3743908" y="2200424"/>
-            <a:ext cx="291519" cy="384721"/>
+            <a:ext cx="291519" cy="369421"/>
           </a:xfrm>
           <a:prstGeom prst="rect">
             <a:avLst/>
@@ -30390,22 +30364,24 @@
           </a:fontRef>
         </p:style>
         <p:txBody>
-          <a:bodyPr wrap="square" rtlCol="0">
+          <a:bodyPr wrap="square">
             <a:spAutoFit/>
           </a:bodyPr>
           <a:lstStyle/>
           <a:p>
-            <a:pPr algn="just"/>
+            <a:pPr algn="just">
+              <a:defRPr/>
+            </a:pPr>
             <a:r>
-              <a:rPr lang="ko-KR" altLang="en-US" sz="1900" dirty="0" err="1" smtClean="0">
-                <a:latin typeface="맑은 고딕" pitchFamily="50" charset="-127"/>
-                <a:ea typeface="맑은 고딕" pitchFamily="50" charset="-127"/>
+              <a:rPr lang="ko-KR" altLang="en-US" sz="1900">
+                <a:latin typeface="맑은 고딕"/>
+                <a:ea typeface="맑은 고딕"/>
               </a:rPr>
               <a:t>ㄱ</a:t>
             </a:r>
-            <a:endParaRPr lang="ko-KR" altLang="en-US" sz="1900" dirty="0" smtClean="0">
-              <a:latin typeface="맑은 고딕" pitchFamily="50" charset="-127"/>
-              <a:ea typeface="맑은 고딕" pitchFamily="50" charset="-127"/>
+            <a:endParaRPr lang="ko-KR" altLang="en-US" sz="1900">
+              <a:latin typeface="맑은 고딕"/>
+              <a:ea typeface="맑은 고딕"/>
             </a:endParaRPr>
           </a:p>
         </p:txBody>
@@ -30419,7 +30395,7 @@
         <p:spPr>
           <a:xfrm>
             <a:off x="2591780" y="3356992"/>
-            <a:ext cx="291519" cy="384721"/>
+            <a:ext cx="291519" cy="374903"/>
           </a:xfrm>
           <a:prstGeom prst="rect">
             <a:avLst/>
@@ -30443,22 +30419,24 @@
           </a:fontRef>
         </p:style>
         <p:txBody>
-          <a:bodyPr wrap="square" rtlCol="0">
+          <a:bodyPr wrap="square">
             <a:spAutoFit/>
           </a:bodyPr>
           <a:lstStyle/>
           <a:p>
-            <a:pPr algn="just"/>
+            <a:pPr algn="just">
+              <a:defRPr/>
+            </a:pPr>
             <a:r>
-              <a:rPr lang="ko-KR" altLang="en-US" sz="1900" dirty="0" err="1" smtClean="0">
-                <a:latin typeface="맑은 고딕" pitchFamily="50" charset="-127"/>
-                <a:ea typeface="맑은 고딕" pitchFamily="50" charset="-127"/>
+              <a:rPr lang="ko-KR" altLang="en-US" sz="1900">
+                <a:latin typeface="맑은 고딕"/>
+                <a:ea typeface="맑은 고딕"/>
               </a:rPr>
               <a:t>ㄴ</a:t>
             </a:r>
-            <a:endParaRPr lang="ko-KR" altLang="en-US" sz="1900" dirty="0" smtClean="0">
-              <a:latin typeface="맑은 고딕" pitchFamily="50" charset="-127"/>
-              <a:ea typeface="맑은 고딕" pitchFamily="50" charset="-127"/>
+            <a:endParaRPr lang="ko-KR" altLang="en-US" sz="1900">
+              <a:latin typeface="맑은 고딕"/>
+              <a:ea typeface="맑은 고딕"/>
             </a:endParaRPr>
           </a:p>
         </p:txBody>
@@ -30496,22 +30474,24 @@
           </a:fontRef>
         </p:style>
         <p:txBody>
-          <a:bodyPr wrap="square" rtlCol="0">
+          <a:bodyPr wrap="square">
             <a:spAutoFit/>
           </a:bodyPr>
           <a:lstStyle/>
           <a:p>
-            <a:pPr algn="just"/>
+            <a:pPr algn="just">
+              <a:defRPr/>
+            </a:pPr>
             <a:r>
-              <a:rPr lang="ko-KR" altLang="en-US" sz="1900" dirty="0" err="1" smtClean="0">
-                <a:latin typeface="맑은 고딕" pitchFamily="50" charset="-127"/>
-                <a:ea typeface="맑은 고딕" pitchFamily="50" charset="-127"/>
+              <a:rPr lang="ko-KR" altLang="en-US" sz="1900">
+                <a:latin typeface="맑은 고딕"/>
+                <a:ea typeface="맑은 고딕"/>
               </a:rPr>
               <a:t>ㄷ</a:t>
             </a:r>
-            <a:endParaRPr lang="ko-KR" altLang="en-US" sz="1900" dirty="0" smtClean="0">
-              <a:latin typeface="맑은 고딕" pitchFamily="50" charset="-127"/>
-              <a:ea typeface="맑은 고딕" pitchFamily="50" charset="-127"/>
+            <a:endParaRPr lang="ko-KR" altLang="en-US" sz="1900">
+              <a:latin typeface="맑은 고딕"/>
+              <a:ea typeface="맑은 고딕"/>
             </a:endParaRPr>
           </a:p>
         </p:txBody>
@@ -30549,22 +30529,24 @@
           </a:fontRef>
         </p:style>
         <p:txBody>
-          <a:bodyPr wrap="square" rtlCol="0">
+          <a:bodyPr wrap="square">
             <a:spAutoFit/>
           </a:bodyPr>
           <a:lstStyle/>
           <a:p>
-            <a:pPr algn="just"/>
+            <a:pPr algn="just">
+              <a:defRPr/>
+            </a:pPr>
             <a:r>
-              <a:rPr lang="ko-KR" altLang="en-US" sz="1900" dirty="0" err="1" smtClean="0">
-                <a:latin typeface="맑은 고딕" pitchFamily="50" charset="-127"/>
-                <a:ea typeface="맑은 고딕" pitchFamily="50" charset="-127"/>
+              <a:rPr lang="ko-KR" altLang="en-US" sz="1900">
+                <a:latin typeface="맑은 고딕"/>
+                <a:ea typeface="맑은 고딕"/>
               </a:rPr>
               <a:t>ㄹ</a:t>
             </a:r>
-            <a:endParaRPr lang="ko-KR" altLang="en-US" sz="1900" dirty="0" smtClean="0">
-              <a:latin typeface="맑은 고딕" pitchFamily="50" charset="-127"/>
-              <a:ea typeface="맑은 고딕" pitchFamily="50" charset="-127"/>
+            <a:endParaRPr lang="ko-KR" altLang="en-US" sz="1900">
+              <a:latin typeface="맑은 고딕"/>
+              <a:ea typeface="맑은 고딕"/>
             </a:endParaRPr>
           </a:p>
         </p:txBody>
@@ -30578,7 +30560,7 @@
         <p:spPr>
           <a:xfrm>
             <a:off x="3779912" y="2960948"/>
-            <a:ext cx="291519" cy="384721"/>
+            <a:ext cx="291519" cy="370897"/>
           </a:xfrm>
           <a:prstGeom prst="rect">
             <a:avLst/>
@@ -30602,22 +30584,24 @@
           </a:fontRef>
         </p:style>
         <p:txBody>
-          <a:bodyPr wrap="square" rtlCol="0">
+          <a:bodyPr wrap="square">
             <a:spAutoFit/>
           </a:bodyPr>
           <a:lstStyle/>
           <a:p>
-            <a:pPr algn="just"/>
+            <a:pPr algn="just">
+              <a:defRPr/>
+            </a:pPr>
             <a:r>
-              <a:rPr lang="ko-KR" altLang="en-US" sz="1900" smtClean="0">
-                <a:latin typeface="맑은 고딕" pitchFamily="50" charset="-127"/>
-                <a:ea typeface="맑은 고딕" pitchFamily="50" charset="-127"/>
+              <a:rPr lang="ko-KR" altLang="en-US" sz="1900">
+                <a:latin typeface="맑은 고딕"/>
+                <a:ea typeface="맑은 고딕"/>
               </a:rPr>
               <a:t>ㅁ</a:t>
             </a:r>
-            <a:endParaRPr lang="ko-KR" altLang="en-US" sz="1900" dirty="0" smtClean="0">
-              <a:latin typeface="맑은 고딕" pitchFamily="50" charset="-127"/>
-              <a:ea typeface="맑은 고딕" pitchFamily="50" charset="-127"/>
+            <a:endParaRPr lang="ko-KR" altLang="en-US" sz="1900">
+              <a:latin typeface="맑은 고딕"/>
+              <a:ea typeface="맑은 고딕"/>
             </a:endParaRPr>
           </a:p>
         </p:txBody>
@@ -30637,17 +30621,15 @@
         <a:graphic>
           <a:graphicData uri="http://schemas.openxmlformats.org/drawingml/2006/table">
             <a:tbl>
-              <a:tblPr/>
               <a:tblGrid>
                 <a:gridCol w="2016125"/>
               </a:tblGrid>
               <a:tr h="189064">
                 <a:tc>
                   <a:txBody>
-                    <a:bodyPr/>
-                    <a:lstStyle/>
+                    <a:bodyPr vert="horz" lIns="53929" tIns="25167" rIns="53929" bIns="25167" anchor="ctr" anchorCtr="0"/>
                     <a:p>
-                      <a:pPr marL="0" marR="0" lvl="0" indent="0" algn="l" defTabSz="850900" rtl="0" eaLnBrk="1" fontAlgn="base" latinLnBrk="1" hangingPunct="1">
+                      <a:pPr marL="0" marR="0" lvl="0" indent="0" algn="l" defTabSz="850900" rtl="0" eaLnBrk="1" latinLnBrk="1" hangingPunct="1">
                         <a:lnSpc>
                           <a:spcPct val="90000"/>
                         </a:lnSpc>
@@ -30658,35 +30640,28 @@
                           <a:spcPct val="0"/>
                         </a:spcAft>
                         <a:buClrTx/>
-                        <a:buSzTx/>
                         <a:buFontTx/>
                         <a:buNone/>
-                        <a:tabLst/>
+                        <a:defRPr/>
                       </a:pPr>
                       <a:r>
-                        <a:rPr kumimoji="1" lang="en-US" altLang="ko-KR" sz="1000" b="0" i="0" u="none" strike="noStrike" cap="none" normalizeH="0" baseline="0" dirty="0" smtClean="0">
-                          <a:ln>
-                            <a:noFill/>
-                          </a:ln>
+                        <a:rPr kumimoji="1" lang="en-US" altLang="ko-KR" sz="1000" b="0" i="0" u="none" strike="noStrike" cap="none" normalizeH="0" baseline="0">
                           <a:solidFill>
                             <a:schemeClr val="tx1"/>
                           </a:solidFill>
                           <a:effectLst/>
-                          <a:latin typeface="맑은 고딕" pitchFamily="50" charset="-127"/>
-                          <a:ea typeface="맑은 고딕" pitchFamily="50" charset="-127"/>
+                          <a:latin typeface="맑은 고딕"/>
+                          <a:ea typeface="맑은 고딕"/>
                         </a:rPr>
                         <a:t>Θ Description &amp; Function</a:t>
                       </a:r>
-                      <a:endParaRPr kumimoji="1" lang="ko-KR" altLang="en-US" sz="1000" b="0" i="0" u="none" strike="noStrike" cap="none" normalizeH="0" baseline="0" dirty="0" smtClean="0">
-                        <a:ln>
-                          <a:noFill/>
-                        </a:ln>
+                      <a:endParaRPr kumimoji="1" lang="ko-KR" altLang="en-US" sz="1000" b="0" i="0" u="none" strike="noStrike" cap="none" normalizeH="0" baseline="0">
                         <a:solidFill>
                           <a:schemeClr val="tx1"/>
                         </a:solidFill>
                         <a:effectLst/>
-                        <a:latin typeface="맑은 고딕" pitchFamily="50" charset="-127"/>
-                        <a:ea typeface="맑은 고딕" pitchFamily="50" charset="-127"/>
+                        <a:latin typeface="맑은 고딕"/>
+                        <a:ea typeface="맑은 고딕"/>
                       </a:endParaRPr>
                     </a:p>
                   </a:txBody>
@@ -30697,8 +30672,6 @@
                       </a:solidFill>
                       <a:prstDash val="solid"/>
                       <a:round/>
-                      <a:headEnd type="none" w="med" len="med"/>
-                      <a:tailEnd type="none" w="med" len="med"/>
                     </a:lnL>
                     <a:lnR w="12700" cap="flat" cmpd="sng" algn="ctr">
                       <a:solidFill>
@@ -30706,8 +30679,6 @@
                       </a:solidFill>
                       <a:prstDash val="solid"/>
                       <a:round/>
-                      <a:headEnd type="none" w="med" len="med"/>
-                      <a:tailEnd type="none" w="med" len="med"/>
                     </a:lnR>
                     <a:lnT w="12700" cap="flat" cmpd="sng" algn="ctr">
                       <a:solidFill>
@@ -30715,8 +30686,6 @@
                       </a:solidFill>
                       <a:prstDash val="solid"/>
                       <a:round/>
-                      <a:headEnd type="none" w="med" len="med"/>
-                      <a:tailEnd type="none" w="med" len="med"/>
                     </a:lnT>
                     <a:lnB w="12700" cap="flat" cmpd="sng" algn="ctr">
                       <a:solidFill>
@@ -30724,8 +30693,6 @@
                       </a:solidFill>
                       <a:prstDash val="solid"/>
                       <a:round/>
-                      <a:headEnd type="none" w="med" len="med"/>
-                      <a:tailEnd type="none" w="med" len="med"/>
                     </a:lnB>
                     <a:lnTlToBr>
                       <a:noFill/>
@@ -30734,7 +30701,7 @@
                       <a:noFill/>
                     </a:lnBlToTr>
                     <a:solidFill>
-                      <a:srgbClr val="DDDDDD"/>
+                      <a:srgbClr val="dddddd"/>
                     </a:solidFill>
                   </a:tcPr>
                 </a:tc>
@@ -30752,7 +30719,7 @@
         <p:spPr>
           <a:xfrm>
             <a:off x="644499" y="1604119"/>
-            <a:ext cx="6110881" cy="384721"/>
+            <a:ext cx="6110881" cy="375176"/>
           </a:xfrm>
           <a:prstGeom prst="rect">
             <a:avLst/>
@@ -30763,7 +30730,7 @@
           </a:ln>
         </p:spPr>
         <p:txBody>
-          <a:bodyPr wrap="square" rtlCol="0">
+          <a:bodyPr wrap="square">
             <a:spAutoFit/>
           </a:bodyPr>
           <a:lstStyle>
@@ -30781,8 +30748,8 @@
                 <a:solidFill>
                   <a:schemeClr val="tx1"/>
                 </a:solidFill>
-                <a:latin typeface="돋움" pitchFamily="50" charset="-127"/>
-                <a:ea typeface="굴림" charset="-127"/>
+                <a:latin typeface="돋움"/>
+                <a:ea typeface="굴림"/>
                 <a:cs typeface="+mn-cs"/>
               </a:defRPr>
             </a:lvl1pPr>
@@ -30797,8 +30764,8 @@
                 <a:solidFill>
                   <a:schemeClr val="tx1"/>
                 </a:solidFill>
-                <a:latin typeface="돋움" pitchFamily="50" charset="-127"/>
-                <a:ea typeface="굴림" charset="-127"/>
+                <a:latin typeface="돋움"/>
+                <a:ea typeface="굴림"/>
                 <a:cs typeface="+mn-cs"/>
               </a:defRPr>
             </a:lvl2pPr>
@@ -30813,8 +30780,8 @@
                 <a:solidFill>
                   <a:schemeClr val="tx1"/>
                 </a:solidFill>
-                <a:latin typeface="돋움" pitchFamily="50" charset="-127"/>
-                <a:ea typeface="굴림" charset="-127"/>
+                <a:latin typeface="돋움"/>
+                <a:ea typeface="굴림"/>
                 <a:cs typeface="+mn-cs"/>
               </a:defRPr>
             </a:lvl3pPr>
@@ -30829,8 +30796,8 @@
                 <a:solidFill>
                   <a:schemeClr val="tx1"/>
                 </a:solidFill>
-                <a:latin typeface="돋움" pitchFamily="50" charset="-127"/>
-                <a:ea typeface="굴림" charset="-127"/>
+                <a:latin typeface="돋움"/>
+                <a:ea typeface="굴림"/>
                 <a:cs typeface="+mn-cs"/>
               </a:defRPr>
             </a:lvl4pPr>
@@ -30845,8 +30812,8 @@
                 <a:solidFill>
                   <a:schemeClr val="tx1"/>
                 </a:solidFill>
-                <a:latin typeface="돋움" pitchFamily="50" charset="-127"/>
-                <a:ea typeface="굴림" charset="-127"/>
+                <a:latin typeface="돋움"/>
+                <a:ea typeface="굴림"/>
                 <a:cs typeface="+mn-cs"/>
               </a:defRPr>
             </a:lvl5pPr>
@@ -30855,8 +30822,8 @@
                 <a:solidFill>
                   <a:schemeClr val="tx1"/>
                 </a:solidFill>
-                <a:latin typeface="돋움" pitchFamily="50" charset="-127"/>
-                <a:ea typeface="굴림" charset="-127"/>
+                <a:latin typeface="돋움"/>
+                <a:ea typeface="굴림"/>
                 <a:cs typeface="+mn-cs"/>
               </a:defRPr>
             </a:lvl6pPr>
@@ -30865,8 +30832,8 @@
                 <a:solidFill>
                   <a:schemeClr val="tx1"/>
                 </a:solidFill>
-                <a:latin typeface="돋움" pitchFamily="50" charset="-127"/>
-                <a:ea typeface="굴림" charset="-127"/>
+                <a:latin typeface="돋움"/>
+                <a:ea typeface="굴림"/>
                 <a:cs typeface="+mn-cs"/>
               </a:defRPr>
             </a:lvl7pPr>
@@ -30875,8 +30842,8 @@
                 <a:solidFill>
                   <a:schemeClr val="tx1"/>
                 </a:solidFill>
-                <a:latin typeface="돋움" pitchFamily="50" charset="-127"/>
-                <a:ea typeface="굴림" charset="-127"/>
+                <a:latin typeface="돋움"/>
+                <a:ea typeface="굴림"/>
                 <a:cs typeface="+mn-cs"/>
               </a:defRPr>
             </a:lvl8pPr>
@@ -30885,28 +30852,34 @@
                 <a:solidFill>
                   <a:schemeClr val="tx1"/>
                 </a:solidFill>
-                <a:latin typeface="돋움" pitchFamily="50" charset="-127"/>
-                <a:ea typeface="굴림" charset="-127"/>
+                <a:latin typeface="돋움"/>
+                <a:ea typeface="굴림"/>
                 <a:cs typeface="+mn-cs"/>
               </a:defRPr>
             </a:lvl9pPr>
           </a:lstStyle>
           <a:p>
-            <a:pPr algn="just"/>
+            <a:pPr algn="just">
+              <a:defRPr/>
+            </a:pPr>
             <a:r>
-              <a:rPr lang="ko-KR" altLang="en-US" sz="1900" spc="-150" dirty="0" smtClean="0">
-                <a:latin typeface="맑은 고딕" pitchFamily="50" charset="-127"/>
-                <a:ea typeface="맑은 고딕" pitchFamily="50" charset="-127"/>
+              <a:rPr lang="ko-KR" altLang="en-US" sz="1900" b="0" spc="-150">
+                <a:latin typeface="맑은 고딕"/>
+                <a:ea typeface="맑은 고딕"/>
               </a:rPr>
               <a:t>직각을 모두 찾아 기호로 나타내 보세요</a:t>
             </a:r>
             <a:r>
-              <a:rPr lang="en-US" altLang="ko-KR" sz="1900" spc="-150" dirty="0" smtClean="0">
-                <a:latin typeface="맑은 고딕" pitchFamily="50" charset="-127"/>
-                <a:ea typeface="맑은 고딕" pitchFamily="50" charset="-127"/>
+              <a:rPr lang="en-US" altLang="ko-KR" sz="1900" b="0" spc="-150">
+                <a:latin typeface="맑은 고딕"/>
+                <a:ea typeface="맑은 고딕"/>
               </a:rPr>
               <a:t>.</a:t>
             </a:r>
+            <a:endParaRPr lang="en-US" altLang="ko-KR" sz="1900" b="0" spc="-150">
+              <a:latin typeface="맑은 고딕"/>
+              <a:ea typeface="맑은 고딕"/>
+            </a:endParaRPr>
           </a:p>
         </p:txBody>
       </p:sp>
@@ -30951,10 +30924,12 @@
           </a:fontRef>
         </p:style>
         <p:txBody>
-          <a:bodyPr rtlCol="0" anchor="ctr"/>
+          <a:bodyPr anchor="ctr"/>
           <a:lstStyle/>
           <a:p>
-            <a:pPr algn="ctr"/>
+            <a:pPr algn="ctr">
+              <a:defRPr/>
+            </a:pPr>
             <a:endParaRPr lang="ko-KR" altLang="en-US"/>
           </a:p>
         </p:txBody>
@@ -30967,10 +30942,10 @@
           </p:cNvSpPr>
           <p:nvPr/>
         </p:nvSpPr>
-        <p:spPr bwMode="auto">
+        <p:spPr>
           <a:xfrm>
             <a:off x="5547058" y="1196752"/>
-            <a:ext cx="285082" cy="313547"/>
+            <a:ext cx="285082" cy="334868"/>
           </a:xfrm>
           <a:prstGeom prst="rect">
             <a:avLst/>
@@ -30978,9 +30953,7 @@
           <a:noFill/>
           <a:ln w="9525">
             <a:noFill/>
-            <a:miter lim="800000"/>
-            <a:headEnd/>
-            <a:tailEnd/>
+            <a:miter/>
           </a:ln>
         </p:spPr>
         <p:txBody>
@@ -31087,17 +31060,25 @@
               <a:lnSpc>
                 <a:spcPct val="150000"/>
               </a:lnSpc>
+              <a:defRPr/>
             </a:pPr>
             <a:r>
-              <a:rPr lang="en-US" altLang="ko-KR" sz="1100" b="1" dirty="0" smtClean="0">
+              <a:rPr lang="en-US" altLang="ko-KR" sz="1100" b="1">
                 <a:solidFill>
                   <a:schemeClr val="bg1"/>
                 </a:solidFill>
-                <a:latin typeface="맑은 고딕" pitchFamily="50" charset="-127"/>
-                <a:ea typeface="맑은 고딕" pitchFamily="50" charset="-127"/>
+                <a:latin typeface="맑은 고딕"/>
+                <a:ea typeface="맑은 고딕"/>
               </a:rPr>
               <a:t>1</a:t>
             </a:r>
+            <a:endParaRPr lang="en-US" altLang="ko-KR" sz="1100" b="1">
+              <a:solidFill>
+                <a:schemeClr val="bg1"/>
+              </a:solidFill>
+              <a:latin typeface="맑은 고딕"/>
+              <a:ea typeface="맑은 고딕"/>
+            </a:endParaRPr>
           </a:p>
         </p:txBody>
       </p:sp>
@@ -31141,10 +31122,12 @@
           </a:fontRef>
         </p:style>
         <p:txBody>
-          <a:bodyPr rtlCol="0" anchor="ctr"/>
+          <a:bodyPr anchor="ctr"/>
           <a:lstStyle/>
           <a:p>
-            <a:pPr algn="ctr"/>
+            <a:pPr algn="ctr">
+              <a:defRPr/>
+            </a:pPr>
             <a:endParaRPr lang="ko-KR" altLang="en-US"/>
           </a:p>
         </p:txBody>
@@ -31157,10 +31140,10 @@
           </p:cNvSpPr>
           <p:nvPr/>
         </p:nvSpPr>
-        <p:spPr bwMode="auto">
+        <p:spPr>
           <a:xfrm>
             <a:off x="6404486" y="1191789"/>
-            <a:ext cx="288039" cy="313547"/>
+            <a:ext cx="288039" cy="330306"/>
           </a:xfrm>
           <a:prstGeom prst="rect">
             <a:avLst/>
@@ -31168,9 +31151,7 @@
           <a:noFill/>
           <a:ln w="9525">
             <a:noFill/>
-            <a:miter lim="800000"/>
-            <a:headEnd/>
-            <a:tailEnd/>
+            <a:miter/>
           </a:ln>
         </p:spPr>
         <p:txBody>
@@ -31277,17 +31258,25 @@
               <a:lnSpc>
                 <a:spcPct val="150000"/>
               </a:lnSpc>
+              <a:defRPr/>
             </a:pPr>
             <a:r>
-              <a:rPr lang="en-US" altLang="ko-KR" sz="1100" b="1" dirty="0" smtClean="0">
+              <a:rPr lang="en-US" altLang="ko-KR" sz="1100" b="1">
                 <a:solidFill>
                   <a:schemeClr val="bg1"/>
                 </a:solidFill>
-                <a:latin typeface="맑은 고딕" pitchFamily="50" charset="-127"/>
-                <a:ea typeface="맑은 고딕" pitchFamily="50" charset="-127"/>
+                <a:latin typeface="맑은 고딕"/>
+                <a:ea typeface="맑은 고딕"/>
               </a:rPr>
               <a:t>4</a:t>
             </a:r>
+            <a:endParaRPr lang="en-US" altLang="ko-KR" sz="1100" b="1">
+              <a:solidFill>
+                <a:schemeClr val="bg1"/>
+              </a:solidFill>
+              <a:latin typeface="맑은 고딕"/>
+              <a:ea typeface="맑은 고딕"/>
+            </a:endParaRPr>
           </a:p>
         </p:txBody>
       </p:sp>
@@ -31332,10 +31321,12 @@
           </a:fontRef>
         </p:style>
         <p:txBody>
-          <a:bodyPr rtlCol="0" anchor="ctr"/>
+          <a:bodyPr anchor="ctr"/>
           <a:lstStyle/>
           <a:p>
-            <a:pPr algn="ctr"/>
+            <a:pPr algn="ctr">
+              <a:defRPr/>
+            </a:pPr>
             <a:endParaRPr lang="ko-KR" altLang="en-US"/>
           </a:p>
         </p:txBody>
@@ -31348,10 +31339,10 @@
           </p:cNvSpPr>
           <p:nvPr/>
         </p:nvSpPr>
-        <p:spPr bwMode="auto">
+        <p:spPr>
           <a:xfrm>
             <a:off x="6112743" y="1185439"/>
-            <a:ext cx="302036" cy="313547"/>
+            <a:ext cx="302036" cy="336656"/>
           </a:xfrm>
           <a:prstGeom prst="rect">
             <a:avLst/>
@@ -31359,9 +31350,7 @@
           <a:noFill/>
           <a:ln w="9525">
             <a:noFill/>
-            <a:miter lim="800000"/>
-            <a:headEnd/>
-            <a:tailEnd/>
+            <a:miter/>
           </a:ln>
         </p:spPr>
         <p:txBody>
@@ -31468,23 +31457,24 @@
               <a:lnSpc>
                 <a:spcPct val="150000"/>
               </a:lnSpc>
+              <a:defRPr/>
             </a:pPr>
             <a:r>
-              <a:rPr lang="en-US" altLang="ko-KR" sz="1100" b="1" dirty="0">
+              <a:rPr lang="en-US" altLang="ko-KR" sz="1100" b="1">
                 <a:solidFill>
                   <a:schemeClr val="bg1"/>
                 </a:solidFill>
-                <a:latin typeface="맑은 고딕" pitchFamily="50" charset="-127"/>
-                <a:ea typeface="맑은 고딕" pitchFamily="50" charset="-127"/>
+                <a:latin typeface="맑은 고딕"/>
+                <a:ea typeface="맑은 고딕"/>
               </a:rPr>
               <a:t>3</a:t>
             </a:r>
-            <a:endParaRPr lang="en-US" altLang="ko-KR" sz="1100" b="1" dirty="0" smtClean="0">
+            <a:endParaRPr lang="en-US" altLang="ko-KR" sz="1100" b="1">
               <a:solidFill>
                 <a:schemeClr val="bg1"/>
               </a:solidFill>
-              <a:latin typeface="맑은 고딕" pitchFamily="50" charset="-127"/>
-              <a:ea typeface="맑은 고딕" pitchFamily="50" charset="-127"/>
+              <a:latin typeface="맑은 고딕"/>
+              <a:ea typeface="맑은 고딕"/>
             </a:endParaRPr>
           </a:p>
         </p:txBody>
@@ -31530,10 +31520,12 @@
           </a:fontRef>
         </p:style>
         <p:txBody>
-          <a:bodyPr rtlCol="0" anchor="ctr"/>
+          <a:bodyPr anchor="ctr"/>
           <a:lstStyle/>
           <a:p>
-            <a:pPr algn="ctr"/>
+            <a:pPr algn="ctr">
+              <a:defRPr/>
+            </a:pPr>
             <a:endParaRPr lang="ko-KR" altLang="en-US"/>
           </a:p>
         </p:txBody>
@@ -31546,10 +31538,10 @@
           </p:cNvSpPr>
           <p:nvPr/>
         </p:nvSpPr>
-        <p:spPr bwMode="auto">
+        <p:spPr>
           <a:xfrm>
             <a:off x="5837954" y="1178152"/>
-            <a:ext cx="285082" cy="313547"/>
+            <a:ext cx="285082" cy="334418"/>
           </a:xfrm>
           <a:prstGeom prst="rect">
             <a:avLst/>
@@ -31557,9 +31549,7 @@
           <a:noFill/>
           <a:ln w="9525">
             <a:noFill/>
-            <a:miter lim="800000"/>
-            <a:headEnd/>
-            <a:tailEnd/>
+            <a:miter/>
           </a:ln>
         </p:spPr>
         <p:txBody>
@@ -31666,23 +31656,24 @@
               <a:lnSpc>
                 <a:spcPct val="150000"/>
               </a:lnSpc>
+              <a:defRPr/>
             </a:pPr>
             <a:r>
-              <a:rPr lang="en-US" altLang="ko-KR" sz="1100" b="1" dirty="0">
+              <a:rPr lang="en-US" altLang="ko-KR" sz="1100" b="1">
                 <a:solidFill>
                   <a:schemeClr val="bg1"/>
                 </a:solidFill>
-                <a:latin typeface="맑은 고딕" pitchFamily="50" charset="-127"/>
-                <a:ea typeface="맑은 고딕" pitchFamily="50" charset="-127"/>
+                <a:latin typeface="맑은 고딕"/>
+                <a:ea typeface="맑은 고딕"/>
               </a:rPr>
               <a:t>2</a:t>
             </a:r>
-            <a:endParaRPr lang="en-US" altLang="ko-KR" sz="1100" b="1" dirty="0" smtClean="0">
+            <a:endParaRPr lang="en-US" altLang="ko-KR" sz="1100" b="1">
               <a:solidFill>
                 <a:schemeClr val="bg1"/>
               </a:solidFill>
-              <a:latin typeface="맑은 고딕" pitchFamily="50" charset="-127"/>
-              <a:ea typeface="맑은 고딕" pitchFamily="50" charset="-127"/>
+              <a:latin typeface="맑은 고딕"/>
+              <a:ea typeface="맑은 고딕"/>
             </a:endParaRPr>
           </a:p>
         </p:txBody>
@@ -31728,10 +31719,12 @@
           </a:fontRef>
         </p:style>
         <p:txBody>
-          <a:bodyPr rtlCol="0" anchor="ctr"/>
+          <a:bodyPr anchor="ctr"/>
           <a:lstStyle/>
           <a:p>
-            <a:pPr algn="ctr"/>
+            <a:pPr algn="ctr">
+              <a:defRPr/>
+            </a:pPr>
             <a:endParaRPr lang="ko-KR" altLang="en-US"/>
           </a:p>
         </p:txBody>
@@ -31744,10 +31737,10 @@
           </p:cNvSpPr>
           <p:nvPr/>
         </p:nvSpPr>
-        <p:spPr bwMode="auto">
+        <p:spPr>
           <a:xfrm>
             <a:off x="4824028" y="1196780"/>
-            <a:ext cx="729605" cy="346249"/>
+            <a:ext cx="729605" cy="334840"/>
           </a:xfrm>
           <a:prstGeom prst="rect">
             <a:avLst/>
@@ -31755,9 +31748,7 @@
           <a:noFill/>
           <a:ln w="9525">
             <a:noFill/>
-            <a:miter lim="800000"/>
-            <a:headEnd/>
-            <a:tailEnd/>
+            <a:miter/>
           </a:ln>
         </p:spPr>
         <p:txBody>
@@ -31864,23 +31855,24 @@
               <a:lnSpc>
                 <a:spcPct val="150000"/>
               </a:lnSpc>
+              <a:defRPr/>
             </a:pPr>
             <a:r>
-              <a:rPr lang="ko-KR" altLang="en-US" sz="1100" b="1" spc="-150" dirty="0" smtClean="0">
+              <a:rPr lang="ko-KR" altLang="en-US" sz="1100" b="1" spc="-150">
                 <a:solidFill>
                   <a:schemeClr val="bg1"/>
                 </a:solidFill>
-                <a:latin typeface="맑은 고딕" pitchFamily="50" charset="-127"/>
-                <a:ea typeface="맑은 고딕" pitchFamily="50" charset="-127"/>
+                <a:latin typeface="맑은 고딕"/>
+                <a:ea typeface="맑은 고딕"/>
               </a:rPr>
               <a:t>개념 정리</a:t>
             </a:r>
-            <a:endParaRPr lang="en-US" altLang="ko-KR" sz="1100" b="1" spc="-150" dirty="0" smtClean="0">
+            <a:endParaRPr lang="en-US" altLang="ko-KR" sz="1100" b="1" spc="-150">
               <a:solidFill>
                 <a:schemeClr val="bg1"/>
               </a:solidFill>
-              <a:latin typeface="맑은 고딕" pitchFamily="50" charset="-127"/>
-              <a:ea typeface="맑은 고딕" pitchFamily="50" charset="-127"/>
+              <a:latin typeface="맑은 고딕"/>
+              <a:ea typeface="맑은 고딕"/>
             </a:endParaRPr>
           </a:p>
         </p:txBody>
@@ -31893,20 +31885,14 @@
           </p:cNvPicPr>
           <p:nvPr/>
         </p:nvPicPr>
-        <p:blipFill>
-          <a:blip r:embed="rId3">
-            <a:extLst>
-              <a:ext uri="{28A0092B-C50C-407E-A947-70E740481C1C}">
-                <a14:useLocalDpi xmlns:a14="http://schemas.microsoft.com/office/drawing/2010/main" val="0"/>
-              </a:ext>
-            </a:extLst>
-          </a:blip>
+        <p:blipFill rotWithShape="1">
+          <a:blip r:embed="rId3"/>
           <a:srcRect/>
           <a:stretch>
             <a:fillRect/>
           </a:stretch>
         </p:blipFill>
-        <p:spPr bwMode="auto">
+        <p:spPr>
           <a:xfrm>
             <a:off x="5782406" y="5237364"/>
             <a:ext cx="985838" cy="323850"/>
@@ -31919,34 +31905,6 @@
             <a:noFill/>
           </a:ln>
           <a:effectLst/>
-          <a:extLst>
-            <a:ext uri="{909E8E84-426E-40DD-AFC4-6F175D3DCCD1}">
-              <a14:hiddenFill xmlns:a14="http://schemas.microsoft.com/office/drawing/2010/main">
-                <a:solidFill>
-                  <a:schemeClr val="accent1"/>
-                </a:solidFill>
-              </a14:hiddenFill>
-            </a:ext>
-            <a:ext uri="{91240B29-F687-4F45-9708-019B960494DF}">
-              <a14:hiddenLine xmlns:a14="http://schemas.microsoft.com/office/drawing/2010/main" w="9525">
-                <a:solidFill>
-                  <a:schemeClr val="tx1"/>
-                </a:solidFill>
-                <a:miter lim="800000"/>
-                <a:headEnd/>
-                <a:tailEnd/>
-              </a14:hiddenLine>
-            </a:ext>
-            <a:ext uri="{AF507438-7753-43E0-B8FC-AC1667EBCBE1}">
-              <a14:hiddenEffects xmlns:a14="http://schemas.microsoft.com/office/drawing/2010/main">
-                <a:effectLst>
-                  <a:outerShdw dist="35921" dir="2700000" algn="ctr" rotWithShape="0">
-                    <a:schemeClr val="bg2"/>
-                  </a:outerShdw>
-                </a:effectLst>
-              </a14:hiddenEffects>
-            </a:ext>
-          </a:extLst>
         </p:spPr>
       </p:pic>
       <p:pic>
@@ -31957,20 +31915,14 @@
           </p:cNvPicPr>
           <p:nvPr/>
         </p:nvPicPr>
-        <p:blipFill>
-          <a:blip r:embed="rId4">
-            <a:extLst>
-              <a:ext uri="{28A0092B-C50C-407E-A947-70E740481C1C}">
-                <a14:useLocalDpi xmlns:a14="http://schemas.microsoft.com/office/drawing/2010/main" val="0"/>
-              </a:ext>
-            </a:extLst>
-          </a:blip>
+        <p:blipFill rotWithShape="1">
+          <a:blip r:embed="rId4"/>
           <a:srcRect/>
           <a:stretch>
             <a:fillRect/>
           </a:stretch>
         </p:blipFill>
-        <p:spPr bwMode="auto">
+        <p:spPr>
           <a:xfrm>
             <a:off x="317431" y="1628263"/>
             <a:ext cx="373229" cy="360577"/>
@@ -31982,25 +31934,6 @@
           <a:ln>
             <a:noFill/>
           </a:ln>
-          <a:extLst>
-            <a:ext uri="{909E8E84-426E-40DD-AFC4-6F175D3DCCD1}">
-              <a14:hiddenFill xmlns:a14="http://schemas.microsoft.com/office/drawing/2010/main">
-                <a:solidFill>
-                  <a:schemeClr val="accent1"/>
-                </a:solidFill>
-              </a14:hiddenFill>
-            </a:ext>
-            <a:ext uri="{91240B29-F687-4F45-9708-019B960494DF}">
-              <a14:hiddenLine xmlns:a14="http://schemas.microsoft.com/office/drawing/2010/main" w="9525">
-                <a:solidFill>
-                  <a:schemeClr val="tx1"/>
-                </a:solidFill>
-                <a:miter lim="800000"/>
-                <a:headEnd/>
-                <a:tailEnd/>
-              </a14:hiddenLine>
-            </a:ext>
-          </a:extLst>
         </p:spPr>
       </p:pic>
       <p:sp>
@@ -32012,7 +31945,7 @@
         <p:spPr>
           <a:xfrm>
             <a:off x="7018371" y="1092168"/>
-            <a:ext cx="2125629" cy="2092881"/>
+            <a:ext cx="2125629" cy="2068227"/>
           </a:xfrm>
           <a:prstGeom prst="rect">
             <a:avLst/>
@@ -32020,186 +31953,182 @@
           <a:noFill/>
         </p:spPr>
         <p:txBody>
-          <a:bodyPr wrap="square" rtlCol="0">
+          <a:bodyPr wrap="square">
             <a:spAutoFit/>
           </a:bodyPr>
           <a:lstStyle/>
           <a:p>
             <a:pPr marL="228600" indent="-228600" algn="just">
               <a:buAutoNum type="arabicPeriod"/>
+              <a:defRPr/>
             </a:pPr>
-            <a:endParaRPr lang="en-US" altLang="ko-KR" sz="1000" dirty="0">
-              <a:latin typeface="맑은 고딕" pitchFamily="50" charset="-127"/>
-              <a:ea typeface="맑은 고딕" pitchFamily="50" charset="-127"/>
+            <a:endParaRPr lang="en-US" altLang="ko-KR" sz="1000">
+              <a:latin typeface="맑은 고딕"/>
+              <a:ea typeface="맑은 고딕"/>
             </a:endParaRPr>
           </a:p>
           <a:p>
             <a:pPr marL="228600" indent="-228600">
               <a:buFontTx/>
               <a:buAutoNum type="arabicPeriod"/>
+              <a:defRPr/>
             </a:pPr>
             <a:r>
-              <a:rPr lang="ko-KR" altLang="en-US" sz="1000" dirty="0" smtClean="0">
-                <a:latin typeface="맑은 고딕" pitchFamily="50" charset="-127"/>
-                <a:ea typeface="맑은 고딕" pitchFamily="50" charset="-127"/>
+              <a:rPr lang="ko-KR" altLang="en-US" sz="1000">
+                <a:latin typeface="맑은 고딕"/>
+                <a:ea typeface="맑은 고딕"/>
               </a:rPr>
               <a:t>삽화 위에 텍스트 삽입</a:t>
             </a:r>
             <a:r>
-              <a:rPr lang="en-US" altLang="ko-KR" sz="1000" dirty="0" smtClean="0">
-                <a:latin typeface="맑은 고딕" pitchFamily="50" charset="-127"/>
-                <a:ea typeface="맑은 고딕" pitchFamily="50" charset="-127"/>
+              <a:rPr lang="en-US" altLang="ko-KR" sz="1000">
+                <a:latin typeface="맑은 고딕"/>
+                <a:ea typeface="맑은 고딕"/>
               </a:rPr>
               <a:t>.</a:t>
             </a:r>
             <a:br>
-              <a:rPr lang="en-US" altLang="ko-KR" sz="1000" dirty="0" smtClean="0">
-                <a:latin typeface="맑은 고딕" pitchFamily="50" charset="-127"/>
-                <a:ea typeface="맑은 고딕" pitchFamily="50" charset="-127"/>
+              <a:rPr lang="en-US" altLang="ko-KR" sz="1000">
+                <a:latin typeface="맑은 고딕"/>
+                <a:ea typeface="맑은 고딕"/>
               </a:rPr>
             </a:br>
             <a:r>
-              <a:rPr lang="ko-KR" altLang="en-US" sz="1000" dirty="0" smtClean="0">
-                <a:latin typeface="맑은 고딕" pitchFamily="50" charset="-127"/>
-                <a:ea typeface="맑은 고딕" pitchFamily="50" charset="-127"/>
+              <a:rPr lang="ko-KR" altLang="en-US" sz="1000">
+                <a:latin typeface="맑은 고딕"/>
+                <a:ea typeface="맑은 고딕"/>
               </a:rPr>
               <a:t>빨간색 직각 표시는 답 칸 또는 정답 확인 버튼을 클릭하면 나타남</a:t>
             </a:r>
             <a:r>
-              <a:rPr lang="en-US" altLang="ko-KR" sz="1000" dirty="0" smtClean="0">
-                <a:latin typeface="맑은 고딕" pitchFamily="50" charset="-127"/>
-                <a:ea typeface="맑은 고딕" pitchFamily="50" charset="-127"/>
+              <a:rPr lang="en-US" altLang="ko-KR" sz="1000">
+                <a:latin typeface="맑은 고딕"/>
+                <a:ea typeface="맑은 고딕"/>
               </a:rPr>
               <a:t>. </a:t>
             </a:r>
             <a:r>
-              <a:rPr lang="ko-KR" altLang="en-US" sz="1000" dirty="0" smtClean="0">
-                <a:latin typeface="맑은 고딕" pitchFamily="50" charset="-127"/>
-                <a:ea typeface="맑은 고딕" pitchFamily="50" charset="-127"/>
+              <a:rPr lang="ko-KR" altLang="en-US" sz="1000">
+                <a:latin typeface="맑은 고딕"/>
+                <a:ea typeface="맑은 고딕"/>
               </a:rPr>
               <a:t>처음에는 안 보임</a:t>
             </a:r>
             <a:r>
-              <a:rPr lang="en-US" altLang="ko-KR" sz="1000" dirty="0" smtClean="0">
-                <a:latin typeface="맑은 고딕" pitchFamily="50" charset="-127"/>
-                <a:ea typeface="맑은 고딕" pitchFamily="50" charset="-127"/>
+              <a:rPr lang="en-US" altLang="ko-KR" sz="1000">
+                <a:latin typeface="맑은 고딕"/>
+                <a:ea typeface="맑은 고딕"/>
               </a:rPr>
               <a:t>.</a:t>
             </a:r>
+            <a:endParaRPr lang="en-US" altLang="ko-KR" sz="1000">
+              <a:latin typeface="맑은 고딕"/>
+              <a:ea typeface="맑은 고딕"/>
+            </a:endParaRPr>
           </a:p>
           <a:p>
             <a:pPr marL="228600" indent="-228600">
               <a:buFontTx/>
               <a:buAutoNum type="arabicPeriod"/>
+              <a:defRPr/>
             </a:pPr>
-            <a:endParaRPr lang="en-US" altLang="ko-KR" sz="1000" dirty="0">
-              <a:latin typeface="맑은 고딕" pitchFamily="50" charset="-127"/>
-              <a:ea typeface="맑은 고딕" pitchFamily="50" charset="-127"/>
+            <a:endParaRPr lang="en-US" altLang="ko-KR" sz="1000">
+              <a:latin typeface="맑은 고딕"/>
+              <a:ea typeface="맑은 고딕"/>
             </a:endParaRPr>
           </a:p>
           <a:p>
             <a:pPr marL="228600" indent="-228600" algn="just">
               <a:buFontTx/>
               <a:buAutoNum type="arabicPeriod"/>
+              <a:defRPr/>
             </a:pPr>
             <a:r>
-              <a:rPr lang="ko-KR" altLang="en-US" sz="1000" dirty="0" smtClean="0">
-                <a:latin typeface="맑은 고딕" pitchFamily="50" charset="-127"/>
-                <a:ea typeface="맑은 고딕" pitchFamily="50" charset="-127"/>
+              <a:rPr lang="ko-KR" altLang="en-US" sz="1000">
+                <a:latin typeface="맑은 고딕"/>
+                <a:ea typeface="맑은 고딕"/>
               </a:rPr>
-              <a:t>답 </a:t>
+              <a:t>답 칸 클릭하면 답 나타남</a:t>
             </a:r>
             <a:r>
-              <a:rPr lang="ko-KR" altLang="en-US" sz="1000" dirty="0">
-                <a:latin typeface="맑은 고딕" pitchFamily="50" charset="-127"/>
-                <a:ea typeface="맑은 고딕" pitchFamily="50" charset="-127"/>
-              </a:rPr>
-              <a:t>칸 클릭하면 답 나타남</a:t>
-            </a:r>
-            <a:r>
-              <a:rPr lang="en-US" altLang="ko-KR" sz="1000" dirty="0">
-                <a:latin typeface="맑은 고딕" pitchFamily="50" charset="-127"/>
-                <a:ea typeface="맑은 고딕" pitchFamily="50" charset="-127"/>
+              <a:rPr lang="en-US" altLang="ko-KR" sz="1000">
+                <a:latin typeface="맑은 고딕"/>
+                <a:ea typeface="맑은 고딕"/>
               </a:rPr>
               <a:t>. </a:t>
             </a:r>
             <a:r>
-              <a:rPr lang="ko-KR" altLang="en-US" sz="1000" dirty="0">
-                <a:latin typeface="맑은 고딕" pitchFamily="50" charset="-127"/>
-                <a:ea typeface="맑은 고딕" pitchFamily="50" charset="-127"/>
+              <a:rPr lang="ko-KR" altLang="en-US" sz="1000">
+                <a:latin typeface="맑은 고딕"/>
+                <a:ea typeface="맑은 고딕"/>
               </a:rPr>
               <a:t>정답 확인 버튼은</a:t>
             </a:r>
             <a:r>
-              <a:rPr lang="en-US" altLang="ko-KR" sz="1000" dirty="0">
-                <a:latin typeface="맑은 고딕" pitchFamily="50" charset="-127"/>
-                <a:ea typeface="맑은 고딕" pitchFamily="50" charset="-127"/>
+              <a:rPr lang="en-US" altLang="ko-KR" sz="1000">
+                <a:latin typeface="맑은 고딕"/>
+                <a:ea typeface="맑은 고딕"/>
               </a:rPr>
               <a:t> </a:t>
             </a:r>
             <a:r>
-              <a:rPr lang="ko-KR" altLang="en-US" sz="1000" dirty="0">
-                <a:latin typeface="맑은 고딕" pitchFamily="50" charset="-127"/>
-                <a:ea typeface="맑은 고딕" pitchFamily="50" charset="-127"/>
+              <a:rPr lang="ko-KR" altLang="en-US" sz="1000">
+                <a:latin typeface="맑은 고딕"/>
+                <a:ea typeface="맑은 고딕"/>
               </a:rPr>
-              <a:t>정답 가리기로 </a:t>
+              <a:t>정답 가리기로 토글 됨</a:t>
             </a:r>
             <a:r>
-              <a:rPr lang="ko-KR" altLang="en-US" sz="1000" dirty="0" err="1">
-                <a:latin typeface="맑은 고딕" pitchFamily="50" charset="-127"/>
-                <a:ea typeface="맑은 고딕" pitchFamily="50" charset="-127"/>
-              </a:rPr>
-              <a:t>토글</a:t>
-            </a:r>
-            <a:r>
-              <a:rPr lang="ko-KR" altLang="en-US" sz="1000" dirty="0">
-                <a:latin typeface="맑은 고딕" pitchFamily="50" charset="-127"/>
-                <a:ea typeface="맑은 고딕" pitchFamily="50" charset="-127"/>
-              </a:rPr>
-              <a:t> 됨</a:t>
-            </a:r>
-            <a:r>
-              <a:rPr lang="en-US" altLang="ko-KR" sz="1000" dirty="0" smtClean="0">
-                <a:latin typeface="맑은 고딕" pitchFamily="50" charset="-127"/>
-                <a:ea typeface="맑은 고딕" pitchFamily="50" charset="-127"/>
+              <a:rPr lang="en-US" altLang="ko-KR" sz="1000">
+                <a:latin typeface="맑은 고딕"/>
+                <a:ea typeface="맑은 고딕"/>
               </a:rPr>
               <a:t>.</a:t>
             </a:r>
-          </a:p>
-          <a:p>
-            <a:pPr marL="228600" indent="-228600" algn="just">
-              <a:buFontTx/>
-              <a:buAutoNum type="arabicPeriod"/>
-            </a:pPr>
-            <a:endParaRPr lang="en-US" altLang="ko-KR" sz="1000" dirty="0">
-              <a:latin typeface="맑은 고딕" pitchFamily="50" charset="-127"/>
-              <a:ea typeface="맑은 고딕" pitchFamily="50" charset="-127"/>
+            <a:endParaRPr lang="en-US" altLang="ko-KR" sz="1000">
+              <a:latin typeface="맑은 고딕"/>
+              <a:ea typeface="맑은 고딕"/>
             </a:endParaRPr>
           </a:p>
           <a:p>
             <a:pPr marL="228600" indent="-228600" algn="just">
               <a:buFontTx/>
               <a:buAutoNum type="arabicPeriod"/>
+              <a:defRPr/>
             </a:pPr>
-            <a:endParaRPr lang="en-US" altLang="ko-KR" sz="1000" dirty="0">
-              <a:latin typeface="맑은 고딕" pitchFamily="50" charset="-127"/>
-              <a:ea typeface="맑은 고딕" pitchFamily="50" charset="-127"/>
+            <a:endParaRPr lang="en-US" altLang="ko-KR" sz="1000">
+              <a:latin typeface="맑은 고딕"/>
+              <a:ea typeface="맑은 고딕"/>
+            </a:endParaRPr>
+          </a:p>
+          <a:p>
+            <a:pPr marL="228600" indent="-228600" algn="just">
+              <a:buFontTx/>
+              <a:buAutoNum type="arabicPeriod"/>
+              <a:defRPr/>
+            </a:pPr>
+            <a:endParaRPr lang="en-US" altLang="ko-KR" sz="1000">
+              <a:latin typeface="맑은 고딕"/>
+              <a:ea typeface="맑은 고딕"/>
             </a:endParaRPr>
           </a:p>
           <a:p>
             <a:pPr marL="228600" indent="-228600" algn="just">
               <a:buAutoNum type="arabicPeriod"/>
+              <a:defRPr/>
             </a:pPr>
-            <a:endParaRPr lang="en-US" altLang="ko-KR" sz="1000" dirty="0" smtClean="0">
-              <a:latin typeface="맑은 고딕" pitchFamily="50" charset="-127"/>
-              <a:ea typeface="맑은 고딕" pitchFamily="50" charset="-127"/>
+            <a:endParaRPr lang="en-US" altLang="ko-KR" sz="1000">
+              <a:latin typeface="맑은 고딕"/>
+              <a:ea typeface="맑은 고딕"/>
             </a:endParaRPr>
           </a:p>
           <a:p>
-            <a:pPr marL="228600" indent="-228600" algn="just"/>
-            <a:endParaRPr lang="en-US" altLang="ko-KR" sz="1000" dirty="0" smtClean="0">
-              <a:latin typeface="맑은 고딕" pitchFamily="50" charset="-127"/>
-              <a:ea typeface="맑은 고딕" pitchFamily="50" charset="-127"/>
+            <a:pPr marL="228600" indent="-228600" algn="just">
+              <a:defRPr/>
+            </a:pPr>
+            <a:endParaRPr lang="en-US" altLang="ko-KR" sz="1000">
+              <a:latin typeface="맑은 고딕"/>
+              <a:ea typeface="맑은 고딕"/>
             </a:endParaRPr>
           </a:p>
         </p:txBody>
@@ -32219,7 +32148,7 @@
             <a:avLst/>
           </a:prstGeom>
           <a:solidFill>
-            <a:srgbClr val="FF0000"/>
+            <a:srgbClr val="ff0000"/>
           </a:solidFill>
           <a:ln w="9525">
             <a:noFill/>
@@ -32252,21 +32181,21 @@
               <a:defRPr/>
             </a:pPr>
             <a:r>
-              <a:rPr lang="en-US" altLang="ko-KR" sz="1100" b="1" dirty="0" smtClean="0">
+              <a:rPr lang="en-US" altLang="ko-KR" sz="1100" b="1">
                 <a:solidFill>
                   <a:schemeClr val="bg1"/>
                 </a:solidFill>
-                <a:latin typeface="맑은 고딕" pitchFamily="50" charset="-127"/>
-                <a:ea typeface="맑은 고딕" pitchFamily="50" charset="-127"/>
+                <a:latin typeface="맑은 고딕"/>
+                <a:ea typeface="맑은 고딕"/>
               </a:rPr>
               <a:t>#2</a:t>
             </a:r>
-            <a:endParaRPr lang="ko-KR" altLang="en-US" sz="1100" b="1" dirty="0">
+            <a:endParaRPr lang="ko-KR" altLang="en-US" sz="1100" b="1">
               <a:solidFill>
                 <a:schemeClr val="bg1"/>
               </a:solidFill>
-              <a:latin typeface="맑은 고딕" pitchFamily="50" charset="-127"/>
-              <a:ea typeface="맑은 고딕" pitchFamily="50" charset="-127"/>
+              <a:latin typeface="맑은 고딕"/>
+              <a:ea typeface="맑은 고딕"/>
             </a:endParaRPr>
           </a:p>
         </p:txBody>
@@ -32279,7 +32208,7 @@
           </p:cNvSpPr>
           <p:nvPr/>
         </p:nvSpPr>
-        <p:spPr bwMode="auto">
+        <p:spPr>
           <a:xfrm>
             <a:off x="869300" y="116632"/>
             <a:ext cx="863600" cy="217487"/>
@@ -32290,9 +32219,7 @@
           <a:noFill/>
           <a:ln w="9525">
             <a:noFill/>
-            <a:miter lim="800000"/>
-            <a:headEnd/>
-            <a:tailEnd/>
+            <a:miter/>
           </a:ln>
         </p:spPr>
         <p:txBody>
@@ -32312,8 +32239,8 @@
                 <a:solidFill>
                   <a:schemeClr val="tx1"/>
                 </a:solidFill>
-                <a:latin typeface="돋움" pitchFamily="50" charset="-127"/>
-                <a:ea typeface="굴림" charset="-127"/>
+                <a:latin typeface="돋움"/>
+                <a:ea typeface="굴림"/>
                 <a:cs typeface="+mn-cs"/>
               </a:defRPr>
             </a:lvl1pPr>
@@ -32328,8 +32255,8 @@
                 <a:solidFill>
                   <a:schemeClr val="tx1"/>
                 </a:solidFill>
-                <a:latin typeface="돋움" pitchFamily="50" charset="-127"/>
-                <a:ea typeface="굴림" charset="-127"/>
+                <a:latin typeface="돋움"/>
+                <a:ea typeface="굴림"/>
                 <a:cs typeface="+mn-cs"/>
               </a:defRPr>
             </a:lvl2pPr>
@@ -32344,8 +32271,8 @@
                 <a:solidFill>
                   <a:schemeClr val="tx1"/>
                 </a:solidFill>
-                <a:latin typeface="돋움" pitchFamily="50" charset="-127"/>
-                <a:ea typeface="굴림" charset="-127"/>
+                <a:latin typeface="돋움"/>
+                <a:ea typeface="굴림"/>
                 <a:cs typeface="+mn-cs"/>
               </a:defRPr>
             </a:lvl3pPr>
@@ -32360,8 +32287,8 @@
                 <a:solidFill>
                   <a:schemeClr val="tx1"/>
                 </a:solidFill>
-                <a:latin typeface="돋움" pitchFamily="50" charset="-127"/>
-                <a:ea typeface="굴림" charset="-127"/>
+                <a:latin typeface="돋움"/>
+                <a:ea typeface="굴림"/>
                 <a:cs typeface="+mn-cs"/>
               </a:defRPr>
             </a:lvl4pPr>
@@ -32376,8 +32303,8 @@
                 <a:solidFill>
                   <a:schemeClr val="tx1"/>
                 </a:solidFill>
-                <a:latin typeface="돋움" pitchFamily="50" charset="-127"/>
-                <a:ea typeface="굴림" charset="-127"/>
+                <a:latin typeface="돋움"/>
+                <a:ea typeface="굴림"/>
                 <a:cs typeface="+mn-cs"/>
               </a:defRPr>
             </a:lvl5pPr>
@@ -32386,8 +32313,8 @@
                 <a:solidFill>
                   <a:schemeClr val="tx1"/>
                 </a:solidFill>
-                <a:latin typeface="돋움" pitchFamily="50" charset="-127"/>
-                <a:ea typeface="굴림" charset="-127"/>
+                <a:latin typeface="돋움"/>
+                <a:ea typeface="굴림"/>
                 <a:cs typeface="+mn-cs"/>
               </a:defRPr>
             </a:lvl6pPr>
@@ -32396,8 +32323,8 @@
                 <a:solidFill>
                   <a:schemeClr val="tx1"/>
                 </a:solidFill>
-                <a:latin typeface="돋움" pitchFamily="50" charset="-127"/>
-                <a:ea typeface="굴림" charset="-127"/>
+                <a:latin typeface="돋움"/>
+                <a:ea typeface="굴림"/>
                 <a:cs typeface="+mn-cs"/>
               </a:defRPr>
             </a:lvl7pPr>
@@ -32406,8 +32333,8 @@
                 <a:solidFill>
                   <a:schemeClr val="tx1"/>
                 </a:solidFill>
-                <a:latin typeface="돋움" pitchFamily="50" charset="-127"/>
-                <a:ea typeface="굴림" charset="-127"/>
+                <a:latin typeface="돋움"/>
+                <a:ea typeface="굴림"/>
                 <a:cs typeface="+mn-cs"/>
               </a:defRPr>
             </a:lvl8pPr>
@@ -32416,30 +32343,26 @@
                 <a:solidFill>
                   <a:schemeClr val="tx1"/>
                 </a:solidFill>
-                <a:latin typeface="돋움" pitchFamily="50" charset="-127"/>
-                <a:ea typeface="굴림" charset="-127"/>
+                <a:latin typeface="돋움"/>
+                <a:ea typeface="굴림"/>
                 <a:cs typeface="+mn-cs"/>
               </a:defRPr>
             </a:lvl9pPr>
           </a:lstStyle>
           <a:p>
+            <a:pPr lvl="0">
+              <a:defRPr/>
+            </a:pPr>
             <a:r>
-              <a:rPr lang="en-US" altLang="ko-KR" sz="900" dirty="0">
-                <a:latin typeface="맑은 고딕" pitchFamily="50" charset="-127"/>
-                <a:ea typeface="맑은 고딕" pitchFamily="50" charset="-127"/>
+              <a:rPr lang="en-US" altLang="ko-KR" sz="900">
+                <a:latin typeface="맑은 고딕"/>
+                <a:ea typeface="맑은 고딕"/>
               </a:rPr>
-              <a:t>3</a:t>
+              <a:t>3-1	</a:t>
             </a:r>
-            <a:r>
-              <a:rPr lang="en-US" altLang="ko-KR" sz="900" dirty="0" smtClean="0">
-                <a:latin typeface="맑은 고딕" pitchFamily="50" charset="-127"/>
-                <a:ea typeface="맑은 고딕" pitchFamily="50" charset="-127"/>
-              </a:rPr>
-              <a:t>-1	</a:t>
-            </a:r>
-            <a:endParaRPr lang="en-US" altLang="ko-KR" sz="900" dirty="0">
-              <a:latin typeface="맑은 고딕" pitchFamily="50" charset="-127"/>
-              <a:ea typeface="맑은 고딕" pitchFamily="50" charset="-127"/>
+            <a:endParaRPr lang="en-US" altLang="ko-KR" sz="900">
+              <a:latin typeface="맑은 고딕"/>
+              <a:ea typeface="맑은 고딕"/>
             </a:endParaRPr>
           </a:p>
         </p:txBody>
@@ -32452,7 +32375,7 @@
           </p:cNvSpPr>
           <p:nvPr/>
         </p:nvSpPr>
-        <p:spPr bwMode="auto">
+        <p:spPr>
           <a:xfrm>
             <a:off x="2331596" y="116632"/>
             <a:ext cx="949960" cy="217487"/>
@@ -32463,9 +32386,7 @@
           <a:noFill/>
           <a:ln w="9525">
             <a:noFill/>
-            <a:miter lim="800000"/>
-            <a:headEnd/>
-            <a:tailEnd/>
+            <a:miter/>
           </a:ln>
         </p:spPr>
         <p:txBody>
@@ -32485,8 +32406,8 @@
                 <a:solidFill>
                   <a:schemeClr val="tx1"/>
                 </a:solidFill>
-                <a:latin typeface="돋움" pitchFamily="50" charset="-127"/>
-                <a:ea typeface="굴림" charset="-127"/>
+                <a:latin typeface="돋움"/>
+                <a:ea typeface="굴림"/>
                 <a:cs typeface="+mn-cs"/>
               </a:defRPr>
             </a:lvl1pPr>
@@ -32501,8 +32422,8 @@
                 <a:solidFill>
                   <a:schemeClr val="tx1"/>
                 </a:solidFill>
-                <a:latin typeface="돋움" pitchFamily="50" charset="-127"/>
-                <a:ea typeface="굴림" charset="-127"/>
+                <a:latin typeface="돋움"/>
+                <a:ea typeface="굴림"/>
                 <a:cs typeface="+mn-cs"/>
               </a:defRPr>
             </a:lvl2pPr>
@@ -32517,8 +32438,8 @@
                 <a:solidFill>
                   <a:schemeClr val="tx1"/>
                 </a:solidFill>
-                <a:latin typeface="돋움" pitchFamily="50" charset="-127"/>
-                <a:ea typeface="굴림" charset="-127"/>
+                <a:latin typeface="돋움"/>
+                <a:ea typeface="굴림"/>
                 <a:cs typeface="+mn-cs"/>
               </a:defRPr>
             </a:lvl3pPr>
@@ -32533,8 +32454,8 @@
                 <a:solidFill>
                   <a:schemeClr val="tx1"/>
                 </a:solidFill>
-                <a:latin typeface="돋움" pitchFamily="50" charset="-127"/>
-                <a:ea typeface="굴림" charset="-127"/>
+                <a:latin typeface="돋움"/>
+                <a:ea typeface="굴림"/>
                 <a:cs typeface="+mn-cs"/>
               </a:defRPr>
             </a:lvl4pPr>
@@ -32549,8 +32470,8 @@
                 <a:solidFill>
                   <a:schemeClr val="tx1"/>
                 </a:solidFill>
-                <a:latin typeface="돋움" pitchFamily="50" charset="-127"/>
-                <a:ea typeface="굴림" charset="-127"/>
+                <a:latin typeface="돋움"/>
+                <a:ea typeface="굴림"/>
                 <a:cs typeface="+mn-cs"/>
               </a:defRPr>
             </a:lvl5pPr>
@@ -32559,8 +32480,8 @@
                 <a:solidFill>
                   <a:schemeClr val="tx1"/>
                 </a:solidFill>
-                <a:latin typeface="돋움" pitchFamily="50" charset="-127"/>
-                <a:ea typeface="굴림" charset="-127"/>
+                <a:latin typeface="돋움"/>
+                <a:ea typeface="굴림"/>
                 <a:cs typeface="+mn-cs"/>
               </a:defRPr>
             </a:lvl6pPr>
@@ -32569,8 +32490,8 @@
                 <a:solidFill>
                   <a:schemeClr val="tx1"/>
                 </a:solidFill>
-                <a:latin typeface="돋움" pitchFamily="50" charset="-127"/>
-                <a:ea typeface="굴림" charset="-127"/>
+                <a:latin typeface="돋움"/>
+                <a:ea typeface="굴림"/>
                 <a:cs typeface="+mn-cs"/>
               </a:defRPr>
             </a:lvl7pPr>
@@ -32579,8 +32500,8 @@
                 <a:solidFill>
                   <a:schemeClr val="tx1"/>
                 </a:solidFill>
-                <a:latin typeface="돋움" pitchFamily="50" charset="-127"/>
-                <a:ea typeface="굴림" charset="-127"/>
+                <a:latin typeface="돋움"/>
+                <a:ea typeface="굴림"/>
                 <a:cs typeface="+mn-cs"/>
               </a:defRPr>
             </a:lvl8pPr>
@@ -32589,30 +32510,33 @@
                 <a:solidFill>
                   <a:schemeClr val="tx1"/>
                 </a:solidFill>
-                <a:latin typeface="돋움" pitchFamily="50" charset="-127"/>
-                <a:ea typeface="굴림" charset="-127"/>
+                <a:latin typeface="돋움"/>
+                <a:ea typeface="굴림"/>
                 <a:cs typeface="+mn-cs"/>
               </a:defRPr>
             </a:lvl9pPr>
           </a:lstStyle>
           <a:p>
+            <a:pPr lvl="0">
+              <a:defRPr/>
+            </a:pPr>
             <a:r>
-              <a:rPr lang="en-US" altLang="ko-KR" sz="900" dirty="0" smtClean="0">
-                <a:latin typeface="맑은 고딕" pitchFamily="50" charset="-127"/>
-                <a:ea typeface="맑은 고딕" pitchFamily="50" charset="-127"/>
+              <a:rPr lang="en-US" altLang="ko-KR" sz="900">
+                <a:latin typeface="맑은 고딕"/>
+                <a:ea typeface="맑은 고딕"/>
               </a:rPr>
               <a:t>2. </a:t>
             </a:r>
             <a:r>
-              <a:rPr lang="ko-KR" altLang="en-US" sz="900" dirty="0" smtClean="0">
-                <a:latin typeface="맑은 고딕" pitchFamily="50" charset="-127"/>
-                <a:ea typeface="맑은 고딕" pitchFamily="50" charset="-127"/>
+              <a:rPr lang="ko-KR" altLang="en-US" sz="900">
+                <a:latin typeface="맑은 고딕"/>
+                <a:ea typeface="맑은 고딕"/>
               </a:rPr>
               <a:t>평면도형</a:t>
             </a:r>
-            <a:endParaRPr lang="en-US" altLang="ko-KR" sz="900" dirty="0">
-              <a:latin typeface="맑은 고딕" pitchFamily="50" charset="-127"/>
-              <a:ea typeface="맑은 고딕" pitchFamily="50" charset="-127"/>
+            <a:endParaRPr lang="en-US" altLang="ko-KR" sz="900">
+              <a:latin typeface="맑은 고딕"/>
+              <a:ea typeface="맑은 고딕"/>
             </a:endParaRPr>
           </a:p>
         </p:txBody>
@@ -32637,7 +32561,7 @@
           </a:ln>
         </p:spPr>
         <p:txBody>
-          <a:bodyPr wrap="square" rtlCol="0">
+          <a:bodyPr wrap="square">
             <a:spAutoFit/>
           </a:bodyPr>
           <a:lstStyle>
@@ -32655,8 +32579,8 @@
                 <a:solidFill>
                   <a:schemeClr val="tx1"/>
                 </a:solidFill>
-                <a:latin typeface="돋움" pitchFamily="50" charset="-127"/>
-                <a:ea typeface="굴림" charset="-127"/>
+                <a:latin typeface="돋움"/>
+                <a:ea typeface="굴림"/>
                 <a:cs typeface="+mn-cs"/>
               </a:defRPr>
             </a:lvl1pPr>
@@ -32671,8 +32595,8 @@
                 <a:solidFill>
                   <a:schemeClr val="tx1"/>
                 </a:solidFill>
-                <a:latin typeface="돋움" pitchFamily="50" charset="-127"/>
-                <a:ea typeface="굴림" charset="-127"/>
+                <a:latin typeface="돋움"/>
+                <a:ea typeface="굴림"/>
                 <a:cs typeface="+mn-cs"/>
               </a:defRPr>
             </a:lvl2pPr>
@@ -32687,8 +32611,8 @@
                 <a:solidFill>
                   <a:schemeClr val="tx1"/>
                 </a:solidFill>
-                <a:latin typeface="돋움" pitchFamily="50" charset="-127"/>
-                <a:ea typeface="굴림" charset="-127"/>
+                <a:latin typeface="돋움"/>
+                <a:ea typeface="굴림"/>
                 <a:cs typeface="+mn-cs"/>
               </a:defRPr>
             </a:lvl3pPr>
@@ -32703,8 +32627,8 @@
                 <a:solidFill>
                   <a:schemeClr val="tx1"/>
                 </a:solidFill>
-                <a:latin typeface="돋움" pitchFamily="50" charset="-127"/>
-                <a:ea typeface="굴림" charset="-127"/>
+                <a:latin typeface="돋움"/>
+                <a:ea typeface="굴림"/>
                 <a:cs typeface="+mn-cs"/>
               </a:defRPr>
             </a:lvl4pPr>
@@ -32719,8 +32643,8 @@
                 <a:solidFill>
                   <a:schemeClr val="tx1"/>
                 </a:solidFill>
-                <a:latin typeface="돋움" pitchFamily="50" charset="-127"/>
-                <a:ea typeface="굴림" charset="-127"/>
+                <a:latin typeface="돋움"/>
+                <a:ea typeface="굴림"/>
                 <a:cs typeface="+mn-cs"/>
               </a:defRPr>
             </a:lvl5pPr>
@@ -32729,8 +32653,8 @@
                 <a:solidFill>
                   <a:schemeClr val="tx1"/>
                 </a:solidFill>
-                <a:latin typeface="돋움" pitchFamily="50" charset="-127"/>
-                <a:ea typeface="굴림" charset="-127"/>
+                <a:latin typeface="돋움"/>
+                <a:ea typeface="굴림"/>
                 <a:cs typeface="+mn-cs"/>
               </a:defRPr>
             </a:lvl6pPr>
@@ -32739,8 +32663,8 @@
                 <a:solidFill>
                   <a:schemeClr val="tx1"/>
                 </a:solidFill>
-                <a:latin typeface="돋움" pitchFamily="50" charset="-127"/>
-                <a:ea typeface="굴림" charset="-127"/>
+                <a:latin typeface="돋움"/>
+                <a:ea typeface="굴림"/>
                 <a:cs typeface="+mn-cs"/>
               </a:defRPr>
             </a:lvl7pPr>
@@ -32749,8 +32673,8 @@
                 <a:solidFill>
                   <a:schemeClr val="tx1"/>
                 </a:solidFill>
-                <a:latin typeface="돋움" pitchFamily="50" charset="-127"/>
-                <a:ea typeface="굴림" charset="-127"/>
+                <a:latin typeface="돋움"/>
+                <a:ea typeface="굴림"/>
                 <a:cs typeface="+mn-cs"/>
               </a:defRPr>
             </a:lvl8pPr>
@@ -32759,57 +32683,59 @@
                 <a:solidFill>
                   <a:schemeClr val="tx1"/>
                 </a:solidFill>
-                <a:latin typeface="돋움" pitchFamily="50" charset="-127"/>
-                <a:ea typeface="굴림" charset="-127"/>
+                <a:latin typeface="돋움"/>
+                <a:ea typeface="굴림"/>
                 <a:cs typeface="+mn-cs"/>
               </a:defRPr>
             </a:lvl9pPr>
           </a:lstStyle>
           <a:p>
-            <a:pPr algn="just"/>
+            <a:pPr algn="just">
+              <a:defRPr/>
+            </a:pPr>
             <a:r>
-              <a:rPr lang="ko-KR" altLang="en-US" sz="1100" dirty="0" smtClean="0">
-                <a:latin typeface="맑은 고딕" pitchFamily="50" charset="-127"/>
-                <a:ea typeface="맑은 고딕" pitchFamily="50" charset="-127"/>
+              <a:rPr lang="ko-KR" altLang="en-US" sz="1100">
+                <a:latin typeface="맑은 고딕"/>
+                <a:ea typeface="맑은 고딕"/>
               </a:rPr>
               <a:t>직각을 알아볼까요</a:t>
             </a:r>
             <a:r>
-              <a:rPr lang="ko-KR" altLang="en-US" sz="1100" dirty="0" smtClean="0">
+              <a:rPr lang="ko-KR" altLang="en-US" sz="1100">
                 <a:solidFill>
                   <a:srgbClr val="339933"/>
                 </a:solidFill>
-                <a:latin typeface="맑은 고딕" pitchFamily="50" charset="-127"/>
-                <a:ea typeface="맑은 고딕" pitchFamily="50" charset="-127"/>
+                <a:latin typeface="맑은 고딕"/>
+                <a:ea typeface="맑은 고딕"/>
               </a:rPr>
               <a:t>│ </a:t>
             </a:r>
             <a:r>
-              <a:rPr lang="en-US" altLang="ko-KR" sz="1100" dirty="0" smtClean="0">
+              <a:rPr lang="en-US" altLang="ko-KR" sz="1100">
                 <a:solidFill>
                   <a:srgbClr val="339933"/>
                 </a:solidFill>
-                <a:latin typeface="맑은 고딕" pitchFamily="50" charset="-127"/>
-                <a:ea typeface="맑은 고딕" pitchFamily="50" charset="-127"/>
+                <a:latin typeface="맑은 고딕"/>
+                <a:ea typeface="맑은 고딕"/>
               </a:rPr>
               <a:t>30~31</a:t>
             </a:r>
             <a:r>
-              <a:rPr lang="ko-KR" altLang="en-US" sz="1100" dirty="0" smtClean="0">
+              <a:rPr lang="ko-KR" altLang="en-US" sz="1100">
                 <a:solidFill>
                   <a:srgbClr val="339933"/>
                 </a:solidFill>
-                <a:latin typeface="맑은 고딕" pitchFamily="50" charset="-127"/>
-                <a:ea typeface="맑은 고딕" pitchFamily="50" charset="-127"/>
+                <a:latin typeface="맑은 고딕"/>
+                <a:ea typeface="맑은 고딕"/>
               </a:rPr>
               <a:t>쪽</a:t>
             </a:r>
-            <a:endParaRPr lang="en-US" altLang="ko-KR" sz="1100" dirty="0" smtClean="0">
+            <a:endParaRPr lang="en-US" altLang="ko-KR" sz="1100">
               <a:solidFill>
                 <a:srgbClr val="339933"/>
               </a:solidFill>
-              <a:latin typeface="맑은 고딕" pitchFamily="50" charset="-127"/>
-              <a:ea typeface="맑은 고딕" pitchFamily="50" charset="-127"/>
+              <a:latin typeface="맑은 고딕"/>
+              <a:ea typeface="맑은 고딕"/>
             </a:endParaRPr>
           </a:p>
         </p:txBody>
@@ -32822,7 +32748,7 @@
           </p:cNvSpPr>
           <p:nvPr/>
         </p:nvSpPr>
-        <p:spPr bwMode="auto">
+        <p:spPr>
           <a:xfrm>
             <a:off x="2345452" y="334119"/>
             <a:ext cx="2578082" cy="217487"/>
@@ -32833,9 +32759,7 @@
           <a:noFill/>
           <a:ln w="9525">
             <a:noFill/>
-            <a:miter lim="800000"/>
-            <a:headEnd/>
-            <a:tailEnd/>
+            <a:miter/>
           </a:ln>
         </p:spPr>
         <p:txBody>
@@ -32855,8 +32779,8 @@
                 <a:solidFill>
                   <a:schemeClr val="tx1"/>
                 </a:solidFill>
-                <a:latin typeface="돋움" pitchFamily="50" charset="-127"/>
-                <a:ea typeface="굴림" charset="-127"/>
+                <a:latin typeface="돋움"/>
+                <a:ea typeface="굴림"/>
                 <a:cs typeface="+mn-cs"/>
               </a:defRPr>
             </a:lvl1pPr>
@@ -32871,8 +32795,8 @@
                 <a:solidFill>
                   <a:schemeClr val="tx1"/>
                 </a:solidFill>
-                <a:latin typeface="돋움" pitchFamily="50" charset="-127"/>
-                <a:ea typeface="굴림" charset="-127"/>
+                <a:latin typeface="돋움"/>
+                <a:ea typeface="굴림"/>
                 <a:cs typeface="+mn-cs"/>
               </a:defRPr>
             </a:lvl2pPr>
@@ -32887,8 +32811,8 @@
                 <a:solidFill>
                   <a:schemeClr val="tx1"/>
                 </a:solidFill>
-                <a:latin typeface="돋움" pitchFamily="50" charset="-127"/>
-                <a:ea typeface="굴림" charset="-127"/>
+                <a:latin typeface="돋움"/>
+                <a:ea typeface="굴림"/>
                 <a:cs typeface="+mn-cs"/>
               </a:defRPr>
             </a:lvl3pPr>
@@ -32903,8 +32827,8 @@
                 <a:solidFill>
                   <a:schemeClr val="tx1"/>
                 </a:solidFill>
-                <a:latin typeface="돋움" pitchFamily="50" charset="-127"/>
-                <a:ea typeface="굴림" charset="-127"/>
+                <a:latin typeface="돋움"/>
+                <a:ea typeface="굴림"/>
                 <a:cs typeface="+mn-cs"/>
               </a:defRPr>
             </a:lvl4pPr>
@@ -32919,8 +32843,8 @@
                 <a:solidFill>
                   <a:schemeClr val="tx1"/>
                 </a:solidFill>
-                <a:latin typeface="돋움" pitchFamily="50" charset="-127"/>
-                <a:ea typeface="굴림" charset="-127"/>
+                <a:latin typeface="돋움"/>
+                <a:ea typeface="굴림"/>
                 <a:cs typeface="+mn-cs"/>
               </a:defRPr>
             </a:lvl5pPr>
@@ -32929,8 +32853,8 @@
                 <a:solidFill>
                   <a:schemeClr val="tx1"/>
                 </a:solidFill>
-                <a:latin typeface="돋움" pitchFamily="50" charset="-127"/>
-                <a:ea typeface="굴림" charset="-127"/>
+                <a:latin typeface="돋움"/>
+                <a:ea typeface="굴림"/>
                 <a:cs typeface="+mn-cs"/>
               </a:defRPr>
             </a:lvl6pPr>
@@ -32939,8 +32863,8 @@
                 <a:solidFill>
                   <a:schemeClr val="tx1"/>
                 </a:solidFill>
-                <a:latin typeface="돋움" pitchFamily="50" charset="-127"/>
-                <a:ea typeface="굴림" charset="-127"/>
+                <a:latin typeface="돋움"/>
+                <a:ea typeface="굴림"/>
                 <a:cs typeface="+mn-cs"/>
               </a:defRPr>
             </a:lvl7pPr>
@@ -32949,8 +32873,8 @@
                 <a:solidFill>
                   <a:schemeClr val="tx1"/>
                 </a:solidFill>
-                <a:latin typeface="돋움" pitchFamily="50" charset="-127"/>
-                <a:ea typeface="굴림" charset="-127"/>
+                <a:latin typeface="돋움"/>
+                <a:ea typeface="굴림"/>
                 <a:cs typeface="+mn-cs"/>
               </a:defRPr>
             </a:lvl8pPr>
@@ -32959,30 +32883,33 @@
                 <a:solidFill>
                   <a:schemeClr val="tx1"/>
                 </a:solidFill>
-                <a:latin typeface="돋움" pitchFamily="50" charset="-127"/>
-                <a:ea typeface="굴림" charset="-127"/>
+                <a:latin typeface="돋움"/>
+                <a:ea typeface="굴림"/>
                 <a:cs typeface="+mn-cs"/>
               </a:defRPr>
             </a:lvl9pPr>
           </a:lstStyle>
           <a:p>
+            <a:pPr lvl="0">
+              <a:defRPr/>
+            </a:pPr>
             <a:r>
-              <a:rPr lang="en-US" altLang="ko-KR" sz="900" dirty="0" smtClean="0">
-                <a:latin typeface="맑은 고딕" pitchFamily="50" charset="-127"/>
-                <a:ea typeface="맑은 고딕" pitchFamily="50" charset="-127"/>
+              <a:rPr lang="en-US" altLang="ko-KR" sz="900">
+                <a:latin typeface="맑은 고딕"/>
+                <a:ea typeface="맑은 고딕"/>
               </a:rPr>
               <a:t>04 </a:t>
             </a:r>
             <a:r>
-              <a:rPr lang="ko-KR" altLang="en-US" sz="900" dirty="0" smtClean="0">
-                <a:latin typeface="맑은 고딕" pitchFamily="50" charset="-127"/>
-                <a:ea typeface="맑은 고딕" pitchFamily="50" charset="-127"/>
+              <a:rPr lang="ko-KR" altLang="en-US" sz="900">
+                <a:latin typeface="맑은 고딕"/>
+                <a:ea typeface="맑은 고딕"/>
               </a:rPr>
               <a:t>직각을 알아볼까요</a:t>
             </a:r>
-            <a:endParaRPr lang="en-US" altLang="ko-KR" sz="900" dirty="0">
-              <a:latin typeface="맑은 고딕" pitchFamily="50" charset="-127"/>
-              <a:ea typeface="맑은 고딕" pitchFamily="50" charset="-127"/>
+            <a:endParaRPr lang="en-US" altLang="ko-KR" sz="900">
+              <a:latin typeface="맑은 고딕"/>
+              <a:ea typeface="맑은 고딕"/>
             </a:endParaRPr>
           </a:p>
         </p:txBody>
@@ -32995,7 +32922,7 @@
           </p:cNvSpPr>
           <p:nvPr/>
         </p:nvSpPr>
-        <p:spPr bwMode="auto">
+        <p:spPr>
           <a:xfrm>
             <a:off x="7800307" y="135560"/>
             <a:ext cx="1277893" cy="397117"/>
@@ -33006,9 +32933,7 @@
           <a:noFill/>
           <a:ln w="9525">
             <a:noFill/>
-            <a:miter lim="800000"/>
-            <a:headEnd/>
-            <a:tailEnd/>
+            <a:miter/>
           </a:ln>
         </p:spPr>
         <p:txBody>
@@ -33028,8 +32953,8 @@
                 <a:solidFill>
                   <a:schemeClr val="tx1"/>
                 </a:solidFill>
-                <a:latin typeface="돋움" pitchFamily="50" charset="-127"/>
-                <a:ea typeface="굴림" charset="-127"/>
+                <a:latin typeface="돋움"/>
+                <a:ea typeface="굴림"/>
                 <a:cs typeface="+mn-cs"/>
               </a:defRPr>
             </a:lvl1pPr>
@@ -33044,8 +32969,8 @@
                 <a:solidFill>
                   <a:schemeClr val="tx1"/>
                 </a:solidFill>
-                <a:latin typeface="돋움" pitchFamily="50" charset="-127"/>
-                <a:ea typeface="굴림" charset="-127"/>
+                <a:latin typeface="돋움"/>
+                <a:ea typeface="굴림"/>
                 <a:cs typeface="+mn-cs"/>
               </a:defRPr>
             </a:lvl2pPr>
@@ -33060,8 +32985,8 @@
                 <a:solidFill>
                   <a:schemeClr val="tx1"/>
                 </a:solidFill>
-                <a:latin typeface="돋움" pitchFamily="50" charset="-127"/>
-                <a:ea typeface="굴림" charset="-127"/>
+                <a:latin typeface="돋움"/>
+                <a:ea typeface="굴림"/>
                 <a:cs typeface="+mn-cs"/>
               </a:defRPr>
             </a:lvl3pPr>
@@ -33076,8 +33001,8 @@
                 <a:solidFill>
                   <a:schemeClr val="tx1"/>
                 </a:solidFill>
-                <a:latin typeface="돋움" pitchFamily="50" charset="-127"/>
-                <a:ea typeface="굴림" charset="-127"/>
+                <a:latin typeface="돋움"/>
+                <a:ea typeface="굴림"/>
                 <a:cs typeface="+mn-cs"/>
               </a:defRPr>
             </a:lvl4pPr>
@@ -33092,8 +33017,8 @@
                 <a:solidFill>
                   <a:schemeClr val="tx1"/>
                 </a:solidFill>
-                <a:latin typeface="돋움" pitchFamily="50" charset="-127"/>
-                <a:ea typeface="굴림" charset="-127"/>
+                <a:latin typeface="돋움"/>
+                <a:ea typeface="굴림"/>
                 <a:cs typeface="+mn-cs"/>
               </a:defRPr>
             </a:lvl5pPr>
@@ -33102,8 +33027,8 @@
                 <a:solidFill>
                   <a:schemeClr val="tx1"/>
                 </a:solidFill>
-                <a:latin typeface="돋움" pitchFamily="50" charset="-127"/>
-                <a:ea typeface="굴림" charset="-127"/>
+                <a:latin typeface="돋움"/>
+                <a:ea typeface="굴림"/>
                 <a:cs typeface="+mn-cs"/>
               </a:defRPr>
             </a:lvl6pPr>
@@ -33112,8 +33037,8 @@
                 <a:solidFill>
                   <a:schemeClr val="tx1"/>
                 </a:solidFill>
-                <a:latin typeface="돋움" pitchFamily="50" charset="-127"/>
-                <a:ea typeface="굴림" charset="-127"/>
+                <a:latin typeface="돋움"/>
+                <a:ea typeface="굴림"/>
                 <a:cs typeface="+mn-cs"/>
               </a:defRPr>
             </a:lvl7pPr>
@@ -33122,8 +33047,8 @@
                 <a:solidFill>
                   <a:schemeClr val="tx1"/>
                 </a:solidFill>
-                <a:latin typeface="돋움" pitchFamily="50" charset="-127"/>
-                <a:ea typeface="굴림" charset="-127"/>
+                <a:latin typeface="돋움"/>
+                <a:ea typeface="굴림"/>
                 <a:cs typeface="+mn-cs"/>
               </a:defRPr>
             </a:lvl8pPr>
@@ -33132,8 +33057,8 @@
                 <a:solidFill>
                   <a:schemeClr val="tx1"/>
                 </a:solidFill>
-                <a:latin typeface="돋움" pitchFamily="50" charset="-127"/>
-                <a:ea typeface="굴림" charset="-127"/>
+                <a:latin typeface="돋움"/>
+                <a:ea typeface="굴림"/>
                 <a:cs typeface="+mn-cs"/>
               </a:defRPr>
             </a:lvl9pPr>
@@ -33143,15 +33068,15 @@
               <a:defRPr/>
             </a:pPr>
             <a:r>
-              <a:rPr kumimoji="0" lang="en-US" altLang="ko-KR" sz="900" dirty="0" smtClean="0">
-                <a:latin typeface="맑은 고딕" pitchFamily="50" charset="-127"/>
-                <a:ea typeface="맑은 고딕" pitchFamily="50" charset="-127"/>
+              <a:rPr kumimoji="0" lang="en-US" altLang="ko-KR" sz="900">
+                <a:latin typeface="맑은 고딕"/>
+                <a:ea typeface="맑은 고딕"/>
               </a:rPr>
               <a:t>suhi_h_0301_02_0004</a:t>
             </a:r>
-            <a:endParaRPr kumimoji="0" lang="ko-KR" altLang="en-US" sz="900" dirty="0">
-              <a:latin typeface="맑은 고딕" pitchFamily="50" charset="-127"/>
-              <a:ea typeface="맑은 고딕" pitchFamily="50" charset="-127"/>
+            <a:endParaRPr kumimoji="0" lang="ko-KR" altLang="en-US" sz="900">
+              <a:latin typeface="맑은 고딕"/>
+              <a:ea typeface="맑은 고딕"/>
             </a:endParaRPr>
           </a:p>
         </p:txBody>
@@ -33197,10 +33122,12 @@
           </a:fontRef>
         </p:style>
         <p:txBody>
-          <a:bodyPr rtlCol="0" anchor="ctr"/>
+          <a:bodyPr anchor="ctr"/>
           <a:lstStyle/>
           <a:p>
-            <a:pPr algn="ctr"/>
+            <a:pPr algn="ctr">
+              <a:defRPr/>
+            </a:pPr>
             <a:endParaRPr lang="ko-KR" altLang="en-US"/>
           </a:p>
         </p:txBody>
@@ -33213,10 +33140,10 @@
           </p:cNvSpPr>
           <p:nvPr/>
         </p:nvSpPr>
-        <p:spPr bwMode="auto">
+        <p:spPr>
           <a:xfrm>
             <a:off x="6700585" y="1188211"/>
-            <a:ext cx="288039" cy="346249"/>
+            <a:ext cx="288039" cy="333884"/>
           </a:xfrm>
           <a:prstGeom prst="rect">
             <a:avLst/>
@@ -33224,9 +33151,7 @@
           <a:noFill/>
           <a:ln w="9525">
             <a:noFill/>
-            <a:miter lim="800000"/>
-            <a:headEnd/>
-            <a:tailEnd/>
+            <a:miter/>
           </a:ln>
         </p:spPr>
         <p:txBody>
@@ -33333,23 +33258,24 @@
               <a:lnSpc>
                 <a:spcPct val="150000"/>
               </a:lnSpc>
+              <a:defRPr/>
             </a:pPr>
             <a:r>
-              <a:rPr lang="en-US" altLang="ko-KR" sz="1100" b="1" dirty="0">
+              <a:rPr lang="en-US" altLang="ko-KR" sz="1100" b="1">
                 <a:solidFill>
                   <a:schemeClr val="bg1"/>
                 </a:solidFill>
-                <a:latin typeface="맑은 고딕" pitchFamily="50" charset="-127"/>
-                <a:ea typeface="맑은 고딕" pitchFamily="50" charset="-127"/>
+                <a:latin typeface="맑은 고딕"/>
+                <a:ea typeface="맑은 고딕"/>
               </a:rPr>
               <a:t>5</a:t>
             </a:r>
-            <a:endParaRPr lang="en-US" altLang="ko-KR" sz="1100" b="1" dirty="0" smtClean="0">
+            <a:endParaRPr lang="en-US" altLang="ko-KR" sz="1100" b="1">
               <a:solidFill>
                 <a:schemeClr val="bg1"/>
               </a:solidFill>
-              <a:latin typeface="맑은 고딕" pitchFamily="50" charset="-127"/>
-              <a:ea typeface="맑은 고딕" pitchFamily="50" charset="-127"/>
+              <a:latin typeface="맑은 고딕"/>
+              <a:ea typeface="맑은 고딕"/>
             </a:endParaRPr>
           </a:p>
         </p:txBody>
@@ -33389,125 +33315,61 @@
           </a:fontRef>
         </p:style>
         <p:txBody>
-          <a:bodyPr rtlCol="0" anchor="ctr"/>
+          <a:bodyPr anchor="ctr"/>
           <a:lstStyle/>
           <a:p>
-            <a:pPr algn="ctr"/>
+            <a:pPr algn="ctr">
+              <a:defRPr/>
+            </a:pPr>
             <a:r>
-              <a:rPr lang="ko-KR" altLang="en-US" sz="2000" b="1" dirty="0">
+              <a:rPr lang="ko-KR" altLang="en-US" sz="2000" b="1">
                 <a:solidFill>
                   <a:schemeClr val="accent1"/>
                 </a:solidFill>
-                <a:latin typeface="맑은 고딕" pitchFamily="50" charset="-127"/>
-                <a:ea typeface="맑은 고딕" pitchFamily="50" charset="-127"/>
+                <a:latin typeface="맑은 고딕"/>
+                <a:ea typeface="맑은 고딕"/>
               </a:rPr>
-              <a:t>각 </a:t>
+              <a:t>각 ㄱㅁㄴ 또는 각 ㄴㅁㄱ</a:t>
             </a:r>
             <a:r>
-              <a:rPr lang="ko-KR" altLang="en-US" sz="2000" b="1" dirty="0" err="1">
+              <a:rPr lang="en-US" altLang="ko-KR" sz="2000" b="1">
                 <a:solidFill>
                   <a:schemeClr val="accent1"/>
                 </a:solidFill>
-                <a:latin typeface="맑은 고딕" pitchFamily="50" charset="-127"/>
-                <a:ea typeface="맑은 고딕" pitchFamily="50" charset="-127"/>
-              </a:rPr>
-              <a:t>ㄱㅁㄴ</a:t>
-            </a:r>
-            <a:r>
-              <a:rPr lang="ko-KR" altLang="en-US" sz="2000" b="1" dirty="0">
-                <a:solidFill>
-                  <a:schemeClr val="accent1"/>
-                </a:solidFill>
-                <a:latin typeface="맑은 고딕" pitchFamily="50" charset="-127"/>
-                <a:ea typeface="맑은 고딕" pitchFamily="50" charset="-127"/>
-              </a:rPr>
-              <a:t> 또는 각 </a:t>
-            </a:r>
-            <a:r>
-              <a:rPr lang="ko-KR" altLang="en-US" sz="2000" b="1" dirty="0" err="1">
-                <a:solidFill>
-                  <a:schemeClr val="accent1"/>
-                </a:solidFill>
-                <a:latin typeface="맑은 고딕" pitchFamily="50" charset="-127"/>
-                <a:ea typeface="맑은 고딕" pitchFamily="50" charset="-127"/>
-              </a:rPr>
-              <a:t>ㄴㅁㄱ</a:t>
-            </a:r>
-            <a:r>
-              <a:rPr lang="en-US" altLang="ko-KR" sz="2000" b="1" dirty="0">
-                <a:solidFill>
-                  <a:schemeClr val="accent1"/>
-                </a:solidFill>
-                <a:latin typeface="맑은 고딕" pitchFamily="50" charset="-127"/>
-                <a:ea typeface="맑은 고딕" pitchFamily="50" charset="-127"/>
+                <a:latin typeface="맑은 고딕"/>
+                <a:ea typeface="맑은 고딕"/>
               </a:rPr>
               <a:t>, </a:t>
             </a:r>
             <a:r>
-              <a:rPr lang="ko-KR" altLang="en-US" sz="2000" b="1" dirty="0">
+              <a:rPr lang="ko-KR" altLang="en-US" sz="2000" b="1">
                 <a:solidFill>
                   <a:schemeClr val="accent1"/>
                 </a:solidFill>
-                <a:latin typeface="맑은 고딕" pitchFamily="50" charset="-127"/>
-                <a:ea typeface="맑은 고딕" pitchFamily="50" charset="-127"/>
+                <a:latin typeface="맑은 고딕"/>
+                <a:ea typeface="맑은 고딕"/>
               </a:rPr>
-              <a:t>각 </a:t>
+              <a:t>각 ㄷㅁㄹ 또는 각 ㄹㅁㄷ</a:t>
             </a:r>
-            <a:r>
-              <a:rPr lang="ko-KR" altLang="en-US" sz="2000" b="1" dirty="0" err="1">
-                <a:solidFill>
-                  <a:schemeClr val="accent1"/>
-                </a:solidFill>
-                <a:latin typeface="맑은 고딕" pitchFamily="50" charset="-127"/>
-                <a:ea typeface="맑은 고딕" pitchFamily="50" charset="-127"/>
-              </a:rPr>
-              <a:t>ㄷㅁㄹ</a:t>
-            </a:r>
-            <a:r>
-              <a:rPr lang="ko-KR" altLang="en-US" sz="2000" b="1" dirty="0">
-                <a:solidFill>
-                  <a:schemeClr val="accent1"/>
-                </a:solidFill>
-                <a:latin typeface="맑은 고딕" pitchFamily="50" charset="-127"/>
-                <a:ea typeface="맑은 고딕" pitchFamily="50" charset="-127"/>
-              </a:rPr>
-              <a:t> 또는 각 </a:t>
-            </a:r>
-            <a:r>
-              <a:rPr lang="ko-KR" altLang="en-US" sz="2000" b="1" dirty="0" err="1">
-                <a:solidFill>
-                  <a:schemeClr val="accent1"/>
-                </a:solidFill>
-                <a:latin typeface="맑은 고딕" pitchFamily="50" charset="-127"/>
-                <a:ea typeface="맑은 고딕" pitchFamily="50" charset="-127"/>
-              </a:rPr>
-              <a:t>ㄹㅁㄷ</a:t>
-            </a:r>
-            <a:endParaRPr lang="ko-KR" altLang="en-US" sz="2000" b="1" dirty="0">
+            <a:endParaRPr lang="ko-KR" altLang="en-US" sz="2000" b="1">
               <a:solidFill>
                 <a:schemeClr val="accent1"/>
               </a:solidFill>
-              <a:latin typeface="맑은 고딕" pitchFamily="50" charset="-127"/>
-              <a:ea typeface="맑은 고딕" pitchFamily="50" charset="-127"/>
+              <a:latin typeface="맑은 고딕"/>
+              <a:ea typeface="맑은 고딕"/>
             </a:endParaRPr>
           </a:p>
         </p:txBody>
       </p:sp>
       <p:pic>
         <p:nvPicPr>
-          <p:cNvPr id="40" name="그림 39">
-            <a:extLst>
-              <a:ext uri="{FF2B5EF4-FFF2-40B4-BE49-F238E27FC236}">
-                <a16:creationId xmlns="" xmlns:a16="http://schemas.microsoft.com/office/drawing/2014/main" id="{DEEB3194-430D-4A4E-8DEF-5B08710B8A78}"/>
-              </a:ext>
-            </a:extLst>
-          </p:cNvPr>
+          <p:cNvPr id="40" name="그림 39"/>
           <p:cNvPicPr>
             <a:picLocks noChangeAspect="1"/>
           </p:cNvPicPr>
           <p:nvPr/>
         </p:nvPicPr>
-        <p:blipFill>
+        <p:blipFill rotWithShape="1">
           <a:blip r:embed="rId5"/>
           <a:stretch>
             <a:fillRect/>
@@ -33543,7 +33405,7 @@
             <p:cNvCxnSpPr/>
             <p:nvPr/>
           </p:nvCxnSpPr>
-          <p:spPr bwMode="auto">
+          <p:spPr>
             <a:xfrm>
               <a:off x="647552" y="2096852"/>
               <a:ext cx="252040" cy="0"/>
@@ -33553,10 +33415,8 @@
             </a:prstGeom>
             <a:ln w="28575">
               <a:solidFill>
-                <a:srgbClr val="FF0000"/>
+                <a:srgbClr val="ff0000"/>
               </a:solidFill>
-              <a:headEnd type="none" w="med" len="med"/>
-              <a:tailEnd type="none" w="med" len="med"/>
             </a:ln>
           </p:spPr>
           <p:style>
@@ -33580,7 +33440,7 @@
             <p:cNvCxnSpPr/>
             <p:nvPr/>
           </p:nvCxnSpPr>
-          <p:spPr bwMode="auto">
+          <p:spPr>
             <a:xfrm rot="16200000">
               <a:off x="763960" y="1970844"/>
               <a:ext cx="252040" cy="0"/>
@@ -33590,10 +33450,8 @@
             </a:prstGeom>
             <a:ln w="28575">
               <a:solidFill>
-                <a:srgbClr val="FF0000"/>
+                <a:srgbClr val="ff0000"/>
               </a:solidFill>
-              <a:headEnd type="none" w="med" len="med"/>
-              <a:tailEnd type="none" w="med" len="med"/>
             </a:ln>
           </p:spPr>
           <p:style>
@@ -33632,7 +33490,7 @@
             <p:cNvCxnSpPr/>
             <p:nvPr/>
           </p:nvCxnSpPr>
-          <p:spPr bwMode="auto">
+          <p:spPr>
             <a:xfrm>
               <a:off x="647552" y="2096852"/>
               <a:ext cx="252040" cy="0"/>
@@ -33642,10 +33500,8 @@
             </a:prstGeom>
             <a:ln w="28575">
               <a:solidFill>
-                <a:srgbClr val="FF0000"/>
+                <a:srgbClr val="ff0000"/>
               </a:solidFill>
-              <a:headEnd type="none" w="med" len="med"/>
-              <a:tailEnd type="none" w="med" len="med"/>
             </a:ln>
           </p:spPr>
           <p:style>
@@ -33669,7 +33525,7 @@
             <p:cNvCxnSpPr/>
             <p:nvPr/>
           </p:nvCxnSpPr>
-          <p:spPr bwMode="auto">
+          <p:spPr>
             <a:xfrm rot="16200000">
               <a:off x="763960" y="1970844"/>
               <a:ext cx="252040" cy="0"/>
@@ -33679,10 +33535,8 @@
             </a:prstGeom>
             <a:ln w="28575">
               <a:solidFill>
-                <a:srgbClr val="FF0000"/>
+                <a:srgbClr val="ff0000"/>
               </a:solidFill>
-              <a:headEnd type="none" w="med" len="med"/>
-              <a:tailEnd type="none" w="med" len="med"/>
             </a:ln>
           </p:spPr>
           <p:style>
@@ -33707,13 +33561,7 @@
           <p:cNvGraphicFramePr>
             <a:graphicFrameLocks noGrp="1"/>
           </p:cNvGraphicFramePr>
-          <p:nvPr>
-            <p:extLst>
-              <p:ext uri="{D42A27DB-BD31-4B8C-83A1-F6EECF244321}">
-                <p14:modId xmlns:p14="http://schemas.microsoft.com/office/powerpoint/2010/main" val="153151675"/>
-              </p:ext>
-            </p:extLst>
-          </p:nvPr>
+          <p:nvPr/>
         </p:nvGraphicFramePr>
         <p:xfrm>
           <a:off x="115384" y="6129300"/>
@@ -33722,30 +33570,16 @@
         <a:graphic>
           <a:graphicData uri="http://schemas.openxmlformats.org/drawingml/2006/table">
             <a:tbl>
-              <a:tblPr/>
               <a:tblGrid>
-                <a:gridCol w="858104">
-                  <a:extLst>
-                    <a:ext uri="{9D8B030D-6E8A-4147-A177-3AD203B41FA5}">
-                      <a16:colId xmlns:a16="http://schemas.microsoft.com/office/drawing/2014/main" xmlns="" val="20000"/>
-                    </a:ext>
-                  </a:extLst>
-                </a:gridCol>
-                <a:gridCol w="5830760">
-                  <a:extLst>
-                    <a:ext uri="{9D8B030D-6E8A-4147-A177-3AD203B41FA5}">
-                      <a16:colId xmlns:a16="http://schemas.microsoft.com/office/drawing/2014/main" xmlns="" val="20001"/>
-                    </a:ext>
-                  </a:extLst>
-                </a:gridCol>
+                <a:gridCol w="858104"/>
+                <a:gridCol w="5830760"/>
               </a:tblGrid>
               <a:tr h="282949">
                 <a:tc>
                   <a:txBody>
-                    <a:bodyPr/>
-                    <a:lstStyle/>
+                    <a:bodyPr vert="horz" lIns="72000" tIns="0" rIns="0" bIns="0" anchor="ctr" anchorCtr="0"/>
                     <a:p>
-                      <a:pPr marL="0" marR="0" lvl="0" indent="0" algn="l" defTabSz="914400" rtl="0" eaLnBrk="1" fontAlgn="base" latinLnBrk="1" hangingPunct="1">
+                      <a:pPr marL="0" marR="0" lvl="0" indent="0" algn="l" defTabSz="914400" rtl="0" eaLnBrk="1" latinLnBrk="1" hangingPunct="1">
                         <a:lnSpc>
                           <a:spcPct val="100000"/>
                         </a:lnSpc>
@@ -33756,38 +33590,32 @@
                           <a:spcPct val="0"/>
                         </a:spcAft>
                         <a:buClrTx/>
-                        <a:buSzTx/>
                         <a:buFontTx/>
                         <a:buNone/>
                         <a:tabLst>
                           <a:tab pos="2700338" algn="ctr"/>
                           <a:tab pos="5400675" algn="r"/>
                         </a:tabLst>
+                        <a:defRPr/>
                       </a:pPr>
                       <a:r>
-                        <a:rPr kumimoji="1" lang="ko-KR" altLang="en-US" sz="1000" b="1" i="0" u="none" strike="noStrike" cap="none" normalizeH="0" baseline="0" dirty="0" smtClean="0">
-                          <a:ln>
-                            <a:noFill/>
-                          </a:ln>
+                        <a:rPr kumimoji="1" lang="ko-KR" altLang="en-US" sz="1000" b="1" i="0" u="none" strike="noStrike" cap="none" normalizeH="0" baseline="0">
                           <a:solidFill>
                             <a:schemeClr val="tx1"/>
                           </a:solidFill>
                           <a:effectLst/>
-                          <a:latin typeface="맑은 고딕" pitchFamily="50" charset="-127"/>
-                          <a:ea typeface="맑은 고딕" pitchFamily="50" charset="-127"/>
+                          <a:latin typeface="맑은 고딕"/>
+                          <a:ea typeface="맑은 고딕"/>
                         </a:rPr>
                         <a:t>삽화 파일명</a:t>
                       </a:r>
-                      <a:endParaRPr kumimoji="1" lang="en-US" altLang="ko-KR" sz="1000" b="1" i="0" u="none" strike="noStrike" cap="none" normalizeH="0" baseline="0" dirty="0" smtClean="0">
-                        <a:ln>
-                          <a:noFill/>
-                        </a:ln>
+                      <a:endParaRPr kumimoji="1" lang="en-US" altLang="ko-KR" sz="1000" b="1" i="0" u="none" strike="noStrike" cap="none" normalizeH="0" baseline="0">
                         <a:solidFill>
                           <a:schemeClr val="tx1"/>
                         </a:solidFill>
                         <a:effectLst/>
-                        <a:latin typeface="맑은 고딕" pitchFamily="50" charset="-127"/>
-                        <a:ea typeface="맑은 고딕" pitchFamily="50" charset="-127"/>
+                        <a:latin typeface="맑은 고딕"/>
+                        <a:ea typeface="맑은 고딕"/>
                       </a:endParaRPr>
                     </a:p>
                   </a:txBody>
@@ -33798,8 +33626,6 @@
                       </a:solidFill>
                       <a:prstDash val="solid"/>
                       <a:round/>
-                      <a:headEnd type="none" w="med" len="med"/>
-                      <a:tailEnd type="none" w="med" len="med"/>
                     </a:lnL>
                     <a:lnR w="12700" cap="flat" cmpd="sng" algn="ctr">
                       <a:solidFill>
@@ -33807,8 +33633,6 @@
                       </a:solidFill>
                       <a:prstDash val="solid"/>
                       <a:round/>
-                      <a:headEnd type="none" w="med" len="med"/>
-                      <a:tailEnd type="none" w="med" len="med"/>
                     </a:lnR>
                     <a:lnT w="12700" cap="flat" cmpd="sng" algn="ctr">
                       <a:solidFill>
@@ -33816,8 +33640,6 @@
                       </a:solidFill>
                       <a:prstDash val="solid"/>
                       <a:round/>
-                      <a:headEnd type="none" w="med" len="med"/>
-                      <a:tailEnd type="none" w="med" len="med"/>
                     </a:lnT>
                     <a:lnB w="12700" cap="flat" cmpd="sng" algn="ctr">
                       <a:solidFill>
@@ -33825,8 +33647,6 @@
                       </a:solidFill>
                       <a:prstDash val="solid"/>
                       <a:round/>
-                      <a:headEnd type="none" w="med" len="med"/>
-                      <a:tailEnd type="none" w="med" len="med"/>
                     </a:lnB>
                     <a:lnTlToBr>
                       <a:noFill/>
@@ -33844,10 +33664,9 @@
                 </a:tc>
                 <a:tc>
                   <a:txBody>
-                    <a:bodyPr/>
-                    <a:lstStyle/>
+                    <a:bodyPr vert="horz" lIns="72000" tIns="0" rIns="0" bIns="0" anchor="ctr" anchorCtr="0"/>
                     <a:p>
-                      <a:pPr marL="0" marR="0" indent="0" algn="l" defTabSz="914400" rtl="0" eaLnBrk="1" fontAlgn="auto" latinLnBrk="1" hangingPunct="1">
+                      <a:pPr marL="0" marR="0" indent="0" algn="l" defTabSz="914400" rtl="0" eaLnBrk="1" latinLnBrk="1" hangingPunct="1">
                         <a:lnSpc>
                           <a:spcPct val="100000"/>
                         </a:lnSpc>
@@ -33858,25 +33677,30 @@
                           <a:spcPts val="0"/>
                         </a:spcAft>
                         <a:buClrTx/>
-                        <a:buSzTx/>
                         <a:buFontTx/>
                         <a:buNone/>
-                        <a:tabLst/>
                         <a:defRPr/>
                       </a:pPr>
                       <a:r>
-                        <a:rPr kumimoji="0" lang="en-US" altLang="ko-KR" sz="1000" dirty="0" smtClean="0">
+                        <a:rPr kumimoji="0" lang="en-US" altLang="ko-KR" sz="1000">
                           <a:solidFill>
                             <a:schemeClr val="tx1"/>
                           </a:solidFill>
-                          <a:latin typeface="맑은 고딕" pitchFamily="50" charset="-127"/>
-                          <a:ea typeface="맑은 고딕" pitchFamily="50" charset="-127"/>
+                          <a:latin typeface="맑은 고딕"/>
+                          <a:ea typeface="맑은 고딕"/>
                         </a:rPr>
                         <a:t>2_3_4_01.sgv</a:t>
                       </a:r>
+                      <a:endParaRPr kumimoji="0" lang="en-US" altLang="ko-KR" sz="1000">
+                        <a:solidFill>
+                          <a:schemeClr val="tx1"/>
+                        </a:solidFill>
+                        <a:latin typeface="맑은 고딕"/>
+                        <a:ea typeface="맑은 고딕"/>
+                      </a:endParaRPr>
                     </a:p>
                     <a:p>
-                      <a:pPr marL="0" marR="0" indent="0" algn="l" defTabSz="914400" rtl="0" eaLnBrk="1" fontAlgn="auto" latinLnBrk="1" hangingPunct="1">
+                      <a:pPr marL="0" marR="0" indent="0" algn="l" defTabSz="914400" rtl="0" eaLnBrk="1" latinLnBrk="1" hangingPunct="1">
                         <a:lnSpc>
                           <a:spcPct val="100000"/>
                         </a:lnSpc>
@@ -33887,72 +33711,57 @@
                           <a:spcPts val="0"/>
                         </a:spcAft>
                         <a:buClrTx/>
-                        <a:buSzTx/>
                         <a:buFontTx/>
                         <a:buNone/>
-                        <a:tabLst/>
                         <a:defRPr/>
                       </a:pPr>
                       <a:r>
-                        <a:rPr kumimoji="0" lang="ko-KR" altLang="en-US" sz="1000" dirty="0" smtClean="0">
+                        <a:rPr kumimoji="0" lang="ko-KR" altLang="en-US" sz="1000">
                           <a:solidFill>
                             <a:schemeClr val="tx1"/>
                           </a:solidFill>
-                          <a:latin typeface="맑은 고딕" pitchFamily="50" charset="-127"/>
-                          <a:ea typeface="맑은 고딕" pitchFamily="50" charset="-127"/>
+                          <a:latin typeface="맑은 고딕"/>
+                          <a:ea typeface="맑은 고딕"/>
                         </a:rPr>
                         <a:t>한대희 </a:t>
                       </a:r>
                       <a:r>
-                        <a:rPr kumimoji="0" lang="en-US" altLang="ko-KR" sz="1000" dirty="0" smtClean="0">
+                        <a:rPr kumimoji="0" lang="en-US" altLang="ko-KR" sz="1000">
                           <a:solidFill>
                             <a:schemeClr val="tx1"/>
                           </a:solidFill>
-                          <a:latin typeface="맑은 고딕" pitchFamily="50" charset="-127"/>
-                          <a:ea typeface="맑은 고딕" pitchFamily="50" charset="-127"/>
+                          <a:latin typeface="맑은 고딕"/>
+                          <a:ea typeface="맑은 고딕"/>
                         </a:rPr>
                         <a:t>3-1 </a:t>
                       </a:r>
                       <a:r>
-                        <a:rPr kumimoji="0" lang="ko-KR" altLang="en-US" sz="1000" dirty="0" smtClean="0">
+                        <a:rPr kumimoji="0" lang="ko-KR" altLang="en-US" sz="1000">
                           <a:solidFill>
                             <a:schemeClr val="tx1"/>
                           </a:solidFill>
-                          <a:latin typeface="맑은 고딕" pitchFamily="50" charset="-127"/>
-                          <a:ea typeface="맑은 고딕" pitchFamily="50" charset="-127"/>
+                          <a:latin typeface="맑은 고딕"/>
+                          <a:ea typeface="맑은 고딕"/>
                         </a:rPr>
                         <a:t>지도서</a:t>
                       </a:r>
                       <a:r>
-                        <a:rPr kumimoji="0" lang="en-US" altLang="ko-KR" sz="1000" dirty="0" smtClean="0">
+                        <a:rPr kumimoji="0" lang="en-US" altLang="ko-KR" sz="1000">
                           <a:solidFill>
                             <a:schemeClr val="tx1"/>
                           </a:solidFill>
-                          <a:latin typeface="맑은 고딕" pitchFamily="50" charset="-127"/>
-                          <a:ea typeface="맑은 고딕" pitchFamily="50" charset="-127"/>
+                          <a:latin typeface="맑은 고딕"/>
+                          <a:ea typeface="맑은 고딕"/>
                         </a:rPr>
-                        <a:t>\app\resource\</a:t>
+                        <a:t>\app\resource\contents_sub\lesson02\ops\2\images\2_3</a:t>
                       </a:r>
-                      <a:r>
-                        <a:rPr kumimoji="0" lang="en-US" altLang="ko-KR" sz="1000" dirty="0" err="1" smtClean="0">
-                          <a:solidFill>
-                            <a:schemeClr val="tx1"/>
-                          </a:solidFill>
-                          <a:latin typeface="맑은 고딕" pitchFamily="50" charset="-127"/>
-                          <a:ea typeface="맑은 고딕" pitchFamily="50" charset="-127"/>
-                        </a:rPr>
-                        <a:t>contents_sub</a:t>
-                      </a:r>
-                      <a:r>
-                        <a:rPr kumimoji="0" lang="en-US" altLang="ko-KR" sz="1000" dirty="0" smtClean="0">
-                          <a:solidFill>
-                            <a:schemeClr val="tx1"/>
-                          </a:solidFill>
-                          <a:latin typeface="맑은 고딕" pitchFamily="50" charset="-127"/>
-                          <a:ea typeface="맑은 고딕" pitchFamily="50" charset="-127"/>
-                        </a:rPr>
-                        <a:t>\lesson02\ops\2\images\2_3</a:t>
-                      </a:r>
+                      <a:endParaRPr kumimoji="0" lang="en-US" altLang="ko-KR" sz="1000">
+                        <a:solidFill>
+                          <a:schemeClr val="tx1"/>
+                        </a:solidFill>
+                        <a:latin typeface="맑은 고딕"/>
+                        <a:ea typeface="맑은 고딕"/>
+                      </a:endParaRPr>
                     </a:p>
                   </a:txBody>
                   <a:tcPr marL="72000" marR="0" marT="0" marB="0" anchor="ctr" horzOverflow="overflow">
@@ -33962,8 +33771,6 @@
                       </a:solidFill>
                       <a:prstDash val="solid"/>
                       <a:round/>
-                      <a:headEnd type="none" w="med" len="med"/>
-                      <a:tailEnd type="none" w="med" len="med"/>
                     </a:lnL>
                     <a:lnR w="12700" cap="flat" cmpd="sng" algn="ctr">
                       <a:solidFill>
@@ -33971,8 +33778,6 @@
                       </a:solidFill>
                       <a:prstDash val="solid"/>
                       <a:round/>
-                      <a:headEnd type="none" w="med" len="med"/>
-                      <a:tailEnd type="none" w="med" len="med"/>
                     </a:lnR>
                     <a:lnT w="12700" cap="flat" cmpd="sng" algn="ctr">
                       <a:solidFill>
@@ -33980,8 +33785,6 @@
                       </a:solidFill>
                       <a:prstDash val="solid"/>
                       <a:round/>
-                      <a:headEnd type="none" w="med" len="med"/>
-                      <a:tailEnd type="none" w="med" len="med"/>
                     </a:lnT>
                     <a:lnB w="12700" cap="flat" cmpd="sng" algn="ctr">
                       <a:solidFill>
@@ -33989,16 +33792,9 @@
                       </a:solidFill>
                       <a:prstDash val="solid"/>
                       <a:round/>
-                      <a:headEnd type="none" w="med" len="med"/>
-                      <a:tailEnd type="none" w="med" len="med"/>
                     </a:lnB>
                   </a:tcPr>
                 </a:tc>
-                <a:extLst>
-                  <a:ext uri="{0D108BD9-81ED-4DB2-BD59-A6C34878D82A}">
-                    <a16:rowId xmlns:a16="http://schemas.microsoft.com/office/drawing/2014/main" xmlns="" val="10000"/>
-                  </a:ext>
-                </a:extLst>
               </a:tr>
             </a:tbl>
           </a:graphicData>
@@ -34019,7 +33815,7 @@
             <a:avLst/>
           </a:prstGeom>
           <a:solidFill>
-            <a:srgbClr val="FF0000"/>
+            <a:srgbClr val="ff0000"/>
           </a:solidFill>
           <a:ln w="9525">
             <a:noFill/>
@@ -34052,47 +33848,123 @@
               <a:defRPr/>
             </a:pPr>
             <a:r>
-              <a:rPr lang="en-US" altLang="ko-KR" sz="1100" b="1" dirty="0" smtClean="0">
+              <a:rPr lang="en-US" altLang="ko-KR" sz="1100" b="1">
                 <a:solidFill>
                   <a:schemeClr val="bg1"/>
                 </a:solidFill>
-                <a:latin typeface="맑은 고딕" pitchFamily="50" charset="-127"/>
-                <a:ea typeface="맑은 고딕" pitchFamily="50" charset="-127"/>
+                <a:latin typeface="맑은 고딕"/>
+                <a:ea typeface="맑은 고딕"/>
               </a:rPr>
               <a:t>#1</a:t>
             </a:r>
-            <a:endParaRPr lang="ko-KR" altLang="en-US" sz="1100" b="1" dirty="0">
+            <a:endParaRPr lang="ko-KR" altLang="en-US" sz="1100" b="1">
               <a:solidFill>
                 <a:schemeClr val="bg1"/>
               </a:solidFill>
-              <a:latin typeface="맑은 고딕" pitchFamily="50" charset="-127"/>
-              <a:ea typeface="맑은 고딕" pitchFamily="50" charset="-127"/>
+              <a:latin typeface="맑은 고딕"/>
+              <a:ea typeface="맑은 고딕"/>
+            </a:endParaRPr>
+          </a:p>
+        </p:txBody>
+      </p:sp>
+      <p:sp>
+        <p:nvSpPr>
+          <p:cNvPr id="4099" name="타원 42"/>
+          <p:cNvSpPr/>
+          <p:nvPr/>
+        </p:nvSpPr>
+        <p:spPr>
+          <a:xfrm>
+            <a:off x="6511345" y="3914112"/>
+            <a:ext cx="1188132" cy="1188132"/>
+          </a:xfrm>
+          <a:prstGeom prst="ellipse">
+            <a:avLst/>
+          </a:prstGeom>
+          <a:solidFill>
+            <a:srgbClr val="ff0000"/>
+          </a:solidFill>
+          <a:ln>
+            <a:noFill/>
+          </a:ln>
+        </p:spPr>
+        <p:style>
+          <a:lnRef idx="2">
+            <a:schemeClr val="accent2"/>
+          </a:lnRef>
+          <a:fillRef idx="1">
+            <a:schemeClr val="lt1"/>
+          </a:fillRef>
+          <a:effectRef idx="0">
+            <a:schemeClr val="accent2"/>
+          </a:effectRef>
+          <a:fontRef idx="minor">
+            <a:schemeClr val="dk1"/>
+          </a:fontRef>
+        </p:style>
+        <p:txBody>
+          <a:bodyPr vert="horz" wrap="square" lIns="91440" tIns="45720" rIns="91440" bIns="45720" anchor="ctr" anchorCtr="0">
+            <a:prstTxWarp prst="textNoShape">
+              <a:avLst/>
+            </a:prstTxWarp>
+            <a:noAutofit/>
+          </a:bodyPr>
+          <a:lstStyle/>
+          <a:p>
+            <a:pPr marL="0" marR="0" indent="0" algn="ctr" defTabSz="914400" rtl="0" eaLnBrk="1" latinLnBrk="1" hangingPunct="1">
+              <a:lnSpc>
+                <a:spcPct val="100000"/>
+              </a:lnSpc>
+              <a:spcBef>
+                <a:spcPct val="50000"/>
+              </a:spcBef>
+              <a:spcAft>
+                <a:spcPct val="0"/>
+              </a:spcAft>
+              <a:buClrTx/>
+              <a:buFontTx/>
+              <a:buNone/>
+              <a:defRPr/>
+            </a:pPr>
+            <a:r>
+              <a:rPr kumimoji="1" lang="ko-KR" altLang="en-US" sz="1800" b="1" i="0" u="none" strike="noStrike" cap="none" normalizeH="0" baseline="0">
+                <a:solidFill>
+                  <a:schemeClr val="bg1"/>
+                </a:solidFill>
+                <a:effectLst/>
+                <a:latin typeface="맑은 고딕"/>
+                <a:ea typeface="맑은 고딕"/>
+              </a:rPr>
+              <a:t>완료</a:t>
+            </a:r>
+            <a:endParaRPr kumimoji="1" lang="ko-KR" altLang="en-US" sz="1800" b="1" i="0" u="none" strike="noStrike" cap="none" normalizeH="0" baseline="0">
+              <a:solidFill>
+                <a:schemeClr val="bg1"/>
+              </a:solidFill>
+              <a:latin typeface="맑은 고딕"/>
+              <a:ea typeface="맑은 고딕"/>
             </a:endParaRPr>
           </a:p>
         </p:txBody>
       </p:sp>
     </p:spTree>
-    <p:extLst>
-      <p:ext uri="{BB962C8B-B14F-4D97-AF65-F5344CB8AC3E}">
-        <p14:creationId xmlns:p14="http://schemas.microsoft.com/office/powerpoint/2010/main" val="3437019908"/>
-      </p:ext>
-    </p:extLst>
   </p:cSld>
   <p:clrMapOvr>
     <a:masterClrMapping/>
   </p:clrMapOvr>
-  <p:timing>
-    <p:tnLst>
-      <p:par>
-        <p:cTn id="1" dur="indefinite" restart="never" nodeType="tmRoot"/>
-      </p:par>
-    </p:tnLst>
-  </p:timing>
+  <mc:AlternateContent xmlns:mc="http://schemas.openxmlformats.org/markup-compatibility/2006">
+    <mc:Choice xmlns:p14="http://schemas.microsoft.com/office/powerpoint/2010/main" Requires="p14">
+      <p:transition xmlns:mc="http://schemas.openxmlformats.org/markup-compatibility/2006" xmlns:p14="http://schemas.microsoft.com/office/powerpoint/2010/main" mc:Ignorable="p14" p14:dur="500"/>
+    </mc:Choice>
+    <mc:Fallback>
+      <p:transition/>
+    </mc:Fallback>
+  </mc:AlternateContent>
 </p:sld>
 </file>
 
 <file path=ppt/slides/slide8.xml><?xml version="1.0" encoding="utf-8"?>
-<p:sld xmlns:a="http://schemas.openxmlformats.org/drawingml/2006/main" xmlns:r="http://schemas.openxmlformats.org/officeDocument/2006/relationships" xmlns:p="http://schemas.openxmlformats.org/presentationml/2006/main">
+<p:sld xmlns:r="http://schemas.openxmlformats.org/officeDocument/2006/relationships" xmlns:c="http://schemas.openxmlformats.org/drawingml/2006/chart" xmlns:a="http://schemas.openxmlformats.org/drawingml/2006/main" xmlns:dgm="http://schemas.openxmlformats.org/drawingml/2006/diagram" xmlns:dsp="http://schemas.microsoft.com/office/drawing/2008/diagram" xmlns:p="http://schemas.openxmlformats.org/presentationml/2006/main">
   <p:cSld>
     <p:spTree>
       <p:nvGrpSpPr>
@@ -34123,17 +33995,15 @@
         <a:graphic>
           <a:graphicData uri="http://schemas.openxmlformats.org/drawingml/2006/table">
             <a:tbl>
-              <a:tblPr/>
               <a:tblGrid>
                 <a:gridCol w="2016125"/>
               </a:tblGrid>
               <a:tr h="189064">
                 <a:tc>
                   <a:txBody>
-                    <a:bodyPr/>
-                    <a:lstStyle/>
+                    <a:bodyPr vert="horz" lIns="53929" tIns="25167" rIns="53929" bIns="25167" anchor="ctr" anchorCtr="0"/>
                     <a:p>
-                      <a:pPr marL="0" marR="0" lvl="0" indent="0" algn="l" defTabSz="850900" rtl="0" eaLnBrk="1" fontAlgn="base" latinLnBrk="1" hangingPunct="1">
+                      <a:pPr marL="0" marR="0" lvl="0" indent="0" algn="l" defTabSz="850900" rtl="0" eaLnBrk="1" latinLnBrk="1" hangingPunct="1">
                         <a:lnSpc>
                           <a:spcPct val="90000"/>
                         </a:lnSpc>
@@ -34144,35 +34014,28 @@
                           <a:spcPct val="0"/>
                         </a:spcAft>
                         <a:buClrTx/>
-                        <a:buSzTx/>
                         <a:buFontTx/>
                         <a:buNone/>
-                        <a:tabLst/>
+                        <a:defRPr/>
                       </a:pPr>
                       <a:r>
-                        <a:rPr kumimoji="1" lang="en-US" altLang="ko-KR" sz="1000" b="0" i="0" u="none" strike="noStrike" cap="none" normalizeH="0" baseline="0" dirty="0" smtClean="0">
-                          <a:ln>
-                            <a:noFill/>
-                          </a:ln>
+                        <a:rPr kumimoji="1" lang="en-US" altLang="ko-KR" sz="1000" b="0" i="0" u="none" strike="noStrike" cap="none" normalizeH="0" baseline="0">
                           <a:solidFill>
                             <a:schemeClr val="tx1"/>
                           </a:solidFill>
                           <a:effectLst/>
-                          <a:latin typeface="맑은 고딕" pitchFamily="50" charset="-127"/>
-                          <a:ea typeface="맑은 고딕" pitchFamily="50" charset="-127"/>
+                          <a:latin typeface="맑은 고딕"/>
+                          <a:ea typeface="맑은 고딕"/>
                         </a:rPr>
                         <a:t>Θ Description &amp; Function</a:t>
                       </a:r>
-                      <a:endParaRPr kumimoji="1" lang="ko-KR" altLang="en-US" sz="1000" b="0" i="0" u="none" strike="noStrike" cap="none" normalizeH="0" baseline="0" dirty="0" smtClean="0">
-                        <a:ln>
-                          <a:noFill/>
-                        </a:ln>
+                      <a:endParaRPr kumimoji="1" lang="ko-KR" altLang="en-US" sz="1000" b="0" i="0" u="none" strike="noStrike" cap="none" normalizeH="0" baseline="0">
                         <a:solidFill>
                           <a:schemeClr val="tx1"/>
                         </a:solidFill>
                         <a:effectLst/>
-                        <a:latin typeface="맑은 고딕" pitchFamily="50" charset="-127"/>
-                        <a:ea typeface="맑은 고딕" pitchFamily="50" charset="-127"/>
+                        <a:latin typeface="맑은 고딕"/>
+                        <a:ea typeface="맑은 고딕"/>
                       </a:endParaRPr>
                     </a:p>
                   </a:txBody>
@@ -34183,8 +34046,6 @@
                       </a:solidFill>
                       <a:prstDash val="solid"/>
                       <a:round/>
-                      <a:headEnd type="none" w="med" len="med"/>
-                      <a:tailEnd type="none" w="med" len="med"/>
                     </a:lnL>
                     <a:lnR w="12700" cap="flat" cmpd="sng" algn="ctr">
                       <a:solidFill>
@@ -34192,8 +34053,6 @@
                       </a:solidFill>
                       <a:prstDash val="solid"/>
                       <a:round/>
-                      <a:headEnd type="none" w="med" len="med"/>
-                      <a:tailEnd type="none" w="med" len="med"/>
                     </a:lnR>
                     <a:lnT w="12700" cap="flat" cmpd="sng" algn="ctr">
                       <a:solidFill>
@@ -34201,8 +34060,6 @@
                       </a:solidFill>
                       <a:prstDash val="solid"/>
                       <a:round/>
-                      <a:headEnd type="none" w="med" len="med"/>
-                      <a:tailEnd type="none" w="med" len="med"/>
                     </a:lnT>
                     <a:lnB w="12700" cap="flat" cmpd="sng" algn="ctr">
                       <a:solidFill>
@@ -34210,8 +34067,6 @@
                       </a:solidFill>
                       <a:prstDash val="solid"/>
                       <a:round/>
-                      <a:headEnd type="none" w="med" len="med"/>
-                      <a:tailEnd type="none" w="med" len="med"/>
                     </a:lnB>
                     <a:lnTlToBr>
                       <a:noFill/>
@@ -34220,7 +34075,7 @@
                       <a:noFill/>
                     </a:lnBlToTr>
                     <a:solidFill>
-                      <a:srgbClr val="DDDDDD"/>
+                      <a:srgbClr val="dddddd"/>
                     </a:solidFill>
                   </a:tcPr>
                 </a:tc>
@@ -34238,7 +34093,7 @@
         <p:spPr>
           <a:xfrm>
             <a:off x="644499" y="1604119"/>
-            <a:ext cx="6110881" cy="384721"/>
+            <a:ext cx="6110881" cy="375176"/>
           </a:xfrm>
           <a:prstGeom prst="rect">
             <a:avLst/>
@@ -34249,7 +34104,7 @@
           </a:ln>
         </p:spPr>
         <p:txBody>
-          <a:bodyPr wrap="square" rtlCol="0">
+          <a:bodyPr wrap="square">
             <a:spAutoFit/>
           </a:bodyPr>
           <a:lstStyle>
@@ -34267,8 +34122,8 @@
                 <a:solidFill>
                   <a:schemeClr val="tx1"/>
                 </a:solidFill>
-                <a:latin typeface="돋움" pitchFamily="50" charset="-127"/>
-                <a:ea typeface="굴림" charset="-127"/>
+                <a:latin typeface="돋움"/>
+                <a:ea typeface="굴림"/>
                 <a:cs typeface="+mn-cs"/>
               </a:defRPr>
             </a:lvl1pPr>
@@ -34283,8 +34138,8 @@
                 <a:solidFill>
                   <a:schemeClr val="tx1"/>
                 </a:solidFill>
-                <a:latin typeface="돋움" pitchFamily="50" charset="-127"/>
-                <a:ea typeface="굴림" charset="-127"/>
+                <a:latin typeface="돋움"/>
+                <a:ea typeface="굴림"/>
                 <a:cs typeface="+mn-cs"/>
               </a:defRPr>
             </a:lvl2pPr>
@@ -34299,8 +34154,8 @@
                 <a:solidFill>
                   <a:schemeClr val="tx1"/>
                 </a:solidFill>
-                <a:latin typeface="돋움" pitchFamily="50" charset="-127"/>
-                <a:ea typeface="굴림" charset="-127"/>
+                <a:latin typeface="돋움"/>
+                <a:ea typeface="굴림"/>
                 <a:cs typeface="+mn-cs"/>
               </a:defRPr>
             </a:lvl3pPr>
@@ -34315,8 +34170,8 @@
                 <a:solidFill>
                   <a:schemeClr val="tx1"/>
                 </a:solidFill>
-                <a:latin typeface="돋움" pitchFamily="50" charset="-127"/>
-                <a:ea typeface="굴림" charset="-127"/>
+                <a:latin typeface="돋움"/>
+                <a:ea typeface="굴림"/>
                 <a:cs typeface="+mn-cs"/>
               </a:defRPr>
             </a:lvl4pPr>
@@ -34331,8 +34186,8 @@
                 <a:solidFill>
                   <a:schemeClr val="tx1"/>
                 </a:solidFill>
-                <a:latin typeface="돋움" pitchFamily="50" charset="-127"/>
-                <a:ea typeface="굴림" charset="-127"/>
+                <a:latin typeface="돋움"/>
+                <a:ea typeface="굴림"/>
                 <a:cs typeface="+mn-cs"/>
               </a:defRPr>
             </a:lvl5pPr>
@@ -34341,8 +34196,8 @@
                 <a:solidFill>
                   <a:schemeClr val="tx1"/>
                 </a:solidFill>
-                <a:latin typeface="돋움" pitchFamily="50" charset="-127"/>
-                <a:ea typeface="굴림" charset="-127"/>
+                <a:latin typeface="돋움"/>
+                <a:ea typeface="굴림"/>
                 <a:cs typeface="+mn-cs"/>
               </a:defRPr>
             </a:lvl6pPr>
@@ -34351,8 +34206,8 @@
                 <a:solidFill>
                   <a:schemeClr val="tx1"/>
                 </a:solidFill>
-                <a:latin typeface="돋움" pitchFamily="50" charset="-127"/>
-                <a:ea typeface="굴림" charset="-127"/>
+                <a:latin typeface="돋움"/>
+                <a:ea typeface="굴림"/>
                 <a:cs typeface="+mn-cs"/>
               </a:defRPr>
             </a:lvl7pPr>
@@ -34361,8 +34216,8 @@
                 <a:solidFill>
                   <a:schemeClr val="tx1"/>
                 </a:solidFill>
-                <a:latin typeface="돋움" pitchFamily="50" charset="-127"/>
-                <a:ea typeface="굴림" charset="-127"/>
+                <a:latin typeface="돋움"/>
+                <a:ea typeface="굴림"/>
                 <a:cs typeface="+mn-cs"/>
               </a:defRPr>
             </a:lvl8pPr>
@@ -34371,28 +34226,34 @@
                 <a:solidFill>
                   <a:schemeClr val="tx1"/>
                 </a:solidFill>
-                <a:latin typeface="돋움" pitchFamily="50" charset="-127"/>
-                <a:ea typeface="굴림" charset="-127"/>
+                <a:latin typeface="돋움"/>
+                <a:ea typeface="굴림"/>
                 <a:cs typeface="+mn-cs"/>
               </a:defRPr>
             </a:lvl9pPr>
           </a:lstStyle>
           <a:p>
-            <a:pPr algn="just"/>
+            <a:pPr algn="just">
+              <a:defRPr/>
+            </a:pPr>
             <a:r>
-              <a:rPr lang="ko-KR" altLang="en-US" sz="1900" spc="-150" dirty="0" smtClean="0">
-                <a:latin typeface="맑은 고딕" pitchFamily="50" charset="-127"/>
-                <a:ea typeface="맑은 고딕" pitchFamily="50" charset="-127"/>
+              <a:rPr lang="ko-KR" altLang="en-US" sz="1900" b="0" spc="-150">
+                <a:latin typeface="맑은 고딕"/>
+                <a:ea typeface="맑은 고딕"/>
               </a:rPr>
               <a:t>설명하고 있는 시각을 구해 보세요</a:t>
             </a:r>
             <a:r>
-              <a:rPr lang="en-US" altLang="ko-KR" sz="1900" spc="-150" dirty="0" smtClean="0">
-                <a:latin typeface="맑은 고딕" pitchFamily="50" charset="-127"/>
-                <a:ea typeface="맑은 고딕" pitchFamily="50" charset="-127"/>
+              <a:rPr lang="en-US" altLang="ko-KR" sz="1900" b="0" spc="-150">
+                <a:latin typeface="맑은 고딕"/>
+                <a:ea typeface="맑은 고딕"/>
               </a:rPr>
               <a:t>.</a:t>
             </a:r>
+            <a:endParaRPr lang="en-US" altLang="ko-KR" sz="1900" b="0" spc="-150">
+              <a:latin typeface="맑은 고딕"/>
+              <a:ea typeface="맑은 고딕"/>
+            </a:endParaRPr>
           </a:p>
         </p:txBody>
       </p:sp>
@@ -34437,10 +34298,12 @@
           </a:fontRef>
         </p:style>
         <p:txBody>
-          <a:bodyPr rtlCol="0" anchor="ctr"/>
+          <a:bodyPr anchor="ctr"/>
           <a:lstStyle/>
           <a:p>
-            <a:pPr algn="ctr"/>
+            <a:pPr algn="ctr">
+              <a:defRPr/>
+            </a:pPr>
             <a:endParaRPr lang="ko-KR" altLang="en-US"/>
           </a:p>
         </p:txBody>
@@ -34453,10 +34316,10 @@
           </p:cNvSpPr>
           <p:nvPr/>
         </p:nvSpPr>
-        <p:spPr bwMode="auto">
+        <p:spPr>
           <a:xfrm>
             <a:off x="5547058" y="1196752"/>
-            <a:ext cx="285082" cy="313547"/>
+            <a:ext cx="285082" cy="334868"/>
           </a:xfrm>
           <a:prstGeom prst="rect">
             <a:avLst/>
@@ -34464,9 +34327,7 @@
           <a:noFill/>
           <a:ln w="9525">
             <a:noFill/>
-            <a:miter lim="800000"/>
-            <a:headEnd/>
-            <a:tailEnd/>
+            <a:miter/>
           </a:ln>
         </p:spPr>
         <p:txBody>
@@ -34573,17 +34434,25 @@
               <a:lnSpc>
                 <a:spcPct val="150000"/>
               </a:lnSpc>
+              <a:defRPr/>
             </a:pPr>
             <a:r>
-              <a:rPr lang="en-US" altLang="ko-KR" sz="1100" b="1" dirty="0" smtClean="0">
+              <a:rPr lang="en-US" altLang="ko-KR" sz="1100" b="1">
                 <a:solidFill>
                   <a:schemeClr val="bg1"/>
                 </a:solidFill>
-                <a:latin typeface="맑은 고딕" pitchFamily="50" charset="-127"/>
-                <a:ea typeface="맑은 고딕" pitchFamily="50" charset="-127"/>
+                <a:latin typeface="맑은 고딕"/>
+                <a:ea typeface="맑은 고딕"/>
               </a:rPr>
               <a:t>1</a:t>
             </a:r>
+            <a:endParaRPr lang="en-US" altLang="ko-KR" sz="1100" b="1">
+              <a:solidFill>
+                <a:schemeClr val="bg1"/>
+              </a:solidFill>
+              <a:latin typeface="맑은 고딕"/>
+              <a:ea typeface="맑은 고딕"/>
+            </a:endParaRPr>
           </a:p>
         </p:txBody>
       </p:sp>
@@ -34627,10 +34496,12 @@
           </a:fontRef>
         </p:style>
         <p:txBody>
-          <a:bodyPr rtlCol="0" anchor="ctr"/>
+          <a:bodyPr anchor="ctr"/>
           <a:lstStyle/>
           <a:p>
-            <a:pPr algn="ctr"/>
+            <a:pPr algn="ctr">
+              <a:defRPr/>
+            </a:pPr>
             <a:endParaRPr lang="ko-KR" altLang="en-US"/>
           </a:p>
         </p:txBody>
@@ -34643,10 +34514,10 @@
           </p:cNvSpPr>
           <p:nvPr/>
         </p:nvSpPr>
-        <p:spPr bwMode="auto">
+        <p:spPr>
           <a:xfrm>
             <a:off x="6696229" y="1191789"/>
-            <a:ext cx="288039" cy="346249"/>
+            <a:ext cx="288039" cy="330306"/>
           </a:xfrm>
           <a:prstGeom prst="rect">
             <a:avLst/>
@@ -34654,9 +34525,7 @@
           <a:noFill/>
           <a:ln w="9525">
             <a:noFill/>
-            <a:miter lim="800000"/>
-            <a:headEnd/>
-            <a:tailEnd/>
+            <a:miter/>
           </a:ln>
         </p:spPr>
         <p:txBody>
@@ -34763,23 +34632,24 @@
               <a:lnSpc>
                 <a:spcPct val="150000"/>
               </a:lnSpc>
+              <a:defRPr/>
             </a:pPr>
             <a:r>
-              <a:rPr lang="en-US" altLang="ko-KR" sz="1100" b="1" dirty="0">
+              <a:rPr lang="en-US" altLang="ko-KR" sz="1100" b="1">
                 <a:solidFill>
                   <a:schemeClr val="bg1"/>
                 </a:solidFill>
-                <a:latin typeface="맑은 고딕" pitchFamily="50" charset="-127"/>
-                <a:ea typeface="맑은 고딕" pitchFamily="50" charset="-127"/>
+                <a:latin typeface="맑은 고딕"/>
+                <a:ea typeface="맑은 고딕"/>
               </a:rPr>
               <a:t>5</a:t>
             </a:r>
-            <a:endParaRPr lang="en-US" altLang="ko-KR" sz="1100" b="1" dirty="0" smtClean="0">
+            <a:endParaRPr lang="en-US" altLang="ko-KR" sz="1100" b="1">
               <a:solidFill>
                 <a:schemeClr val="bg1"/>
               </a:solidFill>
-              <a:latin typeface="맑은 고딕" pitchFamily="50" charset="-127"/>
-              <a:ea typeface="맑은 고딕" pitchFamily="50" charset="-127"/>
+              <a:latin typeface="맑은 고딕"/>
+              <a:ea typeface="맑은 고딕"/>
             </a:endParaRPr>
           </a:p>
         </p:txBody>
@@ -34825,10 +34695,12 @@
           </a:fontRef>
         </p:style>
         <p:txBody>
-          <a:bodyPr rtlCol="0" anchor="ctr"/>
+          <a:bodyPr anchor="ctr"/>
           <a:lstStyle/>
           <a:p>
-            <a:pPr algn="ctr"/>
+            <a:pPr algn="ctr">
+              <a:defRPr/>
+            </a:pPr>
             <a:endParaRPr lang="ko-KR" altLang="en-US"/>
           </a:p>
         </p:txBody>
@@ -34841,10 +34713,10 @@
           </p:cNvSpPr>
           <p:nvPr/>
         </p:nvSpPr>
-        <p:spPr bwMode="auto">
+        <p:spPr>
           <a:xfrm>
             <a:off x="6112743" y="1185439"/>
-            <a:ext cx="302036" cy="313547"/>
+            <a:ext cx="302036" cy="336656"/>
           </a:xfrm>
           <a:prstGeom prst="rect">
             <a:avLst/>
@@ -34852,9 +34724,7 @@
           <a:noFill/>
           <a:ln w="9525">
             <a:noFill/>
-            <a:miter lim="800000"/>
-            <a:headEnd/>
-            <a:tailEnd/>
+            <a:miter/>
           </a:ln>
         </p:spPr>
         <p:txBody>
@@ -34961,23 +34831,24 @@
               <a:lnSpc>
                 <a:spcPct val="150000"/>
               </a:lnSpc>
+              <a:defRPr/>
             </a:pPr>
             <a:r>
-              <a:rPr lang="en-US" altLang="ko-KR" sz="1100" b="1" dirty="0">
+              <a:rPr lang="en-US" altLang="ko-KR" sz="1100" b="1">
                 <a:solidFill>
                   <a:schemeClr val="bg1"/>
                 </a:solidFill>
-                <a:latin typeface="맑은 고딕" pitchFamily="50" charset="-127"/>
-                <a:ea typeface="맑은 고딕" pitchFamily="50" charset="-127"/>
+                <a:latin typeface="맑은 고딕"/>
+                <a:ea typeface="맑은 고딕"/>
               </a:rPr>
               <a:t>3</a:t>
             </a:r>
-            <a:endParaRPr lang="en-US" altLang="ko-KR" sz="1100" b="1" dirty="0" smtClean="0">
+            <a:endParaRPr lang="en-US" altLang="ko-KR" sz="1100" b="1">
               <a:solidFill>
                 <a:schemeClr val="bg1"/>
               </a:solidFill>
-              <a:latin typeface="맑은 고딕" pitchFamily="50" charset="-127"/>
-              <a:ea typeface="맑은 고딕" pitchFamily="50" charset="-127"/>
+              <a:latin typeface="맑은 고딕"/>
+              <a:ea typeface="맑은 고딕"/>
             </a:endParaRPr>
           </a:p>
         </p:txBody>
@@ -35023,10 +34894,12 @@
           </a:fontRef>
         </p:style>
         <p:txBody>
-          <a:bodyPr rtlCol="0" anchor="ctr"/>
+          <a:bodyPr anchor="ctr"/>
           <a:lstStyle/>
           <a:p>
-            <a:pPr algn="ctr"/>
+            <a:pPr algn="ctr">
+              <a:defRPr/>
+            </a:pPr>
             <a:endParaRPr lang="ko-KR" altLang="en-US"/>
           </a:p>
         </p:txBody>
@@ -35039,10 +34912,10 @@
           </p:cNvSpPr>
           <p:nvPr/>
         </p:nvSpPr>
-        <p:spPr bwMode="auto">
+        <p:spPr>
           <a:xfrm>
             <a:off x="5837954" y="1178152"/>
-            <a:ext cx="285082" cy="313547"/>
+            <a:ext cx="285082" cy="334418"/>
           </a:xfrm>
           <a:prstGeom prst="rect">
             <a:avLst/>
@@ -35050,9 +34923,7 @@
           <a:noFill/>
           <a:ln w="9525">
             <a:noFill/>
-            <a:miter lim="800000"/>
-            <a:headEnd/>
-            <a:tailEnd/>
+            <a:miter/>
           </a:ln>
         </p:spPr>
         <p:txBody>
@@ -35159,23 +35030,24 @@
               <a:lnSpc>
                 <a:spcPct val="150000"/>
               </a:lnSpc>
+              <a:defRPr/>
             </a:pPr>
             <a:r>
-              <a:rPr lang="en-US" altLang="ko-KR" sz="1100" b="1" dirty="0">
+              <a:rPr lang="en-US" altLang="ko-KR" sz="1100" b="1">
                 <a:solidFill>
                   <a:schemeClr val="bg1"/>
                 </a:solidFill>
-                <a:latin typeface="맑은 고딕" pitchFamily="50" charset="-127"/>
-                <a:ea typeface="맑은 고딕" pitchFamily="50" charset="-127"/>
+                <a:latin typeface="맑은 고딕"/>
+                <a:ea typeface="맑은 고딕"/>
               </a:rPr>
               <a:t>2</a:t>
             </a:r>
-            <a:endParaRPr lang="en-US" altLang="ko-KR" sz="1100" b="1" dirty="0" smtClean="0">
+            <a:endParaRPr lang="en-US" altLang="ko-KR" sz="1100" b="1">
               <a:solidFill>
                 <a:schemeClr val="bg1"/>
               </a:solidFill>
-              <a:latin typeface="맑은 고딕" pitchFamily="50" charset="-127"/>
-              <a:ea typeface="맑은 고딕" pitchFamily="50" charset="-127"/>
+              <a:latin typeface="맑은 고딕"/>
+              <a:ea typeface="맑은 고딕"/>
             </a:endParaRPr>
           </a:p>
         </p:txBody>
@@ -35221,10 +35093,12 @@
           </a:fontRef>
         </p:style>
         <p:txBody>
-          <a:bodyPr rtlCol="0" anchor="ctr"/>
+          <a:bodyPr anchor="ctr"/>
           <a:lstStyle/>
           <a:p>
-            <a:pPr algn="ctr"/>
+            <a:pPr algn="ctr">
+              <a:defRPr/>
+            </a:pPr>
             <a:endParaRPr lang="ko-KR" altLang="en-US"/>
           </a:p>
         </p:txBody>
@@ -35237,10 +35111,10 @@
           </p:cNvSpPr>
           <p:nvPr/>
         </p:nvSpPr>
-        <p:spPr bwMode="auto">
+        <p:spPr>
           <a:xfrm>
             <a:off x="4824028" y="1196780"/>
-            <a:ext cx="729605" cy="346249"/>
+            <a:ext cx="729605" cy="334840"/>
           </a:xfrm>
           <a:prstGeom prst="rect">
             <a:avLst/>
@@ -35248,9 +35122,7 @@
           <a:noFill/>
           <a:ln w="9525">
             <a:noFill/>
-            <a:miter lim="800000"/>
-            <a:headEnd/>
-            <a:tailEnd/>
+            <a:miter/>
           </a:ln>
         </p:spPr>
         <p:txBody>
@@ -35357,23 +35229,24 @@
               <a:lnSpc>
                 <a:spcPct val="150000"/>
               </a:lnSpc>
+              <a:defRPr/>
             </a:pPr>
             <a:r>
-              <a:rPr lang="ko-KR" altLang="en-US" sz="1100" b="1" spc="-150" dirty="0" smtClean="0">
+              <a:rPr lang="ko-KR" altLang="en-US" sz="1100" b="1" spc="-150">
                 <a:solidFill>
                   <a:schemeClr val="bg1"/>
                 </a:solidFill>
-                <a:latin typeface="맑은 고딕" pitchFamily="50" charset="-127"/>
-                <a:ea typeface="맑은 고딕" pitchFamily="50" charset="-127"/>
+                <a:latin typeface="맑은 고딕"/>
+                <a:ea typeface="맑은 고딕"/>
               </a:rPr>
               <a:t>개념 정리</a:t>
             </a:r>
-            <a:endParaRPr lang="en-US" altLang="ko-KR" sz="1100" b="1" spc="-150" dirty="0" smtClean="0">
+            <a:endParaRPr lang="en-US" altLang="ko-KR" sz="1100" b="1" spc="-150">
               <a:solidFill>
                 <a:schemeClr val="bg1"/>
               </a:solidFill>
-              <a:latin typeface="맑은 고딕" pitchFamily="50" charset="-127"/>
-              <a:ea typeface="맑은 고딕" pitchFamily="50" charset="-127"/>
+              <a:latin typeface="맑은 고딕"/>
+              <a:ea typeface="맑은 고딕"/>
             </a:endParaRPr>
           </a:p>
         </p:txBody>
@@ -35386,20 +35259,14 @@
           </p:cNvPicPr>
           <p:nvPr/>
         </p:nvPicPr>
-        <p:blipFill>
-          <a:blip r:embed="rId2">
-            <a:extLst>
-              <a:ext uri="{28A0092B-C50C-407E-A947-70E740481C1C}">
-                <a14:useLocalDpi xmlns:a14="http://schemas.microsoft.com/office/drawing/2010/main" val="0"/>
-              </a:ext>
-            </a:extLst>
-          </a:blip>
+        <p:blipFill rotWithShape="1">
+          <a:blip r:embed="rId2"/>
           <a:srcRect/>
           <a:stretch>
             <a:fillRect/>
           </a:stretch>
         </p:blipFill>
-        <p:spPr bwMode="auto">
+        <p:spPr>
           <a:xfrm>
             <a:off x="5782406" y="5237364"/>
             <a:ext cx="985838" cy="323850"/>
@@ -35412,34 +35279,6 @@
             <a:noFill/>
           </a:ln>
           <a:effectLst/>
-          <a:extLst>
-            <a:ext uri="{909E8E84-426E-40DD-AFC4-6F175D3DCCD1}">
-              <a14:hiddenFill xmlns:a14="http://schemas.microsoft.com/office/drawing/2010/main">
-                <a:solidFill>
-                  <a:schemeClr val="accent1"/>
-                </a:solidFill>
-              </a14:hiddenFill>
-            </a:ext>
-            <a:ext uri="{91240B29-F687-4F45-9708-019B960494DF}">
-              <a14:hiddenLine xmlns:a14="http://schemas.microsoft.com/office/drawing/2010/main" w="9525">
-                <a:solidFill>
-                  <a:schemeClr val="tx1"/>
-                </a:solidFill>
-                <a:miter lim="800000"/>
-                <a:headEnd/>
-                <a:tailEnd/>
-              </a14:hiddenLine>
-            </a:ext>
-            <a:ext uri="{AF507438-7753-43E0-B8FC-AC1667EBCBE1}">
-              <a14:hiddenEffects xmlns:a14="http://schemas.microsoft.com/office/drawing/2010/main">
-                <a:effectLst>
-                  <a:outerShdw dist="35921" dir="2700000" algn="ctr" rotWithShape="0">
-                    <a:schemeClr val="bg2"/>
-                  </a:outerShdw>
-                </a:effectLst>
-              </a14:hiddenEffects>
-            </a:ext>
-          </a:extLst>
         </p:spPr>
       </p:pic>
       <p:sp>
@@ -35451,7 +35290,7 @@
         <p:spPr>
           <a:xfrm>
             <a:off x="7018371" y="1092168"/>
-            <a:ext cx="2125629" cy="3323987"/>
+            <a:ext cx="2125629" cy="3287427"/>
           </a:xfrm>
           <a:prstGeom prst="rect">
             <a:avLst/>
@@ -35459,372 +35298,302 @@
           <a:noFill/>
         </p:spPr>
         <p:txBody>
-          <a:bodyPr wrap="square" rtlCol="0">
+          <a:bodyPr wrap="square">
             <a:spAutoFit/>
           </a:bodyPr>
           <a:lstStyle/>
           <a:p>
             <a:pPr marL="228600" indent="-228600" algn="just">
               <a:buAutoNum type="arabicPeriod"/>
+              <a:defRPr/>
             </a:pPr>
-            <a:endParaRPr lang="en-US" altLang="ko-KR" sz="1000" dirty="0">
-              <a:latin typeface="맑은 고딕" pitchFamily="50" charset="-127"/>
-              <a:ea typeface="맑은 고딕" pitchFamily="50" charset="-127"/>
+            <a:endParaRPr lang="en-US" altLang="ko-KR" sz="1000">
+              <a:latin typeface="맑은 고딕"/>
+              <a:ea typeface="맑은 고딕"/>
             </a:endParaRPr>
           </a:p>
           <a:p>
             <a:pPr marL="228600" indent="-228600">
               <a:buFontTx/>
               <a:buAutoNum type="arabicPeriod"/>
+              <a:defRPr/>
             </a:pPr>
             <a:r>
-              <a:rPr lang="ko-KR" altLang="en-US" sz="1000" dirty="0" err="1" smtClean="0">
-                <a:latin typeface="맑은 고딕" pitchFamily="50" charset="-127"/>
-                <a:ea typeface="맑은 고딕" pitchFamily="50" charset="-127"/>
+              <a:rPr lang="ko-KR" altLang="en-US" sz="1000">
+                <a:latin typeface="맑은 고딕"/>
+                <a:ea typeface="맑은 고딕"/>
               </a:rPr>
-              <a:t>말풍선</a:t>
-            </a:r>
-            <a:r>
-              <a:rPr lang="ko-KR" altLang="en-US" sz="1000" dirty="0" smtClean="0">
-                <a:latin typeface="맑은 고딕" pitchFamily="50" charset="-127"/>
-                <a:ea typeface="맑은 고딕" pitchFamily="50" charset="-127"/>
-              </a:rPr>
-              <a:t> </a:t>
-            </a:r>
-            <a:r>
-              <a:rPr lang="ko-KR" altLang="en-US" sz="1000" dirty="0" smtClean="0">
-                <a:latin typeface="맑은 고딕" pitchFamily="50" charset="-127"/>
-                <a:ea typeface="맑은 고딕" pitchFamily="50" charset="-127"/>
-              </a:rPr>
-              <a:t>소</a:t>
-            </a:r>
-            <a:r>
-              <a:rPr lang="ko-KR" altLang="en-US" sz="1000" dirty="0">
-                <a:latin typeface="맑은 고딕" pitchFamily="50" charset="-127"/>
-                <a:ea typeface="맑은 고딕" pitchFamily="50" charset="-127"/>
-              </a:rPr>
-              <a:t>스</a:t>
-            </a:r>
-            <a:r>
-              <a:rPr lang="ko-KR" altLang="en-US" sz="1000" dirty="0" smtClean="0">
-                <a:latin typeface="맑은 고딕" pitchFamily="50" charset="-127"/>
-                <a:ea typeface="맑은 고딕" pitchFamily="50" charset="-127"/>
-              </a:rPr>
-              <a:t> 사용</a:t>
-            </a:r>
-            <a:r>
-              <a:rPr lang="en-US" altLang="ko-KR" sz="1000" dirty="0" smtClean="0">
-                <a:latin typeface="맑은 고딕" pitchFamily="50" charset="-127"/>
-                <a:ea typeface="맑은 고딕" pitchFamily="50" charset="-127"/>
-              </a:rPr>
-              <a:t/>
+              <a:t>말풍선 소스 사용</a:t>
             </a:r>
             <a:br>
-              <a:rPr lang="en-US" altLang="ko-KR" sz="1000" dirty="0" smtClean="0">
-                <a:latin typeface="맑은 고딕" pitchFamily="50" charset="-127"/>
-                <a:ea typeface="맑은 고딕" pitchFamily="50" charset="-127"/>
+              <a:rPr lang="en-US" altLang="ko-KR" sz="1000">
+                <a:latin typeface="맑은 고딕"/>
+                <a:ea typeface="맑은 고딕"/>
               </a:rPr>
             </a:br>
-            <a:endParaRPr lang="en-US" altLang="ko-KR" sz="1000" dirty="0">
-              <a:latin typeface="맑은 고딕" pitchFamily="50" charset="-127"/>
-              <a:ea typeface="맑은 고딕" pitchFamily="50" charset="-127"/>
+            <a:endParaRPr lang="en-US" altLang="ko-KR" sz="1000">
+              <a:latin typeface="맑은 고딕"/>
+              <a:ea typeface="맑은 고딕"/>
             </a:endParaRPr>
           </a:p>
           <a:p>
             <a:pPr marL="228600" indent="-228600">
               <a:buFontTx/>
               <a:buAutoNum type="arabicPeriod"/>
+              <a:defRPr/>
             </a:pPr>
             <a:r>
-              <a:rPr lang="ko-KR" altLang="en-US" sz="1000" dirty="0" smtClean="0">
-                <a:latin typeface="맑은 고딕" pitchFamily="50" charset="-127"/>
-                <a:ea typeface="맑은 고딕" pitchFamily="50" charset="-127"/>
+              <a:rPr lang="ko-KR" altLang="en-US" sz="1000">
+                <a:latin typeface="맑은 고딕"/>
+                <a:ea typeface="맑은 고딕"/>
               </a:rPr>
               <a:t>지니 캐릭터 사용</a:t>
             </a:r>
-            <a:endParaRPr lang="en-US" altLang="ko-KR" sz="1000" dirty="0" smtClean="0">
-              <a:latin typeface="맑은 고딕" pitchFamily="50" charset="-127"/>
-              <a:ea typeface="맑은 고딕" pitchFamily="50" charset="-127"/>
+            <a:endParaRPr lang="ko-KR" altLang="en-US" sz="1000">
+              <a:latin typeface="맑은 고딕"/>
+              <a:ea typeface="맑은 고딕"/>
             </a:endParaRPr>
           </a:p>
           <a:p>
             <a:pPr marL="228600" indent="-228600">
               <a:buFontTx/>
               <a:buAutoNum type="arabicPeriod"/>
+              <a:defRPr/>
             </a:pPr>
-            <a:endParaRPr lang="en-US" altLang="ko-KR" sz="1000" dirty="0">
-              <a:latin typeface="맑은 고딕" pitchFamily="50" charset="-127"/>
-              <a:ea typeface="맑은 고딕" pitchFamily="50" charset="-127"/>
+            <a:endParaRPr lang="en-US" altLang="ko-KR" sz="1000">
+              <a:latin typeface="맑은 고딕"/>
+              <a:ea typeface="맑은 고딕"/>
             </a:endParaRPr>
           </a:p>
           <a:p>
             <a:pPr marL="228600" indent="-228600">
               <a:buFontTx/>
               <a:buAutoNum type="arabicPeriod"/>
+              <a:defRPr/>
             </a:pPr>
             <a:r>
-              <a:rPr lang="ko-KR" altLang="en-US" sz="1000" dirty="0" smtClean="0">
-                <a:latin typeface="맑은 고딕" pitchFamily="50" charset="-127"/>
-                <a:ea typeface="맑은 고딕" pitchFamily="50" charset="-127"/>
+              <a:rPr lang="ko-KR" altLang="en-US" sz="1000">
+                <a:latin typeface="맑은 고딕"/>
+                <a:ea typeface="맑은 고딕"/>
               </a:rPr>
-              <a:t>답 </a:t>
+              <a:t>답 칸 클릭 시 시곗바늘</a:t>
             </a:r>
             <a:r>
-              <a:rPr lang="ko-KR" altLang="en-US" sz="1000" dirty="0" smtClean="0">
-                <a:latin typeface="맑은 고딕" pitchFamily="50" charset="-127"/>
-                <a:ea typeface="맑은 고딕" pitchFamily="50" charset="-127"/>
-              </a:rPr>
-              <a:t>칸 클릭 </a:t>
-            </a:r>
-            <a:r>
-              <a:rPr lang="ko-KR" altLang="en-US" sz="1000" dirty="0" smtClean="0">
-                <a:latin typeface="맑은 고딕" pitchFamily="50" charset="-127"/>
-                <a:ea typeface="맑은 고딕" pitchFamily="50" charset="-127"/>
-              </a:rPr>
-              <a:t>시 </a:t>
-            </a:r>
-            <a:r>
-              <a:rPr lang="ko-KR" altLang="en-US" sz="1000" dirty="0" err="1" smtClean="0">
-                <a:latin typeface="맑은 고딕" pitchFamily="50" charset="-127"/>
-                <a:ea typeface="맑은 고딕" pitchFamily="50" charset="-127"/>
-              </a:rPr>
-              <a:t>시곗바늘</a:t>
-            </a:r>
-            <a:r>
-              <a:rPr lang="en-US" altLang="ko-KR" sz="1000" dirty="0" smtClean="0">
-                <a:latin typeface="맑은 고딕" pitchFamily="50" charset="-127"/>
-                <a:ea typeface="맑은 고딕" pitchFamily="50" charset="-127"/>
+              <a:rPr lang="en-US" altLang="ko-KR" sz="1000">
+                <a:latin typeface="맑은 고딕"/>
+                <a:ea typeface="맑은 고딕"/>
               </a:rPr>
               <a:t>, </a:t>
             </a:r>
             <a:r>
-              <a:rPr lang="ko-KR" altLang="en-US" sz="1000" dirty="0" smtClean="0">
-                <a:latin typeface="맑은 고딕" pitchFamily="50" charset="-127"/>
-                <a:ea typeface="맑은 고딕" pitchFamily="50" charset="-127"/>
+              <a:rPr lang="ko-KR" altLang="en-US" sz="1000">
+                <a:latin typeface="맑은 고딕"/>
+                <a:ea typeface="맑은 고딕"/>
               </a:rPr>
               <a:t>직각 표시가 나타남</a:t>
             </a:r>
             <a:r>
-              <a:rPr lang="en-US" altLang="ko-KR" sz="1000" dirty="0" smtClean="0">
-                <a:latin typeface="맑은 고딕" pitchFamily="50" charset="-127"/>
-                <a:ea typeface="맑은 고딕" pitchFamily="50" charset="-127"/>
+              <a:rPr lang="en-US" altLang="ko-KR" sz="1000">
+                <a:latin typeface="맑은 고딕"/>
+                <a:ea typeface="맑은 고딕"/>
               </a:rPr>
               <a:t>.</a:t>
             </a:r>
-          </a:p>
-          <a:p>
-            <a:pPr marL="228600" indent="-228600">
-              <a:buFontTx/>
-              <a:buAutoNum type="arabicPeriod"/>
-            </a:pPr>
-            <a:endParaRPr lang="en-US" altLang="ko-KR" sz="1000" dirty="0">
-              <a:latin typeface="맑은 고딕" pitchFamily="50" charset="-127"/>
-              <a:ea typeface="맑은 고딕" pitchFamily="50" charset="-127"/>
+            <a:endParaRPr lang="en-US" altLang="ko-KR" sz="1000">
+              <a:latin typeface="맑은 고딕"/>
+              <a:ea typeface="맑은 고딕"/>
             </a:endParaRPr>
           </a:p>
           <a:p>
             <a:pPr marL="228600" indent="-228600">
               <a:buFontTx/>
               <a:buAutoNum type="arabicPeriod"/>
+              <a:defRPr/>
             </a:pPr>
-            <a:endParaRPr lang="en-US" altLang="ko-KR" sz="1000" dirty="0" smtClean="0">
-              <a:latin typeface="맑은 고딕" pitchFamily="50" charset="-127"/>
-              <a:ea typeface="맑은 고딕" pitchFamily="50" charset="-127"/>
+            <a:endParaRPr lang="en-US" altLang="ko-KR" sz="1000">
+              <a:latin typeface="맑은 고딕"/>
+              <a:ea typeface="맑은 고딕"/>
             </a:endParaRPr>
           </a:p>
           <a:p>
             <a:pPr marL="228600" indent="-228600">
               <a:buFontTx/>
               <a:buAutoNum type="arabicPeriod"/>
+              <a:defRPr/>
             </a:pPr>
-            <a:endParaRPr lang="en-US" altLang="ko-KR" sz="1000" dirty="0">
-              <a:latin typeface="맑은 고딕" pitchFamily="50" charset="-127"/>
-              <a:ea typeface="맑은 고딕" pitchFamily="50" charset="-127"/>
+            <a:endParaRPr lang="en-US" altLang="ko-KR" sz="1000">
+              <a:latin typeface="맑은 고딕"/>
+              <a:ea typeface="맑은 고딕"/>
             </a:endParaRPr>
           </a:p>
           <a:p>
             <a:pPr marL="228600" indent="-228600">
               <a:buFontTx/>
               <a:buAutoNum type="arabicPeriod"/>
+              <a:defRPr/>
             </a:pPr>
-            <a:endParaRPr lang="en-US" altLang="ko-KR" sz="1000" dirty="0" smtClean="0">
-              <a:latin typeface="맑은 고딕" pitchFamily="50" charset="-127"/>
-              <a:ea typeface="맑은 고딕" pitchFamily="50" charset="-127"/>
+            <a:endParaRPr lang="en-US" altLang="ko-KR" sz="1000">
+              <a:latin typeface="맑은 고딕"/>
+              <a:ea typeface="맑은 고딕"/>
             </a:endParaRPr>
           </a:p>
           <a:p>
             <a:pPr marL="228600" indent="-228600">
               <a:buFontTx/>
               <a:buAutoNum type="arabicPeriod"/>
+              <a:defRPr/>
             </a:pPr>
-            <a:endParaRPr lang="en-US" altLang="ko-KR" sz="1000" dirty="0">
-              <a:latin typeface="맑은 고딕" pitchFamily="50" charset="-127"/>
-              <a:ea typeface="맑은 고딕" pitchFamily="50" charset="-127"/>
+            <a:endParaRPr lang="en-US" altLang="ko-KR" sz="1000">
+              <a:latin typeface="맑은 고딕"/>
+              <a:ea typeface="맑은 고딕"/>
             </a:endParaRPr>
           </a:p>
           <a:p>
             <a:pPr marL="228600" indent="-228600">
               <a:buFontTx/>
               <a:buAutoNum type="arabicPeriod"/>
+              <a:defRPr/>
             </a:pPr>
-            <a:endParaRPr lang="en-US" altLang="ko-KR" sz="1000" dirty="0" smtClean="0">
-              <a:latin typeface="맑은 고딕" pitchFamily="50" charset="-127"/>
-              <a:ea typeface="맑은 고딕" pitchFamily="50" charset="-127"/>
+            <a:endParaRPr lang="en-US" altLang="ko-KR" sz="1000">
+              <a:latin typeface="맑은 고딕"/>
+              <a:ea typeface="맑은 고딕"/>
             </a:endParaRPr>
           </a:p>
           <a:p>
             <a:pPr marL="228600" indent="-228600">
               <a:buFontTx/>
               <a:buAutoNum type="arabicPeriod"/>
+              <a:defRPr/>
             </a:pPr>
-            <a:endParaRPr lang="en-US" altLang="ko-KR" sz="1000" dirty="0">
-              <a:latin typeface="맑은 고딕" pitchFamily="50" charset="-127"/>
-              <a:ea typeface="맑은 고딕" pitchFamily="50" charset="-127"/>
+            <a:endParaRPr lang="en-US" altLang="ko-KR" sz="1000">
+              <a:latin typeface="맑은 고딕"/>
+              <a:ea typeface="맑은 고딕"/>
             </a:endParaRPr>
           </a:p>
           <a:p>
             <a:pPr marL="228600" indent="-228600">
               <a:buFontTx/>
               <a:buAutoNum type="arabicPeriod"/>
+              <a:defRPr/>
             </a:pPr>
-            <a:endParaRPr lang="en-US" altLang="ko-KR" sz="1000" dirty="0" smtClean="0">
-              <a:latin typeface="맑은 고딕" pitchFamily="50" charset="-127"/>
-              <a:ea typeface="맑은 고딕" pitchFamily="50" charset="-127"/>
+            <a:endParaRPr lang="en-US" altLang="ko-KR" sz="1000">
+              <a:latin typeface="맑은 고딕"/>
+              <a:ea typeface="맑은 고딕"/>
             </a:endParaRPr>
           </a:p>
           <a:p>
             <a:pPr marL="228600" indent="-228600">
               <a:buFontTx/>
               <a:buAutoNum type="arabicPeriod"/>
+              <a:defRPr/>
+            </a:pPr>
+            <a:endParaRPr lang="en-US" altLang="ko-KR" sz="1000">
+              <a:latin typeface="맑은 고딕"/>
+              <a:ea typeface="맑은 고딕"/>
+            </a:endParaRPr>
+          </a:p>
+          <a:p>
+            <a:pPr marL="228600" indent="-228600">
+              <a:buFontTx/>
+              <a:buAutoNum type="arabicPeriod"/>
+              <a:defRPr/>
             </a:pPr>
             <a:r>
-              <a:rPr lang="ko-KR" altLang="en-US" sz="1000" dirty="0" smtClean="0">
-                <a:latin typeface="맑은 고딕" pitchFamily="50" charset="-127"/>
-                <a:ea typeface="맑은 고딕" pitchFamily="50" charset="-127"/>
+              <a:rPr lang="ko-KR" altLang="en-US" sz="1000">
+                <a:latin typeface="맑은 고딕"/>
+                <a:ea typeface="맑은 고딕"/>
               </a:rPr>
-              <a:t>풀이 </a:t>
+              <a:t>풀이 확인 미니 팝업창</a:t>
             </a:r>
             <a:r>
-              <a:rPr lang="ko-KR" altLang="en-US" sz="1000" dirty="0">
-                <a:latin typeface="맑은 고딕" pitchFamily="50" charset="-127"/>
-                <a:ea typeface="맑은 고딕" pitchFamily="50" charset="-127"/>
-              </a:rPr>
-              <a:t>확인 </a:t>
-            </a:r>
-            <a:r>
-              <a:rPr lang="ko-KR" altLang="en-US" sz="1000" dirty="0" smtClean="0">
-                <a:latin typeface="맑은 고딕" pitchFamily="50" charset="-127"/>
-                <a:ea typeface="맑은 고딕" pitchFamily="50" charset="-127"/>
-              </a:rPr>
-              <a:t>미니 </a:t>
-            </a:r>
-            <a:r>
-              <a:rPr lang="ko-KR" altLang="en-US" sz="1000" dirty="0" err="1" smtClean="0">
-                <a:latin typeface="맑은 고딕" pitchFamily="50" charset="-127"/>
-                <a:ea typeface="맑은 고딕" pitchFamily="50" charset="-127"/>
-              </a:rPr>
-              <a:t>팝업창</a:t>
-            </a:r>
-            <a:r>
-              <a:rPr lang="en-US" altLang="ko-KR" sz="1000" dirty="0" smtClean="0">
-                <a:latin typeface="맑은 고딕" pitchFamily="50" charset="-127"/>
-                <a:ea typeface="맑은 고딕" pitchFamily="50" charset="-127"/>
+              <a:rPr lang="en-US" altLang="ko-KR" sz="1000">
+                <a:latin typeface="맑은 고딕"/>
+                <a:ea typeface="맑은 고딕"/>
               </a:rPr>
               <a:t>(</a:t>
             </a:r>
             <a:r>
-              <a:rPr lang="ko-KR" altLang="en-US" sz="1000" dirty="0">
-                <a:latin typeface="맑은 고딕" pitchFamily="50" charset="-127"/>
-                <a:ea typeface="맑은 고딕" pitchFamily="50" charset="-127"/>
+              <a:rPr lang="ko-KR" altLang="en-US" sz="1000">
+                <a:latin typeface="맑은 고딕"/>
+                <a:ea typeface="맑은 고딕"/>
               </a:rPr>
               <a:t>다음 슬라이드 참고</a:t>
             </a:r>
             <a:r>
-              <a:rPr lang="en-US" altLang="ko-KR" sz="1000" dirty="0">
-                <a:latin typeface="맑은 고딕" pitchFamily="50" charset="-127"/>
-                <a:ea typeface="맑은 고딕" pitchFamily="50" charset="-127"/>
+              <a:rPr lang="en-US" altLang="ko-KR" sz="1000">
+                <a:latin typeface="맑은 고딕"/>
+                <a:ea typeface="맑은 고딕"/>
               </a:rPr>
               <a:t>)</a:t>
             </a:r>
-          </a:p>
-          <a:p>
-            <a:pPr marL="228600" indent="-228600" algn="just">
-              <a:buFontTx/>
-              <a:buAutoNum type="arabicPeriod"/>
-            </a:pPr>
-            <a:endParaRPr lang="en-US" altLang="ko-KR" sz="1000" dirty="0">
-              <a:latin typeface="맑은 고딕" pitchFamily="50" charset="-127"/>
-              <a:ea typeface="맑은 고딕" pitchFamily="50" charset="-127"/>
+            <a:endParaRPr lang="en-US" altLang="ko-KR" sz="1000">
+              <a:latin typeface="맑은 고딕"/>
+              <a:ea typeface="맑은 고딕"/>
             </a:endParaRPr>
           </a:p>
           <a:p>
             <a:pPr marL="228600" indent="-228600" algn="just">
               <a:buFontTx/>
               <a:buAutoNum type="arabicPeriod"/>
+              <a:defRPr/>
+            </a:pPr>
+            <a:endParaRPr lang="en-US" altLang="ko-KR" sz="1000">
+              <a:latin typeface="맑은 고딕"/>
+              <a:ea typeface="맑은 고딕"/>
+            </a:endParaRPr>
+          </a:p>
+          <a:p>
+            <a:pPr marL="228600" indent="-228600" algn="just">
+              <a:buFontTx/>
+              <a:buAutoNum type="arabicPeriod"/>
+              <a:defRPr/>
             </a:pPr>
             <a:r>
-              <a:rPr lang="ko-KR" altLang="en-US" sz="1000" dirty="0" smtClean="0">
-                <a:latin typeface="맑은 고딕" pitchFamily="50" charset="-127"/>
-                <a:ea typeface="맑은 고딕" pitchFamily="50" charset="-127"/>
+              <a:rPr lang="ko-KR" altLang="en-US" sz="1000">
+                <a:latin typeface="맑은 고딕"/>
+                <a:ea typeface="맑은 고딕"/>
               </a:rPr>
-              <a:t>답 </a:t>
+              <a:t>답 칸 클릭하면 답 나타남</a:t>
             </a:r>
             <a:r>
-              <a:rPr lang="ko-KR" altLang="en-US" sz="1000" dirty="0">
-                <a:latin typeface="맑은 고딕" pitchFamily="50" charset="-127"/>
-                <a:ea typeface="맑은 고딕" pitchFamily="50" charset="-127"/>
-              </a:rPr>
-              <a:t>칸 클릭하면 답 나타남</a:t>
-            </a:r>
-            <a:r>
-              <a:rPr lang="en-US" altLang="ko-KR" sz="1000" dirty="0">
-                <a:latin typeface="맑은 고딕" pitchFamily="50" charset="-127"/>
-                <a:ea typeface="맑은 고딕" pitchFamily="50" charset="-127"/>
+              <a:rPr lang="en-US" altLang="ko-KR" sz="1000">
+                <a:latin typeface="맑은 고딕"/>
+                <a:ea typeface="맑은 고딕"/>
               </a:rPr>
               <a:t>. </a:t>
             </a:r>
             <a:r>
-              <a:rPr lang="ko-KR" altLang="en-US" sz="1000" dirty="0">
-                <a:latin typeface="맑은 고딕" pitchFamily="50" charset="-127"/>
-                <a:ea typeface="맑은 고딕" pitchFamily="50" charset="-127"/>
+              <a:rPr lang="ko-KR" altLang="en-US" sz="1000">
+                <a:latin typeface="맑은 고딕"/>
+                <a:ea typeface="맑은 고딕"/>
               </a:rPr>
               <a:t>정답 확인 버튼은</a:t>
             </a:r>
             <a:r>
-              <a:rPr lang="en-US" altLang="ko-KR" sz="1000" dirty="0">
-                <a:latin typeface="맑은 고딕" pitchFamily="50" charset="-127"/>
-                <a:ea typeface="맑은 고딕" pitchFamily="50" charset="-127"/>
+              <a:rPr lang="en-US" altLang="ko-KR" sz="1000">
+                <a:latin typeface="맑은 고딕"/>
+                <a:ea typeface="맑은 고딕"/>
               </a:rPr>
               <a:t> </a:t>
             </a:r>
             <a:r>
-              <a:rPr lang="ko-KR" altLang="en-US" sz="1000" dirty="0">
-                <a:latin typeface="맑은 고딕" pitchFamily="50" charset="-127"/>
-                <a:ea typeface="맑은 고딕" pitchFamily="50" charset="-127"/>
+              <a:rPr lang="ko-KR" altLang="en-US" sz="1000">
+                <a:latin typeface="맑은 고딕"/>
+                <a:ea typeface="맑은 고딕"/>
               </a:rPr>
-              <a:t>정답 가리기로 </a:t>
+              <a:t>정답 가리기로 토글 됨</a:t>
             </a:r>
             <a:r>
-              <a:rPr lang="ko-KR" altLang="en-US" sz="1000" dirty="0" err="1">
-                <a:latin typeface="맑은 고딕" pitchFamily="50" charset="-127"/>
-                <a:ea typeface="맑은 고딕" pitchFamily="50" charset="-127"/>
-              </a:rPr>
-              <a:t>토글</a:t>
-            </a:r>
-            <a:r>
-              <a:rPr lang="ko-KR" altLang="en-US" sz="1000" dirty="0">
-                <a:latin typeface="맑은 고딕" pitchFamily="50" charset="-127"/>
-                <a:ea typeface="맑은 고딕" pitchFamily="50" charset="-127"/>
-              </a:rPr>
-              <a:t> 됨</a:t>
-            </a:r>
-            <a:r>
-              <a:rPr lang="en-US" altLang="ko-KR" sz="1000" dirty="0" smtClean="0">
-                <a:latin typeface="맑은 고딕" pitchFamily="50" charset="-127"/>
-                <a:ea typeface="맑은 고딕" pitchFamily="50" charset="-127"/>
+              <a:rPr lang="en-US" altLang="ko-KR" sz="1000">
+                <a:latin typeface="맑은 고딕"/>
+                <a:ea typeface="맑은 고딕"/>
               </a:rPr>
               <a:t>.</a:t>
             </a:r>
+            <a:endParaRPr lang="en-US" altLang="ko-KR" sz="1000">
+              <a:latin typeface="맑은 고딕"/>
+              <a:ea typeface="맑은 고딕"/>
+            </a:endParaRPr>
           </a:p>
         </p:txBody>
       </p:sp>
@@ -35843,7 +35612,7 @@
             <a:avLst/>
           </a:prstGeom>
           <a:solidFill>
-            <a:srgbClr val="FF0000"/>
+            <a:srgbClr val="ff0000"/>
           </a:solidFill>
           <a:ln w="9525">
             <a:noFill/>
@@ -35876,21 +35645,21 @@
               <a:defRPr/>
             </a:pPr>
             <a:r>
-              <a:rPr lang="en-US" altLang="ko-KR" sz="1100" b="1" dirty="0" smtClean="0">
+              <a:rPr lang="en-US" altLang="ko-KR" sz="1100" b="1">
                 <a:solidFill>
                   <a:schemeClr val="bg1"/>
                 </a:solidFill>
-                <a:latin typeface="맑은 고딕" pitchFamily="50" charset="-127"/>
-                <a:ea typeface="맑은 고딕" pitchFamily="50" charset="-127"/>
+                <a:latin typeface="맑은 고딕"/>
+                <a:ea typeface="맑은 고딕"/>
               </a:rPr>
               <a:t>#5</a:t>
             </a:r>
-            <a:endParaRPr lang="ko-KR" altLang="en-US" sz="1100" b="1" dirty="0">
+            <a:endParaRPr lang="ko-KR" altLang="en-US" sz="1100" b="1">
               <a:solidFill>
                 <a:schemeClr val="bg1"/>
               </a:solidFill>
-              <a:latin typeface="맑은 고딕" pitchFamily="50" charset="-127"/>
-              <a:ea typeface="맑은 고딕" pitchFamily="50" charset="-127"/>
+              <a:latin typeface="맑은 고딕"/>
+              <a:ea typeface="맑은 고딕"/>
             </a:endParaRPr>
           </a:p>
         </p:txBody>
@@ -35903,7 +35672,7 @@
           </p:cNvSpPr>
           <p:nvPr/>
         </p:nvSpPr>
-        <p:spPr bwMode="auto">
+        <p:spPr>
           <a:xfrm>
             <a:off x="869300" y="116632"/>
             <a:ext cx="863600" cy="217487"/>
@@ -35914,9 +35683,7 @@
           <a:noFill/>
           <a:ln w="9525">
             <a:noFill/>
-            <a:miter lim="800000"/>
-            <a:headEnd/>
-            <a:tailEnd/>
+            <a:miter/>
           </a:ln>
         </p:spPr>
         <p:txBody>
@@ -35936,8 +35703,8 @@
                 <a:solidFill>
                   <a:schemeClr val="tx1"/>
                 </a:solidFill>
-                <a:latin typeface="돋움" pitchFamily="50" charset="-127"/>
-                <a:ea typeface="굴림" charset="-127"/>
+                <a:latin typeface="돋움"/>
+                <a:ea typeface="굴림"/>
                 <a:cs typeface="+mn-cs"/>
               </a:defRPr>
             </a:lvl1pPr>
@@ -35952,8 +35719,8 @@
                 <a:solidFill>
                   <a:schemeClr val="tx1"/>
                 </a:solidFill>
-                <a:latin typeface="돋움" pitchFamily="50" charset="-127"/>
-                <a:ea typeface="굴림" charset="-127"/>
+                <a:latin typeface="돋움"/>
+                <a:ea typeface="굴림"/>
                 <a:cs typeface="+mn-cs"/>
               </a:defRPr>
             </a:lvl2pPr>
@@ -35968,8 +35735,8 @@
                 <a:solidFill>
                   <a:schemeClr val="tx1"/>
                 </a:solidFill>
-                <a:latin typeface="돋움" pitchFamily="50" charset="-127"/>
-                <a:ea typeface="굴림" charset="-127"/>
+                <a:latin typeface="돋움"/>
+                <a:ea typeface="굴림"/>
                 <a:cs typeface="+mn-cs"/>
               </a:defRPr>
             </a:lvl3pPr>
@@ -35984,8 +35751,8 @@
                 <a:solidFill>
                   <a:schemeClr val="tx1"/>
                 </a:solidFill>
-                <a:latin typeface="돋움" pitchFamily="50" charset="-127"/>
-                <a:ea typeface="굴림" charset="-127"/>
+                <a:latin typeface="돋움"/>
+                <a:ea typeface="굴림"/>
                 <a:cs typeface="+mn-cs"/>
               </a:defRPr>
             </a:lvl4pPr>
@@ -36000,8 +35767,8 @@
                 <a:solidFill>
                   <a:schemeClr val="tx1"/>
                 </a:solidFill>
-                <a:latin typeface="돋움" pitchFamily="50" charset="-127"/>
-                <a:ea typeface="굴림" charset="-127"/>
+                <a:latin typeface="돋움"/>
+                <a:ea typeface="굴림"/>
                 <a:cs typeface="+mn-cs"/>
               </a:defRPr>
             </a:lvl5pPr>
@@ -36010,8 +35777,8 @@
                 <a:solidFill>
                   <a:schemeClr val="tx1"/>
                 </a:solidFill>
-                <a:latin typeface="돋움" pitchFamily="50" charset="-127"/>
-                <a:ea typeface="굴림" charset="-127"/>
+                <a:latin typeface="돋움"/>
+                <a:ea typeface="굴림"/>
                 <a:cs typeface="+mn-cs"/>
               </a:defRPr>
             </a:lvl6pPr>
@@ -36020,8 +35787,8 @@
                 <a:solidFill>
                   <a:schemeClr val="tx1"/>
                 </a:solidFill>
-                <a:latin typeface="돋움" pitchFamily="50" charset="-127"/>
-                <a:ea typeface="굴림" charset="-127"/>
+                <a:latin typeface="돋움"/>
+                <a:ea typeface="굴림"/>
                 <a:cs typeface="+mn-cs"/>
               </a:defRPr>
             </a:lvl7pPr>
@@ -36030,8 +35797,8 @@
                 <a:solidFill>
                   <a:schemeClr val="tx1"/>
                 </a:solidFill>
-                <a:latin typeface="돋움" pitchFamily="50" charset="-127"/>
-                <a:ea typeface="굴림" charset="-127"/>
+                <a:latin typeface="돋움"/>
+                <a:ea typeface="굴림"/>
                 <a:cs typeface="+mn-cs"/>
               </a:defRPr>
             </a:lvl8pPr>
@@ -36040,30 +35807,26 @@
                 <a:solidFill>
                   <a:schemeClr val="tx1"/>
                 </a:solidFill>
-                <a:latin typeface="돋움" pitchFamily="50" charset="-127"/>
-                <a:ea typeface="굴림" charset="-127"/>
+                <a:latin typeface="돋움"/>
+                <a:ea typeface="굴림"/>
                 <a:cs typeface="+mn-cs"/>
               </a:defRPr>
             </a:lvl9pPr>
           </a:lstStyle>
           <a:p>
+            <a:pPr lvl="0">
+              <a:defRPr/>
+            </a:pPr>
             <a:r>
-              <a:rPr lang="en-US" altLang="ko-KR" sz="900" dirty="0">
-                <a:latin typeface="맑은 고딕" pitchFamily="50" charset="-127"/>
-                <a:ea typeface="맑은 고딕" pitchFamily="50" charset="-127"/>
+              <a:rPr lang="en-US" altLang="ko-KR" sz="900">
+                <a:latin typeface="맑은 고딕"/>
+                <a:ea typeface="맑은 고딕"/>
               </a:rPr>
-              <a:t>3</a:t>
+              <a:t>3-1	</a:t>
             </a:r>
-            <a:r>
-              <a:rPr lang="en-US" altLang="ko-KR" sz="900" dirty="0" smtClean="0">
-                <a:latin typeface="맑은 고딕" pitchFamily="50" charset="-127"/>
-                <a:ea typeface="맑은 고딕" pitchFamily="50" charset="-127"/>
-              </a:rPr>
-              <a:t>-1	</a:t>
-            </a:r>
-            <a:endParaRPr lang="en-US" altLang="ko-KR" sz="900" dirty="0">
-              <a:latin typeface="맑은 고딕" pitchFamily="50" charset="-127"/>
-              <a:ea typeface="맑은 고딕" pitchFamily="50" charset="-127"/>
+            <a:endParaRPr lang="en-US" altLang="ko-KR" sz="900">
+              <a:latin typeface="맑은 고딕"/>
+              <a:ea typeface="맑은 고딕"/>
             </a:endParaRPr>
           </a:p>
         </p:txBody>
@@ -36076,7 +35839,7 @@
           </p:cNvSpPr>
           <p:nvPr/>
         </p:nvSpPr>
-        <p:spPr bwMode="auto">
+        <p:spPr>
           <a:xfrm>
             <a:off x="2331596" y="116632"/>
             <a:ext cx="949960" cy="217487"/>
@@ -36087,9 +35850,7 @@
           <a:noFill/>
           <a:ln w="9525">
             <a:noFill/>
-            <a:miter lim="800000"/>
-            <a:headEnd/>
-            <a:tailEnd/>
+            <a:miter/>
           </a:ln>
         </p:spPr>
         <p:txBody>
@@ -36109,8 +35870,8 @@
                 <a:solidFill>
                   <a:schemeClr val="tx1"/>
                 </a:solidFill>
-                <a:latin typeface="돋움" pitchFamily="50" charset="-127"/>
-                <a:ea typeface="굴림" charset="-127"/>
+                <a:latin typeface="돋움"/>
+                <a:ea typeface="굴림"/>
                 <a:cs typeface="+mn-cs"/>
               </a:defRPr>
             </a:lvl1pPr>
@@ -36125,8 +35886,8 @@
                 <a:solidFill>
                   <a:schemeClr val="tx1"/>
                 </a:solidFill>
-                <a:latin typeface="돋움" pitchFamily="50" charset="-127"/>
-                <a:ea typeface="굴림" charset="-127"/>
+                <a:latin typeface="돋움"/>
+                <a:ea typeface="굴림"/>
                 <a:cs typeface="+mn-cs"/>
               </a:defRPr>
             </a:lvl2pPr>
@@ -36141,8 +35902,8 @@
                 <a:solidFill>
                   <a:schemeClr val="tx1"/>
                 </a:solidFill>
-                <a:latin typeface="돋움" pitchFamily="50" charset="-127"/>
-                <a:ea typeface="굴림" charset="-127"/>
+                <a:latin typeface="돋움"/>
+                <a:ea typeface="굴림"/>
                 <a:cs typeface="+mn-cs"/>
               </a:defRPr>
             </a:lvl3pPr>
@@ -36157,8 +35918,8 @@
                 <a:solidFill>
                   <a:schemeClr val="tx1"/>
                 </a:solidFill>
-                <a:latin typeface="돋움" pitchFamily="50" charset="-127"/>
-                <a:ea typeface="굴림" charset="-127"/>
+                <a:latin typeface="돋움"/>
+                <a:ea typeface="굴림"/>
                 <a:cs typeface="+mn-cs"/>
               </a:defRPr>
             </a:lvl4pPr>
@@ -36173,8 +35934,8 @@
                 <a:solidFill>
                   <a:schemeClr val="tx1"/>
                 </a:solidFill>
-                <a:latin typeface="돋움" pitchFamily="50" charset="-127"/>
-                <a:ea typeface="굴림" charset="-127"/>
+                <a:latin typeface="돋움"/>
+                <a:ea typeface="굴림"/>
                 <a:cs typeface="+mn-cs"/>
               </a:defRPr>
             </a:lvl5pPr>
@@ -36183,8 +35944,8 @@
                 <a:solidFill>
                   <a:schemeClr val="tx1"/>
                 </a:solidFill>
-                <a:latin typeface="돋움" pitchFamily="50" charset="-127"/>
-                <a:ea typeface="굴림" charset="-127"/>
+                <a:latin typeface="돋움"/>
+                <a:ea typeface="굴림"/>
                 <a:cs typeface="+mn-cs"/>
               </a:defRPr>
             </a:lvl6pPr>
@@ -36193,8 +35954,8 @@
                 <a:solidFill>
                   <a:schemeClr val="tx1"/>
                 </a:solidFill>
-                <a:latin typeface="돋움" pitchFamily="50" charset="-127"/>
-                <a:ea typeface="굴림" charset="-127"/>
+                <a:latin typeface="돋움"/>
+                <a:ea typeface="굴림"/>
                 <a:cs typeface="+mn-cs"/>
               </a:defRPr>
             </a:lvl7pPr>
@@ -36203,8 +35964,8 @@
                 <a:solidFill>
                   <a:schemeClr val="tx1"/>
                 </a:solidFill>
-                <a:latin typeface="돋움" pitchFamily="50" charset="-127"/>
-                <a:ea typeface="굴림" charset="-127"/>
+                <a:latin typeface="돋움"/>
+                <a:ea typeface="굴림"/>
                 <a:cs typeface="+mn-cs"/>
               </a:defRPr>
             </a:lvl8pPr>
@@ -36213,30 +35974,33 @@
                 <a:solidFill>
                   <a:schemeClr val="tx1"/>
                 </a:solidFill>
-                <a:latin typeface="돋움" pitchFamily="50" charset="-127"/>
-                <a:ea typeface="굴림" charset="-127"/>
+                <a:latin typeface="돋움"/>
+                <a:ea typeface="굴림"/>
                 <a:cs typeface="+mn-cs"/>
               </a:defRPr>
             </a:lvl9pPr>
           </a:lstStyle>
           <a:p>
+            <a:pPr lvl="0">
+              <a:defRPr/>
+            </a:pPr>
             <a:r>
-              <a:rPr lang="en-US" altLang="ko-KR" sz="900" dirty="0" smtClean="0">
-                <a:latin typeface="맑은 고딕" pitchFamily="50" charset="-127"/>
-                <a:ea typeface="맑은 고딕" pitchFamily="50" charset="-127"/>
+              <a:rPr lang="en-US" altLang="ko-KR" sz="900">
+                <a:latin typeface="맑은 고딕"/>
+                <a:ea typeface="맑은 고딕"/>
               </a:rPr>
               <a:t>2. </a:t>
             </a:r>
             <a:r>
-              <a:rPr lang="ko-KR" altLang="en-US" sz="900" dirty="0" smtClean="0">
-                <a:latin typeface="맑은 고딕" pitchFamily="50" charset="-127"/>
-                <a:ea typeface="맑은 고딕" pitchFamily="50" charset="-127"/>
+              <a:rPr lang="ko-KR" altLang="en-US" sz="900">
+                <a:latin typeface="맑은 고딕"/>
+                <a:ea typeface="맑은 고딕"/>
               </a:rPr>
               <a:t>평면도형</a:t>
             </a:r>
-            <a:endParaRPr lang="en-US" altLang="ko-KR" sz="900" dirty="0">
-              <a:latin typeface="맑은 고딕" pitchFamily="50" charset="-127"/>
-              <a:ea typeface="맑은 고딕" pitchFamily="50" charset="-127"/>
+            <a:endParaRPr lang="en-US" altLang="ko-KR" sz="900">
+              <a:latin typeface="맑은 고딕"/>
+              <a:ea typeface="맑은 고딕"/>
             </a:endParaRPr>
           </a:p>
         </p:txBody>
@@ -36261,7 +36025,7 @@
           </a:ln>
         </p:spPr>
         <p:txBody>
-          <a:bodyPr wrap="square" rtlCol="0">
+          <a:bodyPr wrap="square">
             <a:spAutoFit/>
           </a:bodyPr>
           <a:lstStyle>
@@ -36279,8 +36043,8 @@
                 <a:solidFill>
                   <a:schemeClr val="tx1"/>
                 </a:solidFill>
-                <a:latin typeface="돋움" pitchFamily="50" charset="-127"/>
-                <a:ea typeface="굴림" charset="-127"/>
+                <a:latin typeface="돋움"/>
+                <a:ea typeface="굴림"/>
                 <a:cs typeface="+mn-cs"/>
               </a:defRPr>
             </a:lvl1pPr>
@@ -36295,8 +36059,8 @@
                 <a:solidFill>
                   <a:schemeClr val="tx1"/>
                 </a:solidFill>
-                <a:latin typeface="돋움" pitchFamily="50" charset="-127"/>
-                <a:ea typeface="굴림" charset="-127"/>
+                <a:latin typeface="돋움"/>
+                <a:ea typeface="굴림"/>
                 <a:cs typeface="+mn-cs"/>
               </a:defRPr>
             </a:lvl2pPr>
@@ -36311,8 +36075,8 @@
                 <a:solidFill>
                   <a:schemeClr val="tx1"/>
                 </a:solidFill>
-                <a:latin typeface="돋움" pitchFamily="50" charset="-127"/>
-                <a:ea typeface="굴림" charset="-127"/>
+                <a:latin typeface="돋움"/>
+                <a:ea typeface="굴림"/>
                 <a:cs typeface="+mn-cs"/>
               </a:defRPr>
             </a:lvl3pPr>
@@ -36327,8 +36091,8 @@
                 <a:solidFill>
                   <a:schemeClr val="tx1"/>
                 </a:solidFill>
-                <a:latin typeface="돋움" pitchFamily="50" charset="-127"/>
-                <a:ea typeface="굴림" charset="-127"/>
+                <a:latin typeface="돋움"/>
+                <a:ea typeface="굴림"/>
                 <a:cs typeface="+mn-cs"/>
               </a:defRPr>
             </a:lvl4pPr>
@@ -36343,8 +36107,8 @@
                 <a:solidFill>
                   <a:schemeClr val="tx1"/>
                 </a:solidFill>
-                <a:latin typeface="돋움" pitchFamily="50" charset="-127"/>
-                <a:ea typeface="굴림" charset="-127"/>
+                <a:latin typeface="돋움"/>
+                <a:ea typeface="굴림"/>
                 <a:cs typeface="+mn-cs"/>
               </a:defRPr>
             </a:lvl5pPr>
@@ -36353,8 +36117,8 @@
                 <a:solidFill>
                   <a:schemeClr val="tx1"/>
                 </a:solidFill>
-                <a:latin typeface="돋움" pitchFamily="50" charset="-127"/>
-                <a:ea typeface="굴림" charset="-127"/>
+                <a:latin typeface="돋움"/>
+                <a:ea typeface="굴림"/>
                 <a:cs typeface="+mn-cs"/>
               </a:defRPr>
             </a:lvl6pPr>
@@ -36363,8 +36127,8 @@
                 <a:solidFill>
                   <a:schemeClr val="tx1"/>
                 </a:solidFill>
-                <a:latin typeface="돋움" pitchFamily="50" charset="-127"/>
-                <a:ea typeface="굴림" charset="-127"/>
+                <a:latin typeface="돋움"/>
+                <a:ea typeface="굴림"/>
                 <a:cs typeface="+mn-cs"/>
               </a:defRPr>
             </a:lvl7pPr>
@@ -36373,8 +36137,8 @@
                 <a:solidFill>
                   <a:schemeClr val="tx1"/>
                 </a:solidFill>
-                <a:latin typeface="돋움" pitchFamily="50" charset="-127"/>
-                <a:ea typeface="굴림" charset="-127"/>
+                <a:latin typeface="돋움"/>
+                <a:ea typeface="굴림"/>
                 <a:cs typeface="+mn-cs"/>
               </a:defRPr>
             </a:lvl8pPr>
@@ -36383,57 +36147,59 @@
                 <a:solidFill>
                   <a:schemeClr val="tx1"/>
                 </a:solidFill>
-                <a:latin typeface="돋움" pitchFamily="50" charset="-127"/>
-                <a:ea typeface="굴림" charset="-127"/>
+                <a:latin typeface="돋움"/>
+                <a:ea typeface="굴림"/>
                 <a:cs typeface="+mn-cs"/>
               </a:defRPr>
             </a:lvl9pPr>
           </a:lstStyle>
           <a:p>
-            <a:pPr algn="just"/>
+            <a:pPr algn="just">
+              <a:defRPr/>
+            </a:pPr>
             <a:r>
-              <a:rPr lang="ko-KR" altLang="en-US" sz="1100" dirty="0" smtClean="0">
-                <a:latin typeface="맑은 고딕" pitchFamily="50" charset="-127"/>
-                <a:ea typeface="맑은 고딕" pitchFamily="50" charset="-127"/>
+              <a:rPr lang="ko-KR" altLang="en-US" sz="1100">
+                <a:latin typeface="맑은 고딕"/>
+                <a:ea typeface="맑은 고딕"/>
               </a:rPr>
               <a:t>직각을 알아볼까요</a:t>
             </a:r>
             <a:r>
-              <a:rPr lang="ko-KR" altLang="en-US" sz="1100" dirty="0" smtClean="0">
+              <a:rPr lang="ko-KR" altLang="en-US" sz="1100">
                 <a:solidFill>
                   <a:srgbClr val="339933"/>
                 </a:solidFill>
-                <a:latin typeface="맑은 고딕" pitchFamily="50" charset="-127"/>
-                <a:ea typeface="맑은 고딕" pitchFamily="50" charset="-127"/>
+                <a:latin typeface="맑은 고딕"/>
+                <a:ea typeface="맑은 고딕"/>
               </a:rPr>
               <a:t>│ </a:t>
             </a:r>
             <a:r>
-              <a:rPr lang="en-US" altLang="ko-KR" sz="1100" dirty="0" smtClean="0">
+              <a:rPr lang="en-US" altLang="ko-KR" sz="1100">
                 <a:solidFill>
                   <a:srgbClr val="339933"/>
                 </a:solidFill>
-                <a:latin typeface="맑은 고딕" pitchFamily="50" charset="-127"/>
-                <a:ea typeface="맑은 고딕" pitchFamily="50" charset="-127"/>
+                <a:latin typeface="맑은 고딕"/>
+                <a:ea typeface="맑은 고딕"/>
               </a:rPr>
               <a:t>30~31</a:t>
             </a:r>
             <a:r>
-              <a:rPr lang="ko-KR" altLang="en-US" sz="1100" dirty="0" smtClean="0">
+              <a:rPr lang="ko-KR" altLang="en-US" sz="1100">
                 <a:solidFill>
                   <a:srgbClr val="339933"/>
                 </a:solidFill>
-                <a:latin typeface="맑은 고딕" pitchFamily="50" charset="-127"/>
-                <a:ea typeface="맑은 고딕" pitchFamily="50" charset="-127"/>
+                <a:latin typeface="맑은 고딕"/>
+                <a:ea typeface="맑은 고딕"/>
               </a:rPr>
               <a:t>쪽</a:t>
             </a:r>
-            <a:endParaRPr lang="en-US" altLang="ko-KR" sz="1100" dirty="0" smtClean="0">
+            <a:endParaRPr lang="en-US" altLang="ko-KR" sz="1100">
               <a:solidFill>
                 <a:srgbClr val="339933"/>
               </a:solidFill>
-              <a:latin typeface="맑은 고딕" pitchFamily="50" charset="-127"/>
-              <a:ea typeface="맑은 고딕" pitchFamily="50" charset="-127"/>
+              <a:latin typeface="맑은 고딕"/>
+              <a:ea typeface="맑은 고딕"/>
             </a:endParaRPr>
           </a:p>
         </p:txBody>
@@ -36446,7 +36212,7 @@
           </p:cNvSpPr>
           <p:nvPr/>
         </p:nvSpPr>
-        <p:spPr bwMode="auto">
+        <p:spPr>
           <a:xfrm>
             <a:off x="2345452" y="334119"/>
             <a:ext cx="2578082" cy="217487"/>
@@ -36457,9 +36223,7 @@
           <a:noFill/>
           <a:ln w="9525">
             <a:noFill/>
-            <a:miter lim="800000"/>
-            <a:headEnd/>
-            <a:tailEnd/>
+            <a:miter/>
           </a:ln>
         </p:spPr>
         <p:txBody>
@@ -36479,8 +36243,8 @@
                 <a:solidFill>
                   <a:schemeClr val="tx1"/>
                 </a:solidFill>
-                <a:latin typeface="돋움" pitchFamily="50" charset="-127"/>
-                <a:ea typeface="굴림" charset="-127"/>
+                <a:latin typeface="돋움"/>
+                <a:ea typeface="굴림"/>
                 <a:cs typeface="+mn-cs"/>
               </a:defRPr>
             </a:lvl1pPr>
@@ -36495,8 +36259,8 @@
                 <a:solidFill>
                   <a:schemeClr val="tx1"/>
                 </a:solidFill>
-                <a:latin typeface="돋움" pitchFamily="50" charset="-127"/>
-                <a:ea typeface="굴림" charset="-127"/>
+                <a:latin typeface="돋움"/>
+                <a:ea typeface="굴림"/>
                 <a:cs typeface="+mn-cs"/>
               </a:defRPr>
             </a:lvl2pPr>
@@ -36511,8 +36275,8 @@
                 <a:solidFill>
                   <a:schemeClr val="tx1"/>
                 </a:solidFill>
-                <a:latin typeface="돋움" pitchFamily="50" charset="-127"/>
-                <a:ea typeface="굴림" charset="-127"/>
+                <a:latin typeface="돋움"/>
+                <a:ea typeface="굴림"/>
                 <a:cs typeface="+mn-cs"/>
               </a:defRPr>
             </a:lvl3pPr>
@@ -36527,8 +36291,8 @@
                 <a:solidFill>
                   <a:schemeClr val="tx1"/>
                 </a:solidFill>
-                <a:latin typeface="돋움" pitchFamily="50" charset="-127"/>
-                <a:ea typeface="굴림" charset="-127"/>
+                <a:latin typeface="돋움"/>
+                <a:ea typeface="굴림"/>
                 <a:cs typeface="+mn-cs"/>
               </a:defRPr>
             </a:lvl4pPr>
@@ -36543,8 +36307,8 @@
                 <a:solidFill>
                   <a:schemeClr val="tx1"/>
                 </a:solidFill>
-                <a:latin typeface="돋움" pitchFamily="50" charset="-127"/>
-                <a:ea typeface="굴림" charset="-127"/>
+                <a:latin typeface="돋움"/>
+                <a:ea typeface="굴림"/>
                 <a:cs typeface="+mn-cs"/>
               </a:defRPr>
             </a:lvl5pPr>
@@ -36553,8 +36317,8 @@
                 <a:solidFill>
                   <a:schemeClr val="tx1"/>
                 </a:solidFill>
-                <a:latin typeface="돋움" pitchFamily="50" charset="-127"/>
-                <a:ea typeface="굴림" charset="-127"/>
+                <a:latin typeface="돋움"/>
+                <a:ea typeface="굴림"/>
                 <a:cs typeface="+mn-cs"/>
               </a:defRPr>
             </a:lvl6pPr>
@@ -36563,8 +36327,8 @@
                 <a:solidFill>
                   <a:schemeClr val="tx1"/>
                 </a:solidFill>
-                <a:latin typeface="돋움" pitchFamily="50" charset="-127"/>
-                <a:ea typeface="굴림" charset="-127"/>
+                <a:latin typeface="돋움"/>
+                <a:ea typeface="굴림"/>
                 <a:cs typeface="+mn-cs"/>
               </a:defRPr>
             </a:lvl7pPr>
@@ -36573,8 +36337,8 @@
                 <a:solidFill>
                   <a:schemeClr val="tx1"/>
                 </a:solidFill>
-                <a:latin typeface="돋움" pitchFamily="50" charset="-127"/>
-                <a:ea typeface="굴림" charset="-127"/>
+                <a:latin typeface="돋움"/>
+                <a:ea typeface="굴림"/>
                 <a:cs typeface="+mn-cs"/>
               </a:defRPr>
             </a:lvl8pPr>
@@ -36583,30 +36347,33 @@
                 <a:solidFill>
                   <a:schemeClr val="tx1"/>
                 </a:solidFill>
-                <a:latin typeface="돋움" pitchFamily="50" charset="-127"/>
-                <a:ea typeface="굴림" charset="-127"/>
+                <a:latin typeface="돋움"/>
+                <a:ea typeface="굴림"/>
                 <a:cs typeface="+mn-cs"/>
               </a:defRPr>
             </a:lvl9pPr>
           </a:lstStyle>
           <a:p>
+            <a:pPr lvl="0">
+              <a:defRPr/>
+            </a:pPr>
             <a:r>
-              <a:rPr lang="en-US" altLang="ko-KR" sz="900" dirty="0" smtClean="0">
-                <a:latin typeface="맑은 고딕" pitchFamily="50" charset="-127"/>
-                <a:ea typeface="맑은 고딕" pitchFamily="50" charset="-127"/>
+              <a:rPr lang="en-US" altLang="ko-KR" sz="900">
+                <a:latin typeface="맑은 고딕"/>
+                <a:ea typeface="맑은 고딕"/>
               </a:rPr>
               <a:t>04 </a:t>
             </a:r>
             <a:r>
-              <a:rPr lang="ko-KR" altLang="en-US" sz="900" dirty="0" smtClean="0">
-                <a:latin typeface="맑은 고딕" pitchFamily="50" charset="-127"/>
-                <a:ea typeface="맑은 고딕" pitchFamily="50" charset="-127"/>
+              <a:rPr lang="ko-KR" altLang="en-US" sz="900">
+                <a:latin typeface="맑은 고딕"/>
+                <a:ea typeface="맑은 고딕"/>
               </a:rPr>
               <a:t>직각을 알아볼까요</a:t>
             </a:r>
-            <a:endParaRPr lang="en-US" altLang="ko-KR" sz="900" dirty="0">
-              <a:latin typeface="맑은 고딕" pitchFamily="50" charset="-127"/>
-              <a:ea typeface="맑은 고딕" pitchFamily="50" charset="-127"/>
+            <a:endParaRPr lang="en-US" altLang="ko-KR" sz="900">
+              <a:latin typeface="맑은 고딕"/>
+              <a:ea typeface="맑은 고딕"/>
             </a:endParaRPr>
           </a:p>
         </p:txBody>
@@ -36619,7 +36386,7 @@
           </p:cNvSpPr>
           <p:nvPr/>
         </p:nvSpPr>
-        <p:spPr bwMode="auto">
+        <p:spPr>
           <a:xfrm>
             <a:off x="7800307" y="135560"/>
             <a:ext cx="1277893" cy="397117"/>
@@ -36630,9 +36397,7 @@
           <a:noFill/>
           <a:ln w="9525">
             <a:noFill/>
-            <a:miter lim="800000"/>
-            <a:headEnd/>
-            <a:tailEnd/>
+            <a:miter/>
           </a:ln>
         </p:spPr>
         <p:txBody>
@@ -36652,8 +36417,8 @@
                 <a:solidFill>
                   <a:schemeClr val="tx1"/>
                 </a:solidFill>
-                <a:latin typeface="돋움" pitchFamily="50" charset="-127"/>
-                <a:ea typeface="굴림" charset="-127"/>
+                <a:latin typeface="돋움"/>
+                <a:ea typeface="굴림"/>
                 <a:cs typeface="+mn-cs"/>
               </a:defRPr>
             </a:lvl1pPr>
@@ -36668,8 +36433,8 @@
                 <a:solidFill>
                   <a:schemeClr val="tx1"/>
                 </a:solidFill>
-                <a:latin typeface="돋움" pitchFamily="50" charset="-127"/>
-                <a:ea typeface="굴림" charset="-127"/>
+                <a:latin typeface="돋움"/>
+                <a:ea typeface="굴림"/>
                 <a:cs typeface="+mn-cs"/>
               </a:defRPr>
             </a:lvl2pPr>
@@ -36684,8 +36449,8 @@
                 <a:solidFill>
                   <a:schemeClr val="tx1"/>
                 </a:solidFill>
-                <a:latin typeface="돋움" pitchFamily="50" charset="-127"/>
-                <a:ea typeface="굴림" charset="-127"/>
+                <a:latin typeface="돋움"/>
+                <a:ea typeface="굴림"/>
                 <a:cs typeface="+mn-cs"/>
               </a:defRPr>
             </a:lvl3pPr>
@@ -36700,8 +36465,8 @@
                 <a:solidFill>
                   <a:schemeClr val="tx1"/>
                 </a:solidFill>
-                <a:latin typeface="돋움" pitchFamily="50" charset="-127"/>
-                <a:ea typeface="굴림" charset="-127"/>
+                <a:latin typeface="돋움"/>
+                <a:ea typeface="굴림"/>
                 <a:cs typeface="+mn-cs"/>
               </a:defRPr>
             </a:lvl4pPr>
@@ -36716,8 +36481,8 @@
                 <a:solidFill>
                   <a:schemeClr val="tx1"/>
                 </a:solidFill>
-                <a:latin typeface="돋움" pitchFamily="50" charset="-127"/>
-                <a:ea typeface="굴림" charset="-127"/>
+                <a:latin typeface="돋움"/>
+                <a:ea typeface="굴림"/>
                 <a:cs typeface="+mn-cs"/>
               </a:defRPr>
             </a:lvl5pPr>
@@ -36726,8 +36491,8 @@
                 <a:solidFill>
                   <a:schemeClr val="tx1"/>
                 </a:solidFill>
-                <a:latin typeface="돋움" pitchFamily="50" charset="-127"/>
-                <a:ea typeface="굴림" charset="-127"/>
+                <a:latin typeface="돋움"/>
+                <a:ea typeface="굴림"/>
                 <a:cs typeface="+mn-cs"/>
               </a:defRPr>
             </a:lvl6pPr>
@@ -36736,8 +36501,8 @@
                 <a:solidFill>
                   <a:schemeClr val="tx1"/>
                 </a:solidFill>
-                <a:latin typeface="돋움" pitchFamily="50" charset="-127"/>
-                <a:ea typeface="굴림" charset="-127"/>
+                <a:latin typeface="돋움"/>
+                <a:ea typeface="굴림"/>
                 <a:cs typeface="+mn-cs"/>
               </a:defRPr>
             </a:lvl7pPr>
@@ -36746,8 +36511,8 @@
                 <a:solidFill>
                   <a:schemeClr val="tx1"/>
                 </a:solidFill>
-                <a:latin typeface="돋움" pitchFamily="50" charset="-127"/>
-                <a:ea typeface="굴림" charset="-127"/>
+                <a:latin typeface="돋움"/>
+                <a:ea typeface="굴림"/>
                 <a:cs typeface="+mn-cs"/>
               </a:defRPr>
             </a:lvl8pPr>
@@ -36756,8 +36521,8 @@
                 <a:solidFill>
                   <a:schemeClr val="tx1"/>
                 </a:solidFill>
-                <a:latin typeface="돋움" pitchFamily="50" charset="-127"/>
-                <a:ea typeface="굴림" charset="-127"/>
+                <a:latin typeface="돋움"/>
+                <a:ea typeface="굴림"/>
                 <a:cs typeface="+mn-cs"/>
               </a:defRPr>
             </a:lvl9pPr>
@@ -36767,15 +36532,15 @@
               <a:defRPr/>
             </a:pPr>
             <a:r>
-              <a:rPr kumimoji="0" lang="en-US" altLang="ko-KR" sz="900" dirty="0" smtClean="0">
-                <a:latin typeface="맑은 고딕" pitchFamily="50" charset="-127"/>
-                <a:ea typeface="맑은 고딕" pitchFamily="50" charset="-127"/>
+              <a:rPr kumimoji="0" lang="en-US" altLang="ko-KR" sz="900">
+                <a:latin typeface="맑은 고딕"/>
+                <a:ea typeface="맑은 고딕"/>
               </a:rPr>
               <a:t>suhi_h_0301_02_0004</a:t>
             </a:r>
-            <a:endParaRPr kumimoji="0" lang="ko-KR" altLang="en-US" sz="900" dirty="0">
-              <a:latin typeface="맑은 고딕" pitchFamily="50" charset="-127"/>
-              <a:ea typeface="맑은 고딕" pitchFamily="50" charset="-127"/>
+            <a:endParaRPr kumimoji="0" lang="ko-KR" altLang="en-US" sz="900">
+              <a:latin typeface="맑은 고딕"/>
+              <a:ea typeface="맑은 고딕"/>
             </a:endParaRPr>
           </a:p>
         </p:txBody>
@@ -36821,10 +36586,12 @@
           </a:fontRef>
         </p:style>
         <p:txBody>
-          <a:bodyPr rtlCol="0" anchor="ctr"/>
+          <a:bodyPr anchor="ctr"/>
           <a:lstStyle/>
           <a:p>
-            <a:pPr algn="ctr"/>
+            <a:pPr algn="ctr">
+              <a:defRPr/>
+            </a:pPr>
             <a:endParaRPr lang="ko-KR" altLang="en-US"/>
           </a:p>
         </p:txBody>
@@ -36837,10 +36604,10 @@
           </p:cNvSpPr>
           <p:nvPr/>
         </p:nvSpPr>
-        <p:spPr bwMode="auto">
+        <p:spPr>
           <a:xfrm>
             <a:off x="6408197" y="1188211"/>
-            <a:ext cx="288039" cy="346249"/>
+            <a:ext cx="288039" cy="333884"/>
           </a:xfrm>
           <a:prstGeom prst="rect">
             <a:avLst/>
@@ -36848,9 +36615,7 @@
           <a:noFill/>
           <a:ln w="9525">
             <a:noFill/>
-            <a:miter lim="800000"/>
-            <a:headEnd/>
-            <a:tailEnd/>
+            <a:miter/>
           </a:ln>
         </p:spPr>
         <p:txBody>
@@ -36957,17 +36722,25 @@
               <a:lnSpc>
                 <a:spcPct val="150000"/>
               </a:lnSpc>
+              <a:defRPr/>
             </a:pPr>
             <a:r>
-              <a:rPr lang="en-US" altLang="ko-KR" sz="1100" b="1" dirty="0" smtClean="0">
+              <a:rPr lang="en-US" altLang="ko-KR" sz="1100" b="1">
                 <a:solidFill>
                   <a:schemeClr val="bg1"/>
                 </a:solidFill>
-                <a:latin typeface="맑은 고딕" pitchFamily="50" charset="-127"/>
-                <a:ea typeface="맑은 고딕" pitchFamily="50" charset="-127"/>
+                <a:latin typeface="맑은 고딕"/>
+                <a:ea typeface="맑은 고딕"/>
               </a:rPr>
               <a:t>4</a:t>
             </a:r>
+            <a:endParaRPr lang="en-US" altLang="ko-KR" sz="1100" b="1">
+              <a:solidFill>
+                <a:schemeClr val="bg1"/>
+              </a:solidFill>
+              <a:latin typeface="맑은 고딕"/>
+              <a:ea typeface="맑은 고딕"/>
+            </a:endParaRPr>
           </a:p>
         </p:txBody>
       </p:sp>
@@ -36979,14 +36752,8 @@
           </p:cNvPicPr>
           <p:nvPr/>
         </p:nvPicPr>
-        <p:blipFill>
-          <a:blip r:embed="rId3" cstate="print">
-            <a:extLst>
-              <a:ext uri="{28A0092B-C50C-407E-A947-70E740481C1C}">
-                <a14:useLocalDpi xmlns:a14="http://schemas.microsoft.com/office/drawing/2010/main" val="0"/>
-              </a:ext>
-            </a:extLst>
-          </a:blip>
+        <p:blipFill rotWithShape="1">
+          <a:blip r:embed="rId3"/>
           <a:stretch>
             <a:fillRect/>
           </a:stretch>
@@ -37009,20 +36776,14 @@
           </p:cNvPicPr>
           <p:nvPr/>
         </p:nvPicPr>
-        <p:blipFill>
-          <a:blip r:embed="rId4">
-            <a:extLst>
-              <a:ext uri="{28A0092B-C50C-407E-A947-70E740481C1C}">
-                <a14:useLocalDpi xmlns:a14="http://schemas.microsoft.com/office/drawing/2010/main" val="0"/>
-              </a:ext>
-            </a:extLst>
-          </a:blip>
+        <p:blipFill rotWithShape="1">
+          <a:blip r:embed="rId4"/>
           <a:srcRect/>
           <a:stretch>
             <a:fillRect/>
           </a:stretch>
         </p:blipFill>
-        <p:spPr bwMode="auto">
+        <p:spPr>
           <a:xfrm>
             <a:off x="2447764" y="2906206"/>
             <a:ext cx="2057672" cy="1962137"/>
@@ -37035,34 +36796,6 @@
             <a:noFill/>
           </a:ln>
           <a:effectLst/>
-          <a:extLst>
-            <a:ext uri="{909E8E84-426E-40DD-AFC4-6F175D3DCCD1}">
-              <a14:hiddenFill xmlns:a14="http://schemas.microsoft.com/office/drawing/2010/main">
-                <a:solidFill>
-                  <a:schemeClr val="accent1"/>
-                </a:solidFill>
-              </a14:hiddenFill>
-            </a:ext>
-            <a:ext uri="{91240B29-F687-4F45-9708-019B960494DF}">
-              <a14:hiddenLine xmlns:a14="http://schemas.microsoft.com/office/drawing/2010/main" w="9525">
-                <a:solidFill>
-                  <a:schemeClr val="tx1"/>
-                </a:solidFill>
-                <a:miter lim="800000"/>
-                <a:headEnd/>
-                <a:tailEnd/>
-              </a14:hiddenLine>
-            </a:ext>
-            <a:ext uri="{AF507438-7753-43E0-B8FC-AC1667EBCBE1}">
-              <a14:hiddenEffects xmlns:a14="http://schemas.microsoft.com/office/drawing/2010/main">
-                <a:effectLst>
-                  <a:outerShdw dist="35921" dir="2700000" algn="ctr" rotWithShape="0">
-                    <a:schemeClr val="bg2"/>
-                  </a:outerShdw>
-                </a:effectLst>
-              </a14:hiddenEffects>
-            </a:ext>
-          </a:extLst>
         </p:spPr>
       </p:pic>
       <p:pic>
@@ -37073,20 +36806,14 @@
           </p:cNvPicPr>
           <p:nvPr/>
         </p:nvPicPr>
-        <p:blipFill>
-          <a:blip r:embed="rId5">
-            <a:extLst>
-              <a:ext uri="{28A0092B-C50C-407E-A947-70E740481C1C}">
-                <a14:useLocalDpi xmlns:a14="http://schemas.microsoft.com/office/drawing/2010/main" val="0"/>
-              </a:ext>
-            </a:extLst>
-          </a:blip>
+        <p:blipFill rotWithShape="1">
+          <a:blip r:embed="rId5"/>
           <a:srcRect/>
           <a:stretch>
             <a:fillRect/>
           </a:stretch>
         </p:blipFill>
-        <p:spPr bwMode="auto">
+        <p:spPr>
           <a:xfrm>
             <a:off x="700427" y="3551746"/>
             <a:ext cx="1279285" cy="1279285"/>
@@ -37098,25 +36825,6 @@
           <a:ln>
             <a:noFill/>
           </a:ln>
-          <a:extLst>
-            <a:ext uri="{909E8E84-426E-40DD-AFC4-6F175D3DCCD1}">
-              <a14:hiddenFill xmlns:a14="http://schemas.microsoft.com/office/drawing/2010/main">
-                <a:solidFill>
-                  <a:schemeClr val="accent1"/>
-                </a:solidFill>
-              </a14:hiddenFill>
-            </a:ext>
-            <a:ext uri="{91240B29-F687-4F45-9708-019B960494DF}">
-              <a14:hiddenLine xmlns:a14="http://schemas.microsoft.com/office/drawing/2010/main" w="9525">
-                <a:solidFill>
-                  <a:schemeClr val="tx1"/>
-                </a:solidFill>
-                <a:miter lim="800000"/>
-                <a:headEnd/>
-                <a:tailEnd/>
-              </a14:hiddenLine>
-            </a:ext>
-          </a:extLst>
         </p:spPr>
       </p:pic>
       <p:pic>
@@ -37127,20 +36835,14 @@
           </p:cNvPicPr>
           <p:nvPr/>
         </p:nvPicPr>
-        <p:blipFill>
-          <a:blip r:embed="rId6">
-            <a:extLst>
-              <a:ext uri="{28A0092B-C50C-407E-A947-70E740481C1C}">
-                <a14:useLocalDpi xmlns:a14="http://schemas.microsoft.com/office/drawing/2010/main" val="0"/>
-              </a:ext>
-            </a:extLst>
-          </a:blip>
+        <p:blipFill rotWithShape="1">
+          <a:blip r:embed="rId6"/>
           <a:srcRect/>
           <a:stretch>
             <a:fillRect/>
           </a:stretch>
         </p:blipFill>
-        <p:spPr bwMode="auto">
+        <p:spPr>
           <a:xfrm>
             <a:off x="5076056" y="3575986"/>
             <a:ext cx="1221166" cy="1221166"/>
@@ -37152,25 +36854,6 @@
           <a:ln>
             <a:noFill/>
           </a:ln>
-          <a:extLst>
-            <a:ext uri="{909E8E84-426E-40DD-AFC4-6F175D3DCCD1}">
-              <a14:hiddenFill xmlns:a14="http://schemas.microsoft.com/office/drawing/2010/main">
-                <a:solidFill>
-                  <a:schemeClr val="accent1"/>
-                </a:solidFill>
-              </a14:hiddenFill>
-            </a:ext>
-            <a:ext uri="{91240B29-F687-4F45-9708-019B960494DF}">
-              <a14:hiddenLine xmlns:a14="http://schemas.microsoft.com/office/drawing/2010/main" w="9525">
-                <a:solidFill>
-                  <a:schemeClr val="tx1"/>
-                </a:solidFill>
-                <a:miter lim="800000"/>
-                <a:headEnd/>
-                <a:tailEnd/>
-              </a14:hiddenLine>
-            </a:ext>
-          </a:extLst>
         </p:spPr>
       </p:pic>
       <p:sp>
@@ -37215,86 +36898,90 @@
           </a:fontRef>
         </p:style>
         <p:txBody>
-          <a:bodyPr rtlCol="0" anchor="ctr"/>
+          <a:bodyPr anchor="ctr"/>
           <a:lstStyle/>
           <a:p>
-            <a:pPr algn="ctr"/>
+            <a:pPr algn="ctr">
+              <a:defRPr/>
+            </a:pPr>
             <a:r>
-              <a:rPr lang="en-US" altLang="ko-KR" sz="1800" dirty="0" smtClean="0">
-                <a:solidFill>
-                  <a:schemeClr val="tx1"/>
-                </a:solidFill>
-                <a:latin typeface="맑은 고딕" pitchFamily="50" charset="-127"/>
-                <a:ea typeface="맑은 고딕" pitchFamily="50" charset="-127"/>
+              <a:rPr lang="en-US" altLang="ko-KR" sz="1800">
+                <a:solidFill>
+                  <a:schemeClr val="tx1"/>
+                </a:solidFill>
+                <a:latin typeface="맑은 고딕"/>
+                <a:ea typeface="맑은 고딕"/>
               </a:rPr>
               <a:t>7</a:t>
             </a:r>
             <a:r>
-              <a:rPr lang="ko-KR" altLang="en-US" sz="1800" dirty="0" smtClean="0">
-                <a:solidFill>
-                  <a:schemeClr val="tx1"/>
-                </a:solidFill>
-                <a:latin typeface="맑은 고딕" pitchFamily="50" charset="-127"/>
-                <a:ea typeface="맑은 고딕" pitchFamily="50" charset="-127"/>
+              <a:rPr lang="ko-KR" altLang="en-US" sz="1800">
+                <a:solidFill>
+                  <a:schemeClr val="tx1"/>
+                </a:solidFill>
+                <a:latin typeface="맑은 고딕"/>
+                <a:ea typeface="맑은 고딕"/>
               </a:rPr>
               <a:t>시와 </a:t>
             </a:r>
             <a:r>
-              <a:rPr lang="en-US" altLang="ko-KR" sz="1800" dirty="0" smtClean="0">
-                <a:solidFill>
-                  <a:schemeClr val="tx1"/>
-                </a:solidFill>
-                <a:latin typeface="맑은 고딕" pitchFamily="50" charset="-127"/>
-                <a:ea typeface="맑은 고딕" pitchFamily="50" charset="-127"/>
+              <a:rPr lang="en-US" altLang="ko-KR" sz="1800">
+                <a:solidFill>
+                  <a:schemeClr val="tx1"/>
+                </a:solidFill>
+                <a:latin typeface="맑은 고딕"/>
+                <a:ea typeface="맑은 고딕"/>
               </a:rPr>
               <a:t>12</a:t>
             </a:r>
             <a:r>
-              <a:rPr lang="ko-KR" altLang="en-US" sz="1800" dirty="0" smtClean="0">
-                <a:solidFill>
-                  <a:schemeClr val="tx1"/>
-                </a:solidFill>
-                <a:latin typeface="맑은 고딕" pitchFamily="50" charset="-127"/>
-                <a:ea typeface="맑은 고딕" pitchFamily="50" charset="-127"/>
+              <a:rPr lang="ko-KR" altLang="en-US" sz="1800">
+                <a:solidFill>
+                  <a:schemeClr val="tx1"/>
+                </a:solidFill>
+                <a:latin typeface="맑은 고딕"/>
+                <a:ea typeface="맑은 고딕"/>
               </a:rPr>
               <a:t>시</a:t>
             </a:r>
-            <a:endParaRPr lang="en-US" altLang="ko-KR" sz="1800" dirty="0" smtClean="0">
+            <a:endParaRPr lang="ko-KR" altLang="en-US" sz="1800">
               <a:solidFill>
                 <a:schemeClr val="tx1"/>
               </a:solidFill>
-              <a:latin typeface="맑은 고딕" pitchFamily="50" charset="-127"/>
-              <a:ea typeface="맑은 고딕" pitchFamily="50" charset="-127"/>
+              <a:latin typeface="맑은 고딕"/>
+              <a:ea typeface="맑은 고딕"/>
             </a:endParaRPr>
           </a:p>
           <a:p>
-            <a:pPr algn="ctr"/>
+            <a:pPr algn="ctr">
+              <a:defRPr/>
+            </a:pPr>
             <a:r>
-              <a:rPr lang="ko-KR" altLang="en-US" sz="1800" dirty="0" smtClean="0">
-                <a:solidFill>
-                  <a:schemeClr val="tx1"/>
-                </a:solidFill>
-                <a:latin typeface="맑은 고딕" pitchFamily="50" charset="-127"/>
-                <a:ea typeface="맑은 고딕" pitchFamily="50" charset="-127"/>
+              <a:rPr lang="ko-KR" altLang="en-US" sz="1800">
+                <a:solidFill>
+                  <a:schemeClr val="tx1"/>
+                </a:solidFill>
+                <a:latin typeface="맑은 고딕"/>
+                <a:ea typeface="맑은 고딕"/>
               </a:rPr>
               <a:t>사이의 시각이야</a:t>
             </a:r>
             <a:r>
-              <a:rPr lang="en-US" altLang="ko-KR" sz="1800" dirty="0" smtClean="0">
-                <a:solidFill>
-                  <a:schemeClr val="tx1"/>
-                </a:solidFill>
-                <a:latin typeface="맑은 고딕" pitchFamily="50" charset="-127"/>
-                <a:ea typeface="맑은 고딕" pitchFamily="50" charset="-127"/>
+              <a:rPr lang="en-US" altLang="ko-KR" sz="1800">
+                <a:solidFill>
+                  <a:schemeClr val="tx1"/>
+                </a:solidFill>
+                <a:latin typeface="맑은 고딕"/>
+                <a:ea typeface="맑은 고딕"/>
               </a:rPr>
               <a:t>.</a:t>
             </a:r>
-            <a:endParaRPr lang="ko-KR" altLang="en-US" sz="1800" dirty="0">
+            <a:endParaRPr lang="ko-KR" altLang="en-US" sz="1800">
               <a:solidFill>
                 <a:schemeClr val="tx1"/>
               </a:solidFill>
-              <a:latin typeface="맑은 고딕" pitchFamily="50" charset="-127"/>
-              <a:ea typeface="맑은 고딕" pitchFamily="50" charset="-127"/>
+              <a:latin typeface="맑은 고딕"/>
+              <a:ea typeface="맑은 고딕"/>
             </a:endParaRPr>
           </a:p>
         </p:txBody>
@@ -37341,136 +37028,134 @@
           </a:fontRef>
         </p:style>
         <p:txBody>
-          <a:bodyPr lIns="0" tIns="0" rIns="0" bIns="0" rtlCol="0" anchor="ctr"/>
+          <a:bodyPr lIns="0" tIns="0" rIns="0" bIns="0" anchor="ctr"/>
           <a:lstStyle/>
           <a:p>
-            <a:pPr algn="ctr"/>
+            <a:pPr algn="ctr">
+              <a:defRPr/>
+            </a:pPr>
             <a:r>
-              <a:rPr lang="ko-KR" altLang="en-US" sz="1800" dirty="0" smtClean="0">
-                <a:solidFill>
-                  <a:schemeClr val="tx1"/>
-                </a:solidFill>
-                <a:latin typeface="맑은 고딕" pitchFamily="50" charset="-127"/>
-                <a:ea typeface="맑은 고딕" pitchFamily="50" charset="-127"/>
+              <a:rPr lang="ko-KR" altLang="en-US" sz="1800">
+                <a:solidFill>
+                  <a:schemeClr val="tx1"/>
+                </a:solidFill>
+                <a:latin typeface="맑은 고딕"/>
+                <a:ea typeface="맑은 고딕"/>
               </a:rPr>
               <a:t>시계의 긴 바늘이</a:t>
             </a:r>
-            <a:endParaRPr lang="en-US" altLang="ko-KR" sz="1800" dirty="0" smtClean="0">
+            <a:endParaRPr lang="ko-KR" altLang="en-US" sz="1800">
               <a:solidFill>
                 <a:schemeClr val="tx1"/>
               </a:solidFill>
-              <a:latin typeface="맑은 고딕" pitchFamily="50" charset="-127"/>
-              <a:ea typeface="맑은 고딕" pitchFamily="50" charset="-127"/>
+              <a:latin typeface="맑은 고딕"/>
+              <a:ea typeface="맑은 고딕"/>
             </a:endParaRPr>
           </a:p>
           <a:p>
-            <a:pPr algn="ctr"/>
+            <a:pPr algn="ctr">
+              <a:defRPr/>
+            </a:pPr>
             <a:r>
-              <a:rPr lang="en-US" altLang="ko-KR" sz="1800" dirty="0" smtClean="0">
-                <a:solidFill>
-                  <a:schemeClr val="tx1"/>
-                </a:solidFill>
-                <a:latin typeface="맑은 고딕" pitchFamily="50" charset="-127"/>
-                <a:ea typeface="맑은 고딕" pitchFamily="50" charset="-127"/>
+              <a:rPr lang="en-US" altLang="ko-KR" sz="1800">
+                <a:solidFill>
+                  <a:schemeClr val="tx1"/>
+                </a:solidFill>
+                <a:latin typeface="맑은 고딕"/>
+                <a:ea typeface="맑은 고딕"/>
               </a:rPr>
               <a:t>12</a:t>
             </a:r>
             <a:r>
-              <a:rPr lang="ko-KR" altLang="en-US" sz="1800" dirty="0" smtClean="0">
-                <a:solidFill>
-                  <a:schemeClr val="tx1"/>
-                </a:solidFill>
-                <a:latin typeface="맑은 고딕" pitchFamily="50" charset="-127"/>
-                <a:ea typeface="맑은 고딕" pitchFamily="50" charset="-127"/>
+              <a:rPr lang="ko-KR" altLang="en-US" sz="1800">
+                <a:solidFill>
+                  <a:schemeClr val="tx1"/>
+                </a:solidFill>
+                <a:latin typeface="맑은 고딕"/>
+                <a:ea typeface="맑은 고딕"/>
               </a:rPr>
               <a:t>를 가리키고</a:t>
             </a:r>
             <a:r>
-              <a:rPr lang="en-US" altLang="ko-KR" sz="1800" dirty="0" smtClean="0">
-                <a:solidFill>
-                  <a:schemeClr val="tx1"/>
-                </a:solidFill>
-                <a:latin typeface="맑은 고딕" pitchFamily="50" charset="-127"/>
-                <a:ea typeface="맑은 고딕" pitchFamily="50" charset="-127"/>
+              <a:rPr lang="en-US" altLang="ko-KR" sz="1800">
+                <a:solidFill>
+                  <a:schemeClr val="tx1"/>
+                </a:solidFill>
+                <a:latin typeface="맑은 고딕"/>
+                <a:ea typeface="맑은 고딕"/>
               </a:rPr>
               <a:t>, </a:t>
             </a:r>
             <a:r>
-              <a:rPr lang="ko-KR" altLang="en-US" sz="1800" dirty="0" err="1" smtClean="0">
-                <a:solidFill>
-                  <a:schemeClr val="tx1"/>
-                </a:solidFill>
-                <a:latin typeface="맑은 고딕" pitchFamily="50" charset="-127"/>
-                <a:ea typeface="맑은 고딕" pitchFamily="50" charset="-127"/>
+              <a:rPr lang="ko-KR" altLang="en-US" sz="1800">
+                <a:solidFill>
+                  <a:schemeClr val="tx1"/>
+                </a:solidFill>
+                <a:latin typeface="맑은 고딕"/>
+                <a:ea typeface="맑은 고딕"/>
               </a:rPr>
               <a:t>긴바늘과</a:t>
             </a:r>
-            <a:endParaRPr lang="en-US" altLang="ko-KR" sz="1800" dirty="0" smtClean="0">
+            <a:endParaRPr lang="ko-KR" altLang="en-US" sz="1800">
               <a:solidFill>
                 <a:schemeClr val="tx1"/>
               </a:solidFill>
-              <a:latin typeface="맑은 고딕" pitchFamily="50" charset="-127"/>
-              <a:ea typeface="맑은 고딕" pitchFamily="50" charset="-127"/>
+              <a:latin typeface="맑은 고딕"/>
+              <a:ea typeface="맑은 고딕"/>
             </a:endParaRPr>
           </a:p>
           <a:p>
-            <a:pPr algn="ctr"/>
+            <a:pPr algn="ctr">
+              <a:defRPr/>
+            </a:pPr>
             <a:r>
-              <a:rPr lang="ko-KR" altLang="en-US" sz="1800" dirty="0" err="1" smtClean="0">
-                <a:solidFill>
-                  <a:schemeClr val="tx1"/>
-                </a:solidFill>
-                <a:latin typeface="맑은 고딕" pitchFamily="50" charset="-127"/>
-                <a:ea typeface="맑은 고딕" pitchFamily="50" charset="-127"/>
+              <a:rPr lang="ko-KR" altLang="en-US" sz="1800">
+                <a:solidFill>
+                  <a:schemeClr val="tx1"/>
+                </a:solidFill>
+                <a:latin typeface="맑은 고딕"/>
+                <a:ea typeface="맑은 고딕"/>
               </a:rPr>
-              <a:t>짧은바늘이</a:t>
+              <a:t>짧은바늘이 이루는</a:t>
             </a:r>
-            <a:r>
-              <a:rPr lang="ko-KR" altLang="en-US" sz="1800" dirty="0" smtClean="0">
-                <a:solidFill>
-                  <a:schemeClr val="tx1"/>
-                </a:solidFill>
-                <a:latin typeface="맑은 고딕" pitchFamily="50" charset="-127"/>
-                <a:ea typeface="맑은 고딕" pitchFamily="50" charset="-127"/>
-              </a:rPr>
-              <a:t> 이루는</a:t>
-            </a:r>
-            <a:endParaRPr lang="en-US" altLang="ko-KR" sz="1800" dirty="0" smtClean="0">
+            <a:endParaRPr lang="ko-KR" altLang="en-US" sz="1800">
               <a:solidFill>
                 <a:schemeClr val="tx1"/>
               </a:solidFill>
-              <a:latin typeface="맑은 고딕" pitchFamily="50" charset="-127"/>
-              <a:ea typeface="맑은 고딕" pitchFamily="50" charset="-127"/>
+              <a:latin typeface="맑은 고딕"/>
+              <a:ea typeface="맑은 고딕"/>
             </a:endParaRPr>
           </a:p>
           <a:p>
-            <a:pPr algn="ctr"/>
+            <a:pPr algn="ctr">
+              <a:defRPr/>
+            </a:pPr>
             <a:r>
-              <a:rPr lang="ko-KR" altLang="en-US" sz="1800" dirty="0" smtClean="0">
-                <a:solidFill>
-                  <a:schemeClr val="tx1"/>
-                </a:solidFill>
-                <a:latin typeface="맑은 고딕" pitchFamily="50" charset="-127"/>
-                <a:ea typeface="맑은 고딕" pitchFamily="50" charset="-127"/>
+              <a:rPr lang="ko-KR" altLang="en-US" sz="1800">
+                <a:solidFill>
+                  <a:schemeClr val="tx1"/>
+                </a:solidFill>
+                <a:latin typeface="맑은 고딕"/>
+                <a:ea typeface="맑은 고딕"/>
               </a:rPr>
               <a:t>각은 직각이야</a:t>
             </a:r>
             <a:r>
-              <a:rPr lang="en-US" altLang="ko-KR" sz="1800" dirty="0" smtClean="0">
-                <a:solidFill>
-                  <a:schemeClr val="tx1"/>
-                </a:solidFill>
-                <a:latin typeface="맑은 고딕" pitchFamily="50" charset="-127"/>
-                <a:ea typeface="맑은 고딕" pitchFamily="50" charset="-127"/>
+              <a:rPr lang="en-US" altLang="ko-KR" sz="1800">
+                <a:solidFill>
+                  <a:schemeClr val="tx1"/>
+                </a:solidFill>
+                <a:latin typeface="맑은 고딕"/>
+                <a:ea typeface="맑은 고딕"/>
               </a:rPr>
               <a:t>.</a:t>
             </a:r>
-            <a:endParaRPr lang="ko-KR" altLang="en-US" sz="1800" dirty="0">
+            <a:endParaRPr lang="ko-KR" altLang="en-US" sz="1800">
               <a:solidFill>
                 <a:schemeClr val="tx1"/>
               </a:solidFill>
-              <a:latin typeface="맑은 고딕" pitchFamily="50" charset="-127"/>
-              <a:ea typeface="맑은 고딕" pitchFamily="50" charset="-127"/>
+              <a:latin typeface="맑은 고딕"/>
+              <a:ea typeface="맑은 고딕"/>
             </a:endParaRPr>
           </a:p>
         </p:txBody>
@@ -37510,55 +37195,51 @@
           </a:fontRef>
         </p:style>
         <p:txBody>
-          <a:bodyPr rtlCol="0" anchor="ctr"/>
+          <a:bodyPr anchor="ctr"/>
           <a:lstStyle/>
           <a:p>
-            <a:pPr algn="ctr"/>
+            <a:pPr algn="ctr">
+              <a:defRPr/>
+            </a:pPr>
             <a:r>
-              <a:rPr lang="en-US" altLang="ko-KR" sz="2000" b="1" dirty="0" smtClean="0">
+              <a:rPr lang="en-US" altLang="ko-KR" sz="2000" b="1">
                 <a:solidFill>
                   <a:schemeClr val="accent1"/>
                 </a:solidFill>
-                <a:latin typeface="맑은 고딕" pitchFamily="50" charset="-127"/>
-                <a:ea typeface="맑은 고딕" pitchFamily="50" charset="-127"/>
+                <a:latin typeface="맑은 고딕"/>
+                <a:ea typeface="맑은 고딕"/>
               </a:rPr>
               <a:t>9</a:t>
             </a:r>
             <a:r>
-              <a:rPr lang="ko-KR" altLang="en-US" sz="2000" b="1" dirty="0" smtClean="0">
+              <a:rPr lang="ko-KR" altLang="en-US" sz="2000" b="1">
                 <a:solidFill>
                   <a:schemeClr val="accent1"/>
                 </a:solidFill>
-                <a:latin typeface="맑은 고딕" pitchFamily="50" charset="-127"/>
-                <a:ea typeface="맑은 고딕" pitchFamily="50" charset="-127"/>
+                <a:latin typeface="맑은 고딕"/>
+                <a:ea typeface="맑은 고딕"/>
               </a:rPr>
               <a:t>시</a:t>
             </a:r>
-            <a:endParaRPr lang="ko-KR" altLang="en-US" sz="2000" b="1" dirty="0">
+            <a:endParaRPr lang="ko-KR" altLang="en-US" sz="2000" b="1">
               <a:solidFill>
                 <a:schemeClr val="accent1"/>
               </a:solidFill>
-              <a:latin typeface="맑은 고딕" pitchFamily="50" charset="-127"/>
-              <a:ea typeface="맑은 고딕" pitchFamily="50" charset="-127"/>
+              <a:latin typeface="맑은 고딕"/>
+              <a:ea typeface="맑은 고딕"/>
             </a:endParaRPr>
           </a:p>
         </p:txBody>
       </p:sp>
       <p:pic>
         <p:nvPicPr>
-          <p:cNvPr id="47" name="그림 46">
-            <a:extLst>
-              <a:ext uri="{FF2B5EF4-FFF2-40B4-BE49-F238E27FC236}">
-                <a16:creationId xmlns="" xmlns:a16="http://schemas.microsoft.com/office/drawing/2014/main" id="{DEEB3194-430D-4A4E-8DEF-5B08710B8A78}"/>
-              </a:ext>
-            </a:extLst>
-          </p:cNvPr>
+          <p:cNvPr id="47" name="그림 46"/>
           <p:cNvPicPr>
             <a:picLocks noChangeAspect="1"/>
           </p:cNvPicPr>
           <p:nvPr/>
         </p:nvPicPr>
-        <p:blipFill>
+        <p:blipFill rotWithShape="1">
           <a:blip r:embed="rId7"/>
           <a:stretch>
             <a:fillRect/>
@@ -37582,20 +37263,14 @@
           </p:cNvPicPr>
           <p:nvPr/>
         </p:nvPicPr>
-        <p:blipFill>
-          <a:blip r:embed="rId8">
-            <a:extLst>
-              <a:ext uri="{28A0092B-C50C-407E-A947-70E740481C1C}">
-                <a14:useLocalDpi xmlns:a14="http://schemas.microsoft.com/office/drawing/2010/main" val="0"/>
-              </a:ext>
-            </a:extLst>
-          </a:blip>
+        <p:blipFill rotWithShape="1">
+          <a:blip r:embed="rId8"/>
           <a:srcRect/>
           <a:stretch>
             <a:fillRect/>
           </a:stretch>
         </p:blipFill>
-        <p:spPr bwMode="auto">
+        <p:spPr>
           <a:xfrm>
             <a:off x="4608004" y="5240800"/>
             <a:ext cx="1040273" cy="348440"/>
@@ -37608,34 +37283,6 @@
             <a:noFill/>
           </a:ln>
           <a:effectLst/>
-          <a:extLst>
-            <a:ext uri="{909E8E84-426E-40DD-AFC4-6F175D3DCCD1}">
-              <a14:hiddenFill xmlns:a14="http://schemas.microsoft.com/office/drawing/2010/main">
-                <a:solidFill>
-                  <a:schemeClr val="accent1"/>
-                </a:solidFill>
-              </a14:hiddenFill>
-            </a:ext>
-            <a:ext uri="{91240B29-F687-4F45-9708-019B960494DF}">
-              <a14:hiddenLine xmlns:a14="http://schemas.microsoft.com/office/drawing/2010/main" w="9525">
-                <a:solidFill>
-                  <a:schemeClr val="tx1"/>
-                </a:solidFill>
-                <a:miter lim="800000"/>
-                <a:headEnd/>
-                <a:tailEnd/>
-              </a14:hiddenLine>
-            </a:ext>
-            <a:ext uri="{AF507438-7753-43E0-B8FC-AC1667EBCBE1}">
-              <a14:hiddenEffects xmlns:a14="http://schemas.microsoft.com/office/drawing/2010/main">
-                <a:effectLst>
-                  <a:outerShdw dist="35921" dir="2700000" algn="ctr" rotWithShape="0">
-                    <a:schemeClr val="bg2"/>
-                  </a:outerShdw>
-                </a:effectLst>
-              </a14:hiddenEffects>
-            </a:ext>
-          </a:extLst>
         </p:spPr>
       </p:pic>
       <p:sp>
@@ -37653,7 +37300,7 @@
             <a:avLst/>
           </a:prstGeom>
           <a:solidFill>
-            <a:srgbClr val="FF0000"/>
+            <a:srgbClr val="ff0000"/>
           </a:solidFill>
           <a:ln w="9525">
             <a:noFill/>
@@ -37686,21 +37333,21 @@
               <a:defRPr/>
             </a:pPr>
             <a:r>
-              <a:rPr lang="en-US" altLang="ko-KR" sz="1100" b="1" dirty="0" smtClean="0">
+              <a:rPr lang="en-US" altLang="ko-KR" sz="1100" b="1">
                 <a:solidFill>
                   <a:schemeClr val="bg1"/>
                 </a:solidFill>
-                <a:latin typeface="맑은 고딕" pitchFamily="50" charset="-127"/>
-                <a:ea typeface="맑은 고딕" pitchFamily="50" charset="-127"/>
+                <a:latin typeface="맑은 고딕"/>
+                <a:ea typeface="맑은 고딕"/>
               </a:rPr>
               <a:t>#4</a:t>
             </a:r>
-            <a:endParaRPr lang="ko-KR" altLang="en-US" sz="1100" b="1" dirty="0">
+            <a:endParaRPr lang="ko-KR" altLang="en-US" sz="1100" b="1">
               <a:solidFill>
                 <a:schemeClr val="bg1"/>
               </a:solidFill>
-              <a:latin typeface="맑은 고딕" pitchFamily="50" charset="-127"/>
-              <a:ea typeface="맑은 고딕" pitchFamily="50" charset="-127"/>
+              <a:latin typeface="맑은 고딕"/>
+              <a:ea typeface="맑은 고딕"/>
             </a:endParaRPr>
           </a:p>
         </p:txBody>
@@ -37720,7 +37367,7 @@
             <a:avLst/>
           </a:prstGeom>
           <a:solidFill>
-            <a:srgbClr val="FF0000"/>
+            <a:srgbClr val="ff0000"/>
           </a:solidFill>
           <a:ln w="9525">
             <a:noFill/>
@@ -37753,21 +37400,21 @@
               <a:defRPr/>
             </a:pPr>
             <a:r>
-              <a:rPr lang="en-US" altLang="ko-KR" sz="1100" b="1" dirty="0" smtClean="0">
+              <a:rPr lang="en-US" altLang="ko-KR" sz="1100" b="1">
                 <a:solidFill>
                   <a:schemeClr val="bg1"/>
                 </a:solidFill>
-                <a:latin typeface="맑은 고딕" pitchFamily="50" charset="-127"/>
-                <a:ea typeface="맑은 고딕" pitchFamily="50" charset="-127"/>
+                <a:latin typeface="맑은 고딕"/>
+                <a:ea typeface="맑은 고딕"/>
               </a:rPr>
               <a:t>#2</a:t>
             </a:r>
-            <a:endParaRPr lang="ko-KR" altLang="en-US" sz="1100" b="1" dirty="0">
+            <a:endParaRPr lang="ko-KR" altLang="en-US" sz="1100" b="1">
               <a:solidFill>
                 <a:schemeClr val="bg1"/>
               </a:solidFill>
-              <a:latin typeface="맑은 고딕" pitchFamily="50" charset="-127"/>
-              <a:ea typeface="맑은 고딕" pitchFamily="50" charset="-127"/>
+              <a:latin typeface="맑은 고딕"/>
+              <a:ea typeface="맑은 고딕"/>
             </a:endParaRPr>
           </a:p>
         </p:txBody>
@@ -37787,7 +37434,7 @@
             <a:avLst/>
           </a:prstGeom>
           <a:solidFill>
-            <a:srgbClr val="FF0000"/>
+            <a:srgbClr val="ff0000"/>
           </a:solidFill>
           <a:ln w="9525">
             <a:noFill/>
@@ -37820,21 +37467,21 @@
               <a:defRPr/>
             </a:pPr>
             <a:r>
-              <a:rPr lang="en-US" altLang="ko-KR" sz="1100" b="1" dirty="0" smtClean="0">
+              <a:rPr lang="en-US" altLang="ko-KR" sz="1100" b="1">
                 <a:solidFill>
                   <a:schemeClr val="bg1"/>
                 </a:solidFill>
-                <a:latin typeface="맑은 고딕" pitchFamily="50" charset="-127"/>
-                <a:ea typeface="맑은 고딕" pitchFamily="50" charset="-127"/>
+                <a:latin typeface="맑은 고딕"/>
+                <a:ea typeface="맑은 고딕"/>
               </a:rPr>
               <a:t>#1</a:t>
             </a:r>
-            <a:endParaRPr lang="ko-KR" altLang="en-US" sz="1100" b="1" dirty="0">
+            <a:endParaRPr lang="ko-KR" altLang="en-US" sz="1100" b="1">
               <a:solidFill>
                 <a:schemeClr val="bg1"/>
               </a:solidFill>
-              <a:latin typeface="맑은 고딕" pitchFamily="50" charset="-127"/>
-              <a:ea typeface="맑은 고딕" pitchFamily="50" charset="-127"/>
+              <a:latin typeface="맑은 고딕"/>
+              <a:ea typeface="맑은 고딕"/>
             </a:endParaRPr>
           </a:p>
         </p:txBody>
@@ -37845,13 +37492,7 @@
           <p:cNvGraphicFramePr>
             <a:graphicFrameLocks noGrp="1"/>
           </p:cNvGraphicFramePr>
-          <p:nvPr>
-            <p:extLst>
-              <p:ext uri="{D42A27DB-BD31-4B8C-83A1-F6EECF244321}">
-                <p14:modId xmlns:p14="http://schemas.microsoft.com/office/powerpoint/2010/main" val="2448648694"/>
-              </p:ext>
-            </p:extLst>
-          </p:nvPr>
+          <p:nvPr/>
         </p:nvGraphicFramePr>
         <p:xfrm>
           <a:off x="115384" y="6129300"/>
@@ -37860,30 +37501,16 @@
         <a:graphic>
           <a:graphicData uri="http://schemas.openxmlformats.org/drawingml/2006/table">
             <a:tbl>
-              <a:tblPr/>
               <a:tblGrid>
-                <a:gridCol w="858104">
-                  <a:extLst>
-                    <a:ext uri="{9D8B030D-6E8A-4147-A177-3AD203B41FA5}">
-                      <a16:colId xmlns:a16="http://schemas.microsoft.com/office/drawing/2014/main" xmlns="" val="20000"/>
-                    </a:ext>
-                  </a:extLst>
-                </a:gridCol>
-                <a:gridCol w="5830760">
-                  <a:extLst>
-                    <a:ext uri="{9D8B030D-6E8A-4147-A177-3AD203B41FA5}">
-                      <a16:colId xmlns:a16="http://schemas.microsoft.com/office/drawing/2014/main" xmlns="" val="20001"/>
-                    </a:ext>
-                  </a:extLst>
-                </a:gridCol>
+                <a:gridCol w="858104"/>
+                <a:gridCol w="5830760"/>
               </a:tblGrid>
               <a:tr h="282949">
                 <a:tc>
                   <a:txBody>
-                    <a:bodyPr/>
-                    <a:lstStyle/>
+                    <a:bodyPr vert="horz" lIns="72000" tIns="0" rIns="0" bIns="0" anchor="ctr" anchorCtr="0"/>
                     <a:p>
-                      <a:pPr marL="0" marR="0" lvl="0" indent="0" algn="l" defTabSz="914400" rtl="0" eaLnBrk="1" fontAlgn="base" latinLnBrk="1" hangingPunct="1">
+                      <a:pPr marL="0" marR="0" lvl="0" indent="0" algn="l" defTabSz="914400" rtl="0" eaLnBrk="1" latinLnBrk="1" hangingPunct="1">
                         <a:lnSpc>
                           <a:spcPct val="100000"/>
                         </a:lnSpc>
@@ -37894,38 +37521,32 @@
                           <a:spcPct val="0"/>
                         </a:spcAft>
                         <a:buClrTx/>
-                        <a:buSzTx/>
                         <a:buFontTx/>
                         <a:buNone/>
                         <a:tabLst>
                           <a:tab pos="2700338" algn="ctr"/>
                           <a:tab pos="5400675" algn="r"/>
                         </a:tabLst>
+                        <a:defRPr/>
                       </a:pPr>
                       <a:r>
-                        <a:rPr kumimoji="1" lang="ko-KR" altLang="en-US" sz="1000" b="1" i="0" u="none" strike="noStrike" cap="none" normalizeH="0" baseline="0" dirty="0" smtClean="0">
-                          <a:ln>
-                            <a:noFill/>
-                          </a:ln>
+                        <a:rPr kumimoji="1" lang="ko-KR" altLang="en-US" sz="1000" b="1" i="0" u="none" strike="noStrike" cap="none" normalizeH="0" baseline="0">
                           <a:solidFill>
                             <a:schemeClr val="tx1"/>
                           </a:solidFill>
                           <a:effectLst/>
-                          <a:latin typeface="맑은 고딕" pitchFamily="50" charset="-127"/>
-                          <a:ea typeface="맑은 고딕" pitchFamily="50" charset="-127"/>
+                          <a:latin typeface="맑은 고딕"/>
+                          <a:ea typeface="맑은 고딕"/>
                         </a:rPr>
                         <a:t>삽화 파일명</a:t>
                       </a:r>
-                      <a:endParaRPr kumimoji="1" lang="en-US" altLang="ko-KR" sz="1000" b="1" i="0" u="none" strike="noStrike" cap="none" normalizeH="0" baseline="0" dirty="0" smtClean="0">
-                        <a:ln>
-                          <a:noFill/>
-                        </a:ln>
+                      <a:endParaRPr kumimoji="1" lang="en-US" altLang="ko-KR" sz="1000" b="1" i="0" u="none" strike="noStrike" cap="none" normalizeH="0" baseline="0">
                         <a:solidFill>
                           <a:schemeClr val="tx1"/>
                         </a:solidFill>
                         <a:effectLst/>
-                        <a:latin typeface="맑은 고딕" pitchFamily="50" charset="-127"/>
-                        <a:ea typeface="맑은 고딕" pitchFamily="50" charset="-127"/>
+                        <a:latin typeface="맑은 고딕"/>
+                        <a:ea typeface="맑은 고딕"/>
                       </a:endParaRPr>
                     </a:p>
                   </a:txBody>
@@ -37936,8 +37557,6 @@
                       </a:solidFill>
                       <a:prstDash val="solid"/>
                       <a:round/>
-                      <a:headEnd type="none" w="med" len="med"/>
-                      <a:tailEnd type="none" w="med" len="med"/>
                     </a:lnL>
                     <a:lnR w="12700" cap="flat" cmpd="sng" algn="ctr">
                       <a:solidFill>
@@ -37945,8 +37564,6 @@
                       </a:solidFill>
                       <a:prstDash val="solid"/>
                       <a:round/>
-                      <a:headEnd type="none" w="med" len="med"/>
-                      <a:tailEnd type="none" w="med" len="med"/>
                     </a:lnR>
                     <a:lnT w="12700" cap="flat" cmpd="sng" algn="ctr">
                       <a:solidFill>
@@ -37954,8 +37571,6 @@
                       </a:solidFill>
                       <a:prstDash val="solid"/>
                       <a:round/>
-                      <a:headEnd type="none" w="med" len="med"/>
-                      <a:tailEnd type="none" w="med" len="med"/>
                     </a:lnT>
                     <a:lnB w="12700" cap="flat" cmpd="sng" algn="ctr">
                       <a:solidFill>
@@ -37963,8 +37578,6 @@
                       </a:solidFill>
                       <a:prstDash val="solid"/>
                       <a:round/>
-                      <a:headEnd type="none" w="med" len="med"/>
-                      <a:tailEnd type="none" w="med" len="med"/>
                     </a:lnB>
                     <a:lnTlToBr>
                       <a:noFill/>
@@ -37982,10 +37595,9 @@
                 </a:tc>
                 <a:tc>
                   <a:txBody>
-                    <a:bodyPr/>
-                    <a:lstStyle/>
+                    <a:bodyPr vert="horz" lIns="72000" tIns="0" rIns="0" bIns="0" anchor="ctr" anchorCtr="0"/>
                     <a:p>
-                      <a:pPr marL="0" marR="0" indent="0" algn="l" defTabSz="914400" rtl="0" eaLnBrk="1" fontAlgn="auto" latinLnBrk="1" hangingPunct="1">
+                      <a:pPr marL="0" marR="0" indent="0" algn="l" defTabSz="914400" rtl="0" eaLnBrk="1" latinLnBrk="1" hangingPunct="1">
                         <a:lnSpc>
                           <a:spcPct val="100000"/>
                         </a:lnSpc>
@@ -37996,25 +37608,30 @@
                           <a:spcPts val="0"/>
                         </a:spcAft>
                         <a:buClrTx/>
-                        <a:buSzTx/>
                         <a:buFontTx/>
                         <a:buNone/>
-                        <a:tabLst/>
                         <a:defRPr/>
                       </a:pPr>
                       <a:r>
-                        <a:rPr kumimoji="0" lang="en-US" altLang="ko-KR" sz="1000" dirty="0" smtClean="0">
+                        <a:rPr kumimoji="0" lang="en-US" altLang="ko-KR" sz="1000">
                           <a:solidFill>
                             <a:schemeClr val="tx1"/>
                           </a:solidFill>
-                          <a:latin typeface="맑은 고딕" pitchFamily="50" charset="-127"/>
-                          <a:ea typeface="맑은 고딕" pitchFamily="50" charset="-127"/>
+                          <a:latin typeface="맑은 고딕"/>
+                          <a:ea typeface="맑은 고딕"/>
                         </a:rPr>
                         <a:t>2_3_5_01.png</a:t>
                       </a:r>
+                      <a:endParaRPr kumimoji="0" lang="en-US" altLang="ko-KR" sz="1000">
+                        <a:solidFill>
+                          <a:schemeClr val="tx1"/>
+                        </a:solidFill>
+                        <a:latin typeface="맑은 고딕"/>
+                        <a:ea typeface="맑은 고딕"/>
+                      </a:endParaRPr>
                     </a:p>
                     <a:p>
-                      <a:pPr marL="0" marR="0" indent="0" algn="l" defTabSz="914400" rtl="0" eaLnBrk="1" fontAlgn="auto" latinLnBrk="1" hangingPunct="1">
+                      <a:pPr marL="0" marR="0" indent="0" algn="l" defTabSz="914400" rtl="0" eaLnBrk="1" latinLnBrk="1" hangingPunct="1">
                         <a:lnSpc>
                           <a:spcPct val="100000"/>
                         </a:lnSpc>
@@ -38025,72 +37642,57 @@
                           <a:spcPts val="0"/>
                         </a:spcAft>
                         <a:buClrTx/>
-                        <a:buSzTx/>
                         <a:buFontTx/>
                         <a:buNone/>
-                        <a:tabLst/>
                         <a:defRPr/>
                       </a:pPr>
                       <a:r>
-                        <a:rPr kumimoji="0" lang="ko-KR" altLang="en-US" sz="1000" dirty="0" smtClean="0">
+                        <a:rPr kumimoji="0" lang="ko-KR" altLang="en-US" sz="1000">
                           <a:solidFill>
                             <a:schemeClr val="tx1"/>
                           </a:solidFill>
-                          <a:latin typeface="맑은 고딕" pitchFamily="50" charset="-127"/>
-                          <a:ea typeface="맑은 고딕" pitchFamily="50" charset="-127"/>
+                          <a:latin typeface="맑은 고딕"/>
+                          <a:ea typeface="맑은 고딕"/>
                         </a:rPr>
                         <a:t>한대희 </a:t>
                       </a:r>
                       <a:r>
-                        <a:rPr kumimoji="0" lang="en-US" altLang="ko-KR" sz="1000" dirty="0" smtClean="0">
+                        <a:rPr kumimoji="0" lang="en-US" altLang="ko-KR" sz="1000">
                           <a:solidFill>
                             <a:schemeClr val="tx1"/>
                           </a:solidFill>
-                          <a:latin typeface="맑은 고딕" pitchFamily="50" charset="-127"/>
-                          <a:ea typeface="맑은 고딕" pitchFamily="50" charset="-127"/>
+                          <a:latin typeface="맑은 고딕"/>
+                          <a:ea typeface="맑은 고딕"/>
                         </a:rPr>
                         <a:t>3-1 </a:t>
                       </a:r>
                       <a:r>
-                        <a:rPr kumimoji="0" lang="ko-KR" altLang="en-US" sz="1000" dirty="0" smtClean="0">
+                        <a:rPr kumimoji="0" lang="ko-KR" altLang="en-US" sz="1000">
                           <a:solidFill>
                             <a:schemeClr val="tx1"/>
                           </a:solidFill>
-                          <a:latin typeface="맑은 고딕" pitchFamily="50" charset="-127"/>
-                          <a:ea typeface="맑은 고딕" pitchFamily="50" charset="-127"/>
+                          <a:latin typeface="맑은 고딕"/>
+                          <a:ea typeface="맑은 고딕"/>
                         </a:rPr>
                         <a:t>지도서</a:t>
                       </a:r>
                       <a:r>
-                        <a:rPr kumimoji="0" lang="en-US" altLang="ko-KR" sz="1000" dirty="0" smtClean="0">
+                        <a:rPr kumimoji="0" lang="en-US" altLang="ko-KR" sz="1000">
                           <a:solidFill>
                             <a:schemeClr val="tx1"/>
                           </a:solidFill>
-                          <a:latin typeface="맑은 고딕" pitchFamily="50" charset="-127"/>
-                          <a:ea typeface="맑은 고딕" pitchFamily="50" charset="-127"/>
+                          <a:latin typeface="맑은 고딕"/>
+                          <a:ea typeface="맑은 고딕"/>
                         </a:rPr>
-                        <a:t>\app\resource\</a:t>
+                        <a:t>\app\resource\contents_sub\lesson02\ops\2\images\2_3</a:t>
                       </a:r>
-                      <a:r>
-                        <a:rPr kumimoji="0" lang="en-US" altLang="ko-KR" sz="1000" dirty="0" err="1" smtClean="0">
-                          <a:solidFill>
-                            <a:schemeClr val="tx1"/>
-                          </a:solidFill>
-                          <a:latin typeface="맑은 고딕" pitchFamily="50" charset="-127"/>
-                          <a:ea typeface="맑은 고딕" pitchFamily="50" charset="-127"/>
-                        </a:rPr>
-                        <a:t>contents_sub</a:t>
-                      </a:r>
-                      <a:r>
-                        <a:rPr kumimoji="0" lang="en-US" altLang="ko-KR" sz="1000" dirty="0" smtClean="0">
-                          <a:solidFill>
-                            <a:schemeClr val="tx1"/>
-                          </a:solidFill>
-                          <a:latin typeface="맑은 고딕" pitchFamily="50" charset="-127"/>
-                          <a:ea typeface="맑은 고딕" pitchFamily="50" charset="-127"/>
-                        </a:rPr>
-                        <a:t>\lesson02\ops\2\images\2_3</a:t>
-                      </a:r>
+                      <a:endParaRPr kumimoji="0" lang="en-US" altLang="ko-KR" sz="1000">
+                        <a:solidFill>
+                          <a:schemeClr val="tx1"/>
+                        </a:solidFill>
+                        <a:latin typeface="맑은 고딕"/>
+                        <a:ea typeface="맑은 고딕"/>
+                      </a:endParaRPr>
                     </a:p>
                   </a:txBody>
                   <a:tcPr marL="72000" marR="0" marT="0" marB="0" anchor="ctr" horzOverflow="overflow">
@@ -38100,8 +37702,6 @@
                       </a:solidFill>
                       <a:prstDash val="solid"/>
                       <a:round/>
-                      <a:headEnd type="none" w="med" len="med"/>
-                      <a:tailEnd type="none" w="med" len="med"/>
                     </a:lnL>
                     <a:lnR w="12700" cap="flat" cmpd="sng" algn="ctr">
                       <a:solidFill>
@@ -38109,8 +37709,6 @@
                       </a:solidFill>
                       <a:prstDash val="solid"/>
                       <a:round/>
-                      <a:headEnd type="none" w="med" len="med"/>
-                      <a:tailEnd type="none" w="med" len="med"/>
                     </a:lnR>
                     <a:lnT w="12700" cap="flat" cmpd="sng" algn="ctr">
                       <a:solidFill>
@@ -38118,8 +37716,6 @@
                       </a:solidFill>
                       <a:prstDash val="solid"/>
                       <a:round/>
-                      <a:headEnd type="none" w="med" len="med"/>
-                      <a:tailEnd type="none" w="med" len="med"/>
                     </a:lnT>
                     <a:lnB w="12700" cap="flat" cmpd="sng" algn="ctr">
                       <a:solidFill>
@@ -38127,16 +37723,9 @@
                       </a:solidFill>
                       <a:prstDash val="solid"/>
                       <a:round/>
-                      <a:headEnd type="none" w="med" len="med"/>
-                      <a:tailEnd type="none" w="med" len="med"/>
                     </a:lnB>
                   </a:tcPr>
                 </a:tc>
-                <a:extLst>
-                  <a:ext uri="{0D108BD9-81ED-4DB2-BD59-A6C34878D82A}">
-                    <a16:rowId xmlns:a16="http://schemas.microsoft.com/office/drawing/2014/main" xmlns="" val="10000"/>
-                  </a:ext>
-                </a:extLst>
               </a:tr>
             </a:tbl>
           </a:graphicData>
@@ -38157,7 +37746,7 @@
             <a:avLst/>
           </a:prstGeom>
           <a:solidFill>
-            <a:srgbClr val="FF0000"/>
+            <a:srgbClr val="ff0000"/>
           </a:solidFill>
           <a:ln w="9525">
             <a:noFill/>
@@ -38190,21 +37779,21 @@
               <a:defRPr/>
             </a:pPr>
             <a:r>
-              <a:rPr lang="en-US" altLang="ko-KR" sz="1100" b="1" dirty="0" smtClean="0">
+              <a:rPr lang="en-US" altLang="ko-KR" sz="1100" b="1">
                 <a:solidFill>
                   <a:schemeClr val="bg1"/>
                 </a:solidFill>
-                <a:latin typeface="맑은 고딕" pitchFamily="50" charset="-127"/>
-                <a:ea typeface="맑은 고딕" pitchFamily="50" charset="-127"/>
+                <a:latin typeface="맑은 고딕"/>
+                <a:ea typeface="맑은 고딕"/>
               </a:rPr>
               <a:t>#3</a:t>
             </a:r>
-            <a:endParaRPr lang="ko-KR" altLang="en-US" sz="1100" b="1" dirty="0">
+            <a:endParaRPr lang="ko-KR" altLang="en-US" sz="1100" b="1">
               <a:solidFill>
                 <a:schemeClr val="bg1"/>
               </a:solidFill>
-              <a:latin typeface="맑은 고딕" pitchFamily="50" charset="-127"/>
-              <a:ea typeface="맑은 고딕" pitchFamily="50" charset="-127"/>
+              <a:latin typeface="맑은 고딕"/>
+              <a:ea typeface="맑은 고딕"/>
             </a:endParaRPr>
           </a:p>
         </p:txBody>
@@ -38217,20 +37806,14 @@
           </p:cNvPicPr>
           <p:nvPr/>
         </p:nvPicPr>
-        <p:blipFill>
-          <a:blip r:embed="rId9">
-            <a:extLst>
-              <a:ext uri="{28A0092B-C50C-407E-A947-70E740481C1C}">
-                <a14:useLocalDpi xmlns:a14="http://schemas.microsoft.com/office/drawing/2010/main" val="0"/>
-              </a:ext>
-            </a:extLst>
-          </a:blip>
+        <p:blipFill rotWithShape="1">
+          <a:blip r:embed="rId9"/>
           <a:srcRect/>
           <a:stretch>
             <a:fillRect/>
           </a:stretch>
         </p:blipFill>
-        <p:spPr bwMode="auto">
+        <p:spPr>
           <a:xfrm>
             <a:off x="7416316" y="2312876"/>
             <a:ext cx="1047898" cy="1016524"/>
@@ -38243,46 +37826,21 @@
             <a:noFill/>
           </a:ln>
           <a:effectLst/>
-          <a:extLst>
-            <a:ext uri="{909E8E84-426E-40DD-AFC4-6F175D3DCCD1}">
-              <a14:hiddenFill xmlns:a14="http://schemas.microsoft.com/office/drawing/2010/main">
-                <a:solidFill>
-                  <a:schemeClr val="accent1"/>
-                </a:solidFill>
-              </a14:hiddenFill>
-            </a:ext>
-            <a:ext uri="{91240B29-F687-4F45-9708-019B960494DF}">
-              <a14:hiddenLine xmlns:a14="http://schemas.microsoft.com/office/drawing/2010/main" w="9525">
-                <a:solidFill>
-                  <a:schemeClr val="tx1"/>
-                </a:solidFill>
-                <a:miter lim="800000"/>
-                <a:headEnd/>
-                <a:tailEnd/>
-              </a14:hiddenLine>
-            </a:ext>
-            <a:ext uri="{AF507438-7753-43E0-B8FC-AC1667EBCBE1}">
-              <a14:hiddenEffects xmlns:a14="http://schemas.microsoft.com/office/drawing/2010/main">
-                <a:effectLst>
-                  <a:outerShdw dist="35921" dir="2700000" algn="ctr" rotWithShape="0">
-                    <a:schemeClr val="bg2"/>
-                  </a:outerShdw>
-                </a:effectLst>
-              </a14:hiddenEffects>
-            </a:ext>
-          </a:extLst>
         </p:spPr>
       </p:pic>
     </p:spTree>
-    <p:extLst>
-      <p:ext uri="{BB962C8B-B14F-4D97-AF65-F5344CB8AC3E}">
-        <p14:creationId xmlns:p14="http://schemas.microsoft.com/office/powerpoint/2010/main" val="3990638652"/>
-      </p:ext>
-    </p:extLst>
   </p:cSld>
   <p:clrMapOvr>
     <a:masterClrMapping/>
   </p:clrMapOvr>
+  <mc:AlternateContent xmlns:mc="http://schemas.openxmlformats.org/markup-compatibility/2006">
+    <mc:Choice xmlns:p14="http://schemas.microsoft.com/office/powerpoint/2010/main" Requires="p14">
+      <p:transition xmlns:mc="http://schemas.openxmlformats.org/markup-compatibility/2006" xmlns:p14="http://schemas.microsoft.com/office/powerpoint/2010/main" mc:Ignorable="p14" p14:dur="500"/>
+    </mc:Choice>
+    <mc:Fallback>
+      <p:transition/>
+    </mc:Fallback>
+  </mc:AlternateContent>
   <p:timing>
     <p:tnLst>
       <p:par>
@@ -42862,41 +42420,41 @@
 </file>
 
 <file path=ppt/theme/theme1.xml><?xml version="1.0" encoding="utf-8"?>
-<a:theme xmlns:a="http://schemas.openxmlformats.org/drawingml/2006/main" name="3_기본 디자인">
+<a:theme xmlns:r="http://schemas.openxmlformats.org/officeDocument/2006/relationships" xmlns:c="http://schemas.openxmlformats.org/drawingml/2006/chart" xmlns:dgm="http://schemas.openxmlformats.org/drawingml/2006/diagram" xmlns:dsp="http://schemas.microsoft.com/office/drawing/2008/diagram" xmlns:a="http://schemas.openxmlformats.org/drawingml/2006/main" xmlns:pic="http://schemas.openxmlformats.org/drawingml/2006/picture" xmlns:wp="http://schemas.openxmlformats.org/drawingml/2006/wordprocessingDrawing" xmlns:xdr="http://schemas.openxmlformats.org/drawingml/2006/spreadsheetDrawing" xmlns:p="http://schemas.openxmlformats.org/presentationml/2006/main" name="3_기본 디자인">
   <a:themeElements>
     <a:clrScheme name="Office">
       <a:dk1>
         <a:sysClr val="windowText" lastClr="000000"/>
       </a:dk1>
       <a:lt1>
-        <a:sysClr val="window" lastClr="FFFFFF"/>
+        <a:sysClr val="window" lastClr="ffffff"/>
       </a:lt1>
       <a:dk2>
-        <a:srgbClr val="1F497D"/>
+        <a:srgbClr val="1f497d"/>
       </a:dk2>
       <a:lt2>
-        <a:srgbClr val="EEECE1"/>
+        <a:srgbClr val="eeece1"/>
       </a:lt2>
       <a:accent1>
-        <a:srgbClr val="4F81BD"/>
+        <a:srgbClr val="4f81bd"/>
       </a:accent1>
       <a:accent2>
-        <a:srgbClr val="C0504D"/>
+        <a:srgbClr val="c0504d"/>
       </a:accent2>
       <a:accent3>
-        <a:srgbClr val="9BBB59"/>
+        <a:srgbClr val="9bbb59"/>
       </a:accent3>
       <a:accent4>
-        <a:srgbClr val="8064A2"/>
+        <a:srgbClr val="8064a2"/>
       </a:accent4>
       <a:accent5>
-        <a:srgbClr val="4BACC6"/>
+        <a:srgbClr val="4bacc6"/>
       </a:accent5>
       <a:accent6>
-        <a:srgbClr val="F79646"/>
+        <a:srgbClr val="f79646"/>
       </a:accent6>
       <a:hlink>
-        <a:srgbClr val="0000FF"/>
+        <a:srgbClr val="0000ff"/>
       </a:hlink>
       <a:folHlink>
         <a:srgbClr val="800080"/>
@@ -43087,7 +42645,7 @@
         <a:noFill/>
         <a:ln w="12700">
           <a:solidFill>
-            <a:srgbClr val="FF0000"/>
+            <a:srgbClr val="ff0000"/>
           </a:solidFill>
         </a:ln>
       </a:spPr>
@@ -43115,7 +42673,7 @@
       </a:style>
     </a:spDef>
     <a:lnDef>
-      <a:spPr bwMode="auto">
+      <a:spPr>
         <a:noFill/>
         <a:ln w="38100" cap="flat" cmpd="sng" algn="ctr">
           <a:solidFill>
@@ -43123,8 +42681,6 @@
           </a:solidFill>
           <a:prstDash val="solid"/>
           <a:round/>
-          <a:headEnd type="none" w="med" len="med"/>
-          <a:tailEnd type="none" w="med" len="med"/>
         </a:ln>
         <a:effectLst/>
       </a:spPr>
@@ -43145,512 +42701,18 @@
       </a:lstStyle>
     </a:txDef>
   </a:objectDefaults>
-  <a:extraClrSchemeLst>
-    <a:extraClrScheme>
-      <a:clrScheme name="기본 디자인 1">
-        <a:dk1>
-          <a:srgbClr val="000000"/>
-        </a:dk1>
-        <a:lt1>
-          <a:srgbClr val="FFFFFF"/>
-        </a:lt1>
-        <a:dk2>
-          <a:srgbClr val="000000"/>
-        </a:dk2>
-        <a:lt2>
-          <a:srgbClr val="808080"/>
-        </a:lt2>
-        <a:accent1>
-          <a:srgbClr val="BBE0E3"/>
-        </a:accent1>
-        <a:accent2>
-          <a:srgbClr val="333399"/>
-        </a:accent2>
-        <a:accent3>
-          <a:srgbClr val="FFFFFF"/>
-        </a:accent3>
-        <a:accent4>
-          <a:srgbClr val="000000"/>
-        </a:accent4>
-        <a:accent5>
-          <a:srgbClr val="DAEDEF"/>
-        </a:accent5>
-        <a:accent6>
-          <a:srgbClr val="2D2D8A"/>
-        </a:accent6>
-        <a:hlink>
-          <a:srgbClr val="009999"/>
-        </a:hlink>
-        <a:folHlink>
-          <a:srgbClr val="99CC00"/>
-        </a:folHlink>
-      </a:clrScheme>
-      <a:clrMap bg1="lt1" tx1="dk1" bg2="lt2" tx2="dk2" accent1="accent1" accent2="accent2" accent3="accent3" accent4="accent4" accent5="accent5" accent6="accent6" hlink="hlink" folHlink="folHlink"/>
-    </a:extraClrScheme>
-    <a:extraClrScheme>
-      <a:clrScheme name="기본 디자인 2">
-        <a:dk1>
-          <a:srgbClr val="000000"/>
-        </a:dk1>
-        <a:lt1>
-          <a:srgbClr val="FFFFFF"/>
-        </a:lt1>
-        <a:dk2>
-          <a:srgbClr val="000000"/>
-        </a:dk2>
-        <a:lt2>
-          <a:srgbClr val="969696"/>
-        </a:lt2>
-        <a:accent1>
-          <a:srgbClr val="FBDF53"/>
-        </a:accent1>
-        <a:accent2>
-          <a:srgbClr val="FF9966"/>
-        </a:accent2>
-        <a:accent3>
-          <a:srgbClr val="FFFFFF"/>
-        </a:accent3>
-        <a:accent4>
-          <a:srgbClr val="000000"/>
-        </a:accent4>
-        <a:accent5>
-          <a:srgbClr val="FDECB3"/>
-        </a:accent5>
-        <a:accent6>
-          <a:srgbClr val="E78A5C"/>
-        </a:accent6>
-        <a:hlink>
-          <a:srgbClr val="CC3300"/>
-        </a:hlink>
-        <a:folHlink>
-          <a:srgbClr val="996600"/>
-        </a:folHlink>
-      </a:clrScheme>
-      <a:clrMap bg1="lt1" tx1="dk1" bg2="lt2" tx2="dk2" accent1="accent1" accent2="accent2" accent3="accent3" accent4="accent4" accent5="accent5" accent6="accent6" hlink="hlink" folHlink="folHlink"/>
-    </a:extraClrScheme>
-    <a:extraClrScheme>
-      <a:clrScheme name="기본 디자인 3">
-        <a:dk1>
-          <a:srgbClr val="000000"/>
-        </a:dk1>
-        <a:lt1>
-          <a:srgbClr val="FFFFFF"/>
-        </a:lt1>
-        <a:dk2>
-          <a:srgbClr val="000000"/>
-        </a:dk2>
-        <a:lt2>
-          <a:srgbClr val="808080"/>
-        </a:lt2>
-        <a:accent1>
-          <a:srgbClr val="99CCFF"/>
-        </a:accent1>
-        <a:accent2>
-          <a:srgbClr val="CCCCFF"/>
-        </a:accent2>
-        <a:accent3>
-          <a:srgbClr val="FFFFFF"/>
-        </a:accent3>
-        <a:accent4>
-          <a:srgbClr val="000000"/>
-        </a:accent4>
-        <a:accent5>
-          <a:srgbClr val="CAE2FF"/>
-        </a:accent5>
-        <a:accent6>
-          <a:srgbClr val="B9B9E7"/>
-        </a:accent6>
-        <a:hlink>
-          <a:srgbClr val="3333CC"/>
-        </a:hlink>
-        <a:folHlink>
-          <a:srgbClr val="AF67FF"/>
-        </a:folHlink>
-      </a:clrScheme>
-      <a:clrMap bg1="lt1" tx1="dk1" bg2="lt2" tx2="dk2" accent1="accent1" accent2="accent2" accent3="accent3" accent4="accent4" accent5="accent5" accent6="accent6" hlink="hlink" folHlink="folHlink"/>
-    </a:extraClrScheme>
-    <a:extraClrScheme>
-      <a:clrScheme name="기본 디자인 4">
-        <a:dk1>
-          <a:srgbClr val="000000"/>
-        </a:dk1>
-        <a:lt1>
-          <a:srgbClr val="DEF6F1"/>
-        </a:lt1>
-        <a:dk2>
-          <a:srgbClr val="000000"/>
-        </a:dk2>
-        <a:lt2>
-          <a:srgbClr val="969696"/>
-        </a:lt2>
-        <a:accent1>
-          <a:srgbClr val="FFFFFF"/>
-        </a:accent1>
-        <a:accent2>
-          <a:srgbClr val="8DC6FF"/>
-        </a:accent2>
-        <a:accent3>
-          <a:srgbClr val="ECFAF7"/>
-        </a:accent3>
-        <a:accent4>
-          <a:srgbClr val="000000"/>
-        </a:accent4>
-        <a:accent5>
-          <a:srgbClr val="FFFFFF"/>
-        </a:accent5>
-        <a:accent6>
-          <a:srgbClr val="7FB3E7"/>
-        </a:accent6>
-        <a:hlink>
-          <a:srgbClr val="0066CC"/>
-        </a:hlink>
-        <a:folHlink>
-          <a:srgbClr val="00A800"/>
-        </a:folHlink>
-      </a:clrScheme>
-      <a:clrMap bg1="lt1" tx1="dk1" bg2="lt2" tx2="dk2" accent1="accent1" accent2="accent2" accent3="accent3" accent4="accent4" accent5="accent5" accent6="accent6" hlink="hlink" folHlink="folHlink"/>
-    </a:extraClrScheme>
-    <a:extraClrScheme>
-      <a:clrScheme name="기본 디자인 5">
-        <a:dk1>
-          <a:srgbClr val="000000"/>
-        </a:dk1>
-        <a:lt1>
-          <a:srgbClr val="FFFFD9"/>
-        </a:lt1>
-        <a:dk2>
-          <a:srgbClr val="000000"/>
-        </a:dk2>
-        <a:lt2>
-          <a:srgbClr val="777777"/>
-        </a:lt2>
-        <a:accent1>
-          <a:srgbClr val="FFFFF7"/>
-        </a:accent1>
-        <a:accent2>
-          <a:srgbClr val="33CCCC"/>
-        </a:accent2>
-        <a:accent3>
-          <a:srgbClr val="FFFFE9"/>
-        </a:accent3>
-        <a:accent4>
-          <a:srgbClr val="000000"/>
-        </a:accent4>
-        <a:accent5>
-          <a:srgbClr val="FFFFFA"/>
-        </a:accent5>
-        <a:accent6>
-          <a:srgbClr val="2DB9B9"/>
-        </a:accent6>
-        <a:hlink>
-          <a:srgbClr val="FF5050"/>
-        </a:hlink>
-        <a:folHlink>
-          <a:srgbClr val="FF9900"/>
-        </a:folHlink>
-      </a:clrScheme>
-      <a:clrMap bg1="lt1" tx1="dk1" bg2="lt2" tx2="dk2" accent1="accent1" accent2="accent2" accent3="accent3" accent4="accent4" accent5="accent5" accent6="accent6" hlink="hlink" folHlink="folHlink"/>
-    </a:extraClrScheme>
-    <a:extraClrScheme>
-      <a:clrScheme name="기본 디자인 6">
-        <a:dk1>
-          <a:srgbClr val="005A58"/>
-        </a:dk1>
-        <a:lt1>
-          <a:srgbClr val="FFFFFF"/>
-        </a:lt1>
-        <a:dk2>
-          <a:srgbClr val="008080"/>
-        </a:dk2>
-        <a:lt2>
-          <a:srgbClr val="FFFF99"/>
-        </a:lt2>
-        <a:accent1>
-          <a:srgbClr val="006462"/>
-        </a:accent1>
-        <a:accent2>
-          <a:srgbClr val="6D6FC7"/>
-        </a:accent2>
-        <a:accent3>
-          <a:srgbClr val="AAC0C0"/>
-        </a:accent3>
-        <a:accent4>
-          <a:srgbClr val="DADADA"/>
-        </a:accent4>
-        <a:accent5>
-          <a:srgbClr val="AAB8B7"/>
-        </a:accent5>
-        <a:accent6>
-          <a:srgbClr val="6264B4"/>
-        </a:accent6>
-        <a:hlink>
-          <a:srgbClr val="00FFFF"/>
-        </a:hlink>
-        <a:folHlink>
-          <a:srgbClr val="00FF00"/>
-        </a:folHlink>
-      </a:clrScheme>
-      <a:clrMap bg1="dk2" tx1="lt1" bg2="dk1" tx2="lt2" accent1="accent1" accent2="accent2" accent3="accent3" accent4="accent4" accent5="accent5" accent6="accent6" hlink="hlink" folHlink="folHlink"/>
-    </a:extraClrScheme>
-    <a:extraClrScheme>
-      <a:clrScheme name="기본 디자인 7">
-        <a:dk1>
-          <a:srgbClr val="5C1F00"/>
-        </a:dk1>
-        <a:lt1>
-          <a:srgbClr val="FFFFFF"/>
-        </a:lt1>
-        <a:dk2>
-          <a:srgbClr val="800000"/>
-        </a:dk2>
-        <a:lt2>
-          <a:srgbClr val="DFD293"/>
-        </a:lt2>
-        <a:accent1>
-          <a:srgbClr val="CC3300"/>
-        </a:accent1>
-        <a:accent2>
-          <a:srgbClr val="BE7960"/>
-        </a:accent2>
-        <a:accent3>
-          <a:srgbClr val="C0AAAA"/>
-        </a:accent3>
-        <a:accent4>
-          <a:srgbClr val="DADADA"/>
-        </a:accent4>
-        <a:accent5>
-          <a:srgbClr val="E2ADAA"/>
-        </a:accent5>
-        <a:accent6>
-          <a:srgbClr val="AC6D56"/>
-        </a:accent6>
-        <a:hlink>
-          <a:srgbClr val="FFFF99"/>
-        </a:hlink>
-        <a:folHlink>
-          <a:srgbClr val="D3A219"/>
-        </a:folHlink>
-      </a:clrScheme>
-      <a:clrMap bg1="dk2" tx1="lt1" bg2="dk1" tx2="lt2" accent1="accent1" accent2="accent2" accent3="accent3" accent4="accent4" accent5="accent5" accent6="accent6" hlink="hlink" folHlink="folHlink"/>
-    </a:extraClrScheme>
-    <a:extraClrScheme>
-      <a:clrScheme name="기본 디자인 8">
-        <a:dk1>
-          <a:srgbClr val="003366"/>
-        </a:dk1>
-        <a:lt1>
-          <a:srgbClr val="FFFFFF"/>
-        </a:lt1>
-        <a:dk2>
-          <a:srgbClr val="000099"/>
-        </a:dk2>
-        <a:lt2>
-          <a:srgbClr val="CCFFFF"/>
-        </a:lt2>
-        <a:accent1>
-          <a:srgbClr val="3366CC"/>
-        </a:accent1>
-        <a:accent2>
-          <a:srgbClr val="00B000"/>
-        </a:accent2>
-        <a:accent3>
-          <a:srgbClr val="AAAACA"/>
-        </a:accent3>
-        <a:accent4>
-          <a:srgbClr val="DADADA"/>
-        </a:accent4>
-        <a:accent5>
-          <a:srgbClr val="ADB8E2"/>
-        </a:accent5>
-        <a:accent6>
-          <a:srgbClr val="009F00"/>
-        </a:accent6>
-        <a:hlink>
-          <a:srgbClr val="66CCFF"/>
-        </a:hlink>
-        <a:folHlink>
-          <a:srgbClr val="FFE701"/>
-        </a:folHlink>
-      </a:clrScheme>
-      <a:clrMap bg1="dk2" tx1="lt1" bg2="dk1" tx2="lt2" accent1="accent1" accent2="accent2" accent3="accent3" accent4="accent4" accent5="accent5" accent6="accent6" hlink="hlink" folHlink="folHlink"/>
-    </a:extraClrScheme>
-    <a:extraClrScheme>
-      <a:clrScheme name="기본 디자인 9">
-        <a:dk1>
-          <a:srgbClr val="336699"/>
-        </a:dk1>
-        <a:lt1>
-          <a:srgbClr val="FFFFFF"/>
-        </a:lt1>
-        <a:dk2>
-          <a:srgbClr val="000000"/>
-        </a:dk2>
-        <a:lt2>
-          <a:srgbClr val="E3EBF1"/>
-        </a:lt2>
-        <a:accent1>
-          <a:srgbClr val="003399"/>
-        </a:accent1>
-        <a:accent2>
-          <a:srgbClr val="468A4B"/>
-        </a:accent2>
-        <a:accent3>
-          <a:srgbClr val="AAAAAA"/>
-        </a:accent3>
-        <a:accent4>
-          <a:srgbClr val="DADADA"/>
-        </a:accent4>
-        <a:accent5>
-          <a:srgbClr val="AAADCA"/>
-        </a:accent5>
-        <a:accent6>
-          <a:srgbClr val="3F7D43"/>
-        </a:accent6>
-        <a:hlink>
-          <a:srgbClr val="66CCFF"/>
-        </a:hlink>
-        <a:folHlink>
-          <a:srgbClr val="F0E500"/>
-        </a:folHlink>
-      </a:clrScheme>
-      <a:clrMap bg1="dk2" tx1="lt1" bg2="dk1" tx2="lt2" accent1="accent1" accent2="accent2" accent3="accent3" accent4="accent4" accent5="accent5" accent6="accent6" hlink="hlink" folHlink="folHlink"/>
-    </a:extraClrScheme>
-    <a:extraClrScheme>
-      <a:clrScheme name="기본 디자인 10">
-        <a:dk1>
-          <a:srgbClr val="777777"/>
-        </a:dk1>
-        <a:lt1>
-          <a:srgbClr val="FFFFFF"/>
-        </a:lt1>
-        <a:dk2>
-          <a:srgbClr val="686B5D"/>
-        </a:dk2>
-        <a:lt2>
-          <a:srgbClr val="D1D1CB"/>
-        </a:lt2>
-        <a:accent1>
-          <a:srgbClr val="909082"/>
-        </a:accent1>
-        <a:accent2>
-          <a:srgbClr val="809EA8"/>
-        </a:accent2>
-        <a:accent3>
-          <a:srgbClr val="B9BAB6"/>
-        </a:accent3>
-        <a:accent4>
-          <a:srgbClr val="DADADA"/>
-        </a:accent4>
-        <a:accent5>
-          <a:srgbClr val="C6C6C1"/>
-        </a:accent5>
-        <a:accent6>
-          <a:srgbClr val="738F98"/>
-        </a:accent6>
-        <a:hlink>
-          <a:srgbClr val="FFCC66"/>
-        </a:hlink>
-        <a:folHlink>
-          <a:srgbClr val="E9DCB9"/>
-        </a:folHlink>
-      </a:clrScheme>
-      <a:clrMap bg1="dk2" tx1="lt1" bg2="dk1" tx2="lt2" accent1="accent1" accent2="accent2" accent3="accent3" accent4="accent4" accent5="accent5" accent6="accent6" hlink="hlink" folHlink="folHlink"/>
-    </a:extraClrScheme>
-    <a:extraClrScheme>
-      <a:clrScheme name="기본 디자인 11">
-        <a:dk1>
-          <a:srgbClr val="3E3E5C"/>
-        </a:dk1>
-        <a:lt1>
-          <a:srgbClr val="FFFFFF"/>
-        </a:lt1>
-        <a:dk2>
-          <a:srgbClr val="666699"/>
-        </a:dk2>
-        <a:lt2>
-          <a:srgbClr val="FFFFFF"/>
-        </a:lt2>
-        <a:accent1>
-          <a:srgbClr val="60597B"/>
-        </a:accent1>
-        <a:accent2>
-          <a:srgbClr val="6666FF"/>
-        </a:accent2>
-        <a:accent3>
-          <a:srgbClr val="B8B8CA"/>
-        </a:accent3>
-        <a:accent4>
-          <a:srgbClr val="DADADA"/>
-        </a:accent4>
-        <a:accent5>
-          <a:srgbClr val="B6B5BF"/>
-        </a:accent5>
-        <a:accent6>
-          <a:srgbClr val="5C5CE7"/>
-        </a:accent6>
-        <a:hlink>
-          <a:srgbClr val="99CCFF"/>
-        </a:hlink>
-        <a:folHlink>
-          <a:srgbClr val="FFFF99"/>
-        </a:folHlink>
-      </a:clrScheme>
-      <a:clrMap bg1="dk2" tx1="lt1" bg2="dk1" tx2="lt2" accent1="accent1" accent2="accent2" accent3="accent3" accent4="accent4" accent5="accent5" accent6="accent6" hlink="hlink" folHlink="folHlink"/>
-    </a:extraClrScheme>
-    <a:extraClrScheme>
-      <a:clrScheme name="기본 디자인 12">
-        <a:dk1>
-          <a:srgbClr val="2D2015"/>
-        </a:dk1>
-        <a:lt1>
-          <a:srgbClr val="FFFFFF"/>
-        </a:lt1>
-        <a:dk2>
-          <a:srgbClr val="523E26"/>
-        </a:dk2>
-        <a:lt2>
-          <a:srgbClr val="DFC08D"/>
-        </a:lt2>
-        <a:accent1>
-          <a:srgbClr val="8C7B70"/>
-        </a:accent1>
-        <a:accent2>
-          <a:srgbClr val="8F5F2F"/>
-        </a:accent2>
-        <a:accent3>
-          <a:srgbClr val="B3AFAC"/>
-        </a:accent3>
-        <a:accent4>
-          <a:srgbClr val="DADADA"/>
-        </a:accent4>
-        <a:accent5>
-          <a:srgbClr val="C5BFBB"/>
-        </a:accent5>
-        <a:accent6>
-          <a:srgbClr val="81552A"/>
-        </a:accent6>
-        <a:hlink>
-          <a:srgbClr val="CCB400"/>
-        </a:hlink>
-        <a:folHlink>
-          <a:srgbClr val="8C9EA0"/>
-        </a:folHlink>
-      </a:clrScheme>
-      <a:clrMap bg1="dk2" tx1="lt1" bg2="dk1" tx2="lt2" accent1="accent1" accent2="accent2" accent3="accent3" accent4="accent4" accent5="accent5" accent6="accent6" hlink="hlink" folHlink="folHlink"/>
-    </a:extraClrScheme>
-  </a:extraClrSchemeLst>
 </a:theme>
 </file>
 
 <file path=ppt/theme/theme2.xml><?xml version="1.0" encoding="utf-8"?>
-<a:theme xmlns:a="http://schemas.openxmlformats.org/drawingml/2006/main" name="Office 테마">
+<a:theme xmlns:r="http://schemas.openxmlformats.org/officeDocument/2006/relationships" xmlns:c="http://schemas.openxmlformats.org/drawingml/2006/chart" xmlns:dgm="http://schemas.openxmlformats.org/drawingml/2006/diagram" xmlns:dsp="http://schemas.microsoft.com/office/drawing/2008/diagram" xmlns:a="http://schemas.openxmlformats.org/drawingml/2006/main" xmlns:pic="http://schemas.openxmlformats.org/drawingml/2006/picture" xmlns:wp="http://schemas.openxmlformats.org/drawingml/2006/wordprocessingDrawing" xmlns:xdr="http://schemas.openxmlformats.org/drawingml/2006/spreadsheetDrawing" xmlns:p="http://schemas.openxmlformats.org/presentationml/2006/main" name="Office 테마">
   <a:themeElements>
     <a:clrScheme name="">
       <a:dk1>
         <a:srgbClr val="000000"/>
       </a:dk1>
       <a:lt1>
-        <a:srgbClr val="FFFFFF"/>
+        <a:srgbClr val="ffffff"/>
       </a:lt1>
       <a:dk2>
         <a:srgbClr val="000000"/>
@@ -43659,28 +42721,28 @@
         <a:srgbClr val="808080"/>
       </a:lt2>
       <a:accent1>
-        <a:srgbClr val="BBE0E3"/>
+        <a:srgbClr val="bbe0e3"/>
       </a:accent1>
       <a:accent2>
         <a:srgbClr val="333399"/>
       </a:accent2>
       <a:accent3>
-        <a:srgbClr val="FFFFFF"/>
+        <a:srgbClr val="ffffff"/>
       </a:accent3>
       <a:accent4>
         <a:srgbClr val="000000"/>
       </a:accent4>
       <a:accent5>
-        <a:srgbClr val="DAEDEF"/>
+        <a:srgbClr val="daedef"/>
       </a:accent5>
       <a:accent6>
-        <a:srgbClr val="2D2D8A"/>
+        <a:srgbClr val="2d2d8a"/>
       </a:accent6>
       <a:hlink>
         <a:srgbClr val="009999"/>
       </a:hlink>
       <a:folHlink>
-        <a:srgbClr val="99CC00"/>
+        <a:srgbClr val="99cc00"/>
       </a:folHlink>
     </a:clrScheme>
     <a:fontScheme name="Office">
@@ -43688,9 +42750,9 @@
         <a:latin typeface="맑은 고딕"/>
         <a:ea typeface=""/>
         <a:cs typeface=""/>
-        <a:font script="Jpan" typeface="ＭＳ Ｐゴシック"/>
+        <a:font script="Jpan" typeface="MS PGothic"/>
         <a:font script="Hang" typeface="맑은 고딕"/>
-        <a:font script="Hans" typeface="宋体"/>
+        <a:font script="Hans" typeface="SimSun"/>
         <a:font script="Hant" typeface="新細明體"/>
         <a:font script="Arab" typeface="Times New Roman"/>
         <a:font script="Hebr" typeface="Times New Roman"/>
@@ -43722,9 +42784,9 @@
         <a:latin typeface="맑은 고딕"/>
         <a:ea typeface=""/>
         <a:cs typeface=""/>
-        <a:font script="Jpan" typeface="ＭＳ Ｐゴシック"/>
+        <a:font script="Jpan" typeface="MS PGothic"/>
         <a:font script="Hang" typeface="맑은 고딕"/>
-        <a:font script="Hans" typeface="宋体"/>
+        <a:font script="Hans" typeface="SimSun"/>
         <a:font script="Hant" typeface="新細明體"/>
         <a:font script="Arab" typeface="Arial"/>
         <a:font script="Hebr" typeface="Arial"/>
@@ -43920,20 +42982,18 @@
       </a:bgFillStyleLst>
     </a:fmtScheme>
   </a:themeElements>
-  <a:objectDefaults/>
-  <a:extraClrSchemeLst/>
 </a:theme>
 </file>
 
 <file path=ppt/theme/theme3.xml><?xml version="1.0" encoding="utf-8"?>
-<a:theme xmlns:a="http://schemas.openxmlformats.org/drawingml/2006/main" name="Office 테마">
+<a:theme xmlns:r="http://schemas.openxmlformats.org/officeDocument/2006/relationships" xmlns:c="http://schemas.openxmlformats.org/drawingml/2006/chart" xmlns:dgm="http://schemas.openxmlformats.org/drawingml/2006/diagram" xmlns:dsp="http://schemas.microsoft.com/office/drawing/2008/diagram" xmlns:a="http://schemas.openxmlformats.org/drawingml/2006/main" xmlns:pic="http://schemas.openxmlformats.org/drawingml/2006/picture" xmlns:wp="http://schemas.openxmlformats.org/drawingml/2006/wordprocessingDrawing" xmlns:xdr="http://schemas.openxmlformats.org/drawingml/2006/spreadsheetDrawing" xmlns:p="http://schemas.openxmlformats.org/presentationml/2006/main" name="Office 테마">
   <a:themeElements>
     <a:clrScheme name="">
       <a:dk1>
         <a:srgbClr val="000000"/>
       </a:dk1>
       <a:lt1>
-        <a:srgbClr val="FFFFFF"/>
+        <a:srgbClr val="ffffff"/>
       </a:lt1>
       <a:dk2>
         <a:srgbClr val="000000"/>
@@ -43942,28 +43002,28 @@
         <a:srgbClr val="808080"/>
       </a:lt2>
       <a:accent1>
-        <a:srgbClr val="BBE0E3"/>
+        <a:srgbClr val="bbe0e3"/>
       </a:accent1>
       <a:accent2>
         <a:srgbClr val="333399"/>
       </a:accent2>
       <a:accent3>
-        <a:srgbClr val="FFFFFF"/>
+        <a:srgbClr val="ffffff"/>
       </a:accent3>
       <a:accent4>
         <a:srgbClr val="000000"/>
       </a:accent4>
       <a:accent5>
-        <a:srgbClr val="DAEDEF"/>
+        <a:srgbClr val="daedef"/>
       </a:accent5>
       <a:accent6>
-        <a:srgbClr val="2D2D8A"/>
+        <a:srgbClr val="2d2d8a"/>
       </a:accent6>
       <a:hlink>
         <a:srgbClr val="009999"/>
       </a:hlink>
       <a:folHlink>
-        <a:srgbClr val="99CC00"/>
+        <a:srgbClr val="99cc00"/>
       </a:folHlink>
     </a:clrScheme>
     <a:fontScheme name="Office">
@@ -43971,9 +43031,9 @@
         <a:latin typeface="맑은 고딕"/>
         <a:ea typeface=""/>
         <a:cs typeface=""/>
-        <a:font script="Jpan" typeface="ＭＳ Ｐゴシック"/>
+        <a:font script="Jpan" typeface="MS PGothic"/>
         <a:font script="Hang" typeface="맑은 고딕"/>
-        <a:font script="Hans" typeface="宋体"/>
+        <a:font script="Hans" typeface="SimSun"/>
         <a:font script="Hant" typeface="新細明體"/>
         <a:font script="Arab" typeface="Times New Roman"/>
         <a:font script="Hebr" typeface="Times New Roman"/>
@@ -44005,9 +43065,9 @@
         <a:latin typeface="맑은 고딕"/>
         <a:ea typeface=""/>
         <a:cs typeface=""/>
-        <a:font script="Jpan" typeface="ＭＳ Ｐゴシック"/>
+        <a:font script="Jpan" typeface="MS PGothic"/>
         <a:font script="Hang" typeface="맑은 고딕"/>
-        <a:font script="Hans" typeface="宋体"/>
+        <a:font script="Hans" typeface="SimSun"/>
         <a:font script="Hant" typeface="新細明體"/>
         <a:font script="Arab" typeface="Arial"/>
         <a:font script="Hebr" typeface="Arial"/>
@@ -44203,7 +43263,5 @@
       </a:bgFillStyleLst>
     </a:fmtScheme>
   </a:themeElements>
-  <a:objectDefaults/>
-  <a:extraClrSchemeLst/>
 </a:theme>
 </file>
--- a/스토리보드/3학년/2차/한대희/suhi_h_0301_02_0004_v2_완료.pptx
+++ b/스토리보드/3학년/2차/한대희/suhi_h_0301_02_0004_v2_완료.pptx
@@ -1,25 +1,25 @@
 
 <file path=ppt/presentation.xml><?xml version="1.0" encoding="utf-8"?>
-<p:presentation xmlns:r="http://schemas.openxmlformats.org/officeDocument/2006/relationships" xmlns:c="http://schemas.openxmlformats.org/drawingml/2006/chart" xmlns:a="http://schemas.openxmlformats.org/drawingml/2006/main" xmlns:dgm="http://schemas.openxmlformats.org/drawingml/2006/diagram" xmlns:dsp="http://schemas.microsoft.com/office/drawing/2008/diagram" xmlns:p="http://schemas.openxmlformats.org/presentationml/2006/main" saveSubsetFonts="1">
+<p:presentation xmlns:a="http://schemas.openxmlformats.org/drawingml/2006/main" xmlns:r="http://schemas.openxmlformats.org/officeDocument/2006/relationships" xmlns:p="http://schemas.openxmlformats.org/presentationml/2006/main" saveSubsetFonts="1">
   <p:sldMasterIdLst>
     <p:sldMasterId id="2147483670" r:id="rId1"/>
   </p:sldMasterIdLst>
   <p:notesMasterIdLst>
-    <p:notesMasterId r:id="rId2"/>
+    <p:notesMasterId r:id="rId11"/>
   </p:notesMasterIdLst>
   <p:handoutMasterIdLst>
-    <p:handoutMasterId r:id="rId3"/>
+    <p:handoutMasterId r:id="rId12"/>
   </p:handoutMasterIdLst>
   <p:sldIdLst>
-    <p:sldId id="256" r:id="rId4"/>
-    <p:sldId id="257" r:id="rId5"/>
-    <p:sldId id="258" r:id="rId6"/>
-    <p:sldId id="259" r:id="rId7"/>
-    <p:sldId id="260" r:id="rId8"/>
-    <p:sldId id="261" r:id="rId9"/>
-    <p:sldId id="262" r:id="rId10"/>
-    <p:sldId id="263" r:id="rId11"/>
-    <p:sldId id="264" r:id="rId12"/>
+    <p:sldId id="256" r:id="rId2"/>
+    <p:sldId id="257" r:id="rId3"/>
+    <p:sldId id="258" r:id="rId4"/>
+    <p:sldId id="259" r:id="rId5"/>
+    <p:sldId id="260" r:id="rId6"/>
+    <p:sldId id="261" r:id="rId7"/>
+    <p:sldId id="262" r:id="rId8"/>
+    <p:sldId id="263" r:id="rId9"/>
+    <p:sldId id="264" r:id="rId10"/>
   </p:sldIdLst>
   <p:sldSz cx="9144000" cy="6858000" type="screen4x3"/>
   <p:notesSz cx="6797675" cy="9926638"/>
@@ -148,17 +148,48 @@
       </a:defRPr>
     </a:lvl9pPr>
   </p:defaultTextStyle>
+  <p:extLst>
+    <p:ext uri="{EFAFB233-063F-42B5-8137-9DF3F51BA10A}">
+      <p15:sldGuideLst xmlns:p15="http://schemas.microsoft.com/office/powerpoint/2012/main">
+        <p15:guide id="1" orient="horz" pos="2159">
+          <p15:clr>
+            <a:srgbClr val="A4A3A4"/>
+          </p15:clr>
+        </p15:guide>
+        <p15:guide id="2" pos="2879">
+          <p15:clr>
+            <a:srgbClr val="A4A3A4"/>
+          </p15:clr>
+        </p15:guide>
+      </p15:sldGuideLst>
+    </p:ext>
+    <p:ext uri="{2D200454-40CA-4A62-9FC3-DE9A4176ACB9}">
+      <p15:notesGuideLst xmlns:p15="http://schemas.microsoft.com/office/powerpoint/2012/main">
+        <p15:guide id="1" orient="horz" pos="3126">
+          <p15:clr>
+            <a:srgbClr val="A4A3A4"/>
+          </p15:clr>
+        </p15:guide>
+        <p15:guide id="2" pos="2140">
+          <p15:clr>
+            <a:srgbClr val="A4A3A4"/>
+          </p15:clr>
+        </p15:guide>
+      </p15:notesGuideLst>
+    </p:ext>
+  </p:extLst>
 </p:presentation>
 </file>
 
 <file path=ppt/handoutMasters/handoutMaster1.xml><?xml version="1.0" encoding="utf-8"?>
-<p:handoutMaster xmlns:r="http://schemas.openxmlformats.org/officeDocument/2006/relationships" xmlns:c="http://schemas.openxmlformats.org/drawingml/2006/chart" xmlns:a="http://schemas.openxmlformats.org/drawingml/2006/main" xmlns:dgm="http://schemas.openxmlformats.org/drawingml/2006/diagram" xmlns:dsp="http://schemas.microsoft.com/office/drawing/2008/diagram" xmlns:p="http://schemas.openxmlformats.org/presentationml/2006/main">
+<p:handoutMaster xmlns:a="http://schemas.openxmlformats.org/drawingml/2006/main" xmlns:r="http://schemas.openxmlformats.org/officeDocument/2006/relationships" xmlns:p="http://schemas.openxmlformats.org/presentationml/2006/main">
   <p:cSld>
     <p:bg>
-      <p:bgPr shadeToTitle="0">
+      <p:bgPr>
         <a:solidFill>
           <a:schemeClr val="bg1"/>
         </a:solidFill>
+        <a:effectLst/>
       </p:bgPr>
     </p:bg>
     <p:spTree>
@@ -182,7 +213,7 @@
             <a:spLocks noGrp="1" noChangeArrowheads="1"/>
           </p:cNvSpPr>
           <p:nvPr>
-            <p:ph type="hdr" sz="quarter" idx="0"/>
+            <p:ph type="hdr" sz="quarter"/>
           </p:nvPr>
         </p:nvSpPr>
         <p:spPr>
@@ -221,10 +252,6 @@
             <a:pPr>
               <a:defRPr/>
             </a:pPr>
-            <a:r>
-              <a:rPr lang="ko-KR" altLang="en-US"/>
-              <a:t/>
-            </a:r>
             <a:endParaRPr lang="ko-KR" altLang="en-US"/>
           </a:p>
         </p:txBody>
@@ -275,10 +302,6 @@
             <a:pPr>
               <a:defRPr/>
             </a:pPr>
-            <a:r>
-              <a:rPr lang="ko-KR" altLang="en-US"/>
-              <a:t/>
-            </a:r>
             <a:endParaRPr lang="ko-KR" altLang="en-US"/>
           </a:p>
         </p:txBody>
@@ -329,10 +352,6 @@
             <a:pPr>
               <a:defRPr/>
             </a:pPr>
-            <a:r>
-              <a:rPr lang="ko-KR" altLang="en-US"/>
-              <a:t/>
-            </a:r>
             <a:endParaRPr lang="ko-KR" altLang="en-US"/>
           </a:p>
         </p:txBody>
@@ -395,19 +414,25 @@
         </p:txBody>
       </p:sp>
     </p:spTree>
+    <p:extLst>
+      <p:ext uri="{BB962C8B-B14F-4D97-AF65-F5344CB8AC3E}">
+        <p14:creationId xmlns:p14="http://schemas.microsoft.com/office/powerpoint/2010/main" val="1"/>
+      </p:ext>
+    </p:extLst>
   </p:cSld>
   <p:clrMap bg1="lt1" tx1="dk1" bg2="lt2" tx2="dk2" accent1="accent1" accent2="accent2" accent3="accent3" accent4="accent4" accent5="accent5" accent6="accent6" hlink="hlink" folHlink="folHlink"/>
 </p:handoutMaster>
 </file>
 
 <file path=ppt/notesMasters/notesMaster1.xml><?xml version="1.0" encoding="utf-8"?>
-<p:notesMaster xmlns:r="http://schemas.openxmlformats.org/officeDocument/2006/relationships" xmlns:c="http://schemas.openxmlformats.org/drawingml/2006/chart" xmlns:a="http://schemas.openxmlformats.org/drawingml/2006/main" xmlns:dgm="http://schemas.openxmlformats.org/drawingml/2006/diagram" xmlns:dsp="http://schemas.microsoft.com/office/drawing/2008/diagram" xmlns:p="http://schemas.openxmlformats.org/presentationml/2006/main">
+<p:notesMaster xmlns:a="http://schemas.openxmlformats.org/drawingml/2006/main" xmlns:r="http://schemas.openxmlformats.org/officeDocument/2006/relationships" xmlns:p="http://schemas.openxmlformats.org/presentationml/2006/main">
   <p:cSld>
     <p:bg>
-      <p:bgPr shadeToTitle="0">
+      <p:bgPr>
         <a:solidFill>
           <a:schemeClr val="bg1"/>
         </a:solidFill>
+        <a:effectLst/>
       </p:bgPr>
     </p:bg>
     <p:spTree>
@@ -431,7 +456,7 @@
             <a:spLocks noGrp="1" noChangeArrowheads="1"/>
           </p:cNvSpPr>
           <p:nvPr>
-            <p:ph type="hdr" sz="quarter" idx="0"/>
+            <p:ph type="hdr" sz="quarter"/>
           </p:nvPr>
         </p:nvSpPr>
         <p:spPr>
@@ -470,10 +495,6 @@
             <a:pPr>
               <a:defRPr/>
             </a:pPr>
-            <a:r>
-              <a:rPr lang="ko-KR" altLang="en-US"/>
-              <a:t/>
-            </a:r>
             <a:endParaRPr lang="ko-KR" altLang="en-US"/>
           </a:p>
         </p:txBody>
@@ -524,10 +545,6 @@
             <a:pPr>
               <a:defRPr/>
             </a:pPr>
-            <a:r>
-              <a:rPr lang="ko-KR" altLang="en-US"/>
-              <a:t/>
-            </a:r>
             <a:endParaRPr lang="ko-KR" altLang="en-US"/>
           </a:p>
         </p:txBody>
@@ -599,7 +616,6 @@
               <a:rPr lang="ko-KR" altLang="en-US"/>
               <a:t>마스터 텍스트 스타일을 편집합니다</a:t>
             </a:r>
-            <a:endParaRPr lang="ko-KR" altLang="en-US"/>
           </a:p>
           <a:p>
             <a:pPr lvl="1">
@@ -609,7 +625,6 @@
               <a:rPr lang="ko-KR" altLang="en-US"/>
               <a:t>둘째 수준</a:t>
             </a:r>
-            <a:endParaRPr lang="ko-KR" altLang="en-US"/>
           </a:p>
           <a:p>
             <a:pPr lvl="2">
@@ -619,7 +634,6 @@
               <a:rPr lang="ko-KR" altLang="en-US"/>
               <a:t>셋째 수준</a:t>
             </a:r>
-            <a:endParaRPr lang="ko-KR" altLang="en-US"/>
           </a:p>
           <a:p>
             <a:pPr lvl="3">
@@ -629,7 +643,6 @@
               <a:rPr lang="ko-KR" altLang="en-US"/>
               <a:t>넷째 수준</a:t>
             </a:r>
-            <a:endParaRPr lang="ko-KR" altLang="en-US"/>
           </a:p>
           <a:p>
             <a:pPr lvl="4">
@@ -639,7 +652,6 @@
               <a:rPr lang="ko-KR" altLang="en-US"/>
               <a:t>다섯째 수준</a:t>
             </a:r>
-            <a:endParaRPr lang="ko-KR" altLang="en-US"/>
           </a:p>
         </p:txBody>
       </p:sp>
@@ -689,10 +701,6 @@
             <a:pPr>
               <a:defRPr/>
             </a:pPr>
-            <a:r>
-              <a:rPr lang="ko-KR" altLang="en-US"/>
-              <a:t/>
-            </a:r>
             <a:endParaRPr lang="ko-KR" altLang="en-US"/>
           </a:p>
         </p:txBody>
@@ -970,23 +978,19 @@
           <a:p>
             <a:pPr algn="ctr"/>
             <a:r>
-              <a:rPr lang="ko-KR" altLang="en-US" smtClean="0">
+              <a:rPr lang="ko-KR" altLang="en-US">
                 <a:latin typeface="맑은 고딕" panose="020B0503020000020004" pitchFamily="50" charset="-127"/>
                 <a:ea typeface="맑은 고딕" panose="020B0503020000020004" pitchFamily="50" charset="-127"/>
               </a:rPr>
               <a:t>뷰어</a:t>
             </a:r>
             <a:r>
-              <a:rPr lang="ko-KR" altLang="en-US" dirty="0" smtClean="0">
+              <a:rPr lang="ko-KR" altLang="en-US" dirty="0">
                 <a:latin typeface="맑은 고딕" panose="020B0503020000020004" pitchFamily="50" charset="-127"/>
                 <a:ea typeface="맑은 고딕" panose="020B0503020000020004" pitchFamily="50" charset="-127"/>
               </a:rPr>
               <a:t> 영역</a:t>
             </a:r>
-            <a:endParaRPr lang="ko-KR" altLang="en-US" dirty="0">
-              <a:latin typeface="맑은 고딕" panose="020B0503020000020004" pitchFamily="50" charset="-127"/>
-              <a:ea typeface="맑은 고딕" panose="020B0503020000020004" pitchFamily="50" charset="-127"/>
-            </a:endParaRPr>
           </a:p>
         </p:txBody>
       </p:sp>
@@ -1035,23 +1039,19 @@
           <a:p>
             <a:pPr algn="ctr"/>
             <a:r>
-              <a:rPr lang="ko-KR" altLang="en-US" smtClean="0">
+              <a:rPr lang="ko-KR" altLang="en-US">
                 <a:latin typeface="맑은 고딕" panose="020B0503020000020004" pitchFamily="50" charset="-127"/>
                 <a:ea typeface="맑은 고딕" panose="020B0503020000020004" pitchFamily="50" charset="-127"/>
               </a:rPr>
               <a:t>뷰어</a:t>
             </a:r>
             <a:r>
-              <a:rPr lang="ko-KR" altLang="en-US" dirty="0" smtClean="0">
+              <a:rPr lang="ko-KR" altLang="en-US" dirty="0">
                 <a:latin typeface="맑은 고딕" panose="020B0503020000020004" pitchFamily="50" charset="-127"/>
                 <a:ea typeface="맑은 고딕" panose="020B0503020000020004" pitchFamily="50" charset="-127"/>
               </a:rPr>
               <a:t> 영역</a:t>
             </a:r>
-            <a:endParaRPr lang="ko-KR" altLang="en-US" dirty="0">
-              <a:latin typeface="맑은 고딕" panose="020B0503020000020004" pitchFamily="50" charset="-127"/>
-              <a:ea typeface="맑은 고딕" panose="020B0503020000020004" pitchFamily="50" charset="-127"/>
-            </a:endParaRPr>
           </a:p>
         </p:txBody>
       </p:sp>
@@ -1222,23 +1222,19 @@
           <a:p>
             <a:pPr algn="ctr"/>
             <a:r>
-              <a:rPr lang="ko-KR" altLang="en-US" smtClean="0">
+              <a:rPr lang="ko-KR" altLang="en-US">
                 <a:latin typeface="맑은 고딕" panose="020B0503020000020004" pitchFamily="50" charset="-127"/>
                 <a:ea typeface="맑은 고딕" panose="020B0503020000020004" pitchFamily="50" charset="-127"/>
               </a:rPr>
               <a:t>뷰어</a:t>
             </a:r>
             <a:r>
-              <a:rPr lang="ko-KR" altLang="en-US" dirty="0" smtClean="0">
+              <a:rPr lang="ko-KR" altLang="en-US" dirty="0">
                 <a:latin typeface="맑은 고딕" panose="020B0503020000020004" pitchFamily="50" charset="-127"/>
                 <a:ea typeface="맑은 고딕" panose="020B0503020000020004" pitchFamily="50" charset="-127"/>
               </a:rPr>
               <a:t> 영역</a:t>
             </a:r>
-            <a:endParaRPr lang="ko-KR" altLang="en-US" dirty="0">
-              <a:latin typeface="맑은 고딕" panose="020B0503020000020004" pitchFamily="50" charset="-127"/>
-              <a:ea typeface="맑은 고딕" panose="020B0503020000020004" pitchFamily="50" charset="-127"/>
-            </a:endParaRPr>
           </a:p>
         </p:txBody>
       </p:sp>
@@ -1287,23 +1283,19 @@
           <a:p>
             <a:pPr algn="ctr"/>
             <a:r>
-              <a:rPr lang="ko-KR" altLang="en-US" smtClean="0">
+              <a:rPr lang="ko-KR" altLang="en-US">
                 <a:latin typeface="맑은 고딕" panose="020B0503020000020004" pitchFamily="50" charset="-127"/>
                 <a:ea typeface="맑은 고딕" panose="020B0503020000020004" pitchFamily="50" charset="-127"/>
               </a:rPr>
               <a:t>뷰어</a:t>
             </a:r>
             <a:r>
-              <a:rPr lang="ko-KR" altLang="en-US" dirty="0" smtClean="0">
+              <a:rPr lang="ko-KR" altLang="en-US" dirty="0">
                 <a:latin typeface="맑은 고딕" panose="020B0503020000020004" pitchFamily="50" charset="-127"/>
                 <a:ea typeface="맑은 고딕" panose="020B0503020000020004" pitchFamily="50" charset="-127"/>
               </a:rPr>
               <a:t> 영역</a:t>
             </a:r>
-            <a:endParaRPr lang="ko-KR" altLang="en-US" dirty="0">
-              <a:latin typeface="맑은 고딕" panose="020B0503020000020004" pitchFamily="50" charset="-127"/>
-              <a:ea typeface="맑은 고딕" panose="020B0503020000020004" pitchFamily="50" charset="-127"/>
-            </a:endParaRPr>
           </a:p>
         </p:txBody>
       </p:sp>
@@ -1528,23 +1520,19 @@
           <a:p>
             <a:pPr algn="ctr"/>
             <a:r>
-              <a:rPr lang="ko-KR" altLang="en-US" smtClean="0">
+              <a:rPr lang="ko-KR" altLang="en-US">
                 <a:latin typeface="맑은 고딕" panose="020B0503020000020004" pitchFamily="50" charset="-127"/>
                 <a:ea typeface="맑은 고딕" panose="020B0503020000020004" pitchFamily="50" charset="-127"/>
               </a:rPr>
               <a:t>뷰어</a:t>
             </a:r>
             <a:r>
-              <a:rPr lang="ko-KR" altLang="en-US" dirty="0" smtClean="0">
+              <a:rPr lang="ko-KR" altLang="en-US" dirty="0">
                 <a:latin typeface="맑은 고딕" panose="020B0503020000020004" pitchFamily="50" charset="-127"/>
                 <a:ea typeface="맑은 고딕" panose="020B0503020000020004" pitchFamily="50" charset="-127"/>
               </a:rPr>
               <a:t> 영역</a:t>
             </a:r>
-            <a:endParaRPr lang="ko-KR" altLang="en-US" dirty="0">
-              <a:latin typeface="맑은 고딕" panose="020B0503020000020004" pitchFamily="50" charset="-127"/>
-              <a:ea typeface="맑은 고딕" panose="020B0503020000020004" pitchFamily="50" charset="-127"/>
-            </a:endParaRPr>
           </a:p>
         </p:txBody>
       </p:sp>
@@ -1593,23 +1581,19 @@
           <a:p>
             <a:pPr algn="ctr"/>
             <a:r>
-              <a:rPr lang="ko-KR" altLang="en-US" smtClean="0">
+              <a:rPr lang="ko-KR" altLang="en-US">
                 <a:latin typeface="맑은 고딕" panose="020B0503020000020004" pitchFamily="50" charset="-127"/>
                 <a:ea typeface="맑은 고딕" panose="020B0503020000020004" pitchFamily="50" charset="-127"/>
               </a:rPr>
               <a:t>뷰어</a:t>
             </a:r>
             <a:r>
-              <a:rPr lang="ko-KR" altLang="en-US" dirty="0" smtClean="0">
+              <a:rPr lang="ko-KR" altLang="en-US" dirty="0">
                 <a:latin typeface="맑은 고딕" panose="020B0503020000020004" pitchFamily="50" charset="-127"/>
                 <a:ea typeface="맑은 고딕" panose="020B0503020000020004" pitchFamily="50" charset="-127"/>
               </a:rPr>
               <a:t> 영역</a:t>
             </a:r>
-            <a:endParaRPr lang="ko-KR" altLang="en-US" dirty="0">
-              <a:latin typeface="맑은 고딕" panose="020B0503020000020004" pitchFamily="50" charset="-127"/>
-              <a:ea typeface="맑은 고딕" panose="020B0503020000020004" pitchFamily="50" charset="-127"/>
-            </a:endParaRPr>
           </a:p>
         </p:txBody>
       </p:sp>
@@ -1713,8 +1697,20 @@
             <a:tbl>
               <a:tblPr/>
               <a:tblGrid>
-                <a:gridCol w="6938661"/>
-                <a:gridCol w="2124376"/>
+                <a:gridCol w="6938661">
+                  <a:extLst>
+                    <a:ext uri="{9D8B030D-6E8A-4147-A177-3AD203B41FA5}">
+                      <a16:colId xmlns:a16="http://schemas.microsoft.com/office/drawing/2014/main" val="20000"/>
+                    </a:ext>
+                  </a:extLst>
+                </a:gridCol>
+                <a:gridCol w="2124376">
+                  <a:extLst>
+                    <a:ext uri="{9D8B030D-6E8A-4147-A177-3AD203B41FA5}">
+                      <a16:colId xmlns:a16="http://schemas.microsoft.com/office/drawing/2014/main" val="20001"/>
+                    </a:ext>
+                  </a:extLst>
+                </a:gridCol>
               </a:tblGrid>
               <a:tr h="5948362">
                 <a:tc>
@@ -1738,7 +1734,7 @@
                         <a:buNone/>
                         <a:tabLst/>
                       </a:pPr>
-                      <a:endParaRPr kumimoji="1" lang="ko-KR" altLang="ko-KR" sz="1400" b="0" i="0" u="none" strike="noStrike" cap="none" normalizeH="0" baseline="0" dirty="0" smtClean="0">
+                      <a:endParaRPr kumimoji="1" lang="ko-KR" altLang="ko-KR" sz="1400" b="0" i="0" u="none" strike="noStrike" cap="none" normalizeH="0" baseline="0" dirty="0">
                         <a:ln>
                           <a:noFill/>
                         </a:ln>
@@ -1830,7 +1826,7 @@
                         <a:buNone/>
                         <a:tabLst/>
                       </a:pPr>
-                      <a:endParaRPr kumimoji="1" lang="ko-KR" altLang="ko-KR" sz="1000" b="0" i="0" u="none" strike="noStrike" cap="none" normalizeH="0" baseline="0" dirty="0" smtClean="0">
+                      <a:endParaRPr kumimoji="1" lang="ko-KR" altLang="ko-KR" sz="1000" b="0" i="0" u="none" strike="noStrike" cap="none" normalizeH="0" baseline="0" dirty="0">
                         <a:ln>
                           <a:noFill/>
                         </a:ln>
@@ -1892,6 +1888,11 @@
                     <a:noFill/>
                   </a:tcPr>
                 </a:tc>
+                <a:extLst>
+                  <a:ext uri="{0D108BD9-81ED-4DB2-BD59-A6C34878D82A}">
+                    <a16:rowId xmlns:a16="http://schemas.microsoft.com/office/drawing/2014/main" val="10000"/>
+                  </a:ext>
+                </a:extLst>
               </a:tr>
             </a:tbl>
           </a:graphicData>
@@ -1914,14 +1915,62 @@
             <a:tbl>
               <a:tblPr/>
               <a:tblGrid>
-                <a:gridCol w="780574"/>
-                <a:gridCol w="889949"/>
-                <a:gridCol w="540056"/>
-                <a:gridCol w="2772323"/>
-                <a:gridCol w="648072"/>
-                <a:gridCol w="1330199"/>
-                <a:gridCol w="730255"/>
-                <a:gridCol w="1350972"/>
+                <a:gridCol w="780574">
+                  <a:extLst>
+                    <a:ext uri="{9D8B030D-6E8A-4147-A177-3AD203B41FA5}">
+                      <a16:colId xmlns:a16="http://schemas.microsoft.com/office/drawing/2014/main" val="20000"/>
+                    </a:ext>
+                  </a:extLst>
+                </a:gridCol>
+                <a:gridCol w="889949">
+                  <a:extLst>
+                    <a:ext uri="{9D8B030D-6E8A-4147-A177-3AD203B41FA5}">
+                      <a16:colId xmlns:a16="http://schemas.microsoft.com/office/drawing/2014/main" val="20001"/>
+                    </a:ext>
+                  </a:extLst>
+                </a:gridCol>
+                <a:gridCol w="540056">
+                  <a:extLst>
+                    <a:ext uri="{9D8B030D-6E8A-4147-A177-3AD203B41FA5}">
+                      <a16:colId xmlns:a16="http://schemas.microsoft.com/office/drawing/2014/main" val="20002"/>
+                    </a:ext>
+                  </a:extLst>
+                </a:gridCol>
+                <a:gridCol w="2772323">
+                  <a:extLst>
+                    <a:ext uri="{9D8B030D-6E8A-4147-A177-3AD203B41FA5}">
+                      <a16:colId xmlns:a16="http://schemas.microsoft.com/office/drawing/2014/main" val="20003"/>
+                    </a:ext>
+                  </a:extLst>
+                </a:gridCol>
+                <a:gridCol w="648072">
+                  <a:extLst>
+                    <a:ext uri="{9D8B030D-6E8A-4147-A177-3AD203B41FA5}">
+                      <a16:colId xmlns:a16="http://schemas.microsoft.com/office/drawing/2014/main" val="20004"/>
+                    </a:ext>
+                  </a:extLst>
+                </a:gridCol>
+                <a:gridCol w="1330199">
+                  <a:extLst>
+                    <a:ext uri="{9D8B030D-6E8A-4147-A177-3AD203B41FA5}">
+                      <a16:colId xmlns:a16="http://schemas.microsoft.com/office/drawing/2014/main" val="20005"/>
+                    </a:ext>
+                  </a:extLst>
+                </a:gridCol>
+                <a:gridCol w="730255">
+                  <a:extLst>
+                    <a:ext uri="{9D8B030D-6E8A-4147-A177-3AD203B41FA5}">
+                      <a16:colId xmlns:a16="http://schemas.microsoft.com/office/drawing/2014/main" val="20006"/>
+                    </a:ext>
+                  </a:extLst>
+                </a:gridCol>
+                <a:gridCol w="1350972">
+                  <a:extLst>
+                    <a:ext uri="{9D8B030D-6E8A-4147-A177-3AD203B41FA5}">
+                      <a16:colId xmlns:a16="http://schemas.microsoft.com/office/drawing/2014/main" val="20007"/>
+                    </a:ext>
+                  </a:extLst>
+                </a:gridCol>
               </a:tblGrid>
               <a:tr h="244402">
                 <a:tc>
@@ -1949,7 +1998,7 @@
                         </a:tabLst>
                       </a:pPr>
                       <a:r>
-                        <a:rPr kumimoji="1" lang="ko-KR" altLang="en-US" sz="800" b="1" i="0" u="none" strike="noStrike" cap="none" normalizeH="0" baseline="0" dirty="0" smtClean="0">
+                        <a:rPr kumimoji="1" lang="ko-KR" altLang="en-US" sz="800" b="1" i="0" u="none" strike="noStrike" cap="none" normalizeH="0" baseline="0" dirty="0">
                           <a:ln>
                             <a:noFill/>
                           </a:ln>
@@ -1963,7 +2012,7 @@
                         <a:t>학년</a:t>
                       </a:r>
                       <a:r>
-                        <a:rPr kumimoji="1" lang="en-US" altLang="ko-KR" sz="800" b="1" i="0" u="none" strike="noStrike" cap="none" normalizeH="0" baseline="0" dirty="0" smtClean="0">
+                        <a:rPr kumimoji="1" lang="en-US" altLang="ko-KR" sz="800" b="1" i="0" u="none" strike="noStrike" cap="none" normalizeH="0" baseline="0" dirty="0">
                           <a:ln>
                             <a:noFill/>
                           </a:ln>
@@ -1977,7 +2026,7 @@
                         <a:t>-</a:t>
                       </a:r>
                       <a:r>
-                        <a:rPr kumimoji="1" lang="ko-KR" altLang="en-US" sz="800" b="1" i="0" u="none" strike="noStrike" cap="none" normalizeH="0" baseline="0" dirty="0" smtClean="0">
+                        <a:rPr kumimoji="1" lang="ko-KR" altLang="en-US" sz="800" b="1" i="0" u="none" strike="noStrike" cap="none" normalizeH="0" baseline="0" dirty="0">
                           <a:ln>
                             <a:noFill/>
                           </a:ln>
@@ -1990,7 +2039,7 @@
                         </a:rPr>
                         <a:t>학기</a:t>
                       </a:r>
-                      <a:endParaRPr kumimoji="1" lang="en-US" altLang="ko-KR" sz="800" b="1" i="0" u="none" strike="noStrike" cap="none" normalizeH="0" baseline="0" dirty="0" smtClean="0">
+                      <a:endParaRPr kumimoji="1" lang="en-US" altLang="ko-KR" sz="800" b="1" i="0" u="none" strike="noStrike" cap="none" normalizeH="0" baseline="0" dirty="0">
                         <a:ln>
                           <a:noFill/>
                         </a:ln>
@@ -2074,7 +2123,7 @@
                         <a:buNone/>
                         <a:tabLst/>
                       </a:pPr>
-                      <a:endParaRPr kumimoji="0" lang="ko-KR" altLang="en-US" sz="800" b="0" i="0" u="none" strike="noStrike" cap="none" normalizeH="0" baseline="0" dirty="0" smtClean="0">
+                      <a:endParaRPr kumimoji="0" lang="ko-KR" altLang="en-US" sz="800" b="0" i="0" u="none" strike="noStrike" cap="none" normalizeH="0" baseline="0" dirty="0">
                         <a:ln>
                           <a:noFill/>
                         </a:ln>
@@ -2124,7 +2173,7 @@
                         </a:tabLst>
                       </a:pPr>
                       <a:r>
-                        <a:rPr kumimoji="1" lang="ko-KR" altLang="en-US" sz="800" b="1" i="0" u="none" strike="noStrike" cap="none" normalizeH="0" baseline="0" dirty="0" smtClean="0">
+                        <a:rPr kumimoji="1" lang="ko-KR" altLang="en-US" sz="800" b="1" i="0" u="none" strike="noStrike" cap="none" normalizeH="0" baseline="0" dirty="0">
                           <a:ln>
                             <a:noFill/>
                           </a:ln>
@@ -2137,7 +2186,7 @@
                         </a:rPr>
                         <a:t>단원</a:t>
                       </a:r>
-                      <a:endParaRPr kumimoji="1" lang="en-US" altLang="ko-KR" sz="800" b="1" i="0" u="none" strike="noStrike" cap="none" normalizeH="0" baseline="0" dirty="0" smtClean="0">
+                      <a:endParaRPr kumimoji="1" lang="en-US" altLang="ko-KR" sz="800" b="1" i="0" u="none" strike="noStrike" cap="none" normalizeH="0" baseline="0" dirty="0">
                         <a:ln>
                           <a:noFill/>
                         </a:ln>
@@ -2179,7 +2228,7 @@
                         <a:buNone/>
                         <a:tabLst/>
                       </a:pPr>
-                      <a:endParaRPr kumimoji="0" lang="en-US" altLang="ko-KR" sz="800" b="0" i="0" u="none" strike="noStrike" cap="none" normalizeH="0" baseline="0" dirty="0" smtClean="0">
+                      <a:endParaRPr kumimoji="0" lang="en-US" altLang="ko-KR" sz="800" b="0" i="0" u="none" strike="noStrike" cap="none" normalizeH="0" baseline="0" dirty="0">
                         <a:ln>
                           <a:noFill/>
                         </a:ln>
@@ -2216,7 +2265,7 @@
                         <a:tabLst/>
                       </a:pPr>
                       <a:r>
-                        <a:rPr kumimoji="0" lang="en-US" altLang="ko-KR" sz="800" b="1" i="0" u="none" strike="noStrike" cap="none" normalizeH="0" baseline="0" dirty="0" smtClean="0">
+                        <a:rPr kumimoji="0" lang="en-US" altLang="ko-KR" sz="800" b="1" i="0" u="none" strike="noStrike" cap="none" normalizeH="0" baseline="0" dirty="0">
                           <a:ln>
                             <a:noFill/>
                           </a:ln>
@@ -2291,7 +2340,7 @@
                         <a:buNone/>
                         <a:tabLst/>
                       </a:pPr>
-                      <a:endParaRPr kumimoji="0" lang="en-US" altLang="ko-KR" sz="800" b="0" i="0" u="none" strike="noStrike" cap="none" normalizeH="0" baseline="0" dirty="0" smtClean="0">
+                      <a:endParaRPr kumimoji="0" lang="en-US" altLang="ko-KR" sz="800" b="0" i="0" u="none" strike="noStrike" cap="none" normalizeH="0" baseline="0" dirty="0">
                         <a:ln>
                           <a:noFill/>
                         </a:ln>
@@ -2375,7 +2424,7 @@
                         </a:tabLst>
                       </a:pPr>
                       <a:r>
-                        <a:rPr kumimoji="1" lang="en-US" altLang="ko-KR" sz="800" b="1" i="0" u="none" strike="noStrike" cap="none" normalizeH="0" baseline="0" dirty="0" smtClean="0">
+                        <a:rPr kumimoji="1" lang="en-US" altLang="ko-KR" sz="800" b="1" i="0" u="none" strike="noStrike" cap="none" normalizeH="0" baseline="0" dirty="0">
                           <a:ln>
                             <a:noFill/>
                           </a:ln>
@@ -2462,7 +2511,7 @@
                           <a:tab pos="5400675" algn="r"/>
                         </a:tabLst>
                       </a:pPr>
-                      <a:endParaRPr kumimoji="1" lang="ko-KR" altLang="ko-KR" sz="800" b="0" i="0" u="none" strike="noStrike" cap="none" normalizeH="0" baseline="0" dirty="0" smtClean="0">
+                      <a:endParaRPr kumimoji="1" lang="ko-KR" altLang="ko-KR" sz="800" b="0" i="0" u="none" strike="noStrike" cap="none" normalizeH="0" baseline="0" dirty="0">
                         <a:ln>
                           <a:noFill/>
                         </a:ln>
@@ -2521,6 +2570,11 @@
                     <a:noFill/>
                   </a:tcPr>
                 </a:tc>
+                <a:extLst>
+                  <a:ext uri="{0D108BD9-81ED-4DB2-BD59-A6C34878D82A}">
+                    <a16:rowId xmlns:a16="http://schemas.microsoft.com/office/drawing/2014/main" val="10000"/>
+                  </a:ext>
+                </a:extLst>
               </a:tr>
               <a:tr h="227085">
                 <a:tc>
@@ -2548,7 +2602,7 @@
                         </a:tabLst>
                       </a:pPr>
                       <a:r>
-                        <a:rPr kumimoji="1" lang="ko-KR" altLang="en-US" sz="800" b="1" i="0" u="none" strike="noStrike" cap="none" normalizeH="0" baseline="0" dirty="0" smtClean="0">
+                        <a:rPr kumimoji="1" lang="ko-KR" altLang="en-US" sz="800" b="1" i="0" u="none" strike="noStrike" cap="none" normalizeH="0" baseline="0" dirty="0">
                           <a:ln>
                             <a:noFill/>
                           </a:ln>
@@ -2561,7 +2615,7 @@
                         </a:rPr>
                         <a:t>제재</a:t>
                       </a:r>
-                      <a:endParaRPr kumimoji="1" lang="en-US" altLang="ko-KR" sz="800" b="1" i="0" u="none" strike="noStrike" cap="none" normalizeH="0" baseline="0" dirty="0" smtClean="0">
+                      <a:endParaRPr kumimoji="1" lang="en-US" altLang="ko-KR" sz="800" b="1" i="0" u="none" strike="noStrike" cap="none" normalizeH="0" baseline="0" dirty="0">
                         <a:ln>
                           <a:noFill/>
                         </a:ln>
@@ -2612,7 +2666,7 @@
                         <a:buNone/>
                         <a:tabLst/>
                       </a:pPr>
-                      <a:endParaRPr kumimoji="0" lang="ko-KR" altLang="en-US" sz="800" b="0" i="0" u="none" strike="noStrike" cap="none" normalizeH="0" baseline="0" dirty="0" smtClean="0">
+                      <a:endParaRPr kumimoji="0" lang="ko-KR" altLang="en-US" sz="800" b="0" i="0" u="none" strike="noStrike" cap="none" normalizeH="0" baseline="0" dirty="0">
                         <a:ln>
                           <a:noFill/>
                         </a:ln>
@@ -2652,7 +2706,7 @@
                         </a:tabLst>
                       </a:pPr>
                       <a:r>
-                        <a:rPr kumimoji="1" lang="ko-KR" altLang="en-US" sz="800" b="1" i="0" u="none" strike="noStrike" cap="none" normalizeH="0" baseline="0" dirty="0" err="1" smtClean="0">
+                        <a:rPr kumimoji="1" lang="ko-KR" altLang="en-US" sz="800" b="1" i="0" u="none" strike="noStrike" cap="none" normalizeH="0" baseline="0" dirty="0" err="1">
                           <a:ln>
                             <a:noFill/>
                           </a:ln>
@@ -2665,7 +2719,7 @@
                         </a:rPr>
                         <a:t>차시</a:t>
                       </a:r>
-                      <a:endParaRPr kumimoji="1" lang="en-US" altLang="ko-KR" sz="800" b="1" i="0" u="none" strike="noStrike" cap="none" normalizeH="0" baseline="0" dirty="0" smtClean="0">
+                      <a:endParaRPr kumimoji="1" lang="en-US" altLang="ko-KR" sz="800" b="1" i="0" u="none" strike="noStrike" cap="none" normalizeH="0" baseline="0" dirty="0">
                         <a:ln>
                           <a:noFill/>
                         </a:ln>
@@ -2707,7 +2761,7 @@
                         <a:buNone/>
                         <a:tabLst/>
                       </a:pPr>
-                      <a:endParaRPr kumimoji="0" lang="en-US" altLang="ko-KR" sz="800" b="0" i="0" u="none" strike="noStrike" cap="none" normalizeH="0" baseline="0" dirty="0" smtClean="0">
+                      <a:endParaRPr kumimoji="0" lang="en-US" altLang="ko-KR" sz="800" b="0" i="0" u="none" strike="noStrike" cap="none" normalizeH="0" baseline="0" dirty="0">
                         <a:ln>
                           <a:noFill/>
                         </a:ln>
@@ -2744,7 +2798,7 @@
                         <a:tabLst/>
                       </a:pPr>
                       <a:r>
-                        <a:rPr kumimoji="0" lang="en-US" altLang="ko-KR" sz="800" b="1" i="0" u="none" strike="noStrike" cap="none" normalizeH="0" baseline="0" dirty="0" smtClean="0">
+                        <a:rPr kumimoji="0" lang="en-US" altLang="ko-KR" sz="800" b="1" i="0" u="none" strike="noStrike" cap="none" normalizeH="0" baseline="0" dirty="0">
                           <a:ln>
                             <a:noFill/>
                           </a:ln>
@@ -2795,7 +2849,7 @@
                         <a:buNone/>
                         <a:tabLst/>
                       </a:pPr>
-                      <a:endParaRPr kumimoji="0" lang="en-US" altLang="ko-KR" sz="800" b="0" i="0" u="none" strike="noStrike" cap="none" normalizeH="0" baseline="0" dirty="0" smtClean="0">
+                      <a:endParaRPr kumimoji="0" lang="en-US" altLang="ko-KR" sz="800" b="0" i="0" u="none" strike="noStrike" cap="none" normalizeH="0" baseline="0" dirty="0">
                         <a:ln>
                           <a:noFill/>
                         </a:ln>
@@ -2844,7 +2898,7 @@
                           <a:tab pos="5400675" algn="r"/>
                         </a:tabLst>
                       </a:pPr>
-                      <a:endParaRPr kumimoji="1" lang="en-US" altLang="ko-KR" sz="800" b="1" i="0" u="none" strike="noStrike" cap="none" normalizeH="0" baseline="0" dirty="0" smtClean="0">
+                      <a:endParaRPr kumimoji="1" lang="en-US" altLang="ko-KR" sz="800" b="1" i="0" u="none" strike="noStrike" cap="none" normalizeH="0" baseline="0" dirty="0">
                         <a:ln>
                           <a:noFill/>
                         </a:ln>
@@ -2920,7 +2974,7 @@
                           <a:tab pos="5400675" algn="r"/>
                         </a:tabLst>
                       </a:pPr>
-                      <a:endParaRPr kumimoji="1" lang="ko-KR" altLang="ko-KR" sz="800" b="1" i="0" u="none" strike="noStrike" cap="none" normalizeH="0" baseline="0" dirty="0" smtClean="0">
+                      <a:endParaRPr kumimoji="1" lang="ko-KR" altLang="ko-KR" sz="800" b="1" i="0" u="none" strike="noStrike" cap="none" normalizeH="0" baseline="0" dirty="0">
                         <a:ln>
                           <a:noFill/>
                         </a:ln>
@@ -2981,6 +3035,11 @@
                     </a:solidFill>
                   </a:tcPr>
                 </a:tc>
+                <a:extLst>
+                  <a:ext uri="{0D108BD9-81ED-4DB2-BD59-A6C34878D82A}">
+                    <a16:rowId xmlns:a16="http://schemas.microsoft.com/office/drawing/2014/main" val="10001"/>
+                  </a:ext>
+                </a:extLst>
               </a:tr>
             </a:tbl>
           </a:graphicData>
@@ -3049,7 +3108,13 @@
             <a:tbl>
               <a:tblPr/>
               <a:tblGrid>
-                <a:gridCol w="6923853"/>
+                <a:gridCol w="6923853">
+                  <a:extLst>
+                    <a:ext uri="{9D8B030D-6E8A-4147-A177-3AD203B41FA5}">
+                      <a16:colId xmlns:a16="http://schemas.microsoft.com/office/drawing/2014/main" val="20000"/>
+                    </a:ext>
+                  </a:extLst>
+                </a:gridCol>
               </a:tblGrid>
               <a:tr h="808038">
                 <a:tc>
@@ -3104,6 +3169,11 @@
                     <a:noFill/>
                   </a:tcPr>
                 </a:tc>
+                <a:extLst>
+                  <a:ext uri="{0D108BD9-81ED-4DB2-BD59-A6C34878D82A}">
+                    <a16:rowId xmlns:a16="http://schemas.microsoft.com/office/drawing/2014/main" val="10000"/>
+                  </a:ext>
+                </a:extLst>
               </a:tr>
             </a:tbl>
           </a:graphicData>
@@ -3126,7 +3196,13 @@
             <a:tbl>
               <a:tblPr/>
               <a:tblGrid>
-                <a:gridCol w="576263"/>
+                <a:gridCol w="576263">
+                  <a:extLst>
+                    <a:ext uri="{9D8B030D-6E8A-4147-A177-3AD203B41FA5}">
+                      <a16:colId xmlns:a16="http://schemas.microsoft.com/office/drawing/2014/main" val="20000"/>
+                    </a:ext>
+                  </a:extLst>
+                </a:gridCol>
               </a:tblGrid>
               <a:tr h="187325">
                 <a:tc>
@@ -3151,7 +3227,7 @@
                         <a:tabLst/>
                       </a:pPr>
                       <a:r>
-                        <a:rPr kumimoji="1" lang="en-US" altLang="ko-KR" sz="1000" b="0" i="0" u="none" strike="noStrike" cap="none" normalizeH="0" baseline="0" dirty="0" smtClean="0">
+                        <a:rPr kumimoji="1" lang="en-US" altLang="ko-KR" sz="1000" b="0" i="0" u="none" strike="noStrike" cap="none" normalizeH="0" baseline="0" dirty="0">
                           <a:ln>
                             <a:noFill/>
                           </a:ln>
@@ -3165,7 +3241,7 @@
                         <a:t>Θ </a:t>
                       </a:r>
                       <a:r>
-                        <a:rPr kumimoji="1" lang="ko-KR" altLang="en-US" sz="1000" b="0" i="0" u="none" strike="noStrike" cap="none" normalizeH="0" baseline="0" dirty="0" smtClean="0">
+                        <a:rPr kumimoji="1" lang="ko-KR" altLang="en-US" sz="1000" b="0" i="0" u="none" strike="noStrike" cap="none" normalizeH="0" baseline="0" dirty="0">
                           <a:ln>
                             <a:noFill/>
                           </a:ln>
@@ -3228,6 +3304,11 @@
                     </a:solidFill>
                   </a:tcPr>
                 </a:tc>
+                <a:extLst>
+                  <a:ext uri="{0D108BD9-81ED-4DB2-BD59-A6C34878D82A}">
+                    <a16:rowId xmlns:a16="http://schemas.microsoft.com/office/drawing/2014/main" val="10000"/>
+                  </a:ext>
+                </a:extLst>
               </a:tr>
             </a:tbl>
           </a:graphicData>
@@ -3253,7 +3334,6 @@
           <a:ln>
             <a:noFill/>
           </a:ln>
-          <a:extLst/>
         </p:spPr>
         <p:txBody>
           <a:bodyPr>
@@ -3383,7 +3463,7 @@
               </a:pPr>
               <a:t>‹#›</a:t>
             </a:fld>
-            <a:endParaRPr lang="ko-KR" altLang="en-US" sz="1000" smtClean="0">
+            <a:endParaRPr lang="ko-KR" altLang="en-US" sz="1000">
               <a:solidFill>
                 <a:srgbClr val="FF0000"/>
               </a:solidFill>
@@ -3830,12 +3910,48 @@
             <a:tbl>
               <a:tblPr/>
               <a:tblGrid>
-                <a:gridCol w="423863"/>
-                <a:gridCol w="560387"/>
-                <a:gridCol w="984250"/>
-                <a:gridCol w="4926013"/>
-                <a:gridCol w="1243012"/>
-                <a:gridCol w="792163"/>
+                <a:gridCol w="423863">
+                  <a:extLst>
+                    <a:ext uri="{9D8B030D-6E8A-4147-A177-3AD203B41FA5}">
+                      <a16:colId xmlns:a16="http://schemas.microsoft.com/office/drawing/2014/main" val="20000"/>
+                    </a:ext>
+                  </a:extLst>
+                </a:gridCol>
+                <a:gridCol w="560387">
+                  <a:extLst>
+                    <a:ext uri="{9D8B030D-6E8A-4147-A177-3AD203B41FA5}">
+                      <a16:colId xmlns:a16="http://schemas.microsoft.com/office/drawing/2014/main" val="20001"/>
+                    </a:ext>
+                  </a:extLst>
+                </a:gridCol>
+                <a:gridCol w="984250">
+                  <a:extLst>
+                    <a:ext uri="{9D8B030D-6E8A-4147-A177-3AD203B41FA5}">
+                      <a16:colId xmlns:a16="http://schemas.microsoft.com/office/drawing/2014/main" val="20002"/>
+                    </a:ext>
+                  </a:extLst>
+                </a:gridCol>
+                <a:gridCol w="4926013">
+                  <a:extLst>
+                    <a:ext uri="{9D8B030D-6E8A-4147-A177-3AD203B41FA5}">
+                      <a16:colId xmlns:a16="http://schemas.microsoft.com/office/drawing/2014/main" val="20003"/>
+                    </a:ext>
+                  </a:extLst>
+                </a:gridCol>
+                <a:gridCol w="1243012">
+                  <a:extLst>
+                    <a:ext uri="{9D8B030D-6E8A-4147-A177-3AD203B41FA5}">
+                      <a16:colId xmlns:a16="http://schemas.microsoft.com/office/drawing/2014/main" val="20004"/>
+                    </a:ext>
+                  </a:extLst>
+                </a:gridCol>
+                <a:gridCol w="792163">
+                  <a:extLst>
+                    <a:ext uri="{9D8B030D-6E8A-4147-A177-3AD203B41FA5}">
+                      <a16:colId xmlns:a16="http://schemas.microsoft.com/office/drawing/2014/main" val="20005"/>
+                    </a:ext>
+                  </a:extLst>
+                </a:gridCol>
               </a:tblGrid>
               <a:tr h="646113">
                 <a:tc>
@@ -3860,7 +3976,7 @@
                         <a:tabLst/>
                       </a:pPr>
                       <a:r>
-                        <a:rPr kumimoji="0" lang="ko-KR" altLang="en-US" sz="1000" b="1" i="0" u="none" strike="noStrike" cap="none" normalizeH="0" baseline="0" dirty="0" smtClean="0">
+                        <a:rPr kumimoji="0" lang="ko-KR" altLang="en-US" sz="1000" b="1" i="0" u="none" strike="noStrike" cap="none" normalizeH="0" baseline="0" dirty="0">
                           <a:ln>
                             <a:noFill/>
                           </a:ln>
@@ -3939,7 +4055,7 @@
                         <a:tabLst/>
                       </a:pPr>
                       <a:r>
-                        <a:rPr kumimoji="0" lang="ko-KR" altLang="en-US" sz="1000" b="1" i="0" u="none" strike="noStrike" cap="none" normalizeH="0" baseline="0" smtClean="0">
+                        <a:rPr kumimoji="0" lang="ko-KR" altLang="en-US" sz="1000" b="1" i="0" u="none" strike="noStrike" cap="none" normalizeH="0" baseline="0">
                           <a:ln>
                             <a:noFill/>
                           </a:ln>
@@ -4024,7 +4140,7 @@
                         <a:tabLst/>
                       </a:pPr>
                       <a:r>
-                        <a:rPr kumimoji="0" lang="ko-KR" altLang="en-US" sz="1000" b="1" i="0" u="none" strike="noStrike" cap="none" normalizeH="0" baseline="0" smtClean="0">
+                        <a:rPr kumimoji="0" lang="ko-KR" altLang="en-US" sz="1000" b="1" i="0" u="none" strike="noStrike" cap="none" normalizeH="0" baseline="0">
                           <a:ln>
                             <a:noFill/>
                           </a:ln>
@@ -4109,7 +4225,7 @@
                         <a:tabLst/>
                       </a:pPr>
                       <a:r>
-                        <a:rPr kumimoji="0" lang="ko-KR" altLang="en-US" sz="1000" b="1" i="0" u="none" strike="noStrike" cap="none" normalizeH="0" baseline="0" smtClean="0">
+                        <a:rPr kumimoji="0" lang="ko-KR" altLang="en-US" sz="1000" b="1" i="0" u="none" strike="noStrike" cap="none" normalizeH="0" baseline="0">
                           <a:ln>
                             <a:noFill/>
                           </a:ln>
@@ -4194,7 +4310,7 @@
                         <a:tabLst/>
                       </a:pPr>
                       <a:r>
-                        <a:rPr kumimoji="0" lang="ko-KR" altLang="en-US" sz="1000" b="1" i="0" u="none" strike="noStrike" cap="none" normalizeH="0" baseline="0" smtClean="0">
+                        <a:rPr kumimoji="0" lang="ko-KR" altLang="en-US" sz="1000" b="1" i="0" u="none" strike="noStrike" cap="none" normalizeH="0" baseline="0">
                           <a:ln>
                             <a:noFill/>
                           </a:ln>
@@ -4207,7 +4323,7 @@
                         </a:rPr>
                         <a:t>작성자</a:t>
                       </a:r>
-                      <a:endParaRPr kumimoji="0" lang="en-US" altLang="ko-KR" sz="1000" b="1" i="0" u="none" strike="noStrike" cap="none" normalizeH="0" baseline="0" smtClean="0">
+                      <a:endParaRPr kumimoji="0" lang="en-US" altLang="ko-KR" sz="1000" b="1" i="0" u="none" strike="noStrike" cap="none" normalizeH="0" baseline="0">
                         <a:ln>
                           <a:noFill/>
                         </a:ln>
@@ -4237,7 +4353,7 @@
                         <a:tabLst/>
                       </a:pPr>
                       <a:r>
-                        <a:rPr kumimoji="0" lang="en-US" altLang="ko-KR" sz="1000" b="1" i="0" u="none" strike="noStrike" cap="none" normalizeH="0" baseline="0" smtClean="0">
+                        <a:rPr kumimoji="0" lang="en-US" altLang="ko-KR" sz="1000" b="1" i="0" u="none" strike="noStrike" cap="none" normalizeH="0" baseline="0">
                           <a:ln>
                             <a:noFill/>
                           </a:ln>
@@ -4251,7 +4367,7 @@
                         <a:t>(</a:t>
                       </a:r>
                       <a:r>
-                        <a:rPr kumimoji="0" lang="ko-KR" altLang="en-US" sz="1000" b="1" i="0" u="none" strike="noStrike" cap="none" normalizeH="0" baseline="0" smtClean="0">
+                        <a:rPr kumimoji="0" lang="ko-KR" altLang="en-US" sz="1000" b="1" i="0" u="none" strike="noStrike" cap="none" normalizeH="0" baseline="0">
                           <a:ln>
                             <a:noFill/>
                           </a:ln>
@@ -4265,7 +4381,7 @@
                         <a:t>내선번호</a:t>
                       </a:r>
                       <a:r>
-                        <a:rPr kumimoji="0" lang="en-US" altLang="ko-KR" sz="1000" b="1" i="0" u="none" strike="noStrike" cap="none" normalizeH="0" baseline="0" smtClean="0">
+                        <a:rPr kumimoji="0" lang="en-US" altLang="ko-KR" sz="1000" b="1" i="0" u="none" strike="noStrike" cap="none" normalizeH="0" baseline="0">
                           <a:ln>
                             <a:noFill/>
                           </a:ln>
@@ -4278,7 +4394,7 @@
                         </a:rPr>
                         <a:t>)</a:t>
                       </a:r>
-                      <a:endParaRPr kumimoji="0" lang="ko-KR" altLang="en-US" sz="1000" b="1" i="0" u="none" strike="noStrike" cap="none" normalizeH="0" baseline="0" smtClean="0">
+                      <a:endParaRPr kumimoji="0" lang="ko-KR" altLang="en-US" sz="1000" b="1" i="0" u="none" strike="noStrike" cap="none" normalizeH="0" baseline="0">
                         <a:ln>
                           <a:noFill/>
                         </a:ln>
@@ -4361,7 +4477,7 @@
                         <a:tabLst/>
                       </a:pPr>
                       <a:r>
-                        <a:rPr kumimoji="0" lang="ko-KR" altLang="en-US" sz="1000" b="1" i="0" u="none" strike="noStrike" cap="none" normalizeH="0" baseline="0" smtClean="0">
+                        <a:rPr kumimoji="0" lang="ko-KR" altLang="en-US" sz="1000" b="1" i="0" u="none" strike="noStrike" cap="none" normalizeH="0" baseline="0">
                           <a:ln>
                             <a:noFill/>
                           </a:ln>
@@ -4418,6 +4534,11 @@
                     </a:solidFill>
                   </a:tcPr>
                 </a:tc>
+                <a:extLst>
+                  <a:ext uri="{0D108BD9-81ED-4DB2-BD59-A6C34878D82A}">
+                    <a16:rowId xmlns:a16="http://schemas.microsoft.com/office/drawing/2014/main" val="10000"/>
+                  </a:ext>
+                </a:extLst>
               </a:tr>
               <a:tr h="228600">
                 <a:tc>
@@ -4442,7 +4563,7 @@
                         <a:tabLst/>
                       </a:pPr>
                       <a:r>
-                        <a:rPr kumimoji="0" lang="en-US" altLang="ko-KR" sz="1000" b="0" i="0" u="none" strike="noStrike" cap="none" normalizeH="0" baseline="0" smtClean="0">
+                        <a:rPr kumimoji="0" lang="en-US" altLang="ko-KR" sz="1000" b="0" i="0" u="none" strike="noStrike" cap="none" normalizeH="0" baseline="0">
                           <a:ln>
                             <a:noFill/>
                           </a:ln>
@@ -4521,7 +4642,7 @@
                         <a:tabLst/>
                       </a:pPr>
                       <a:r>
-                        <a:rPr kumimoji="0" lang="en-US" altLang="ko-KR" sz="1000" b="0" i="0" u="none" strike="noStrike" cap="none" normalizeH="0" baseline="0" dirty="0" smtClean="0">
+                        <a:rPr kumimoji="0" lang="en-US" altLang="ko-KR" sz="1000" b="0" i="0" u="none" strike="noStrike" cap="none" normalizeH="0" baseline="0" dirty="0">
                           <a:ln>
                             <a:noFill/>
                           </a:ln>
@@ -4606,7 +4727,7 @@
                         <a:tabLst/>
                       </a:pPr>
                       <a:r>
-                        <a:rPr kumimoji="0" lang="en-US" altLang="ko-KR" sz="1000" b="0" i="0" u="none" strike="noStrike" cap="none" normalizeH="0" baseline="0" dirty="0" smtClean="0">
+                        <a:rPr kumimoji="0" lang="en-US" altLang="ko-KR" sz="1000" b="0" i="0" u="none" strike="noStrike" cap="none" normalizeH="0" baseline="0" dirty="0">
                           <a:ln>
                             <a:noFill/>
                           </a:ln>
@@ -4691,7 +4812,7 @@
                         <a:tabLst/>
                       </a:pPr>
                       <a:r>
-                        <a:rPr kumimoji="0" lang="ko-KR" altLang="en-US" sz="1000" b="0" i="0" u="none" strike="noStrike" cap="none" normalizeH="0" baseline="0" dirty="0" smtClean="0">
+                        <a:rPr kumimoji="0" lang="ko-KR" altLang="en-US" sz="1000" b="0" i="0" u="none" strike="noStrike" cap="none" normalizeH="0" baseline="0" dirty="0">
                           <a:ln>
                             <a:noFill/>
                           </a:ln>
@@ -4704,7 +4825,7 @@
                         </a:rPr>
                         <a:t>문서 발생</a:t>
                       </a:r>
-                      <a:endParaRPr kumimoji="0" lang="ko-KR" altLang="ko-KR" sz="1000" b="0" i="0" u="none" strike="noStrike" cap="none" normalizeH="0" baseline="0" dirty="0" smtClean="0">
+                      <a:endParaRPr kumimoji="0" lang="ko-KR" altLang="ko-KR" sz="1000" b="0" i="0" u="none" strike="noStrike" cap="none" normalizeH="0" baseline="0" dirty="0">
                         <a:ln>
                           <a:noFill/>
                         </a:ln>
@@ -4787,7 +4908,7 @@
                         <a:tabLst/>
                       </a:pPr>
                       <a:r>
-                        <a:rPr kumimoji="0" lang="ko-KR" altLang="en-US" sz="1000" b="0" i="0" u="none" strike="noStrike" cap="none" normalizeH="0" baseline="0" smtClean="0">
+                        <a:rPr kumimoji="0" lang="ko-KR" altLang="en-US" sz="1000" b="0" i="0" u="none" strike="noStrike" cap="none" normalizeH="0" baseline="0">
                           <a:ln>
                             <a:noFill/>
                           </a:ln>
@@ -4800,7 +4921,7 @@
                         </a:rPr>
                         <a:t>노유림</a:t>
                       </a:r>
-                      <a:endParaRPr kumimoji="0" lang="ko-KR" altLang="en-US" sz="1000" b="0" i="0" u="none" strike="noStrike" cap="none" normalizeH="0" baseline="0" dirty="0" smtClean="0">
+                      <a:endParaRPr kumimoji="0" lang="ko-KR" altLang="en-US" sz="1000" b="0" i="0" u="none" strike="noStrike" cap="none" normalizeH="0" baseline="0" dirty="0">
                         <a:ln>
                           <a:noFill/>
                         </a:ln>
@@ -4882,7 +5003,7 @@
                         <a:buNone/>
                         <a:tabLst/>
                       </a:pPr>
-                      <a:endParaRPr kumimoji="0" lang="ko-KR" altLang="ko-KR" sz="1000" b="0" i="0" u="none" strike="noStrike" cap="none" normalizeH="0" baseline="0" dirty="0" smtClean="0">
+                      <a:endParaRPr kumimoji="0" lang="ko-KR" altLang="ko-KR" sz="1000" b="0" i="0" u="none" strike="noStrike" cap="none" normalizeH="0" baseline="0" dirty="0">
                         <a:ln>
                           <a:noFill/>
                         </a:ln>
@@ -4937,6 +5058,11 @@
                     </a:solidFill>
                   </a:tcPr>
                 </a:tc>
+                <a:extLst>
+                  <a:ext uri="{0D108BD9-81ED-4DB2-BD59-A6C34878D82A}">
+                    <a16:rowId xmlns:a16="http://schemas.microsoft.com/office/drawing/2014/main" val="10001"/>
+                  </a:ext>
+                </a:extLst>
               </a:tr>
               <a:tr h="217488">
                 <a:tc>
@@ -4961,7 +5087,7 @@
                         <a:tabLst/>
                       </a:pPr>
                       <a:r>
-                        <a:rPr kumimoji="0" lang="en-US" altLang="ko-KR" sz="1000" b="0" i="0" u="none" strike="noStrike" cap="none" normalizeH="0" baseline="0" dirty="0" smtClean="0">
+                        <a:rPr kumimoji="0" lang="en-US" altLang="ko-KR" sz="1000" b="0" i="0" u="none" strike="noStrike" cap="none" normalizeH="0" baseline="0" dirty="0">
                           <a:ln>
                             <a:noFill/>
                           </a:ln>
@@ -5040,7 +5166,7 @@
                         <a:tabLst/>
                       </a:pPr>
                       <a:r>
-                        <a:rPr kumimoji="0" lang="en-US" altLang="ko-KR" sz="1000" b="0" i="0" u="none" strike="noStrike" cap="none" normalizeH="0" baseline="0" dirty="0" smtClean="0">
+                        <a:rPr kumimoji="0" lang="en-US" altLang="ko-KR" sz="1000" b="0" i="0" u="none" strike="noStrike" cap="none" normalizeH="0" baseline="0" dirty="0">
                           <a:ln>
                             <a:noFill/>
                           </a:ln>
@@ -5125,7 +5251,7 @@
                         <a:tabLst/>
                       </a:pPr>
                       <a:r>
-                        <a:rPr kumimoji="0" lang="en-US" altLang="ko-KR" sz="1000" b="0" i="0" u="none" strike="noStrike" cap="none" normalizeH="0" baseline="0" dirty="0" smtClean="0">
+                        <a:rPr kumimoji="0" lang="en-US" altLang="ko-KR" sz="1000" b="0" i="0" u="none" strike="noStrike" cap="none" normalizeH="0" baseline="0" dirty="0">
                           <a:ln>
                             <a:noFill/>
                           </a:ln>
@@ -5210,7 +5336,7 @@
                         <a:tabLst/>
                       </a:pPr>
                       <a:r>
-                        <a:rPr kumimoji="0" lang="en-US" altLang="ko-KR" sz="1000" b="0" i="0" u="none" strike="noStrike" cap="none" normalizeH="0" baseline="0" dirty="0" smtClean="0">
+                        <a:rPr kumimoji="0" lang="en-US" altLang="ko-KR" sz="1000" b="0" i="0" u="none" strike="noStrike" cap="none" normalizeH="0" baseline="0" dirty="0">
                           <a:ln>
                             <a:noFill/>
                           </a:ln>
@@ -5224,7 +5350,7 @@
                         <a:t>1</a:t>
                       </a:r>
                       <a:r>
-                        <a:rPr kumimoji="0" lang="ko-KR" altLang="en-US" sz="1000" b="0" i="0" u="none" strike="noStrike" cap="none" normalizeH="0" baseline="0" dirty="0" smtClean="0">
+                        <a:rPr kumimoji="0" lang="ko-KR" altLang="en-US" sz="1000" b="0" i="0" u="none" strike="noStrike" cap="none" normalizeH="0" baseline="0" dirty="0">
                           <a:ln>
                             <a:noFill/>
                           </a:ln>
@@ -5237,7 +5363,7 @@
                         </a:rPr>
                         <a:t>차 검수</a:t>
                       </a:r>
-                      <a:endParaRPr kumimoji="0" lang="ko-KR" altLang="ko-KR" sz="1000" b="0" i="0" u="none" strike="noStrike" cap="none" normalizeH="0" baseline="0" dirty="0" smtClean="0">
+                      <a:endParaRPr kumimoji="0" lang="ko-KR" altLang="ko-KR" sz="1000" b="0" i="0" u="none" strike="noStrike" cap="none" normalizeH="0" baseline="0" dirty="0">
                         <a:ln>
                           <a:noFill/>
                         </a:ln>
@@ -5319,7 +5445,7 @@
                         <a:buNone/>
                         <a:tabLst/>
                       </a:pPr>
-                      <a:endParaRPr kumimoji="0" lang="ko-KR" altLang="en-US" sz="1000" b="0" i="0" u="none" strike="noStrike" cap="none" normalizeH="0" baseline="0" dirty="0" smtClean="0">
+                      <a:endParaRPr kumimoji="0" lang="ko-KR" altLang="en-US" sz="1000" b="0" i="0" u="none" strike="noStrike" cap="none" normalizeH="0" baseline="0" dirty="0">
                         <a:ln>
                           <a:noFill/>
                         </a:ln>
@@ -5402,7 +5528,7 @@
                         <a:tabLst/>
                       </a:pPr>
                       <a:r>
-                        <a:rPr kumimoji="0" lang="ko-KR" altLang="en-US" sz="1000" b="0" i="0" u="none" strike="noStrike" cap="none" normalizeH="0" baseline="0" dirty="0" smtClean="0">
+                        <a:rPr kumimoji="0" lang="ko-KR" altLang="en-US" sz="1000" b="0" i="0" u="none" strike="noStrike" cap="none" normalizeH="0" baseline="0" dirty="0">
                           <a:ln>
                             <a:noFill/>
                           </a:ln>
@@ -5415,7 +5541,7 @@
                         </a:rPr>
                         <a:t>박종민</a:t>
                       </a:r>
-                      <a:endParaRPr kumimoji="0" lang="ko-KR" altLang="ko-KR" sz="1000" b="0" i="0" u="none" strike="noStrike" cap="none" normalizeH="0" baseline="0" dirty="0" smtClean="0">
+                      <a:endParaRPr kumimoji="0" lang="ko-KR" altLang="ko-KR" sz="1000" b="0" i="0" u="none" strike="noStrike" cap="none" normalizeH="0" baseline="0" dirty="0">
                         <a:ln>
                           <a:noFill/>
                         </a:ln>
@@ -5470,6 +5596,11 @@
                     </a:solidFill>
                   </a:tcPr>
                 </a:tc>
+                <a:extLst>
+                  <a:ext uri="{0D108BD9-81ED-4DB2-BD59-A6C34878D82A}">
+                    <a16:rowId xmlns:a16="http://schemas.microsoft.com/office/drawing/2014/main" val="10002"/>
+                  </a:ext>
+                </a:extLst>
               </a:tr>
               <a:tr h="126759">
                 <a:tc>
@@ -5494,7 +5625,7 @@
                         <a:tabLst/>
                       </a:pPr>
                       <a:r>
-                        <a:rPr kumimoji="0" lang="en-US" altLang="ko-KR" sz="1000" b="0" i="0" u="none" strike="noStrike" cap="none" normalizeH="0" baseline="0" dirty="0" smtClean="0">
+                        <a:rPr kumimoji="0" lang="en-US" altLang="ko-KR" sz="1000" b="0" i="0" u="none" strike="noStrike" cap="none" normalizeH="0" baseline="0" dirty="0">
                           <a:ln>
                             <a:noFill/>
                           </a:ln>
@@ -5573,7 +5704,7 @@
                         <a:tabLst/>
                       </a:pPr>
                       <a:r>
-                        <a:rPr kumimoji="0" lang="en-US" altLang="ko-KR" sz="1000" b="0" i="0" u="none" strike="noStrike" cap="none" normalizeH="0" baseline="0" dirty="0" smtClean="0">
+                        <a:rPr kumimoji="0" lang="en-US" altLang="ko-KR" sz="1000" b="0" i="0" u="none" strike="noStrike" cap="none" normalizeH="0" baseline="0" dirty="0">
                           <a:ln>
                             <a:noFill/>
                           </a:ln>
@@ -5658,7 +5789,7 @@
                         <a:tabLst/>
                       </a:pPr>
                       <a:r>
-                        <a:rPr kumimoji="0" lang="en-US" altLang="ko-KR" sz="1000" b="0" i="0" u="none" strike="noStrike" cap="none" normalizeH="0" baseline="0" smtClean="0">
+                        <a:rPr kumimoji="0" lang="en-US" altLang="ko-KR" sz="1000" b="0" i="0" u="none" strike="noStrike" cap="none" normalizeH="0" baseline="0">
                           <a:ln>
                             <a:noFill/>
                           </a:ln>
@@ -5671,7 +5802,7 @@
                         </a:rPr>
                         <a:t>2021.01.21</a:t>
                       </a:r>
-                      <a:endParaRPr kumimoji="0" lang="en-US" altLang="ko-KR" sz="1000" b="0" i="0" u="none" strike="noStrike" cap="none" normalizeH="0" baseline="0" dirty="0" smtClean="0">
+                      <a:endParaRPr kumimoji="0" lang="en-US" altLang="ko-KR" sz="1000" b="0" i="0" u="none" strike="noStrike" cap="none" normalizeH="0" baseline="0" dirty="0">
                         <a:ln>
                           <a:noFill/>
                         </a:ln>
@@ -5754,7 +5885,7 @@
                         <a:tabLst/>
                       </a:pPr>
                       <a:r>
-                        <a:rPr kumimoji="0" lang="en-US" altLang="ko-KR" sz="1000" b="0" i="0" u="none" strike="noStrike" cap="none" normalizeH="0" baseline="0" dirty="0" smtClean="0">
+                        <a:rPr kumimoji="0" lang="en-US" altLang="ko-KR" sz="1000" b="0" i="0" u="none" strike="noStrike" cap="none" normalizeH="0" baseline="0" dirty="0">
                           <a:ln>
                             <a:noFill/>
                           </a:ln>
@@ -5768,7 +5899,7 @@
                         <a:t>2</a:t>
                       </a:r>
                       <a:r>
-                        <a:rPr kumimoji="0" lang="ko-KR" altLang="en-US" sz="1000" b="0" i="0" u="none" strike="noStrike" cap="none" normalizeH="0" baseline="0" dirty="0" smtClean="0">
+                        <a:rPr kumimoji="0" lang="ko-KR" altLang="en-US" sz="1000" b="0" i="0" u="none" strike="noStrike" cap="none" normalizeH="0" baseline="0" dirty="0">
                           <a:ln>
                             <a:noFill/>
                           </a:ln>
@@ -5781,7 +5912,7 @@
                         </a:rPr>
                         <a:t>차 검수 및 수정</a:t>
                       </a:r>
-                      <a:endParaRPr kumimoji="0" lang="ko-KR" altLang="ko-KR" sz="1000" b="0" i="0" u="none" strike="noStrike" cap="none" normalizeH="0" baseline="0" dirty="0" smtClean="0">
+                      <a:endParaRPr kumimoji="0" lang="ko-KR" altLang="ko-KR" sz="1000" b="0" i="0" u="none" strike="noStrike" cap="none" normalizeH="0" baseline="0" dirty="0">
                         <a:ln>
                           <a:noFill/>
                         </a:ln>
@@ -5863,7 +5994,7 @@
                         <a:buNone/>
                         <a:tabLst/>
                       </a:pPr>
-                      <a:endParaRPr kumimoji="0" lang="ko-KR" altLang="en-US" sz="1000" b="0" i="0" u="none" strike="noStrike" cap="none" normalizeH="0" baseline="0" dirty="0" smtClean="0">
+                      <a:endParaRPr kumimoji="0" lang="ko-KR" altLang="en-US" sz="1000" b="0" i="0" u="none" strike="noStrike" cap="none" normalizeH="0" baseline="0" dirty="0">
                         <a:ln>
                           <a:noFill/>
                         </a:ln>
@@ -5946,7 +6077,7 @@
                         <a:tabLst/>
                       </a:pPr>
                       <a:r>
-                        <a:rPr kumimoji="0" lang="ko-KR" altLang="en-US" sz="1000" b="0" i="0" u="none" strike="noStrike" cap="none" normalizeH="0" baseline="0" dirty="0" smtClean="0">
+                        <a:rPr kumimoji="0" lang="ko-KR" altLang="en-US" sz="1000" b="0" i="0" u="none" strike="noStrike" cap="none" normalizeH="0" baseline="0" dirty="0">
                           <a:ln>
                             <a:noFill/>
                           </a:ln>
@@ -5959,7 +6090,7 @@
                         </a:rPr>
                         <a:t>김예림</a:t>
                       </a:r>
-                      <a:endParaRPr kumimoji="0" lang="ko-KR" altLang="ko-KR" sz="1000" b="0" i="0" u="none" strike="noStrike" cap="none" normalizeH="0" baseline="0" dirty="0" smtClean="0">
+                      <a:endParaRPr kumimoji="0" lang="ko-KR" altLang="ko-KR" sz="1000" b="0" i="0" u="none" strike="noStrike" cap="none" normalizeH="0" baseline="0" dirty="0">
                         <a:ln>
                           <a:noFill/>
                         </a:ln>
@@ -6014,6 +6145,11 @@
                     </a:solidFill>
                   </a:tcPr>
                 </a:tc>
+                <a:extLst>
+                  <a:ext uri="{0D108BD9-81ED-4DB2-BD59-A6C34878D82A}">
+                    <a16:rowId xmlns:a16="http://schemas.microsoft.com/office/drawing/2014/main" val="10003"/>
+                  </a:ext>
+                </a:extLst>
               </a:tr>
               <a:tr h="227013">
                 <a:tc>
@@ -6038,7 +6174,7 @@
                         <a:tabLst/>
                       </a:pPr>
                       <a:r>
-                        <a:rPr kumimoji="0" lang="en-US" altLang="ko-KR" sz="1000" b="0" i="0" u="none" strike="noStrike" cap="none" normalizeH="0" baseline="0" dirty="0" smtClean="0">
+                        <a:rPr kumimoji="0" lang="en-US" altLang="ko-KR" sz="1000" b="0" i="0" u="none" strike="noStrike" cap="none" normalizeH="0" baseline="0" dirty="0">
                           <a:ln>
                             <a:noFill/>
                           </a:ln>
@@ -6116,7 +6252,7 @@
                         <a:buNone/>
                         <a:tabLst/>
                       </a:pPr>
-                      <a:endParaRPr kumimoji="0" lang="en-US" altLang="ko-KR" sz="1000" b="0" i="0" u="none" strike="noStrike" cap="none" normalizeH="0" baseline="0" dirty="0" smtClean="0">
+                      <a:endParaRPr kumimoji="0" lang="en-US" altLang="ko-KR" sz="1000" b="0" i="0" u="none" strike="noStrike" cap="none" normalizeH="0" baseline="0" dirty="0">
                         <a:ln>
                           <a:noFill/>
                         </a:ln>
@@ -6198,7 +6334,7 @@
                         <a:buNone/>
                         <a:tabLst/>
                       </a:pPr>
-                      <a:endParaRPr kumimoji="0" lang="en-US" altLang="ko-KR" sz="1000" b="0" i="0" u="none" strike="noStrike" cap="none" normalizeH="0" baseline="0" dirty="0" smtClean="0">
+                      <a:endParaRPr kumimoji="0" lang="en-US" altLang="ko-KR" sz="1000" b="0" i="0" u="none" strike="noStrike" cap="none" normalizeH="0" baseline="0" dirty="0">
                         <a:ln>
                           <a:noFill/>
                         </a:ln>
@@ -6280,7 +6416,7 @@
                         <a:buNone/>
                         <a:tabLst/>
                       </a:pPr>
-                      <a:endParaRPr kumimoji="0" lang="ko-KR" altLang="ko-KR" sz="1000" b="0" i="0" u="none" strike="noStrike" cap="none" normalizeH="0" baseline="0" dirty="0" smtClean="0">
+                      <a:endParaRPr kumimoji="0" lang="ko-KR" altLang="ko-KR" sz="1000" b="0" i="0" u="none" strike="noStrike" cap="none" normalizeH="0" baseline="0" dirty="0">
                         <a:ln>
                           <a:noFill/>
                         </a:ln>
@@ -6362,7 +6498,7 @@
                         <a:buNone/>
                         <a:tabLst/>
                       </a:pPr>
-                      <a:endParaRPr kumimoji="0" lang="ko-KR" altLang="en-US" sz="1000" b="0" i="0" u="none" strike="noStrike" cap="none" normalizeH="0" baseline="0" dirty="0" smtClean="0">
+                      <a:endParaRPr kumimoji="0" lang="ko-KR" altLang="en-US" sz="1000" b="0" i="0" u="none" strike="noStrike" cap="none" normalizeH="0" baseline="0" dirty="0">
                         <a:ln>
                           <a:noFill/>
                         </a:ln>
@@ -6444,7 +6580,7 @@
                         <a:buNone/>
                         <a:tabLst/>
                       </a:pPr>
-                      <a:endParaRPr kumimoji="0" lang="ko-KR" altLang="ko-KR" sz="1000" b="0" i="0" u="none" strike="noStrike" cap="none" normalizeH="0" baseline="0" smtClean="0">
+                      <a:endParaRPr kumimoji="0" lang="ko-KR" altLang="ko-KR" sz="1000" b="0" i="0" u="none" strike="noStrike" cap="none" normalizeH="0" baseline="0">
                         <a:ln>
                           <a:noFill/>
                         </a:ln>
@@ -6499,6 +6635,11 @@
                     </a:solidFill>
                   </a:tcPr>
                 </a:tc>
+                <a:extLst>
+                  <a:ext uri="{0D108BD9-81ED-4DB2-BD59-A6C34878D82A}">
+                    <a16:rowId xmlns:a16="http://schemas.microsoft.com/office/drawing/2014/main" val="10004"/>
+                  </a:ext>
+                </a:extLst>
               </a:tr>
               <a:tr h="227013">
                 <a:tc>
@@ -6523,7 +6664,7 @@
                         <a:tabLst/>
                       </a:pPr>
                       <a:r>
-                        <a:rPr kumimoji="0" lang="en-US" altLang="ko-KR" sz="1000" b="0" i="0" u="none" strike="noStrike" cap="none" normalizeH="0" baseline="0" smtClean="0">
+                        <a:rPr kumimoji="0" lang="en-US" altLang="ko-KR" sz="1000" b="0" i="0" u="none" strike="noStrike" cap="none" normalizeH="0" baseline="0">
                           <a:ln>
                             <a:noFill/>
                           </a:ln>
@@ -6601,7 +6742,7 @@
                         <a:buNone/>
                         <a:tabLst/>
                       </a:pPr>
-                      <a:endParaRPr kumimoji="0" lang="en-US" altLang="ko-KR" sz="1000" b="0" i="0" u="none" strike="noStrike" cap="none" normalizeH="0" baseline="0" dirty="0" smtClean="0">
+                      <a:endParaRPr kumimoji="0" lang="en-US" altLang="ko-KR" sz="1000" b="0" i="0" u="none" strike="noStrike" cap="none" normalizeH="0" baseline="0" dirty="0">
                         <a:ln>
                           <a:noFill/>
                         </a:ln>
@@ -6683,7 +6824,7 @@
                         <a:buNone/>
                         <a:tabLst/>
                       </a:pPr>
-                      <a:endParaRPr kumimoji="0" lang="en-US" altLang="ko-KR" sz="1000" b="0" i="0" u="none" strike="noStrike" cap="none" normalizeH="0" baseline="0" dirty="0" smtClean="0">
+                      <a:endParaRPr kumimoji="0" lang="en-US" altLang="ko-KR" sz="1000" b="0" i="0" u="none" strike="noStrike" cap="none" normalizeH="0" baseline="0" dirty="0">
                         <a:ln>
                           <a:noFill/>
                         </a:ln>
@@ -6765,7 +6906,7 @@
                         <a:buNone/>
                         <a:tabLst/>
                       </a:pPr>
-                      <a:endParaRPr kumimoji="0" lang="ko-KR" altLang="ko-KR" sz="1000" b="0" i="0" u="none" strike="noStrike" cap="none" normalizeH="0" baseline="0" dirty="0" smtClean="0">
+                      <a:endParaRPr kumimoji="0" lang="ko-KR" altLang="ko-KR" sz="1000" b="0" i="0" u="none" strike="noStrike" cap="none" normalizeH="0" baseline="0" dirty="0">
                         <a:ln>
                           <a:noFill/>
                         </a:ln>
@@ -6847,7 +6988,7 @@
                         <a:buNone/>
                         <a:tabLst/>
                       </a:pPr>
-                      <a:endParaRPr kumimoji="0" lang="ko-KR" altLang="en-US" sz="1000" b="0" i="0" u="none" strike="noStrike" cap="none" normalizeH="0" baseline="0" dirty="0" smtClean="0">
+                      <a:endParaRPr kumimoji="0" lang="ko-KR" altLang="en-US" sz="1000" b="0" i="0" u="none" strike="noStrike" cap="none" normalizeH="0" baseline="0" dirty="0">
                         <a:ln>
                           <a:noFill/>
                         </a:ln>
@@ -6929,7 +7070,7 @@
                         <a:buNone/>
                         <a:tabLst/>
                       </a:pPr>
-                      <a:endParaRPr kumimoji="0" lang="ko-KR" altLang="ko-KR" sz="1000" b="0" i="0" u="none" strike="noStrike" cap="none" normalizeH="0" baseline="0" smtClean="0">
+                      <a:endParaRPr kumimoji="0" lang="ko-KR" altLang="ko-KR" sz="1000" b="0" i="0" u="none" strike="noStrike" cap="none" normalizeH="0" baseline="0">
                         <a:ln>
                           <a:noFill/>
                         </a:ln>
@@ -6984,6 +7125,11 @@
                     </a:solidFill>
                   </a:tcPr>
                 </a:tc>
+                <a:extLst>
+                  <a:ext uri="{0D108BD9-81ED-4DB2-BD59-A6C34878D82A}">
+                    <a16:rowId xmlns:a16="http://schemas.microsoft.com/office/drawing/2014/main" val="10005"/>
+                  </a:ext>
+                </a:extLst>
               </a:tr>
               <a:tr h="227013">
                 <a:tc>
@@ -7008,7 +7154,7 @@
                         <a:tabLst/>
                       </a:pPr>
                       <a:r>
-                        <a:rPr kumimoji="0" lang="en-US" altLang="ko-KR" sz="1000" b="0" i="0" u="none" strike="noStrike" cap="none" normalizeH="0" baseline="0" smtClean="0">
+                        <a:rPr kumimoji="0" lang="en-US" altLang="ko-KR" sz="1000" b="0" i="0" u="none" strike="noStrike" cap="none" normalizeH="0" baseline="0">
                           <a:ln>
                             <a:noFill/>
                           </a:ln>
@@ -7086,7 +7232,7 @@
                         <a:buNone/>
                         <a:tabLst/>
                       </a:pPr>
-                      <a:endParaRPr kumimoji="0" lang="en-US" altLang="ko-KR" sz="1000" b="0" i="0" u="none" strike="noStrike" cap="none" normalizeH="0" baseline="0" smtClean="0">
+                      <a:endParaRPr kumimoji="0" lang="en-US" altLang="ko-KR" sz="1000" b="0" i="0" u="none" strike="noStrike" cap="none" normalizeH="0" baseline="0">
                         <a:ln>
                           <a:noFill/>
                         </a:ln>
@@ -7168,7 +7314,7 @@
                         <a:buNone/>
                         <a:tabLst/>
                       </a:pPr>
-                      <a:endParaRPr kumimoji="0" lang="en-US" altLang="ko-KR" sz="1000" b="0" i="0" u="none" strike="noStrike" cap="none" normalizeH="0" baseline="0" dirty="0" smtClean="0">
+                      <a:endParaRPr kumimoji="0" lang="en-US" altLang="ko-KR" sz="1000" b="0" i="0" u="none" strike="noStrike" cap="none" normalizeH="0" baseline="0" dirty="0">
                         <a:ln>
                           <a:noFill/>
                         </a:ln>
@@ -7250,7 +7396,7 @@
                         <a:buNone/>
                         <a:tabLst/>
                       </a:pPr>
-                      <a:endParaRPr kumimoji="0" lang="ko-KR" altLang="ko-KR" sz="1000" b="0" i="0" u="none" strike="noStrike" cap="none" normalizeH="0" baseline="0" dirty="0" smtClean="0">
+                      <a:endParaRPr kumimoji="0" lang="ko-KR" altLang="ko-KR" sz="1000" b="0" i="0" u="none" strike="noStrike" cap="none" normalizeH="0" baseline="0" dirty="0">
                         <a:ln>
                           <a:noFill/>
                         </a:ln>
@@ -7332,7 +7478,7 @@
                         <a:buNone/>
                         <a:tabLst/>
                       </a:pPr>
-                      <a:endParaRPr kumimoji="0" lang="ko-KR" altLang="en-US" sz="1000" b="0" i="0" u="none" strike="noStrike" cap="none" normalizeH="0" baseline="0" dirty="0" smtClean="0">
+                      <a:endParaRPr kumimoji="0" lang="ko-KR" altLang="en-US" sz="1000" b="0" i="0" u="none" strike="noStrike" cap="none" normalizeH="0" baseline="0" dirty="0">
                         <a:ln>
                           <a:noFill/>
                         </a:ln>
@@ -7414,7 +7560,7 @@
                         <a:buNone/>
                         <a:tabLst/>
                       </a:pPr>
-                      <a:endParaRPr kumimoji="0" lang="ko-KR" altLang="ko-KR" sz="1000" b="0" i="0" u="none" strike="noStrike" cap="none" normalizeH="0" baseline="0" dirty="0" smtClean="0">
+                      <a:endParaRPr kumimoji="0" lang="ko-KR" altLang="ko-KR" sz="1000" b="0" i="0" u="none" strike="noStrike" cap="none" normalizeH="0" baseline="0" dirty="0">
                         <a:ln>
                           <a:noFill/>
                         </a:ln>
@@ -7469,6 +7615,11 @@
                     </a:solidFill>
                   </a:tcPr>
                 </a:tc>
+                <a:extLst>
+                  <a:ext uri="{0D108BD9-81ED-4DB2-BD59-A6C34878D82A}">
+                    <a16:rowId xmlns:a16="http://schemas.microsoft.com/office/drawing/2014/main" val="10006"/>
+                  </a:ext>
+                </a:extLst>
               </a:tr>
               <a:tr h="227013">
                 <a:tc>
@@ -7493,7 +7644,7 @@
                         <a:tabLst/>
                       </a:pPr>
                       <a:r>
-                        <a:rPr kumimoji="0" lang="en-US" altLang="ko-KR" sz="1000" b="0" i="0" u="none" strike="noStrike" cap="none" normalizeH="0" baseline="0" smtClean="0">
+                        <a:rPr kumimoji="0" lang="en-US" altLang="ko-KR" sz="1000" b="0" i="0" u="none" strike="noStrike" cap="none" normalizeH="0" baseline="0">
                           <a:ln>
                             <a:noFill/>
                           </a:ln>
@@ -7571,7 +7722,7 @@
                         <a:buNone/>
                         <a:tabLst/>
                       </a:pPr>
-                      <a:endParaRPr kumimoji="0" lang="en-US" altLang="ko-KR" sz="1000" b="0" i="0" u="none" strike="noStrike" cap="none" normalizeH="0" baseline="0" smtClean="0">
+                      <a:endParaRPr kumimoji="0" lang="en-US" altLang="ko-KR" sz="1000" b="0" i="0" u="none" strike="noStrike" cap="none" normalizeH="0" baseline="0">
                         <a:ln>
                           <a:noFill/>
                         </a:ln>
@@ -7653,7 +7804,7 @@
                         <a:buNone/>
                         <a:tabLst/>
                       </a:pPr>
-                      <a:endParaRPr kumimoji="0" lang="en-US" altLang="ko-KR" sz="1000" b="0" i="0" u="none" strike="noStrike" cap="none" normalizeH="0" baseline="0" dirty="0" smtClean="0">
+                      <a:endParaRPr kumimoji="0" lang="en-US" altLang="ko-KR" sz="1000" b="0" i="0" u="none" strike="noStrike" cap="none" normalizeH="0" baseline="0" dirty="0">
                         <a:ln>
                           <a:noFill/>
                         </a:ln>
@@ -7735,7 +7886,7 @@
                         <a:buNone/>
                         <a:tabLst/>
                       </a:pPr>
-                      <a:endParaRPr kumimoji="0" lang="ko-KR" altLang="ko-KR" sz="1000" b="0" i="0" u="none" strike="noStrike" cap="none" normalizeH="0" baseline="0" dirty="0" smtClean="0">
+                      <a:endParaRPr kumimoji="0" lang="ko-KR" altLang="ko-KR" sz="1000" b="0" i="0" u="none" strike="noStrike" cap="none" normalizeH="0" baseline="0" dirty="0">
                         <a:ln>
                           <a:noFill/>
                         </a:ln>
@@ -7817,7 +7968,7 @@
                         <a:buNone/>
                         <a:tabLst/>
                       </a:pPr>
-                      <a:endParaRPr kumimoji="0" lang="ko-KR" altLang="en-US" sz="1000" b="0" i="0" u="none" strike="noStrike" cap="none" normalizeH="0" baseline="0" dirty="0" smtClean="0">
+                      <a:endParaRPr kumimoji="0" lang="ko-KR" altLang="en-US" sz="1000" b="0" i="0" u="none" strike="noStrike" cap="none" normalizeH="0" baseline="0" dirty="0">
                         <a:ln>
                           <a:noFill/>
                         </a:ln>
@@ -7899,7 +8050,7 @@
                         <a:buNone/>
                         <a:tabLst/>
                       </a:pPr>
-                      <a:endParaRPr kumimoji="0" lang="ko-KR" altLang="ko-KR" sz="1000" b="0" i="0" u="none" strike="noStrike" cap="none" normalizeH="0" baseline="0" dirty="0" smtClean="0">
+                      <a:endParaRPr kumimoji="0" lang="ko-KR" altLang="ko-KR" sz="1000" b="0" i="0" u="none" strike="noStrike" cap="none" normalizeH="0" baseline="0" dirty="0">
                         <a:ln>
                           <a:noFill/>
                         </a:ln>
@@ -7954,6 +8105,11 @@
                     </a:solidFill>
                   </a:tcPr>
                 </a:tc>
+                <a:extLst>
+                  <a:ext uri="{0D108BD9-81ED-4DB2-BD59-A6C34878D82A}">
+                    <a16:rowId xmlns:a16="http://schemas.microsoft.com/office/drawing/2014/main" val="10007"/>
+                  </a:ext>
+                </a:extLst>
               </a:tr>
               <a:tr h="227013">
                 <a:tc>
@@ -7978,7 +8134,7 @@
                         <a:tabLst/>
                       </a:pPr>
                       <a:r>
-                        <a:rPr kumimoji="0" lang="en-US" altLang="ko-KR" sz="1000" b="0" i="0" u="none" strike="noStrike" cap="none" normalizeH="0" baseline="0" smtClean="0">
+                        <a:rPr kumimoji="0" lang="en-US" altLang="ko-KR" sz="1000" b="0" i="0" u="none" strike="noStrike" cap="none" normalizeH="0" baseline="0">
                           <a:ln>
                             <a:noFill/>
                           </a:ln>
@@ -7991,7 +8147,7 @@
                         </a:rPr>
                         <a:t>8</a:t>
                       </a:r>
-                      <a:endParaRPr kumimoji="0" lang="ko-KR" altLang="ko-KR" sz="1000" b="0" i="0" u="none" strike="noStrike" cap="none" normalizeH="0" baseline="0" smtClean="0">
+                      <a:endParaRPr kumimoji="0" lang="ko-KR" altLang="ko-KR" sz="1000" b="0" i="0" u="none" strike="noStrike" cap="none" normalizeH="0" baseline="0">
                         <a:ln>
                           <a:noFill/>
                         </a:ln>
@@ -8067,7 +8223,7 @@
                         <a:buNone/>
                         <a:tabLst/>
                       </a:pPr>
-                      <a:endParaRPr kumimoji="0" lang="ko-KR" altLang="ko-KR" sz="1000" b="0" i="0" u="none" strike="noStrike" cap="none" normalizeH="0" baseline="0" smtClean="0">
+                      <a:endParaRPr kumimoji="0" lang="ko-KR" altLang="ko-KR" sz="1000" b="0" i="0" u="none" strike="noStrike" cap="none" normalizeH="0" baseline="0">
                         <a:ln>
                           <a:noFill/>
                         </a:ln>
@@ -8149,7 +8305,7 @@
                         <a:buNone/>
                         <a:tabLst/>
                       </a:pPr>
-                      <a:endParaRPr kumimoji="0" lang="en-US" altLang="ko-KR" sz="1000" b="0" i="0" u="none" strike="noStrike" cap="none" normalizeH="0" baseline="0" smtClean="0">
+                      <a:endParaRPr kumimoji="0" lang="en-US" altLang="ko-KR" sz="1000" b="0" i="0" u="none" strike="noStrike" cap="none" normalizeH="0" baseline="0">
                         <a:ln>
                           <a:noFill/>
                         </a:ln>
@@ -8231,7 +8387,7 @@
                         <a:buNone/>
                         <a:tabLst/>
                       </a:pPr>
-                      <a:endParaRPr kumimoji="0" lang="ko-KR" altLang="ko-KR" sz="1000" b="0" i="0" u="none" strike="noStrike" cap="none" normalizeH="0" baseline="0" dirty="0" smtClean="0">
+                      <a:endParaRPr kumimoji="0" lang="ko-KR" altLang="ko-KR" sz="1000" b="0" i="0" u="none" strike="noStrike" cap="none" normalizeH="0" baseline="0" dirty="0">
                         <a:ln>
                           <a:noFill/>
                         </a:ln>
@@ -8313,7 +8469,7 @@
                         <a:buNone/>
                         <a:tabLst/>
                       </a:pPr>
-                      <a:endParaRPr kumimoji="0" lang="ko-KR" altLang="ko-KR" sz="1000" b="0" i="0" u="none" strike="noStrike" cap="none" normalizeH="0" baseline="0" dirty="0" smtClean="0">
+                      <a:endParaRPr kumimoji="0" lang="ko-KR" altLang="ko-KR" sz="1000" b="0" i="0" u="none" strike="noStrike" cap="none" normalizeH="0" baseline="0" dirty="0">
                         <a:ln>
                           <a:noFill/>
                         </a:ln>
@@ -8395,7 +8551,7 @@
                         <a:buNone/>
                         <a:tabLst/>
                       </a:pPr>
-                      <a:endParaRPr kumimoji="0" lang="ko-KR" altLang="ko-KR" sz="1000" b="0" i="0" u="none" strike="noStrike" cap="none" normalizeH="0" baseline="0" dirty="0" smtClean="0">
+                      <a:endParaRPr kumimoji="0" lang="ko-KR" altLang="ko-KR" sz="1000" b="0" i="0" u="none" strike="noStrike" cap="none" normalizeH="0" baseline="0" dirty="0">
                         <a:ln>
                           <a:noFill/>
                         </a:ln>
@@ -8450,6 +8606,11 @@
                     </a:solidFill>
                   </a:tcPr>
                 </a:tc>
+                <a:extLst>
+                  <a:ext uri="{0D108BD9-81ED-4DB2-BD59-A6C34878D82A}">
+                    <a16:rowId xmlns:a16="http://schemas.microsoft.com/office/drawing/2014/main" val="10008"/>
+                  </a:ext>
+                </a:extLst>
               </a:tr>
               <a:tr h="227013">
                 <a:tc>
@@ -8474,7 +8635,7 @@
                         <a:tabLst/>
                       </a:pPr>
                       <a:r>
-                        <a:rPr kumimoji="0" lang="en-US" altLang="ko-KR" sz="1000" b="0" i="0" u="none" strike="noStrike" cap="none" normalizeH="0" baseline="0" smtClean="0">
+                        <a:rPr kumimoji="0" lang="en-US" altLang="ko-KR" sz="1000" b="0" i="0" u="none" strike="noStrike" cap="none" normalizeH="0" baseline="0">
                           <a:ln>
                             <a:noFill/>
                           </a:ln>
@@ -8487,7 +8648,7 @@
                         </a:rPr>
                         <a:t>9</a:t>
                       </a:r>
-                      <a:endParaRPr kumimoji="0" lang="ko-KR" altLang="ko-KR" sz="1000" b="0" i="0" u="none" strike="noStrike" cap="none" normalizeH="0" baseline="0" smtClean="0">
+                      <a:endParaRPr kumimoji="0" lang="ko-KR" altLang="ko-KR" sz="1000" b="0" i="0" u="none" strike="noStrike" cap="none" normalizeH="0" baseline="0">
                         <a:ln>
                           <a:noFill/>
                         </a:ln>
@@ -8563,7 +8724,7 @@
                         <a:buNone/>
                         <a:tabLst/>
                       </a:pPr>
-                      <a:endParaRPr kumimoji="0" lang="ko-KR" altLang="ko-KR" sz="1000" b="0" i="0" u="none" strike="noStrike" cap="none" normalizeH="0" baseline="0" smtClean="0">
+                      <a:endParaRPr kumimoji="0" lang="ko-KR" altLang="ko-KR" sz="1000" b="0" i="0" u="none" strike="noStrike" cap="none" normalizeH="0" baseline="0">
                         <a:ln>
                           <a:noFill/>
                         </a:ln>
@@ -8645,7 +8806,7 @@
                         <a:buNone/>
                         <a:tabLst/>
                       </a:pPr>
-                      <a:endParaRPr kumimoji="0" lang="ko-KR" altLang="ko-KR" sz="1000" b="0" i="0" u="none" strike="noStrike" cap="none" normalizeH="0" baseline="0" smtClean="0">
+                      <a:endParaRPr kumimoji="0" lang="ko-KR" altLang="ko-KR" sz="1000" b="0" i="0" u="none" strike="noStrike" cap="none" normalizeH="0" baseline="0">
                         <a:ln>
                           <a:noFill/>
                         </a:ln>
@@ -8727,7 +8888,7 @@
                         <a:buChar char="•"/>
                         <a:tabLst/>
                       </a:pPr>
-                      <a:endParaRPr kumimoji="0" lang="ko-KR" altLang="ko-KR" sz="1000" b="0" i="0" u="none" strike="noStrike" cap="none" normalizeH="0" baseline="0" dirty="0" smtClean="0">
+                      <a:endParaRPr kumimoji="0" lang="ko-KR" altLang="ko-KR" sz="1000" b="0" i="0" u="none" strike="noStrike" cap="none" normalizeH="0" baseline="0" dirty="0">
                         <a:ln>
                           <a:noFill/>
                         </a:ln>
@@ -8809,7 +8970,7 @@
                         <a:buNone/>
                         <a:tabLst/>
                       </a:pPr>
-                      <a:endParaRPr kumimoji="0" lang="ko-KR" altLang="ko-KR" sz="1000" b="0" i="0" u="none" strike="noStrike" cap="none" normalizeH="0" baseline="0" smtClean="0">
+                      <a:endParaRPr kumimoji="0" lang="ko-KR" altLang="ko-KR" sz="1000" b="0" i="0" u="none" strike="noStrike" cap="none" normalizeH="0" baseline="0">
                         <a:ln>
                           <a:noFill/>
                         </a:ln>
@@ -8891,7 +9052,7 @@
                         <a:buNone/>
                         <a:tabLst/>
                       </a:pPr>
-                      <a:endParaRPr kumimoji="0" lang="ko-KR" altLang="ko-KR" sz="1000" b="0" i="0" u="none" strike="noStrike" cap="none" normalizeH="0" baseline="0" dirty="0" smtClean="0">
+                      <a:endParaRPr kumimoji="0" lang="ko-KR" altLang="ko-KR" sz="1000" b="0" i="0" u="none" strike="noStrike" cap="none" normalizeH="0" baseline="0" dirty="0">
                         <a:ln>
                           <a:noFill/>
                         </a:ln>
@@ -8946,6 +9107,11 @@
                     </a:solidFill>
                   </a:tcPr>
                 </a:tc>
+                <a:extLst>
+                  <a:ext uri="{0D108BD9-81ED-4DB2-BD59-A6C34878D82A}">
+                    <a16:rowId xmlns:a16="http://schemas.microsoft.com/office/drawing/2014/main" val="10009"/>
+                  </a:ext>
+                </a:extLst>
               </a:tr>
               <a:tr h="227013">
                 <a:tc>
@@ -8970,7 +9136,7 @@
                         <a:tabLst/>
                       </a:pPr>
                       <a:r>
-                        <a:rPr kumimoji="0" lang="en-US" altLang="ko-KR" sz="1000" b="0" i="0" u="none" strike="noStrike" cap="none" normalizeH="0" baseline="0" smtClean="0">
+                        <a:rPr kumimoji="0" lang="en-US" altLang="ko-KR" sz="1000" b="0" i="0" u="none" strike="noStrike" cap="none" normalizeH="0" baseline="0">
                           <a:ln>
                             <a:noFill/>
                           </a:ln>
@@ -8983,7 +9149,7 @@
                         </a:rPr>
                         <a:t>10</a:t>
                       </a:r>
-                      <a:endParaRPr kumimoji="0" lang="ko-KR" altLang="ko-KR" sz="1000" b="0" i="0" u="none" strike="noStrike" cap="none" normalizeH="0" baseline="0" smtClean="0">
+                      <a:endParaRPr kumimoji="0" lang="ko-KR" altLang="ko-KR" sz="1000" b="0" i="0" u="none" strike="noStrike" cap="none" normalizeH="0" baseline="0">
                         <a:ln>
                           <a:noFill/>
                         </a:ln>
@@ -9059,7 +9225,7 @@
                         <a:buNone/>
                         <a:tabLst/>
                       </a:pPr>
-                      <a:endParaRPr kumimoji="0" lang="ko-KR" altLang="ko-KR" sz="1000" b="0" i="0" u="none" strike="noStrike" cap="none" normalizeH="0" baseline="0" dirty="0" smtClean="0">
+                      <a:endParaRPr kumimoji="0" lang="ko-KR" altLang="ko-KR" sz="1000" b="0" i="0" u="none" strike="noStrike" cap="none" normalizeH="0" baseline="0" dirty="0">
                         <a:ln>
                           <a:noFill/>
                         </a:ln>
@@ -9141,7 +9307,7 @@
                         <a:buNone/>
                         <a:tabLst/>
                       </a:pPr>
-                      <a:endParaRPr kumimoji="0" lang="ko-KR" altLang="ko-KR" sz="1000" b="0" i="0" u="none" strike="noStrike" cap="none" normalizeH="0" baseline="0" smtClean="0">
+                      <a:endParaRPr kumimoji="0" lang="ko-KR" altLang="ko-KR" sz="1000" b="0" i="0" u="none" strike="noStrike" cap="none" normalizeH="0" baseline="0">
                         <a:ln>
                           <a:noFill/>
                         </a:ln>
@@ -9223,7 +9389,7 @@
                         <a:buChar char="•"/>
                         <a:tabLst/>
                       </a:pPr>
-                      <a:endParaRPr kumimoji="0" lang="ko-KR" altLang="ko-KR" sz="1000" b="0" i="0" u="none" strike="noStrike" cap="none" normalizeH="0" baseline="0" dirty="0" smtClean="0">
+                      <a:endParaRPr kumimoji="0" lang="ko-KR" altLang="ko-KR" sz="1000" b="0" i="0" u="none" strike="noStrike" cap="none" normalizeH="0" baseline="0" dirty="0">
                         <a:ln>
                           <a:noFill/>
                         </a:ln>
@@ -9305,7 +9471,7 @@
                         <a:buNone/>
                         <a:tabLst/>
                       </a:pPr>
-                      <a:endParaRPr kumimoji="0" lang="ko-KR" altLang="ko-KR" sz="1000" b="0" i="0" u="none" strike="noStrike" cap="none" normalizeH="0" baseline="0" smtClean="0">
+                      <a:endParaRPr kumimoji="0" lang="ko-KR" altLang="ko-KR" sz="1000" b="0" i="0" u="none" strike="noStrike" cap="none" normalizeH="0" baseline="0">
                         <a:ln>
                           <a:noFill/>
                         </a:ln>
@@ -9387,7 +9553,7 @@
                         <a:buNone/>
                         <a:tabLst/>
                       </a:pPr>
-                      <a:endParaRPr kumimoji="0" lang="ko-KR" altLang="ko-KR" sz="1000" b="0" i="0" u="none" strike="noStrike" cap="none" normalizeH="0" baseline="0" smtClean="0">
+                      <a:endParaRPr kumimoji="0" lang="ko-KR" altLang="ko-KR" sz="1000" b="0" i="0" u="none" strike="noStrike" cap="none" normalizeH="0" baseline="0">
                         <a:ln>
                           <a:noFill/>
                         </a:ln>
@@ -9442,6 +9608,11 @@
                     </a:solidFill>
                   </a:tcPr>
                 </a:tc>
+                <a:extLst>
+                  <a:ext uri="{0D108BD9-81ED-4DB2-BD59-A6C34878D82A}">
+                    <a16:rowId xmlns:a16="http://schemas.microsoft.com/office/drawing/2014/main" val="10010"/>
+                  </a:ext>
+                </a:extLst>
               </a:tr>
               <a:tr h="227013">
                 <a:tc>
@@ -9466,7 +9637,7 @@
                         <a:tabLst/>
                       </a:pPr>
                       <a:r>
-                        <a:rPr kumimoji="0" lang="en-US" altLang="ko-KR" sz="1000" b="0" i="0" u="none" strike="noStrike" cap="none" normalizeH="0" baseline="0" smtClean="0">
+                        <a:rPr kumimoji="0" lang="en-US" altLang="ko-KR" sz="1000" b="0" i="0" u="none" strike="noStrike" cap="none" normalizeH="0" baseline="0">
                           <a:ln>
                             <a:noFill/>
                           </a:ln>
@@ -9479,7 +9650,7 @@
                         </a:rPr>
                         <a:t>11</a:t>
                       </a:r>
-                      <a:endParaRPr kumimoji="0" lang="ko-KR" altLang="ko-KR" sz="1000" b="0" i="0" u="none" strike="noStrike" cap="none" normalizeH="0" baseline="0" smtClean="0">
+                      <a:endParaRPr kumimoji="0" lang="ko-KR" altLang="ko-KR" sz="1000" b="0" i="0" u="none" strike="noStrike" cap="none" normalizeH="0" baseline="0">
                         <a:ln>
                           <a:noFill/>
                         </a:ln>
@@ -9555,7 +9726,7 @@
                         <a:buNone/>
                         <a:tabLst/>
                       </a:pPr>
-                      <a:endParaRPr kumimoji="0" lang="ko-KR" altLang="ko-KR" sz="1000" b="0" i="0" u="none" strike="noStrike" cap="none" normalizeH="0" baseline="0" smtClean="0">
+                      <a:endParaRPr kumimoji="0" lang="ko-KR" altLang="ko-KR" sz="1000" b="0" i="0" u="none" strike="noStrike" cap="none" normalizeH="0" baseline="0">
                         <a:ln>
                           <a:noFill/>
                         </a:ln>
@@ -9637,7 +9808,7 @@
                         <a:buNone/>
                         <a:tabLst/>
                       </a:pPr>
-                      <a:endParaRPr kumimoji="0" lang="ko-KR" altLang="ko-KR" sz="1000" b="0" i="0" u="none" strike="noStrike" cap="none" normalizeH="0" baseline="0" smtClean="0">
+                      <a:endParaRPr kumimoji="0" lang="ko-KR" altLang="ko-KR" sz="1000" b="0" i="0" u="none" strike="noStrike" cap="none" normalizeH="0" baseline="0">
                         <a:ln>
                           <a:noFill/>
                         </a:ln>
@@ -9719,7 +9890,7 @@
                         <a:buChar char="•"/>
                         <a:tabLst/>
                       </a:pPr>
-                      <a:endParaRPr kumimoji="0" lang="ko-KR" altLang="ko-KR" sz="1000" b="0" i="0" u="none" strike="noStrike" cap="none" normalizeH="0" baseline="0" dirty="0" smtClean="0">
+                      <a:endParaRPr kumimoji="0" lang="ko-KR" altLang="ko-KR" sz="1000" b="0" i="0" u="none" strike="noStrike" cap="none" normalizeH="0" baseline="0" dirty="0">
                         <a:ln>
                           <a:noFill/>
                         </a:ln>
@@ -9801,7 +9972,7 @@
                         <a:buNone/>
                         <a:tabLst/>
                       </a:pPr>
-                      <a:endParaRPr kumimoji="0" lang="ko-KR" altLang="ko-KR" sz="1000" b="0" i="0" u="none" strike="noStrike" cap="none" normalizeH="0" baseline="0" dirty="0" smtClean="0">
+                      <a:endParaRPr kumimoji="0" lang="ko-KR" altLang="ko-KR" sz="1000" b="0" i="0" u="none" strike="noStrike" cap="none" normalizeH="0" baseline="0" dirty="0">
                         <a:ln>
                           <a:noFill/>
                         </a:ln>
@@ -9883,7 +10054,7 @@
                         <a:buNone/>
                         <a:tabLst/>
                       </a:pPr>
-                      <a:endParaRPr kumimoji="0" lang="ko-KR" altLang="ko-KR" sz="1000" b="0" i="0" u="none" strike="noStrike" cap="none" normalizeH="0" baseline="0" dirty="0" smtClean="0">
+                      <a:endParaRPr kumimoji="0" lang="ko-KR" altLang="ko-KR" sz="1000" b="0" i="0" u="none" strike="noStrike" cap="none" normalizeH="0" baseline="0" dirty="0">
                         <a:ln>
                           <a:noFill/>
                         </a:ln>
@@ -9938,6 +10109,11 @@
                     </a:solidFill>
                   </a:tcPr>
                 </a:tc>
+                <a:extLst>
+                  <a:ext uri="{0D108BD9-81ED-4DB2-BD59-A6C34878D82A}">
+                    <a16:rowId xmlns:a16="http://schemas.microsoft.com/office/drawing/2014/main" val="10011"/>
+                  </a:ext>
+                </a:extLst>
               </a:tr>
             </a:tbl>
           </a:graphicData>
@@ -9966,8 +10142,20 @@
             <a:tbl>
               <a:tblPr/>
               <a:tblGrid>
-                <a:gridCol w="1319212"/>
-                <a:gridCol w="1317625"/>
+                <a:gridCol w="1319212">
+                  <a:extLst>
+                    <a:ext uri="{9D8B030D-6E8A-4147-A177-3AD203B41FA5}">
+                      <a16:colId xmlns:a16="http://schemas.microsoft.com/office/drawing/2014/main" val="20000"/>
+                    </a:ext>
+                  </a:extLst>
+                </a:gridCol>
+                <a:gridCol w="1317625">
+                  <a:extLst>
+                    <a:ext uri="{9D8B030D-6E8A-4147-A177-3AD203B41FA5}">
+                      <a16:colId xmlns:a16="http://schemas.microsoft.com/office/drawing/2014/main" val="20001"/>
+                    </a:ext>
+                  </a:extLst>
+                </a:gridCol>
               </a:tblGrid>
               <a:tr h="471488">
                 <a:tc>
@@ -9992,7 +10180,7 @@
                         <a:tabLst/>
                       </a:pPr>
                       <a:r>
-                        <a:rPr kumimoji="0" lang="ko-KR" altLang="en-US" sz="1200" b="0" i="0" u="none" strike="noStrike" cap="none" normalizeH="0" baseline="0" dirty="0" smtClean="0">
+                        <a:rPr kumimoji="0" lang="ko-KR" altLang="en-US" sz="1200" b="0" i="0" u="none" strike="noStrike" cap="none" normalizeH="0" baseline="0" dirty="0">
                           <a:ln>
                             <a:noFill/>
                           </a:ln>
@@ -10005,7 +10193,7 @@
                         </a:rPr>
                         <a:t>검토</a:t>
                       </a:r>
-                      <a:endParaRPr kumimoji="0" lang="en-US" altLang="ko-KR" sz="1200" b="0" i="0" u="none" strike="noStrike" cap="none" normalizeH="0" baseline="0" dirty="0" smtClean="0">
+                      <a:endParaRPr kumimoji="0" lang="en-US" altLang="ko-KR" sz="1200" b="0" i="0" u="none" strike="noStrike" cap="none" normalizeH="0" baseline="0" dirty="0">
                         <a:ln>
                           <a:noFill/>
                         </a:ln>
@@ -10086,7 +10274,7 @@
                         <a:tabLst/>
                       </a:pPr>
                       <a:r>
-                        <a:rPr kumimoji="0" lang="ko-KR" altLang="en-US" sz="1200" b="0" i="0" u="none" strike="noStrike" cap="none" normalizeH="0" baseline="0" smtClean="0">
+                        <a:rPr kumimoji="0" lang="ko-KR" altLang="en-US" sz="1200" b="0" i="0" u="none" strike="noStrike" cap="none" normalizeH="0" baseline="0">
                           <a:ln>
                             <a:noFill/>
                           </a:ln>
@@ -10147,6 +10335,11 @@
                     <a:noFill/>
                   </a:tcPr>
                 </a:tc>
+                <a:extLst>
+                  <a:ext uri="{0D108BD9-81ED-4DB2-BD59-A6C34878D82A}">
+                    <a16:rowId xmlns:a16="http://schemas.microsoft.com/office/drawing/2014/main" val="10000"/>
+                  </a:ext>
+                </a:extLst>
               </a:tr>
               <a:tr h="608012">
                 <a:tc>
@@ -10171,7 +10364,7 @@
                         <a:tabLst/>
                       </a:pPr>
                       <a:r>
-                        <a:rPr kumimoji="0" lang="ko-KR" altLang="en-US" sz="1200" b="0" i="0" u="none" strike="noStrike" cap="none" normalizeH="0" baseline="0" dirty="0" err="1" smtClean="0">
+                        <a:rPr kumimoji="0" lang="ko-KR" altLang="en-US" sz="1200" b="0" i="0" u="none" strike="noStrike" cap="none" normalizeH="0" baseline="0" dirty="0" err="1">
                           <a:ln>
                             <a:noFill/>
                           </a:ln>
@@ -10184,7 +10377,7 @@
                         </a:rPr>
                         <a:t>수학팀</a:t>
                       </a:r>
-                      <a:endParaRPr kumimoji="0" lang="ko-KR" altLang="ko-KR" sz="1200" b="0" i="0" u="none" strike="noStrike" cap="none" normalizeH="0" baseline="0" dirty="0" smtClean="0">
+                      <a:endParaRPr kumimoji="0" lang="ko-KR" altLang="ko-KR" sz="1200" b="0" i="0" u="none" strike="noStrike" cap="none" normalizeH="0" baseline="0" dirty="0">
                         <a:ln>
                           <a:noFill/>
                         </a:ln>
@@ -10265,7 +10458,7 @@
                         <a:tabLst/>
                       </a:pPr>
                       <a:r>
-                        <a:rPr kumimoji="0" lang="ko-KR" altLang="en-US" sz="1200" b="0" i="0" u="none" strike="noStrike" cap="none" normalizeH="0" baseline="0" dirty="0" smtClean="0">
+                        <a:rPr kumimoji="0" lang="ko-KR" altLang="en-US" sz="1200" b="0" i="0" u="none" strike="noStrike" cap="none" normalizeH="0" baseline="0" dirty="0">
                           <a:ln>
                             <a:noFill/>
                           </a:ln>
@@ -10326,6 +10519,11 @@
                     <a:noFill/>
                   </a:tcPr>
                 </a:tc>
+                <a:extLst>
+                  <a:ext uri="{0D108BD9-81ED-4DB2-BD59-A6C34878D82A}">
+                    <a16:rowId xmlns:a16="http://schemas.microsoft.com/office/drawing/2014/main" val="10001"/>
+                  </a:ext>
+                </a:extLst>
               </a:tr>
             </a:tbl>
           </a:graphicData>
@@ -10409,8 +10607,20 @@
             <a:tbl>
               <a:tblPr/>
               <a:tblGrid>
-                <a:gridCol w="1764767"/>
-                <a:gridCol w="4499508"/>
+                <a:gridCol w="1764767">
+                  <a:extLst>
+                    <a:ext uri="{9D8B030D-6E8A-4147-A177-3AD203B41FA5}">
+                      <a16:colId xmlns:a16="http://schemas.microsoft.com/office/drawing/2014/main" val="20000"/>
+                    </a:ext>
+                  </a:extLst>
+                </a:gridCol>
+                <a:gridCol w="4499508">
+                  <a:extLst>
+                    <a:ext uri="{9D8B030D-6E8A-4147-A177-3AD203B41FA5}">
+                      <a16:colId xmlns:a16="http://schemas.microsoft.com/office/drawing/2014/main" val="20001"/>
+                    </a:ext>
+                  </a:extLst>
+                </a:gridCol>
               </a:tblGrid>
               <a:tr h="360362">
                 <a:tc>
@@ -10435,7 +10645,7 @@
                         <a:tabLst/>
                       </a:pPr>
                       <a:r>
-                        <a:rPr kumimoji="0" lang="ko-KR" altLang="en-US" sz="1200" b="0" i="0" u="none" strike="noStrike" cap="none" normalizeH="0" baseline="0" dirty="0" smtClean="0">
+                        <a:rPr kumimoji="0" lang="ko-KR" altLang="en-US" sz="1200" b="0" i="0" u="none" strike="noStrike" cap="none" normalizeH="0" baseline="0" dirty="0">
                           <a:ln>
                             <a:noFill/>
                           </a:ln>
@@ -10449,7 +10659,7 @@
                         <a:t>과목</a:t>
                       </a:r>
                       <a:r>
-                        <a:rPr kumimoji="0" lang="en-US" altLang="ko-KR" sz="1200" b="0" i="0" u="none" strike="noStrike" cap="none" normalizeH="0" baseline="0" dirty="0" smtClean="0">
+                        <a:rPr kumimoji="0" lang="en-US" altLang="ko-KR" sz="1200" b="0" i="0" u="none" strike="noStrike" cap="none" normalizeH="0" baseline="0" dirty="0">
                           <a:ln>
                             <a:noFill/>
                           </a:ln>
@@ -10463,7 +10673,7 @@
                         <a:t>_</a:t>
                       </a:r>
                       <a:r>
-                        <a:rPr kumimoji="0" lang="ko-KR" altLang="en-US" sz="1200" b="0" i="0" u="none" strike="noStrike" cap="none" normalizeH="0" baseline="0" dirty="0" smtClean="0">
+                        <a:rPr kumimoji="0" lang="ko-KR" altLang="en-US" sz="1200" b="0" i="0" u="none" strike="noStrike" cap="none" normalizeH="0" baseline="0" dirty="0">
                           <a:ln>
                             <a:noFill/>
                           </a:ln>
@@ -10477,7 +10687,7 @@
                         <a:t>학년학기</a:t>
                       </a:r>
                       <a:r>
-                        <a:rPr kumimoji="0" lang="en-US" altLang="ko-KR" sz="1200" b="0" i="0" u="none" strike="noStrike" cap="none" normalizeH="0" baseline="0" dirty="0" smtClean="0">
+                        <a:rPr kumimoji="0" lang="en-US" altLang="ko-KR" sz="1200" b="0" i="0" u="none" strike="noStrike" cap="none" normalizeH="0" baseline="0" dirty="0">
                           <a:ln>
                             <a:noFill/>
                           </a:ln>
@@ -10491,7 +10701,7 @@
                         <a:t>_</a:t>
                       </a:r>
                       <a:r>
-                        <a:rPr kumimoji="0" lang="ko-KR" altLang="en-US" sz="1200" b="0" i="0" u="none" strike="noStrike" cap="none" normalizeH="0" baseline="0" dirty="0" smtClean="0">
+                        <a:rPr kumimoji="0" lang="ko-KR" altLang="en-US" sz="1200" b="0" i="0" u="none" strike="noStrike" cap="none" normalizeH="0" baseline="0" dirty="0">
                           <a:ln>
                             <a:noFill/>
                           </a:ln>
@@ -10505,7 +10715,7 @@
                         <a:t>단원</a:t>
                       </a:r>
                       <a:r>
-                        <a:rPr kumimoji="0" lang="en-US" altLang="ko-KR" sz="1200" b="0" i="0" u="none" strike="noStrike" cap="none" normalizeH="0" baseline="0" dirty="0" smtClean="0">
+                        <a:rPr kumimoji="0" lang="en-US" altLang="ko-KR" sz="1200" b="0" i="0" u="none" strike="noStrike" cap="none" normalizeH="0" baseline="0" dirty="0">
                           <a:ln>
                             <a:noFill/>
                           </a:ln>
@@ -10518,7 +10728,7 @@
                         </a:rPr>
                         <a:t> </a:t>
                       </a:r>
-                      <a:endParaRPr kumimoji="0" lang="ko-KR" altLang="en-US" sz="1200" b="0" i="0" u="none" strike="noStrike" cap="none" normalizeH="0" baseline="0" dirty="0" smtClean="0">
+                      <a:endParaRPr kumimoji="0" lang="ko-KR" altLang="en-US" sz="1200" b="0" i="0" u="none" strike="noStrike" cap="none" normalizeH="0" baseline="0" dirty="0">
                         <a:ln>
                           <a:noFill/>
                         </a:ln>
@@ -10599,7 +10809,7 @@
                         <a:tabLst/>
                       </a:pPr>
                       <a:r>
-                        <a:rPr kumimoji="0" lang="en-US" altLang="ko-KR" sz="1200" b="0" i="0" u="none" strike="noStrike" cap="none" normalizeH="0" baseline="0" dirty="0" smtClean="0">
+                        <a:rPr kumimoji="0" lang="en-US" altLang="ko-KR" sz="1200" b="0" i="0" u="none" strike="noStrike" cap="none" normalizeH="0" baseline="0" dirty="0">
                           <a:ln>
                             <a:noFill/>
                           </a:ln>
@@ -10612,7 +10822,7 @@
                         </a:rPr>
                         <a:t>suhi_h_0301_02</a:t>
                       </a:r>
-                      <a:endParaRPr kumimoji="0" lang="ko-KR" altLang="en-US" sz="1200" b="0" i="0" u="none" strike="noStrike" cap="none" normalizeH="0" baseline="0" dirty="0" smtClean="0">
+                      <a:endParaRPr kumimoji="0" lang="ko-KR" altLang="en-US" sz="1200" b="0" i="0" u="none" strike="noStrike" cap="none" normalizeH="0" baseline="0" dirty="0">
                         <a:ln>
                           <a:noFill/>
                         </a:ln>
@@ -10671,6 +10881,11 @@
                     <a:noFill/>
                   </a:tcPr>
                 </a:tc>
+                <a:extLst>
+                  <a:ext uri="{0D108BD9-81ED-4DB2-BD59-A6C34878D82A}">
+                    <a16:rowId xmlns:a16="http://schemas.microsoft.com/office/drawing/2014/main" val="10000"/>
+                  </a:ext>
+                </a:extLst>
               </a:tr>
               <a:tr h="360362">
                 <a:tc>
@@ -10695,7 +10910,7 @@
                         <a:tabLst/>
                       </a:pPr>
                       <a:r>
-                        <a:rPr kumimoji="0" lang="ko-KR" altLang="en-US" sz="1200" b="0" i="0" u="none" strike="noStrike" cap="none" normalizeH="0" baseline="0" smtClean="0">
+                        <a:rPr kumimoji="0" lang="ko-KR" altLang="en-US" sz="1200" b="0" i="0" u="none" strike="noStrike" cap="none" normalizeH="0" baseline="0">
                           <a:ln>
                             <a:noFill/>
                           </a:ln>
@@ -10778,7 +10993,7 @@
                         <a:tabLst/>
                       </a:pPr>
                       <a:r>
-                        <a:rPr kumimoji="0" lang="en-US" altLang="ko-KR" sz="1200" b="0" i="0" u="none" strike="noStrike" cap="none" normalizeH="0" baseline="0" dirty="0" smtClean="0">
+                        <a:rPr kumimoji="0" lang="en-US" altLang="ko-KR" sz="1200" b="0" i="0" u="none" strike="noStrike" cap="none" normalizeH="0" baseline="0" dirty="0">
                           <a:ln>
                             <a:noFill/>
                           </a:ln>
@@ -10792,7 +11007,7 @@
                         <a:t>04 </a:t>
                       </a:r>
                       <a:r>
-                        <a:rPr kumimoji="0" lang="ko-KR" altLang="en-US" sz="1200" b="0" i="0" u="none" strike="noStrike" cap="none" normalizeH="0" baseline="0" dirty="0" smtClean="0">
+                        <a:rPr kumimoji="0" lang="ko-KR" altLang="en-US" sz="1200" b="0" i="0" u="none" strike="noStrike" cap="none" normalizeH="0" baseline="0" dirty="0">
                           <a:ln>
                             <a:noFill/>
                           </a:ln>
@@ -10853,6 +11068,11 @@
                     <a:noFill/>
                   </a:tcPr>
                 </a:tc>
+                <a:extLst>
+                  <a:ext uri="{0D108BD9-81ED-4DB2-BD59-A6C34878D82A}">
+                    <a16:rowId xmlns:a16="http://schemas.microsoft.com/office/drawing/2014/main" val="10001"/>
+                  </a:ext>
+                </a:extLst>
               </a:tr>
               <a:tr h="360362">
                 <a:tc>
@@ -10877,7 +11097,7 @@
                         <a:tabLst/>
                       </a:pPr>
                       <a:r>
-                        <a:rPr kumimoji="0" lang="ko-KR" altLang="en-US" sz="1200" b="0" i="0" u="none" strike="noStrike" cap="none" normalizeH="0" baseline="0" smtClean="0">
+                        <a:rPr kumimoji="0" lang="ko-KR" altLang="en-US" sz="1200" b="0" i="0" u="none" strike="noStrike" cap="none" normalizeH="0" baseline="0">
                           <a:ln>
                             <a:noFill/>
                           </a:ln>
@@ -10961,7 +11181,7 @@
                         <a:defRPr/>
                       </a:pPr>
                       <a:r>
-                        <a:rPr kumimoji="0" lang="en-US" altLang="ko-KR" sz="1200" b="0" i="0" u="none" strike="noStrike" cap="none" normalizeH="0" baseline="0" dirty="0" smtClean="0">
+                        <a:rPr kumimoji="0" lang="en-US" altLang="ko-KR" sz="1200" b="0" i="0" u="none" strike="noStrike" cap="none" normalizeH="0" baseline="0" dirty="0">
                           <a:ln>
                             <a:noFill/>
                           </a:ln>
@@ -10974,7 +11194,7 @@
                         </a:rPr>
                         <a:t>suhi_h_0301_02_0004</a:t>
                       </a:r>
-                      <a:endParaRPr kumimoji="0" lang="ko-KR" altLang="en-US" sz="1200" b="0" i="0" u="none" strike="noStrike" cap="none" normalizeH="0" baseline="0" dirty="0" smtClean="0">
+                      <a:endParaRPr kumimoji="0" lang="ko-KR" altLang="en-US" sz="1200" b="0" i="0" u="none" strike="noStrike" cap="none" normalizeH="0" baseline="0" dirty="0">
                         <a:ln>
                           <a:noFill/>
                         </a:ln>
@@ -11033,6 +11253,11 @@
                     <a:noFill/>
                   </a:tcPr>
                 </a:tc>
+                <a:extLst>
+                  <a:ext uri="{0D108BD9-81ED-4DB2-BD59-A6C34878D82A}">
+                    <a16:rowId xmlns:a16="http://schemas.microsoft.com/office/drawing/2014/main" val="10002"/>
+                  </a:ext>
+                </a:extLst>
               </a:tr>
             </a:tbl>
           </a:graphicData>
@@ -11043,13 +11268,6 @@
   <p:clrMapOvr>
     <a:masterClrMapping/>
   </p:clrMapOvr>
-  <p:timing>
-    <p:tnLst>
-      <p:par>
-        <p:cTn id="1" dur="indefinite" restart="never" nodeType="tmRoot"/>
-      </p:par>
-    </p:tnLst>
-  </p:timing>
 </p:sld>
 </file>
 
@@ -11093,11 +11311,41 @@
             <a:tbl>
               <a:tblPr/>
               <a:tblGrid>
-                <a:gridCol w="739326"/>
-                <a:gridCol w="3689290"/>
-                <a:gridCol w="1258111"/>
-                <a:gridCol w="1154157"/>
-                <a:gridCol w="1944215"/>
+                <a:gridCol w="739326">
+                  <a:extLst>
+                    <a:ext uri="{9D8B030D-6E8A-4147-A177-3AD203B41FA5}">
+                      <a16:colId xmlns:a16="http://schemas.microsoft.com/office/drawing/2014/main" val="20000"/>
+                    </a:ext>
+                  </a:extLst>
+                </a:gridCol>
+                <a:gridCol w="3689290">
+                  <a:extLst>
+                    <a:ext uri="{9D8B030D-6E8A-4147-A177-3AD203B41FA5}">
+                      <a16:colId xmlns:a16="http://schemas.microsoft.com/office/drawing/2014/main" val="20001"/>
+                    </a:ext>
+                  </a:extLst>
+                </a:gridCol>
+                <a:gridCol w="1258111">
+                  <a:extLst>
+                    <a:ext uri="{9D8B030D-6E8A-4147-A177-3AD203B41FA5}">
+                      <a16:colId xmlns:a16="http://schemas.microsoft.com/office/drawing/2014/main" val="20002"/>
+                    </a:ext>
+                  </a:extLst>
+                </a:gridCol>
+                <a:gridCol w="1154157">
+                  <a:extLst>
+                    <a:ext uri="{9D8B030D-6E8A-4147-A177-3AD203B41FA5}">
+                      <a16:colId xmlns:a16="http://schemas.microsoft.com/office/drawing/2014/main" val="20003"/>
+                    </a:ext>
+                  </a:extLst>
+                </a:gridCol>
+                <a:gridCol w="1944215">
+                  <a:extLst>
+                    <a:ext uri="{9D8B030D-6E8A-4147-A177-3AD203B41FA5}">
+                      <a16:colId xmlns:a16="http://schemas.microsoft.com/office/drawing/2014/main" val="20004"/>
+                    </a:ext>
+                  </a:extLst>
+                </a:gridCol>
               </a:tblGrid>
               <a:tr h="396224">
                 <a:tc>
@@ -11122,7 +11370,7 @@
                         <a:tabLst/>
                       </a:pPr>
                       <a:r>
-                        <a:rPr kumimoji="0" lang="ko-KR" altLang="en-US" sz="1000" b="1" i="0" u="none" strike="noStrike" cap="none" normalizeH="0" baseline="0" dirty="0" smtClean="0">
+                        <a:rPr kumimoji="0" lang="ko-KR" altLang="en-US" sz="1000" b="1" i="0" u="none" strike="noStrike" cap="none" normalizeH="0" baseline="0" dirty="0">
                           <a:ln>
                             <a:noFill/>
                           </a:ln>
@@ -11207,7 +11455,7 @@
                         <a:tabLst/>
                       </a:pPr>
                       <a:r>
-                        <a:rPr kumimoji="0" lang="ko-KR" altLang="en-US" sz="1100" b="1" i="0" u="none" strike="noStrike" cap="none" normalizeH="0" baseline="0" dirty="0" smtClean="0">
+                        <a:rPr kumimoji="0" lang="ko-KR" altLang="en-US" sz="1100" b="1" i="0" u="none" strike="noStrike" cap="none" normalizeH="0" baseline="0" dirty="0">
                           <a:ln>
                             <a:noFill/>
                           </a:ln>
@@ -11292,7 +11540,7 @@
                         <a:tabLst/>
                       </a:pPr>
                       <a:r>
-                        <a:rPr kumimoji="0" lang="ko-KR" altLang="en-US" sz="1100" b="1" i="0" u="none" strike="noStrike" cap="none" normalizeH="0" baseline="0" dirty="0" smtClean="0">
+                        <a:rPr kumimoji="0" lang="ko-KR" altLang="en-US" sz="1100" b="1" i="0" u="none" strike="noStrike" cap="none" normalizeH="0" baseline="0" dirty="0">
                           <a:ln>
                             <a:noFill/>
                           </a:ln>
@@ -11377,7 +11625,7 @@
                         <a:tabLst/>
                       </a:pPr>
                       <a:r>
-                        <a:rPr kumimoji="0" lang="ko-KR" altLang="en-US" sz="1100" b="1" i="0" u="none" strike="noStrike" cap="none" normalizeH="0" baseline="0" dirty="0" smtClean="0">
+                        <a:rPr kumimoji="0" lang="ko-KR" altLang="en-US" sz="1100" b="1" i="0" u="none" strike="noStrike" cap="none" normalizeH="0" baseline="0" dirty="0">
                           <a:ln>
                             <a:noFill/>
                           </a:ln>
@@ -11462,7 +11710,7 @@
                         <a:tabLst/>
                       </a:pPr>
                       <a:r>
-                        <a:rPr kumimoji="0" lang="ko-KR" altLang="en-US" sz="1200" b="1" i="0" u="none" strike="noStrike" cap="none" normalizeH="0" baseline="0" dirty="0" smtClean="0">
+                        <a:rPr kumimoji="0" lang="ko-KR" altLang="en-US" sz="1200" b="1" i="0" u="none" strike="noStrike" cap="none" normalizeH="0" baseline="0" dirty="0">
                           <a:ln>
                             <a:noFill/>
                           </a:ln>
@@ -11475,7 +11723,7 @@
                         </a:rPr>
                         <a:t>자료 형태</a:t>
                       </a:r>
-                      <a:endParaRPr kumimoji="0" lang="en-US" altLang="ko-KR" sz="1200" b="1" i="0" u="none" strike="noStrike" cap="none" normalizeH="0" baseline="0" dirty="0" smtClean="0">
+                      <a:endParaRPr kumimoji="0" lang="en-US" altLang="ko-KR" sz="1200" b="1" i="0" u="none" strike="noStrike" cap="none" normalizeH="0" baseline="0" dirty="0">
                         <a:ln>
                           <a:noFill/>
                         </a:ln>
@@ -11505,7 +11753,7 @@
                         <a:tabLst/>
                       </a:pPr>
                       <a:r>
-                        <a:rPr kumimoji="0" lang="en-US" altLang="ko-KR" sz="900" b="1" i="0" u="none" strike="noStrike" cap="none" normalizeH="0" baseline="0" dirty="0" smtClean="0">
+                        <a:rPr kumimoji="0" lang="en-US" altLang="ko-KR" sz="900" b="1" i="0" u="none" strike="noStrike" cap="none" normalizeH="0" baseline="0" dirty="0">
                           <a:ln>
                             <a:noFill/>
                           </a:ln>
@@ -11519,7 +11767,7 @@
                         <a:t>(</a:t>
                       </a:r>
                       <a:r>
-                        <a:rPr kumimoji="0" lang="ko-KR" altLang="en-US" sz="900" b="1" i="0" u="none" strike="noStrike" cap="none" normalizeH="0" baseline="0" dirty="0" smtClean="0">
+                        <a:rPr kumimoji="0" lang="ko-KR" altLang="en-US" sz="900" b="1" i="0" u="none" strike="noStrike" cap="none" normalizeH="0" baseline="0" dirty="0">
                           <a:ln>
                             <a:noFill/>
                           </a:ln>
@@ -11533,7 +11781,7 @@
                         <a:t>동영상</a:t>
                       </a:r>
                       <a:r>
-                        <a:rPr kumimoji="0" lang="en-US" altLang="ko-KR" sz="900" b="1" i="0" u="none" strike="noStrike" cap="none" normalizeH="0" baseline="0" dirty="0" smtClean="0">
+                        <a:rPr kumimoji="0" lang="en-US" altLang="ko-KR" sz="900" b="1" i="0" u="none" strike="noStrike" cap="none" normalizeH="0" baseline="0" dirty="0">
                           <a:ln>
                             <a:noFill/>
                           </a:ln>
@@ -11547,7 +11795,7 @@
                         <a:t>, </a:t>
                       </a:r>
                       <a:r>
-                        <a:rPr kumimoji="0" lang="ko-KR" altLang="en-US" sz="900" b="1" i="0" u="none" strike="noStrike" cap="none" normalizeH="0" baseline="0" dirty="0" smtClean="0">
+                        <a:rPr kumimoji="0" lang="ko-KR" altLang="en-US" sz="900" b="1" i="0" u="none" strike="noStrike" cap="none" normalizeH="0" baseline="0" dirty="0">
                           <a:ln>
                             <a:noFill/>
                           </a:ln>
@@ -11561,7 +11809,7 @@
                         <a:t>애니메이션</a:t>
                       </a:r>
                       <a:r>
-                        <a:rPr kumimoji="0" lang="en-US" altLang="ko-KR" sz="900" b="1" i="0" u="none" strike="noStrike" cap="none" normalizeH="0" baseline="0" dirty="0" smtClean="0">
+                        <a:rPr kumimoji="0" lang="en-US" altLang="ko-KR" sz="900" b="1" i="0" u="none" strike="noStrike" cap="none" normalizeH="0" baseline="0" dirty="0">
                           <a:ln>
                             <a:noFill/>
                           </a:ln>
@@ -11575,7 +11823,7 @@
                         <a:t>, </a:t>
                       </a:r>
                       <a:r>
-                        <a:rPr kumimoji="0" lang="ko-KR" altLang="en-US" sz="900" b="1" i="0" u="none" strike="noStrike" cap="none" normalizeH="0" baseline="0" dirty="0" smtClean="0">
+                        <a:rPr kumimoji="0" lang="ko-KR" altLang="en-US" sz="900" b="1" i="0" u="none" strike="noStrike" cap="none" normalizeH="0" baseline="0" dirty="0">
                           <a:ln>
                             <a:noFill/>
                           </a:ln>
@@ -11589,7 +11837,7 @@
                         <a:t>노래</a:t>
                       </a:r>
                       <a:r>
-                        <a:rPr kumimoji="0" lang="en-US" altLang="ko-KR" sz="900" b="1" i="0" u="none" strike="noStrike" cap="none" normalizeH="0" baseline="0" dirty="0" smtClean="0">
+                        <a:rPr kumimoji="0" lang="en-US" altLang="ko-KR" sz="900" b="1" i="0" u="none" strike="noStrike" cap="none" normalizeH="0" baseline="0" dirty="0">
                           <a:ln>
                             <a:noFill/>
                           </a:ln>
@@ -11602,7 +11850,7 @@
                         </a:rPr>
                         <a:t>)</a:t>
                       </a:r>
-                      <a:endParaRPr kumimoji="0" lang="ko-KR" altLang="en-US" sz="900" b="1" i="0" u="none" strike="noStrike" cap="none" normalizeH="0" baseline="0" dirty="0" smtClean="0">
+                      <a:endParaRPr kumimoji="0" lang="ko-KR" altLang="en-US" sz="900" b="1" i="0" u="none" strike="noStrike" cap="none" normalizeH="0" baseline="0" dirty="0">
                         <a:ln>
                           <a:noFill/>
                         </a:ln>
@@ -11663,6 +11911,11 @@
                     </a:solidFill>
                   </a:tcPr>
                 </a:tc>
+                <a:extLst>
+                  <a:ext uri="{0D108BD9-81ED-4DB2-BD59-A6C34878D82A}">
+                    <a16:rowId xmlns:a16="http://schemas.microsoft.com/office/drawing/2014/main" val="10000"/>
+                  </a:ext>
+                </a:extLst>
               </a:tr>
               <a:tr h="396224">
                 <a:tc>
@@ -11686,7 +11939,7 @@
                         <a:buNone/>
                         <a:tabLst/>
                       </a:pPr>
-                      <a:endParaRPr kumimoji="0" lang="ko-KR" altLang="en-US" sz="1000" b="0" i="0" u="none" strike="noStrike" cap="none" normalizeH="0" baseline="0" dirty="0" smtClean="0">
+                      <a:endParaRPr kumimoji="0" lang="ko-KR" altLang="en-US" sz="1000" b="0" i="0" u="none" strike="noStrike" cap="none" normalizeH="0" baseline="0" dirty="0">
                         <a:ln>
                           <a:noFill/>
                         </a:ln>
@@ -11768,7 +12021,7 @@
                         <a:defRPr/>
                       </a:pPr>
                       <a:r>
-                        <a:rPr kumimoji="0" lang="en-US" altLang="ko-KR" sz="1000" b="0" i="0" u="none" strike="noStrike" cap="none" normalizeH="0" baseline="0" dirty="0" smtClean="0">
+                        <a:rPr kumimoji="0" lang="en-US" altLang="ko-KR" sz="1000" b="0" i="0" u="none" strike="noStrike" cap="none" normalizeH="0" baseline="0" dirty="0">
                           <a:ln>
                             <a:noFill/>
                           </a:ln>
@@ -11781,7 +12034,7 @@
                         </a:rPr>
                         <a:t>suhi_h_0301_02_0004.html</a:t>
                       </a:r>
-                      <a:endParaRPr kumimoji="0" lang="ko-KR" altLang="en-US" sz="1000" b="0" i="0" u="none" strike="noStrike" cap="none" normalizeH="0" baseline="0" dirty="0" smtClean="0">
+                      <a:endParaRPr kumimoji="0" lang="ko-KR" altLang="en-US" sz="1000" b="0" i="0" u="none" strike="noStrike" cap="none" normalizeH="0" baseline="0" dirty="0">
                         <a:ln>
                           <a:noFill/>
                         </a:ln>
@@ -11863,7 +12116,7 @@
                         <a:defRPr/>
                       </a:pPr>
                       <a:r>
-                        <a:rPr kumimoji="0" lang="ko-KR" altLang="en-US" sz="900" b="0" i="0" u="none" strike="noStrike" cap="none" normalizeH="0" baseline="0" dirty="0" smtClean="0">
+                        <a:rPr kumimoji="0" lang="ko-KR" altLang="en-US" sz="900" b="0" i="0" u="none" strike="noStrike" cap="none" normalizeH="0" baseline="0" dirty="0">
                           <a:ln>
                             <a:noFill/>
                           </a:ln>
@@ -11877,7 +12130,7 @@
                         <a:t>수학 익힘 </a:t>
                       </a:r>
                       <a:r>
-                        <a:rPr kumimoji="0" lang="en-US" altLang="ko-KR" sz="900" b="0" i="0" u="none" strike="noStrike" cap="none" normalizeH="0" baseline="0" dirty="0" smtClean="0">
+                        <a:rPr kumimoji="0" lang="en-US" altLang="ko-KR" sz="900" b="0" i="0" u="none" strike="noStrike" cap="none" normalizeH="0" baseline="0" dirty="0">
                           <a:ln>
                             <a:noFill/>
                           </a:ln>
@@ -11891,7 +12144,7 @@
                         <a:t>30~31</a:t>
                       </a:r>
                       <a:r>
-                        <a:rPr kumimoji="0" lang="ko-KR" altLang="en-US" sz="900" b="0" i="0" u="none" strike="noStrike" cap="none" normalizeH="0" baseline="0" dirty="0" smtClean="0">
+                        <a:rPr kumimoji="0" lang="ko-KR" altLang="en-US" sz="900" b="0" i="0" u="none" strike="noStrike" cap="none" normalizeH="0" baseline="0" dirty="0">
                           <a:ln>
                             <a:noFill/>
                           </a:ln>
@@ -11975,7 +12228,7 @@
                         <a:defRPr/>
                       </a:pPr>
                       <a:r>
-                        <a:rPr kumimoji="0" lang="en-US" altLang="ko-KR" sz="900" b="0" i="0" u="none" strike="noStrike" cap="none" normalizeH="0" baseline="0" dirty="0" smtClean="0">
+                        <a:rPr kumimoji="0" lang="en-US" altLang="ko-KR" sz="900" b="0" i="0" u="none" strike="noStrike" cap="none" normalizeH="0" baseline="0" dirty="0">
                           <a:ln>
                             <a:noFill/>
                           </a:ln>
@@ -11988,7 +12241,7 @@
                         </a:rPr>
                         <a:t>1</a:t>
                       </a:r>
-                      <a:endParaRPr kumimoji="0" lang="ko-KR" altLang="en-US" sz="900" b="0" i="0" u="none" strike="noStrike" cap="none" normalizeH="0" baseline="0" dirty="0" smtClean="0">
+                      <a:endParaRPr kumimoji="0" lang="ko-KR" altLang="en-US" sz="900" b="0" i="0" u="none" strike="noStrike" cap="none" normalizeH="0" baseline="0" dirty="0">
                         <a:ln>
                           <a:noFill/>
                         </a:ln>
@@ -12070,7 +12323,7 @@
                         <a:defRPr/>
                       </a:pPr>
                       <a:r>
-                        <a:rPr kumimoji="0" lang="en-US" altLang="ko-KR" sz="900" b="0" i="0" u="none" strike="noStrike" cap="none" normalizeH="0" baseline="0" dirty="0" smtClean="0">
+                        <a:rPr kumimoji="0" lang="en-US" altLang="ko-KR" sz="900" b="0" i="0" u="none" strike="noStrike" cap="none" normalizeH="0" baseline="0" dirty="0">
                           <a:ln>
                             <a:noFill/>
                           </a:ln>
@@ -12083,7 +12336,7 @@
                         </a:rPr>
                         <a:t>Html5</a:t>
                       </a:r>
-                      <a:endParaRPr kumimoji="0" lang="ko-KR" altLang="en-US" sz="900" b="0" i="0" u="none" strike="noStrike" cap="none" normalizeH="0" baseline="0" dirty="0" smtClean="0">
+                      <a:endParaRPr kumimoji="0" lang="ko-KR" altLang="en-US" sz="900" b="0" i="0" u="none" strike="noStrike" cap="none" normalizeH="0" baseline="0" dirty="0">
                         <a:ln>
                           <a:noFill/>
                         </a:ln>
@@ -12142,6 +12395,11 @@
                     <a:noFill/>
                   </a:tcPr>
                 </a:tc>
+                <a:extLst>
+                  <a:ext uri="{0D108BD9-81ED-4DB2-BD59-A6C34878D82A}">
+                    <a16:rowId xmlns:a16="http://schemas.microsoft.com/office/drawing/2014/main" val="10001"/>
+                  </a:ext>
+                </a:extLst>
               </a:tr>
               <a:tr h="396224">
                 <a:tc gridSpan="2">
@@ -12166,7 +12424,7 @@
                         <a:tabLst/>
                       </a:pPr>
                       <a:r>
-                        <a:rPr kumimoji="0" lang="ko-KR" altLang="en-US" sz="1200" b="1" i="0" u="none" strike="noStrike" cap="none" normalizeH="0" baseline="0" dirty="0" smtClean="0">
+                        <a:rPr kumimoji="0" lang="ko-KR" altLang="en-US" sz="1200" b="1" i="0" u="none" strike="noStrike" cap="none" normalizeH="0" baseline="0" dirty="0">
                           <a:ln>
                             <a:noFill/>
                           </a:ln>
@@ -12263,7 +12521,7 @@
                         <a:buNone/>
                         <a:tabLst/>
                       </a:pPr>
-                      <a:endParaRPr kumimoji="0" lang="en-US" altLang="ko-KR" sz="1200" b="0" i="0" u="none" strike="noStrike" cap="none" normalizeH="0" baseline="0" dirty="0" smtClean="0">
+                      <a:endParaRPr kumimoji="0" lang="en-US" altLang="ko-KR" sz="1200" b="0" i="0" u="none" strike="noStrike" cap="none" normalizeH="0" baseline="0" dirty="0">
                         <a:ln>
                           <a:noFill/>
                         </a:ln>
@@ -12348,7 +12606,7 @@
                         <a:tabLst/>
                       </a:pPr>
                       <a:r>
-                        <a:rPr kumimoji="0" lang="en-US" altLang="ko-KR" sz="1200" b="0" i="0" u="none" strike="noStrike" cap="none" normalizeH="0" baseline="0" dirty="0" smtClean="0">
+                        <a:rPr kumimoji="0" lang="en-US" altLang="ko-KR" sz="1200" b="0" i="0" u="none" strike="noStrike" cap="none" normalizeH="0" baseline="0" dirty="0">
                           <a:ln>
                             <a:noFill/>
                           </a:ln>
@@ -12361,7 +12619,7 @@
                         </a:rPr>
                         <a:t>1</a:t>
                       </a:r>
-                      <a:endParaRPr kumimoji="0" lang="ko-KR" altLang="en-US" sz="1200" b="0" i="0" u="none" strike="noStrike" cap="none" normalizeH="0" baseline="0" dirty="0" smtClean="0">
+                      <a:endParaRPr kumimoji="0" lang="ko-KR" altLang="en-US" sz="1200" b="0" i="0" u="none" strike="noStrike" cap="none" normalizeH="0" baseline="0" dirty="0">
                         <a:ln>
                           <a:noFill/>
                         </a:ln>
@@ -12445,7 +12703,7 @@
                         <a:buNone/>
                         <a:tabLst/>
                       </a:pPr>
-                      <a:endParaRPr kumimoji="0" lang="ko-KR" altLang="en-US" sz="1200" b="0" i="0" u="none" strike="noStrike" cap="none" normalizeH="0" baseline="0" dirty="0" smtClean="0">
+                      <a:endParaRPr kumimoji="0" lang="ko-KR" altLang="en-US" sz="1200" b="0" i="0" u="none" strike="noStrike" cap="none" normalizeH="0" baseline="0" dirty="0">
                         <a:ln>
                           <a:noFill/>
                         </a:ln>
@@ -12504,6 +12762,11 @@
                     <a:noFill/>
                   </a:tcPr>
                 </a:tc>
+                <a:extLst>
+                  <a:ext uri="{0D108BD9-81ED-4DB2-BD59-A6C34878D82A}">
+                    <a16:rowId xmlns:a16="http://schemas.microsoft.com/office/drawing/2014/main" val="10002"/>
+                  </a:ext>
+                </a:extLst>
               </a:tr>
             </a:tbl>
           </a:graphicData>
@@ -12514,13 +12777,6 @@
   <p:clrMapOvr>
     <a:masterClrMapping/>
   </p:clrMapOvr>
-  <p:timing>
-    <p:tnLst>
-      <p:par>
-        <p:cTn id="1" dur="indefinite" restart="never" nodeType="tmRoot"/>
-      </p:par>
-    </p:tnLst>
-  </p:timing>
 </p:sld>
 </file>
 
@@ -12612,7 +12868,13 @@
             <a:tbl>
               <a:tblPr/>
               <a:tblGrid>
-                <a:gridCol w="2016125"/>
+                <a:gridCol w="2016125">
+                  <a:extLst>
+                    <a:ext uri="{9D8B030D-6E8A-4147-A177-3AD203B41FA5}">
+                      <a16:colId xmlns:a16="http://schemas.microsoft.com/office/drawing/2014/main" val="20000"/>
+                    </a:ext>
+                  </a:extLst>
+                </a:gridCol>
               </a:tblGrid>
               <a:tr h="189064">
                 <a:tc>
@@ -12637,7 +12899,7 @@
                         <a:tabLst/>
                       </a:pPr>
                       <a:r>
-                        <a:rPr kumimoji="1" lang="en-US" altLang="ko-KR" sz="1000" b="0" i="0" u="none" strike="noStrike" cap="none" normalizeH="0" baseline="0" dirty="0" smtClean="0">
+                        <a:rPr kumimoji="1" lang="en-US" altLang="ko-KR" sz="1000" b="0" i="0" u="none" strike="noStrike" cap="none" normalizeH="0" baseline="0" dirty="0">
                           <a:ln>
                             <a:noFill/>
                           </a:ln>
@@ -12650,7 +12912,7 @@
                         </a:rPr>
                         <a:t>Θ Description &amp; Function</a:t>
                       </a:r>
-                      <a:endParaRPr kumimoji="1" lang="ko-KR" altLang="en-US" sz="1000" b="0" i="0" u="none" strike="noStrike" cap="none" normalizeH="0" baseline="0" dirty="0" smtClean="0">
+                      <a:endParaRPr kumimoji="1" lang="ko-KR" altLang="en-US" sz="1000" b="0" i="0" u="none" strike="noStrike" cap="none" normalizeH="0" baseline="0" dirty="0">
                         <a:ln>
                           <a:noFill/>
                         </a:ln>
@@ -12711,6 +12973,11 @@
                     </a:solidFill>
                   </a:tcPr>
                 </a:tc>
+                <a:extLst>
+                  <a:ext uri="{0D108BD9-81ED-4DB2-BD59-A6C34878D82A}">
+                    <a16:rowId xmlns:a16="http://schemas.microsoft.com/office/drawing/2014/main" val="10000"/>
+                  </a:ext>
+                </a:extLst>
               </a:tr>
             </a:tbl>
           </a:graphicData>
@@ -12742,26 +13009,19 @@
               <a:buAutoNum type="arabicPeriod"/>
             </a:pPr>
             <a:r>
-              <a:rPr lang="ko-KR" altLang="en-US" sz="1000" dirty="0" smtClean="0">
+              <a:rPr lang="ko-KR" altLang="en-US" sz="1000" dirty="0">
                 <a:latin typeface="맑은 고딕" pitchFamily="50" charset="-127"/>
                 <a:ea typeface="맑은 고딕" pitchFamily="50" charset="-127"/>
               </a:rPr>
               <a:t>개념 정리 페이지</a:t>
             </a:r>
-            <a:r>
-              <a:rPr lang="en-US" altLang="ko-KR" sz="1000" dirty="0" smtClean="0">
-                <a:latin typeface="맑은 고딕" pitchFamily="50" charset="-127"/>
-                <a:ea typeface="맑은 고딕" pitchFamily="50" charset="-127"/>
-              </a:rPr>
-              <a:t/>
-            </a:r>
             <a:br>
-              <a:rPr lang="en-US" altLang="ko-KR" sz="1000" dirty="0" smtClean="0">
+              <a:rPr lang="en-US" altLang="ko-KR" sz="1000" dirty="0">
                 <a:latin typeface="맑은 고딕" pitchFamily="50" charset="-127"/>
                 <a:ea typeface="맑은 고딕" pitchFamily="50" charset="-127"/>
               </a:rPr>
             </a:br>
-            <a:endParaRPr lang="en-US" altLang="ko-KR" sz="1000" dirty="0" smtClean="0">
+            <a:endParaRPr lang="en-US" altLang="ko-KR" sz="1000" dirty="0">
               <a:latin typeface="맑은 고딕" pitchFamily="50" charset="-127"/>
               <a:ea typeface="맑은 고딕" pitchFamily="50" charset="-127"/>
             </a:endParaRPr>
@@ -12801,65 +13061,61 @@
               <a:buAutoNum type="arabicPeriod"/>
             </a:pPr>
             <a:r>
-              <a:rPr lang="ko-KR" altLang="en-US" sz="1000" dirty="0" smtClean="0">
+              <a:rPr lang="ko-KR" altLang="en-US" sz="1000" dirty="0">
                 <a:latin typeface="맑은 고딕" pitchFamily="50" charset="-127"/>
                 <a:ea typeface="맑은 고딕" pitchFamily="50" charset="-127"/>
               </a:rPr>
               <a:t>화살표 반짝거리는 효과</a:t>
             </a:r>
             <a:r>
-              <a:rPr lang="en-US" altLang="ko-KR" sz="1000" dirty="0" smtClean="0">
+              <a:rPr lang="en-US" altLang="ko-KR" sz="1000" dirty="0">
                 <a:latin typeface="맑은 고딕" pitchFamily="50" charset="-127"/>
                 <a:ea typeface="맑은 고딕" pitchFamily="50" charset="-127"/>
               </a:rPr>
               <a:t>. </a:t>
             </a:r>
             <a:r>
-              <a:rPr lang="ko-KR" altLang="en-US" sz="1000" dirty="0" smtClean="0">
+              <a:rPr lang="ko-KR" altLang="en-US" sz="1000" dirty="0">
                 <a:latin typeface="맑은 고딕" pitchFamily="50" charset="-127"/>
                 <a:ea typeface="맑은 고딕" pitchFamily="50" charset="-127"/>
               </a:rPr>
               <a:t>화살표 클릭 시 오른쪽 그림</a:t>
             </a:r>
             <a:r>
-              <a:rPr lang="en-US" altLang="ko-KR" sz="1000" dirty="0" smtClean="0">
+              <a:rPr lang="en-US" altLang="ko-KR" sz="1000" dirty="0">
                 <a:latin typeface="맑은 고딕" pitchFamily="50" charset="-127"/>
                 <a:ea typeface="맑은 고딕" pitchFamily="50" charset="-127"/>
               </a:rPr>
               <a:t> </a:t>
             </a:r>
             <a:r>
-              <a:rPr lang="ko-KR" altLang="en-US" sz="1000" dirty="0" smtClean="0">
+              <a:rPr lang="ko-KR" altLang="en-US" sz="1000" dirty="0">
                 <a:latin typeface="맑은 고딕" pitchFamily="50" charset="-127"/>
                 <a:ea typeface="맑은 고딕" pitchFamily="50" charset="-127"/>
               </a:rPr>
               <a:t>나타남</a:t>
             </a:r>
             <a:r>
-              <a:rPr lang="en-US" altLang="ko-KR" sz="1000" dirty="0" smtClean="0">
+              <a:rPr lang="en-US" altLang="ko-KR" sz="1000" dirty="0">
                 <a:latin typeface="맑은 고딕" pitchFamily="50" charset="-127"/>
                 <a:ea typeface="맑은 고딕" pitchFamily="50" charset="-127"/>
               </a:rPr>
               <a:t>. </a:t>
             </a:r>
             <a:r>
-              <a:rPr lang="ko-KR" altLang="en-US" sz="1000" dirty="0" smtClean="0">
+              <a:rPr lang="ko-KR" altLang="en-US" sz="1000" dirty="0">
                 <a:latin typeface="맑은 고딕" pitchFamily="50" charset="-127"/>
                 <a:ea typeface="맑은 고딕" pitchFamily="50" charset="-127"/>
               </a:rPr>
               <a:t>처음에는 오른쪽 그림 안 보임</a:t>
             </a:r>
             <a:r>
-              <a:rPr lang="en-US" altLang="ko-KR" sz="1000" dirty="0" smtClean="0">
+              <a:rPr lang="en-US" altLang="ko-KR" sz="1000" dirty="0">
                 <a:latin typeface="맑은 고딕" pitchFamily="50" charset="-127"/>
                 <a:ea typeface="맑은 고딕" pitchFamily="50" charset="-127"/>
               </a:rPr>
               <a:t>.</a:t>
             </a:r>
-            <a:endParaRPr lang="en-US" altLang="ko-KR" sz="1000" dirty="0" smtClean="0">
-              <a:latin typeface="맑은 고딕" pitchFamily="50" charset="-127"/>
-              <a:ea typeface="맑은 고딕" pitchFamily="50" charset="-127"/>
-            </a:endParaRPr>
           </a:p>
         </p:txBody>
       </p:sp>
@@ -12911,7 +13167,7 @@
               <a:defRPr/>
             </a:pPr>
             <a:r>
-              <a:rPr lang="en-US" altLang="ko-KR" sz="1100" b="1" dirty="0" smtClean="0">
+              <a:rPr lang="en-US" altLang="ko-KR" sz="1100" b="1" dirty="0">
                 <a:solidFill>
                   <a:schemeClr val="bg1"/>
                 </a:solidFill>
@@ -13106,7 +13362,7 @@
               </a:lnSpc>
             </a:pPr>
             <a:r>
-              <a:rPr lang="ko-KR" altLang="en-US" sz="1100" b="1" spc="-150" dirty="0" smtClean="0">
+              <a:rPr lang="ko-KR" altLang="en-US" sz="1100" b="1" spc="-150" dirty="0">
                 <a:solidFill>
                   <a:schemeClr val="bg1"/>
                 </a:solidFill>
@@ -13115,7 +13371,7 @@
               </a:rPr>
               <a:t>개념 정리</a:t>
             </a:r>
-            <a:endParaRPr lang="en-US" altLang="ko-KR" sz="1100" b="1" spc="-150" dirty="0" smtClean="0">
+            <a:endParaRPr lang="en-US" altLang="ko-KR" sz="1100" b="1" spc="-150" dirty="0">
               <a:solidFill>
                 <a:schemeClr val="bg1"/>
               </a:solidFill>
@@ -13353,7 +13609,7 @@
               </a:lnSpc>
             </a:pPr>
             <a:r>
-              <a:rPr lang="en-US" altLang="ko-KR" sz="1100" b="1" dirty="0" smtClean="0">
+              <a:rPr lang="en-US" altLang="ko-KR" sz="1100" b="1" dirty="0">
                 <a:solidFill>
                   <a:schemeClr val="bg1"/>
                 </a:solidFill>
@@ -13544,7 +13800,7 @@
               </a:lnSpc>
             </a:pPr>
             <a:r>
-              <a:rPr lang="en-US" altLang="ko-KR" sz="1100" b="1" dirty="0" smtClean="0">
+              <a:rPr lang="en-US" altLang="ko-KR" sz="1100" b="1" dirty="0">
                 <a:solidFill>
                   <a:schemeClr val="bg1"/>
                 </a:solidFill>
@@ -13744,13 +14000,6 @@
               </a:rPr>
               <a:t>3</a:t>
             </a:r>
-            <a:endParaRPr lang="en-US" altLang="ko-KR" sz="1100" b="1" dirty="0" smtClean="0">
-              <a:solidFill>
-                <a:schemeClr val="bg1"/>
-              </a:solidFill>
-              <a:latin typeface="맑은 고딕" pitchFamily="50" charset="-127"/>
-              <a:ea typeface="맑은 고딕" pitchFamily="50" charset="-127"/>
-            </a:endParaRPr>
           </a:p>
         </p:txBody>
       </p:sp>
@@ -13942,13 +14191,6 @@
               </a:rPr>
               <a:t>2</a:t>
             </a:r>
-            <a:endParaRPr lang="en-US" altLang="ko-KR" sz="1100" b="1" dirty="0" smtClean="0">
-              <a:solidFill>
-                <a:schemeClr val="bg1"/>
-              </a:solidFill>
-              <a:latin typeface="맑은 고딕" pitchFamily="50" charset="-127"/>
-              <a:ea typeface="맑은 고딕" pitchFamily="50" charset="-127"/>
-            </a:endParaRPr>
           </a:p>
         </p:txBody>
       </p:sp>
@@ -14157,14 +14399,14 @@
           <a:p>
             <a:pPr algn="just"/>
             <a:r>
-              <a:rPr lang="ko-KR" altLang="en-US" sz="1100" dirty="0" smtClean="0">
+              <a:rPr lang="ko-KR" altLang="en-US" sz="1100" dirty="0">
                 <a:latin typeface="맑은 고딕" pitchFamily="50" charset="-127"/>
                 <a:ea typeface="맑은 고딕" pitchFamily="50" charset="-127"/>
               </a:rPr>
               <a:t>직각을 알아볼까요</a:t>
             </a:r>
             <a:r>
-              <a:rPr lang="ko-KR" altLang="en-US" sz="1100" dirty="0" smtClean="0">
+              <a:rPr lang="ko-KR" altLang="en-US" sz="1100" dirty="0">
                 <a:solidFill>
                   <a:srgbClr val="339933"/>
                 </a:solidFill>
@@ -14174,7 +14416,7 @@
               <a:t>│ </a:t>
             </a:r>
             <a:r>
-              <a:rPr lang="en-US" altLang="ko-KR" sz="1100" dirty="0" smtClean="0">
+              <a:rPr lang="en-US" altLang="ko-KR" sz="1100" dirty="0">
                 <a:solidFill>
                   <a:srgbClr val="339933"/>
                 </a:solidFill>
@@ -14184,7 +14426,7 @@
               <a:t>30~31</a:t>
             </a:r>
             <a:r>
-              <a:rPr lang="ko-KR" altLang="en-US" sz="1100" dirty="0" smtClean="0">
+              <a:rPr lang="ko-KR" altLang="en-US" sz="1100" dirty="0">
                 <a:solidFill>
                   <a:srgbClr val="339933"/>
                 </a:solidFill>
@@ -14193,7 +14435,7 @@
               </a:rPr>
               <a:t>쪽</a:t>
             </a:r>
-            <a:endParaRPr lang="en-US" altLang="ko-KR" sz="1100" dirty="0" smtClean="0">
+            <a:endParaRPr lang="en-US" altLang="ko-KR" sz="1100" dirty="0">
               <a:solidFill>
                 <a:srgbClr val="339933"/>
               </a:solidFill>
@@ -14360,19 +14602,8 @@
                 <a:latin typeface="맑은 고딕" pitchFamily="50" charset="-127"/>
                 <a:ea typeface="맑은 고딕" pitchFamily="50" charset="-127"/>
               </a:rPr>
-              <a:t>3</a:t>
+              <a:t>3-1	</a:t>
             </a:r>
-            <a:r>
-              <a:rPr lang="en-US" altLang="ko-KR" sz="900" dirty="0" smtClean="0">
-                <a:latin typeface="맑은 고딕" pitchFamily="50" charset="-127"/>
-                <a:ea typeface="맑은 고딕" pitchFamily="50" charset="-127"/>
-              </a:rPr>
-              <a:t>-1	</a:t>
-            </a:r>
-            <a:endParaRPr lang="en-US" altLang="ko-KR" sz="900" dirty="0">
-              <a:latin typeface="맑은 고딕" pitchFamily="50" charset="-127"/>
-              <a:ea typeface="맑은 고딕" pitchFamily="50" charset="-127"/>
-            </a:endParaRPr>
           </a:p>
         </p:txBody>
       </p:sp>
@@ -14529,14 +14760,14 @@
           </a:lstStyle>
           <a:p>
             <a:r>
-              <a:rPr lang="en-US" altLang="ko-KR" sz="900" dirty="0" smtClean="0">
+              <a:rPr lang="en-US" altLang="ko-KR" sz="900" dirty="0">
                 <a:latin typeface="맑은 고딕" pitchFamily="50" charset="-127"/>
                 <a:ea typeface="맑은 고딕" pitchFamily="50" charset="-127"/>
               </a:rPr>
               <a:t>2. </a:t>
             </a:r>
             <a:r>
-              <a:rPr lang="ko-KR" altLang="en-US" sz="900" dirty="0" smtClean="0">
+              <a:rPr lang="ko-KR" altLang="en-US" sz="900" dirty="0">
                 <a:latin typeface="맑은 고딕" pitchFamily="50" charset="-127"/>
                 <a:ea typeface="맑은 고딕" pitchFamily="50" charset="-127"/>
               </a:rPr>
@@ -14702,14 +14933,14 @@
           </a:lstStyle>
           <a:p>
             <a:r>
-              <a:rPr lang="en-US" altLang="ko-KR" sz="900" dirty="0" smtClean="0">
+              <a:rPr lang="en-US" altLang="ko-KR" sz="900" dirty="0">
                 <a:latin typeface="맑은 고딕" pitchFamily="50" charset="-127"/>
                 <a:ea typeface="맑은 고딕" pitchFamily="50" charset="-127"/>
               </a:rPr>
               <a:t>04 </a:t>
             </a:r>
             <a:r>
-              <a:rPr lang="ko-KR" altLang="en-US" sz="900" dirty="0" smtClean="0">
+              <a:rPr lang="ko-KR" altLang="en-US" sz="900" dirty="0">
                 <a:latin typeface="맑은 고딕" pitchFamily="50" charset="-127"/>
                 <a:ea typeface="맑은 고딕" pitchFamily="50" charset="-127"/>
               </a:rPr>
@@ -14878,7 +15109,7 @@
               <a:defRPr/>
             </a:pPr>
             <a:r>
-              <a:rPr kumimoji="0" lang="en-US" altLang="ko-KR" sz="900" dirty="0" smtClean="0">
+              <a:rPr kumimoji="0" lang="en-US" altLang="ko-KR" sz="900" dirty="0">
                 <a:latin typeface="맑은 고딕" pitchFamily="50" charset="-127"/>
                 <a:ea typeface="맑은 고딕" pitchFamily="50" charset="-127"/>
               </a:rPr>
@@ -15079,13 +15310,6 @@
               </a:rPr>
               <a:t>5</a:t>
             </a:r>
-            <a:endParaRPr lang="en-US" altLang="ko-KR" sz="1100" b="1" dirty="0" smtClean="0">
-              <a:solidFill>
-                <a:schemeClr val="bg1"/>
-              </a:solidFill>
-              <a:latin typeface="맑은 고딕" pitchFamily="50" charset="-127"/>
-              <a:ea typeface="맑은 고딕" pitchFamily="50" charset="-127"/>
-            </a:endParaRPr>
           </a:p>
         </p:txBody>
       </p:sp>
@@ -15113,27 +15337,13 @@
           <a:p>
             <a:pPr algn="just"/>
             <a:r>
-              <a:rPr lang="ko-KR" altLang="en-US" sz="1900" dirty="0" smtClean="0">
+              <a:rPr lang="ko-KR" altLang="en-US" sz="1900" dirty="0">
                 <a:latin typeface="맑은 고딕" pitchFamily="50" charset="-127"/>
                 <a:ea typeface="맑은 고딕" pitchFamily="50" charset="-127"/>
               </a:rPr>
-              <a:t>그림과 </a:t>
+              <a:t>그림과 같이 종이를 두 번 접었을 때 생기는 각을 </a:t>
             </a:r>
-            <a:r>
-              <a:rPr lang="ko-KR" altLang="en-US" sz="1900" dirty="0" smtClean="0">
-                <a:latin typeface="맑은 고딕" pitchFamily="50" charset="-127"/>
-                <a:ea typeface="맑은 고딕" pitchFamily="50" charset="-127"/>
-              </a:rPr>
-              <a:t>같이 종이를 두 번 접었을 때 생기는 </a:t>
-            </a:r>
-            <a:r>
-              <a:rPr lang="ko-KR" altLang="en-US" sz="1900" dirty="0" smtClean="0">
-                <a:latin typeface="맑은 고딕" pitchFamily="50" charset="-127"/>
-                <a:ea typeface="맑은 고딕" pitchFamily="50" charset="-127"/>
-              </a:rPr>
-              <a:t>각을 </a:t>
-            </a:r>
-            <a:endParaRPr lang="en-US" altLang="ko-KR" sz="1900" dirty="0" smtClean="0">
+            <a:endParaRPr lang="en-US" altLang="ko-KR" sz="1900" dirty="0">
               <a:latin typeface="맑은 고딕" pitchFamily="50" charset="-127"/>
               <a:ea typeface="맑은 고딕" pitchFamily="50" charset="-127"/>
             </a:endParaRPr>
@@ -15145,30 +15355,23 @@
                 <a:latin typeface="맑은 고딕" pitchFamily="50" charset="-127"/>
                 <a:ea typeface="맑은 고딕" pitchFamily="50" charset="-127"/>
               </a:rPr>
-              <a:t> </a:t>
+              <a:t>         </a:t>
             </a:r>
             <a:r>
-              <a:rPr lang="en-US" altLang="ko-KR" sz="1900" dirty="0" smtClean="0">
-                <a:latin typeface="맑은 고딕" pitchFamily="50" charset="-127"/>
-                <a:ea typeface="맑은 고딕" pitchFamily="50" charset="-127"/>
-              </a:rPr>
-              <a:t>        </a:t>
-            </a:r>
-            <a:r>
-              <a:rPr lang="ko-KR" altLang="en-US" sz="1900" dirty="0" smtClean="0">
+              <a:rPr lang="ko-KR" altLang="en-US" sz="1900" dirty="0">
                 <a:latin typeface="맑은 고딕" pitchFamily="50" charset="-127"/>
                 <a:ea typeface="맑은 고딕" pitchFamily="50" charset="-127"/>
               </a:rPr>
               <a:t>이라고 합니다</a:t>
             </a:r>
             <a:r>
-              <a:rPr lang="en-US" altLang="ko-KR" sz="1900" dirty="0" smtClean="0">
+              <a:rPr lang="en-US" altLang="ko-KR" sz="1900" dirty="0">
                 <a:latin typeface="맑은 고딕" pitchFamily="50" charset="-127"/>
                 <a:ea typeface="맑은 고딕" pitchFamily="50" charset="-127"/>
               </a:rPr>
               <a:t>.</a:t>
             </a:r>
-            <a:endParaRPr lang="ko-KR" altLang="en-US" sz="1900" dirty="0" smtClean="0">
+            <a:endParaRPr lang="ko-KR" altLang="en-US" sz="1900" dirty="0">
               <a:latin typeface="맑은 고딕" pitchFamily="50" charset="-127"/>
               <a:ea typeface="맑은 고딕" pitchFamily="50" charset="-127"/>
             </a:endParaRPr>
@@ -15323,7 +15526,7 @@
               <a:tabLst/>
             </a:pPr>
             <a:r>
-              <a:rPr kumimoji="1" lang="ko-KR" altLang="en-US" sz="1900" b="1" i="0" u="none" strike="noStrike" cap="none" normalizeH="0" baseline="0" dirty="0" smtClean="0">
+              <a:rPr kumimoji="1" lang="ko-KR" altLang="en-US" sz="1900" b="1" i="0" u="none" strike="noStrike" cap="none" normalizeH="0" baseline="0" dirty="0">
                 <a:ln>
                   <a:noFill/>
                 </a:ln>
@@ -15344,7 +15547,7 @@
           <p:cNvPr id="45" name="그림 44">
             <a:extLst>
               <a:ext uri="{FF2B5EF4-FFF2-40B4-BE49-F238E27FC236}">
-                <a16:creationId xmlns="" xmlns:a16="http://schemas.microsoft.com/office/drawing/2014/main" id="{DEEB3194-430D-4A4E-8DEF-5B08710B8A78}"/>
+                <a16:creationId xmlns:a16="http://schemas.microsoft.com/office/drawing/2014/main" id="{DEEB3194-430D-4A4E-8DEF-5B08710B8A78}"/>
               </a:ext>
             </a:extLst>
           </p:cNvPr>
@@ -15397,56 +15600,56 @@
               </a:lnSpc>
             </a:pPr>
             <a:r>
-              <a:rPr lang="ko-KR" altLang="en-US" sz="1900" dirty="0" smtClean="0">
+              <a:rPr lang="ko-KR" altLang="en-US" sz="1900" dirty="0">
                 <a:latin typeface="맑은 고딕" pitchFamily="50" charset="-127"/>
                 <a:ea typeface="맑은 고딕" pitchFamily="50" charset="-127"/>
               </a:rPr>
               <a:t>직각 </a:t>
             </a:r>
             <a:r>
-              <a:rPr lang="ko-KR" altLang="en-US" sz="1900" dirty="0" err="1" smtClean="0">
+              <a:rPr lang="ko-KR" altLang="en-US" sz="1900" dirty="0" err="1">
                 <a:latin typeface="맑은 고딕" pitchFamily="50" charset="-127"/>
                 <a:ea typeface="맑은 고딕" pitchFamily="50" charset="-127"/>
               </a:rPr>
               <a:t>ㄱㄴㄷ을</a:t>
             </a:r>
             <a:r>
-              <a:rPr lang="ko-KR" altLang="en-US" sz="1900" dirty="0" smtClean="0">
+              <a:rPr lang="ko-KR" altLang="en-US" sz="1900" dirty="0">
                 <a:latin typeface="맑은 고딕" pitchFamily="50" charset="-127"/>
                 <a:ea typeface="맑은 고딕" pitchFamily="50" charset="-127"/>
               </a:rPr>
               <a:t> 나타낼 때에는 </a:t>
             </a:r>
             <a:r>
-              <a:rPr lang="ko-KR" altLang="en-US" sz="1900" dirty="0" err="1" smtClean="0">
+              <a:rPr lang="ko-KR" altLang="en-US" sz="1900" dirty="0" err="1">
                 <a:latin typeface="맑은 고딕" pitchFamily="50" charset="-127"/>
                 <a:ea typeface="맑은 고딕" pitchFamily="50" charset="-127"/>
               </a:rPr>
               <a:t>꼭짓점</a:t>
             </a:r>
             <a:r>
-              <a:rPr lang="ko-KR" altLang="en-US" sz="1900" dirty="0" smtClean="0">
+              <a:rPr lang="ko-KR" altLang="en-US" sz="1900" dirty="0">
                 <a:latin typeface="맑은 고딕" pitchFamily="50" charset="-127"/>
                 <a:ea typeface="맑은 고딕" pitchFamily="50" charset="-127"/>
               </a:rPr>
               <a:t> </a:t>
             </a:r>
             <a:r>
-              <a:rPr lang="ko-KR" altLang="en-US" sz="1900" dirty="0" err="1" smtClean="0">
+              <a:rPr lang="ko-KR" altLang="en-US" sz="1900" dirty="0" err="1">
                 <a:latin typeface="맑은 고딕" pitchFamily="50" charset="-127"/>
                 <a:ea typeface="맑은 고딕" pitchFamily="50" charset="-127"/>
               </a:rPr>
               <a:t>ㄴ에</a:t>
             </a:r>
             <a:r>
-              <a:rPr lang="ko-KR" altLang="en-US" sz="1900" dirty="0" smtClean="0">
+              <a:rPr lang="ko-KR" altLang="en-US" sz="1900" dirty="0">
                 <a:latin typeface="맑은 고딕" pitchFamily="50" charset="-127"/>
                 <a:ea typeface="맑은 고딕" pitchFamily="50" charset="-127"/>
               </a:rPr>
               <a:t>      표시를 합니다</a:t>
             </a:r>
             <a:r>
-              <a:rPr lang="en-US" altLang="ko-KR" sz="1900" dirty="0" smtClean="0">
+              <a:rPr lang="en-US" altLang="ko-KR" sz="1900" dirty="0">
                 <a:latin typeface="맑은 고딕" pitchFamily="50" charset="-127"/>
                 <a:ea typeface="맑은 고딕" pitchFamily="50" charset="-127"/>
               </a:rPr>
@@ -15700,13 +15903,13 @@
           <a:p>
             <a:pPr algn="ctr"/>
             <a:r>
-              <a:rPr lang="ko-KR" altLang="en-US" sz="1900" dirty="0" err="1" smtClean="0">
+              <a:rPr lang="ko-KR" altLang="en-US" sz="1900" dirty="0" err="1">
                 <a:latin typeface="맑은 고딕" pitchFamily="50" charset="-127"/>
                 <a:ea typeface="맑은 고딕" pitchFamily="50" charset="-127"/>
               </a:rPr>
               <a:t>ㄱ</a:t>
             </a:r>
-            <a:endParaRPr lang="ko-KR" altLang="en-US" sz="1900" dirty="0" smtClean="0">
+            <a:endParaRPr lang="ko-KR" altLang="en-US" sz="1900" dirty="0">
               <a:latin typeface="맑은 고딕" pitchFamily="50" charset="-127"/>
               <a:ea typeface="맑은 고딕" pitchFamily="50" charset="-127"/>
             </a:endParaRPr>
@@ -15863,13 +16066,13 @@
           <a:p>
             <a:pPr algn="ctr"/>
             <a:r>
-              <a:rPr lang="ko-KR" altLang="en-US" sz="1900" dirty="0" err="1" smtClean="0">
+              <a:rPr lang="ko-KR" altLang="en-US" sz="1900" dirty="0" err="1">
                 <a:latin typeface="맑은 고딕" pitchFamily="50" charset="-127"/>
                 <a:ea typeface="맑은 고딕" pitchFamily="50" charset="-127"/>
               </a:rPr>
               <a:t>ㄱ</a:t>
             </a:r>
-            <a:endParaRPr lang="ko-KR" altLang="en-US" sz="1900" dirty="0" smtClean="0">
+            <a:endParaRPr lang="ko-KR" altLang="en-US" sz="1900" dirty="0">
               <a:latin typeface="맑은 고딕" pitchFamily="50" charset="-127"/>
               <a:ea typeface="맑은 고딕" pitchFamily="50" charset="-127"/>
             </a:endParaRPr>
@@ -16026,13 +16229,13 @@
           <a:p>
             <a:pPr algn="ctr"/>
             <a:r>
-              <a:rPr lang="ko-KR" altLang="en-US" sz="1900" dirty="0" err="1" smtClean="0">
+              <a:rPr lang="ko-KR" altLang="en-US" sz="1900" dirty="0" err="1">
                 <a:latin typeface="맑은 고딕" pitchFamily="50" charset="-127"/>
                 <a:ea typeface="맑은 고딕" pitchFamily="50" charset="-127"/>
               </a:rPr>
               <a:t>ㄴ</a:t>
             </a:r>
-            <a:endParaRPr lang="ko-KR" altLang="en-US" sz="1900" dirty="0" smtClean="0">
+            <a:endParaRPr lang="ko-KR" altLang="en-US" sz="1900" dirty="0">
               <a:latin typeface="맑은 고딕" pitchFamily="50" charset="-127"/>
               <a:ea typeface="맑은 고딕" pitchFamily="50" charset="-127"/>
             </a:endParaRPr>
@@ -16189,13 +16392,13 @@
           <a:p>
             <a:pPr algn="ctr"/>
             <a:r>
-              <a:rPr lang="ko-KR" altLang="en-US" sz="1900" dirty="0" err="1" smtClean="0">
+              <a:rPr lang="ko-KR" altLang="en-US" sz="1900" dirty="0" err="1">
                 <a:latin typeface="맑은 고딕" pitchFamily="50" charset="-127"/>
                 <a:ea typeface="맑은 고딕" pitchFamily="50" charset="-127"/>
               </a:rPr>
               <a:t>ㄷ</a:t>
             </a:r>
-            <a:endParaRPr lang="ko-KR" altLang="en-US" sz="1900" dirty="0" smtClean="0">
+            <a:endParaRPr lang="ko-KR" altLang="en-US" sz="1900" dirty="0">
               <a:latin typeface="맑은 고딕" pitchFamily="50" charset="-127"/>
               <a:ea typeface="맑은 고딕" pitchFamily="50" charset="-127"/>
             </a:endParaRPr>
@@ -16352,13 +16555,13 @@
           <a:p>
             <a:pPr algn="ctr"/>
             <a:r>
-              <a:rPr lang="ko-KR" altLang="en-US" sz="1900" dirty="0" err="1" smtClean="0">
+              <a:rPr lang="ko-KR" altLang="en-US" sz="1900" dirty="0" err="1">
                 <a:latin typeface="맑은 고딕" pitchFamily="50" charset="-127"/>
                 <a:ea typeface="맑은 고딕" pitchFamily="50" charset="-127"/>
               </a:rPr>
               <a:t>ㄷ</a:t>
             </a:r>
-            <a:endParaRPr lang="ko-KR" altLang="en-US" sz="1900" dirty="0" smtClean="0">
+            <a:endParaRPr lang="ko-KR" altLang="en-US" sz="1900" dirty="0">
               <a:latin typeface="맑은 고딕" pitchFamily="50" charset="-127"/>
               <a:ea typeface="맑은 고딕" pitchFamily="50" charset="-127"/>
             </a:endParaRPr>
@@ -16515,13 +16718,13 @@
           <a:p>
             <a:pPr algn="ctr"/>
             <a:r>
-              <a:rPr lang="ko-KR" altLang="en-US" sz="1900" dirty="0" err="1" smtClean="0">
+              <a:rPr lang="ko-KR" altLang="en-US" sz="1900" dirty="0" err="1">
                 <a:latin typeface="맑은 고딕" pitchFamily="50" charset="-127"/>
                 <a:ea typeface="맑은 고딕" pitchFamily="50" charset="-127"/>
               </a:rPr>
               <a:t>ㄴ</a:t>
             </a:r>
-            <a:endParaRPr lang="ko-KR" altLang="en-US" sz="1900" dirty="0" smtClean="0">
+            <a:endParaRPr lang="ko-KR" altLang="en-US" sz="1900" dirty="0">
               <a:latin typeface="맑은 고딕" pitchFamily="50" charset="-127"/>
               <a:ea typeface="맑은 고딕" pitchFamily="50" charset="-127"/>
             </a:endParaRPr>
@@ -16811,7 +17014,7 @@
               <a:defRPr/>
             </a:pPr>
             <a:r>
-              <a:rPr lang="en-US" altLang="ko-KR" sz="1100" b="1" dirty="0" smtClean="0">
+              <a:rPr lang="en-US" altLang="ko-KR" sz="1100" b="1" dirty="0">
                 <a:solidFill>
                   <a:schemeClr val="bg1"/>
                 </a:solidFill>
@@ -16878,7 +17081,7 @@
               <a:defRPr/>
             </a:pPr>
             <a:r>
-              <a:rPr lang="en-US" altLang="ko-KR" sz="1100" b="1" dirty="0" smtClean="0">
+              <a:rPr lang="en-US" altLang="ko-KR" sz="1100" b="1" dirty="0">
                 <a:solidFill>
                   <a:schemeClr val="bg1"/>
                 </a:solidFill>
@@ -17046,14 +17249,14 @@
                 <a:gridCol w="858104">
                   <a:extLst>
                     <a:ext uri="{9D8B030D-6E8A-4147-A177-3AD203B41FA5}">
-                      <a16:colId xmlns="" xmlns:a16="http://schemas.microsoft.com/office/drawing/2014/main" val="20000"/>
+                      <a16:colId xmlns:a16="http://schemas.microsoft.com/office/drawing/2014/main" val="20000"/>
                     </a:ext>
                   </a:extLst>
                 </a:gridCol>
                 <a:gridCol w="5830760">
                   <a:extLst>
                     <a:ext uri="{9D8B030D-6E8A-4147-A177-3AD203B41FA5}">
-                      <a16:colId xmlns="" xmlns:a16="http://schemas.microsoft.com/office/drawing/2014/main" val="20001"/>
+                      <a16:colId xmlns:a16="http://schemas.microsoft.com/office/drawing/2014/main" val="20001"/>
                     </a:ext>
                   </a:extLst>
                 </a:gridCol>
@@ -17084,7 +17287,7 @@
                         </a:tabLst>
                       </a:pPr>
                       <a:r>
-                        <a:rPr kumimoji="1" lang="ko-KR" altLang="en-US" sz="1000" b="1" i="0" u="none" strike="noStrike" cap="none" normalizeH="0" baseline="0" dirty="0" smtClean="0">
+                        <a:rPr kumimoji="1" lang="ko-KR" altLang="en-US" sz="1000" b="1" i="0" u="none" strike="noStrike" cap="none" normalizeH="0" baseline="0" dirty="0">
                           <a:ln>
                             <a:noFill/>
                           </a:ln>
@@ -17097,7 +17300,7 @@
                         </a:rPr>
                         <a:t>삽화 파일명</a:t>
                       </a:r>
-                      <a:endParaRPr kumimoji="1" lang="en-US" altLang="ko-KR" sz="1000" b="1" i="0" u="none" strike="noStrike" cap="none" normalizeH="0" baseline="0" dirty="0" smtClean="0">
+                      <a:endParaRPr kumimoji="1" lang="en-US" altLang="ko-KR" sz="1000" b="1" i="0" u="none" strike="noStrike" cap="none" normalizeH="0" baseline="0" dirty="0">
                         <a:ln>
                           <a:noFill/>
                         </a:ln>
@@ -17184,7 +17387,7 @@
                         <a:defRPr/>
                       </a:pPr>
                       <a:r>
-                        <a:rPr kumimoji="0" lang="en-US" altLang="ko-KR" sz="1000" dirty="0" smtClean="0">
+                        <a:rPr kumimoji="0" lang="en-US" altLang="ko-KR" sz="1000" dirty="0">
                           <a:solidFill>
                             <a:schemeClr val="tx1"/>
                           </a:solidFill>
@@ -17213,7 +17416,7 @@
                         <a:defRPr/>
                       </a:pPr>
                       <a:r>
-                        <a:rPr kumimoji="0" lang="ko-KR" altLang="en-US" sz="1000" dirty="0" smtClean="0">
+                        <a:rPr kumimoji="0" lang="ko-KR" altLang="en-US" sz="1000" dirty="0">
                           <a:solidFill>
                             <a:schemeClr val="tx1"/>
                           </a:solidFill>
@@ -17223,7 +17426,7 @@
                         <a:t>한대희 </a:t>
                       </a:r>
                       <a:r>
-                        <a:rPr kumimoji="0" lang="en-US" altLang="ko-KR" sz="1000" dirty="0" smtClean="0">
+                        <a:rPr kumimoji="0" lang="en-US" altLang="ko-KR" sz="1000" dirty="0">
                           <a:solidFill>
                             <a:schemeClr val="tx1"/>
                           </a:solidFill>
@@ -17233,7 +17436,7 @@
                         <a:t>3-1 </a:t>
                       </a:r>
                       <a:r>
-                        <a:rPr kumimoji="0" lang="ko-KR" altLang="en-US" sz="1000" dirty="0" smtClean="0">
+                        <a:rPr kumimoji="0" lang="ko-KR" altLang="en-US" sz="1000" dirty="0">
                           <a:solidFill>
                             <a:schemeClr val="tx1"/>
                           </a:solidFill>
@@ -17243,7 +17446,7 @@
                         <a:t>지도서</a:t>
                       </a:r>
                       <a:r>
-                        <a:rPr kumimoji="0" lang="en-US" altLang="ko-KR" sz="1000" dirty="0" smtClean="0">
+                        <a:rPr kumimoji="0" lang="en-US" altLang="ko-KR" sz="1000" dirty="0">
                           <a:solidFill>
                             <a:schemeClr val="tx1"/>
                           </a:solidFill>
@@ -17295,7 +17498,7 @@
                 </a:tc>
                 <a:extLst>
                   <a:ext uri="{0D108BD9-81ED-4DB2-BD59-A6C34878D82A}">
-                    <a16:rowId xmlns="" xmlns:a16="http://schemas.microsoft.com/office/drawing/2014/main" val="10000"/>
+                    <a16:rowId xmlns:a16="http://schemas.microsoft.com/office/drawing/2014/main" val="10000"/>
                   </a:ext>
                 </a:extLst>
               </a:tr>
@@ -17313,13 +17516,6 @@
   <p:clrMapOvr>
     <a:masterClrMapping/>
   </p:clrMapOvr>
-  <p:timing>
-    <p:tnLst>
-      <p:par>
-        <p:cTn id="1" dur="indefinite" restart="never" nodeType="tmRoot"/>
-      </p:par>
-    </p:tnLst>
-  </p:timing>
 </p:sld>
 </file>
 
@@ -17357,7 +17553,13 @@
             <a:tbl>
               <a:tblPr/>
               <a:tblGrid>
-                <a:gridCol w="2016125"/>
+                <a:gridCol w="2016125">
+                  <a:extLst>
+                    <a:ext uri="{9D8B030D-6E8A-4147-A177-3AD203B41FA5}">
+                      <a16:colId xmlns:a16="http://schemas.microsoft.com/office/drawing/2014/main" val="20000"/>
+                    </a:ext>
+                  </a:extLst>
+                </a:gridCol>
               </a:tblGrid>
               <a:tr h="189064">
                 <a:tc>
@@ -17382,7 +17584,7 @@
                         <a:tabLst/>
                       </a:pPr>
                       <a:r>
-                        <a:rPr kumimoji="1" lang="en-US" altLang="ko-KR" sz="1000" b="0" i="0" u="none" strike="noStrike" cap="none" normalizeH="0" baseline="0" dirty="0" smtClean="0">
+                        <a:rPr kumimoji="1" lang="en-US" altLang="ko-KR" sz="1000" b="0" i="0" u="none" strike="noStrike" cap="none" normalizeH="0" baseline="0" dirty="0">
                           <a:ln>
                             <a:noFill/>
                           </a:ln>
@@ -17395,7 +17597,7 @@
                         </a:rPr>
                         <a:t>Θ Description &amp; Function</a:t>
                       </a:r>
-                      <a:endParaRPr kumimoji="1" lang="ko-KR" altLang="en-US" sz="1000" b="0" i="0" u="none" strike="noStrike" cap="none" normalizeH="0" baseline="0" dirty="0" smtClean="0">
+                      <a:endParaRPr kumimoji="1" lang="ko-KR" altLang="en-US" sz="1000" b="0" i="0" u="none" strike="noStrike" cap="none" normalizeH="0" baseline="0" dirty="0">
                         <a:ln>
                           <a:noFill/>
                         </a:ln>
@@ -17456,6 +17658,11 @@
                     </a:solidFill>
                   </a:tcPr>
                 </a:tc>
+                <a:extLst>
+                  <a:ext uri="{0D108BD9-81ED-4DB2-BD59-A6C34878D82A}">
+                    <a16:rowId xmlns:a16="http://schemas.microsoft.com/office/drawing/2014/main" val="10000"/>
+                  </a:ext>
+                </a:extLst>
               </a:tr>
             </a:tbl>
           </a:graphicData>
@@ -17616,38 +17823,17 @@
                 <a:latin typeface="맑은 고딕" pitchFamily="50" charset="-127"/>
                 <a:ea typeface="맑은 고딕" pitchFamily="50" charset="-127"/>
               </a:rPr>
-              <a:t> </a:t>
+              <a:t>       </a:t>
             </a:r>
             <a:r>
-              <a:rPr lang="en-US" altLang="ko-KR" sz="1900" spc="-150" dirty="0" smtClean="0">
+              <a:rPr lang="ko-KR" altLang="en-US" sz="1900" spc="-150" dirty="0">
                 <a:latin typeface="맑은 고딕" pitchFamily="50" charset="-127"/>
                 <a:ea typeface="맑은 고딕" pitchFamily="50" charset="-127"/>
               </a:rPr>
-              <a:t>      </a:t>
+              <a:t>와 같이 직각을 찾아       로 표시해 보세요</a:t>
             </a:r>
             <a:r>
-              <a:rPr lang="ko-KR" altLang="en-US" sz="1900" spc="-150" dirty="0" smtClean="0">
-                <a:latin typeface="맑은 고딕" pitchFamily="50" charset="-127"/>
-                <a:ea typeface="맑은 고딕" pitchFamily="50" charset="-127"/>
-              </a:rPr>
-              <a:t>와 같이 직각을 찾아       </a:t>
-            </a:r>
-            <a:r>
-              <a:rPr lang="ko-KR" altLang="en-US" sz="1900" spc="-150" dirty="0" smtClean="0">
-                <a:latin typeface="맑은 고딕" pitchFamily="50" charset="-127"/>
-                <a:ea typeface="맑은 고딕" pitchFamily="50" charset="-127"/>
-              </a:rPr>
-              <a:t>로 </a:t>
-            </a:r>
-            <a:r>
-              <a:rPr lang="ko-KR" altLang="en-US" sz="1900" spc="-150" dirty="0" smtClean="0">
-                <a:latin typeface="맑은 고딕" pitchFamily="50" charset="-127"/>
-                <a:ea typeface="맑은 고딕" pitchFamily="50" charset="-127"/>
-              </a:rPr>
-              <a:t>표시해 보세요</a:t>
-            </a:r>
-            <a:r>
-              <a:rPr lang="en-US" altLang="ko-KR" sz="1900" spc="-150" dirty="0" smtClean="0">
+              <a:rPr lang="en-US" altLang="ko-KR" sz="1900" spc="-150" dirty="0">
                 <a:latin typeface="맑은 고딕" pitchFamily="50" charset="-127"/>
                 <a:ea typeface="맑은 고딕" pitchFamily="50" charset="-127"/>
               </a:rPr>
@@ -17888,7 +18074,7 @@
               </a:lnSpc>
             </a:pPr>
             <a:r>
-              <a:rPr lang="en-US" altLang="ko-KR" sz="1100" b="1" dirty="0" smtClean="0">
+              <a:rPr lang="en-US" altLang="ko-KR" sz="1100" b="1" dirty="0">
                 <a:solidFill>
                   <a:schemeClr val="bg1"/>
                 </a:solidFill>
@@ -18079,7 +18265,7 @@
               </a:lnSpc>
             </a:pPr>
             <a:r>
-              <a:rPr lang="en-US" altLang="ko-KR" sz="1100" b="1" dirty="0" smtClean="0">
+              <a:rPr lang="en-US" altLang="ko-KR" sz="1100" b="1" dirty="0">
                 <a:solidFill>
                   <a:schemeClr val="bg1"/>
                 </a:solidFill>
@@ -18279,13 +18465,6 @@
               </a:rPr>
               <a:t>3</a:t>
             </a:r>
-            <a:endParaRPr lang="en-US" altLang="ko-KR" sz="1100" b="1" dirty="0" smtClean="0">
-              <a:solidFill>
-                <a:schemeClr val="bg1"/>
-              </a:solidFill>
-              <a:latin typeface="맑은 고딕" pitchFamily="50" charset="-127"/>
-              <a:ea typeface="맑은 고딕" pitchFamily="50" charset="-127"/>
-            </a:endParaRPr>
           </a:p>
         </p:txBody>
       </p:sp>
@@ -18477,13 +18656,6 @@
               </a:rPr>
               <a:t>2</a:t>
             </a:r>
-            <a:endParaRPr lang="en-US" altLang="ko-KR" sz="1100" b="1" dirty="0" smtClean="0">
-              <a:solidFill>
-                <a:schemeClr val="bg1"/>
-              </a:solidFill>
-              <a:latin typeface="맑은 고딕" pitchFamily="50" charset="-127"/>
-              <a:ea typeface="맑은 고딕" pitchFamily="50" charset="-127"/>
-            </a:endParaRPr>
           </a:p>
         </p:txBody>
       </p:sp>
@@ -18666,7 +18838,7 @@
               </a:lnSpc>
             </a:pPr>
             <a:r>
-              <a:rPr lang="ko-KR" altLang="en-US" sz="1100" b="1" spc="-150" dirty="0" smtClean="0">
+              <a:rPr lang="ko-KR" altLang="en-US" sz="1100" b="1" spc="-150" dirty="0">
                 <a:solidFill>
                   <a:schemeClr val="bg1"/>
                 </a:solidFill>
@@ -18675,7 +18847,7 @@
               </a:rPr>
               <a:t>개념 정리</a:t>
             </a:r>
-            <a:endParaRPr lang="en-US" altLang="ko-KR" sz="1100" b="1" spc="-150" dirty="0" smtClean="0">
+            <a:endParaRPr lang="en-US" altLang="ko-KR" sz="1100" b="1" spc="-150" dirty="0">
               <a:solidFill>
                 <a:schemeClr val="bg1"/>
               </a:solidFill>
@@ -18771,7 +18943,7 @@
           </a:bodyPr>
           <a:lstStyle/>
           <a:p>
-            <a:endParaRPr lang="en-US" altLang="ko-KR" sz="1000" dirty="0" smtClean="0">
+            <a:endParaRPr lang="en-US" altLang="ko-KR" sz="1000" dirty="0">
               <a:latin typeface="맑은 고딕" pitchFamily="50" charset="-127"/>
               <a:ea typeface="맑은 고딕" pitchFamily="50" charset="-127"/>
             </a:endParaRPr>
@@ -18782,13 +18954,13 @@
               <a:buAutoNum type="arabicPeriod"/>
             </a:pPr>
             <a:r>
-              <a:rPr lang="ko-KR" altLang="en-US" sz="1000" dirty="0" smtClean="0">
+              <a:rPr lang="ko-KR" altLang="en-US" sz="1000" dirty="0">
                 <a:latin typeface="맑은 고딕" pitchFamily="50" charset="-127"/>
                 <a:ea typeface="맑은 고딕" pitchFamily="50" charset="-127"/>
               </a:rPr>
               <a:t>보기 약물 사용</a:t>
             </a:r>
-            <a:endParaRPr lang="en-US" altLang="ko-KR" sz="1000" dirty="0" smtClean="0">
+            <a:endParaRPr lang="en-US" altLang="ko-KR" sz="1000" dirty="0">
               <a:latin typeface="맑은 고딕" pitchFamily="50" charset="-127"/>
               <a:ea typeface="맑은 고딕" pitchFamily="50" charset="-127"/>
             </a:endParaRPr>
@@ -18798,7 +18970,7 @@
               <a:buFontTx/>
               <a:buAutoNum type="arabicPeriod"/>
             </a:pPr>
-            <a:endParaRPr lang="en-US" altLang="ko-KR" sz="1000" dirty="0" smtClean="0">
+            <a:endParaRPr lang="en-US" altLang="ko-KR" sz="1000" dirty="0">
               <a:latin typeface="맑은 고딕" pitchFamily="50" charset="-127"/>
               <a:ea typeface="맑은 고딕" pitchFamily="50" charset="-127"/>
             </a:endParaRPr>
@@ -18809,7 +18981,7 @@
               <a:buAutoNum type="arabicPeriod"/>
             </a:pPr>
             <a:r>
-              <a:rPr lang="ko-KR" altLang="en-US" sz="1000" dirty="0" smtClean="0">
+              <a:rPr lang="ko-KR" altLang="en-US" sz="1000" dirty="0">
                 <a:latin typeface="맑은 고딕" pitchFamily="50" charset="-127"/>
                 <a:ea typeface="맑은 고딕" pitchFamily="50" charset="-127"/>
               </a:rPr>
@@ -18823,56 +18995,42 @@
               <a:t> </a:t>
             </a:r>
             <a:r>
-              <a:rPr lang="ko-KR" altLang="en-US" sz="1000" dirty="0" smtClean="0">
+              <a:rPr lang="ko-KR" altLang="en-US" sz="1000" dirty="0">
                 <a:latin typeface="맑은 고딕" pitchFamily="50" charset="-127"/>
                 <a:ea typeface="맑은 고딕" pitchFamily="50" charset="-127"/>
               </a:rPr>
-              <a:t>직각 표시는</a:t>
+              <a:t>직각 표시는 처음에는 나타나지 않음</a:t>
             </a:r>
             <a:r>
-              <a:rPr lang="ko-KR" altLang="en-US" sz="1000" dirty="0" smtClean="0">
-                <a:latin typeface="맑은 고딕" pitchFamily="50" charset="-127"/>
-                <a:ea typeface="맑은 고딕" pitchFamily="50" charset="-127"/>
-              </a:rPr>
-              <a:t> </a:t>
-            </a:r>
-            <a:r>
-              <a:rPr lang="ko-KR" altLang="en-US" sz="1000" dirty="0" smtClean="0">
-                <a:latin typeface="맑은 고딕" pitchFamily="50" charset="-127"/>
-                <a:ea typeface="맑은 고딕" pitchFamily="50" charset="-127"/>
-              </a:rPr>
-              <a:t>처음에는 나타나지 않음</a:t>
-            </a:r>
-            <a:r>
-              <a:rPr lang="en-US" altLang="ko-KR" sz="1000" dirty="0" smtClean="0">
+              <a:rPr lang="en-US" altLang="ko-KR" sz="1000" dirty="0">
                 <a:latin typeface="맑은 고딕" pitchFamily="50" charset="-127"/>
                 <a:ea typeface="맑은 고딕" pitchFamily="50" charset="-127"/>
               </a:rPr>
               <a:t>. ‘</a:t>
             </a:r>
             <a:r>
-              <a:rPr lang="ko-KR" altLang="en-US" sz="1000" dirty="0" smtClean="0">
+              <a:rPr lang="ko-KR" altLang="en-US" sz="1000" dirty="0">
                 <a:latin typeface="맑은 고딕" pitchFamily="50" charset="-127"/>
                 <a:ea typeface="맑은 고딕" pitchFamily="50" charset="-127"/>
               </a:rPr>
               <a:t>정답 확인</a:t>
             </a:r>
             <a:r>
-              <a:rPr lang="en-US" altLang="ko-KR" sz="1000" dirty="0" smtClean="0">
+              <a:rPr lang="en-US" altLang="ko-KR" sz="1000" dirty="0">
                 <a:latin typeface="맑은 고딕" pitchFamily="50" charset="-127"/>
                 <a:ea typeface="맑은 고딕" pitchFamily="50" charset="-127"/>
               </a:rPr>
               <a:t>’ </a:t>
             </a:r>
             <a:r>
-              <a:rPr lang="ko-KR" altLang="en-US" sz="1000" dirty="0" smtClean="0">
+              <a:rPr lang="ko-KR" altLang="en-US" sz="1000" dirty="0">
                 <a:latin typeface="맑은 고딕" pitchFamily="50" charset="-127"/>
                 <a:ea typeface="맑은 고딕" pitchFamily="50" charset="-127"/>
               </a:rPr>
               <a:t>클릭 시 나타남</a:t>
             </a:r>
             <a:r>
-              <a:rPr lang="en-US" altLang="ko-KR" sz="1000" dirty="0" smtClean="0">
+              <a:rPr lang="en-US" altLang="ko-KR" sz="1000" dirty="0">
                 <a:latin typeface="맑은 고딕" pitchFamily="50" charset="-127"/>
                 <a:ea typeface="맑은 고딕" pitchFamily="50" charset="-127"/>
               </a:rPr>
@@ -18895,25 +19053,11 @@
               <a:buAutoNum type="arabicPeriod"/>
             </a:pPr>
             <a:r>
-              <a:rPr lang="ko-KR" altLang="en-US" sz="1000" dirty="0" smtClean="0">
-                <a:latin typeface="맑은 고딕" pitchFamily="50" charset="-127"/>
-                <a:ea typeface="맑은 고딕" pitchFamily="50" charset="-127"/>
-              </a:rPr>
-              <a:t>정답 확인 버튼을</a:t>
-            </a:r>
-            <a:r>
-              <a:rPr lang="ko-KR" altLang="en-US" sz="1000" dirty="0" smtClean="0">
-                <a:latin typeface="맑은 고딕" pitchFamily="50" charset="-127"/>
-                <a:ea typeface="맑은 고딕" pitchFamily="50" charset="-127"/>
-              </a:rPr>
-              <a:t> </a:t>
-            </a:r>
-            <a:r>
               <a:rPr lang="ko-KR" altLang="en-US" sz="1000" dirty="0">
                 <a:latin typeface="맑은 고딕" pitchFamily="50" charset="-127"/>
                 <a:ea typeface="맑은 고딕" pitchFamily="50" charset="-127"/>
               </a:rPr>
-              <a:t>클릭하면 답 나타남</a:t>
+              <a:t>정답 확인 버튼을 클릭하면 답 나타남</a:t>
             </a:r>
             <a:r>
               <a:rPr lang="en-US" altLang="ko-KR" sz="1000" dirty="0">
@@ -18958,7 +19102,7 @@
               <a:t> 됨</a:t>
             </a:r>
             <a:r>
-              <a:rPr lang="en-US" altLang="ko-KR" sz="1000" dirty="0" smtClean="0">
+              <a:rPr lang="en-US" altLang="ko-KR" sz="1000" dirty="0">
                 <a:latin typeface="맑은 고딕" pitchFamily="50" charset="-127"/>
                 <a:ea typeface="맑은 고딕" pitchFamily="50" charset="-127"/>
               </a:rPr>
@@ -19124,19 +19268,8 @@
                 <a:latin typeface="맑은 고딕" pitchFamily="50" charset="-127"/>
                 <a:ea typeface="맑은 고딕" pitchFamily="50" charset="-127"/>
               </a:rPr>
-              <a:t>3</a:t>
+              <a:t>3-1	</a:t>
             </a:r>
-            <a:r>
-              <a:rPr lang="en-US" altLang="ko-KR" sz="900" dirty="0" smtClean="0">
-                <a:latin typeface="맑은 고딕" pitchFamily="50" charset="-127"/>
-                <a:ea typeface="맑은 고딕" pitchFamily="50" charset="-127"/>
-              </a:rPr>
-              <a:t>-1	</a:t>
-            </a:r>
-            <a:endParaRPr lang="en-US" altLang="ko-KR" sz="900" dirty="0">
-              <a:latin typeface="맑은 고딕" pitchFamily="50" charset="-127"/>
-              <a:ea typeface="맑은 고딕" pitchFamily="50" charset="-127"/>
-            </a:endParaRPr>
           </a:p>
         </p:txBody>
       </p:sp>
@@ -19293,14 +19426,14 @@
           </a:lstStyle>
           <a:p>
             <a:r>
-              <a:rPr lang="en-US" altLang="ko-KR" sz="900" dirty="0" smtClean="0">
+              <a:rPr lang="en-US" altLang="ko-KR" sz="900" dirty="0">
                 <a:latin typeface="맑은 고딕" pitchFamily="50" charset="-127"/>
                 <a:ea typeface="맑은 고딕" pitchFamily="50" charset="-127"/>
               </a:rPr>
               <a:t>2. </a:t>
             </a:r>
             <a:r>
-              <a:rPr lang="ko-KR" altLang="en-US" sz="900" dirty="0" smtClean="0">
+              <a:rPr lang="ko-KR" altLang="en-US" sz="900" dirty="0">
                 <a:latin typeface="맑은 고딕" pitchFamily="50" charset="-127"/>
                 <a:ea typeface="맑은 고딕" pitchFamily="50" charset="-127"/>
               </a:rPr>
@@ -19464,14 +19597,14 @@
           <a:p>
             <a:pPr algn="just"/>
             <a:r>
-              <a:rPr lang="ko-KR" altLang="en-US" sz="1100" dirty="0" smtClean="0">
+              <a:rPr lang="ko-KR" altLang="en-US" sz="1100" dirty="0">
                 <a:latin typeface="맑은 고딕" pitchFamily="50" charset="-127"/>
                 <a:ea typeface="맑은 고딕" pitchFamily="50" charset="-127"/>
               </a:rPr>
               <a:t>직각을 알아볼까요</a:t>
             </a:r>
             <a:r>
-              <a:rPr lang="ko-KR" altLang="en-US" sz="1100" dirty="0" smtClean="0">
+              <a:rPr lang="ko-KR" altLang="en-US" sz="1100" dirty="0">
                 <a:solidFill>
                   <a:srgbClr val="339933"/>
                 </a:solidFill>
@@ -19481,7 +19614,7 @@
               <a:t>│ </a:t>
             </a:r>
             <a:r>
-              <a:rPr lang="en-US" altLang="ko-KR" sz="1100" dirty="0" smtClean="0">
+              <a:rPr lang="en-US" altLang="ko-KR" sz="1100" dirty="0">
                 <a:solidFill>
                   <a:srgbClr val="339933"/>
                 </a:solidFill>
@@ -19491,7 +19624,7 @@
               <a:t>30~31</a:t>
             </a:r>
             <a:r>
-              <a:rPr lang="ko-KR" altLang="en-US" sz="1100" dirty="0" smtClean="0">
+              <a:rPr lang="ko-KR" altLang="en-US" sz="1100" dirty="0">
                 <a:solidFill>
                   <a:srgbClr val="339933"/>
                 </a:solidFill>
@@ -19500,7 +19633,7 @@
               </a:rPr>
               <a:t>쪽</a:t>
             </a:r>
-            <a:endParaRPr lang="en-US" altLang="ko-KR" sz="1100" dirty="0" smtClean="0">
+            <a:endParaRPr lang="en-US" altLang="ko-KR" sz="1100" dirty="0">
               <a:solidFill>
                 <a:srgbClr val="339933"/>
               </a:solidFill>
@@ -19663,14 +19796,14 @@
           </a:lstStyle>
           <a:p>
             <a:r>
-              <a:rPr lang="en-US" altLang="ko-KR" sz="900" dirty="0" smtClean="0">
+              <a:rPr lang="en-US" altLang="ko-KR" sz="900" dirty="0">
                 <a:latin typeface="맑은 고딕" pitchFamily="50" charset="-127"/>
                 <a:ea typeface="맑은 고딕" pitchFamily="50" charset="-127"/>
               </a:rPr>
               <a:t>04 </a:t>
             </a:r>
             <a:r>
-              <a:rPr lang="ko-KR" altLang="en-US" sz="900" dirty="0" smtClean="0">
+              <a:rPr lang="ko-KR" altLang="en-US" sz="900" dirty="0">
                 <a:latin typeface="맑은 고딕" pitchFamily="50" charset="-127"/>
                 <a:ea typeface="맑은 고딕" pitchFamily="50" charset="-127"/>
               </a:rPr>
@@ -19839,7 +19972,7 @@
               <a:defRPr/>
             </a:pPr>
             <a:r>
-              <a:rPr kumimoji="0" lang="en-US" altLang="ko-KR" sz="900" dirty="0" smtClean="0">
+              <a:rPr kumimoji="0" lang="en-US" altLang="ko-KR" sz="900" dirty="0">
                 <a:latin typeface="맑은 고딕" pitchFamily="50" charset="-127"/>
                 <a:ea typeface="맑은 고딕" pitchFamily="50" charset="-127"/>
               </a:rPr>
@@ -20040,13 +20173,6 @@
               </a:rPr>
               <a:t>5</a:t>
             </a:r>
-            <a:endParaRPr lang="en-US" altLang="ko-KR" sz="1100" b="1" dirty="0" smtClean="0">
-              <a:solidFill>
-                <a:schemeClr val="bg1"/>
-              </a:solidFill>
-              <a:latin typeface="맑은 고딕" pitchFamily="50" charset="-127"/>
-              <a:ea typeface="맑은 고딕" pitchFamily="50" charset="-127"/>
-            </a:endParaRPr>
           </a:p>
         </p:txBody>
       </p:sp>
@@ -20947,7 +21073,7 @@
               <a:defRPr/>
             </a:pPr>
             <a:r>
-              <a:rPr lang="en-US" altLang="ko-KR" sz="1100" b="1" dirty="0" smtClean="0">
+              <a:rPr lang="en-US" altLang="ko-KR" sz="1100" b="1" dirty="0">
                 <a:solidFill>
                   <a:schemeClr val="bg1"/>
                 </a:solidFill>
@@ -21014,7 +21140,7 @@
               <a:defRPr/>
             </a:pPr>
             <a:r>
-              <a:rPr lang="en-US" altLang="ko-KR" sz="1100" b="1" dirty="0" smtClean="0">
+              <a:rPr lang="en-US" altLang="ko-KR" sz="1100" b="1" dirty="0">
                 <a:solidFill>
                   <a:schemeClr val="bg1"/>
                 </a:solidFill>
@@ -21081,7 +21207,7 @@
               <a:defRPr/>
             </a:pPr>
             <a:r>
-              <a:rPr lang="en-US" altLang="ko-KR" sz="1100" b="1" dirty="0" smtClean="0">
+              <a:rPr lang="en-US" altLang="ko-KR" sz="1100" b="1" dirty="0">
                 <a:solidFill>
                   <a:schemeClr val="bg1"/>
                 </a:solidFill>
@@ -21126,14 +21252,14 @@
                 <a:gridCol w="858104">
                   <a:extLst>
                     <a:ext uri="{9D8B030D-6E8A-4147-A177-3AD203B41FA5}">
-                      <a16:colId xmlns:a16="http://schemas.microsoft.com/office/drawing/2014/main" xmlns="" val="20000"/>
+                      <a16:colId xmlns:a16="http://schemas.microsoft.com/office/drawing/2014/main" val="20000"/>
                     </a:ext>
                   </a:extLst>
                 </a:gridCol>
                 <a:gridCol w="5830760">
                   <a:extLst>
                     <a:ext uri="{9D8B030D-6E8A-4147-A177-3AD203B41FA5}">
-                      <a16:colId xmlns:a16="http://schemas.microsoft.com/office/drawing/2014/main" xmlns="" val="20001"/>
+                      <a16:colId xmlns:a16="http://schemas.microsoft.com/office/drawing/2014/main" val="20001"/>
                     </a:ext>
                   </a:extLst>
                 </a:gridCol>
@@ -21164,7 +21290,7 @@
                         </a:tabLst>
                       </a:pPr>
                       <a:r>
-                        <a:rPr kumimoji="1" lang="ko-KR" altLang="en-US" sz="1000" b="1" i="0" u="none" strike="noStrike" cap="none" normalizeH="0" baseline="0" dirty="0" smtClean="0">
+                        <a:rPr kumimoji="1" lang="ko-KR" altLang="en-US" sz="1000" b="1" i="0" u="none" strike="noStrike" cap="none" normalizeH="0" baseline="0" dirty="0">
                           <a:ln>
                             <a:noFill/>
                           </a:ln>
@@ -21177,7 +21303,7 @@
                         </a:rPr>
                         <a:t>삽화 파일명</a:t>
                       </a:r>
-                      <a:endParaRPr kumimoji="1" lang="en-US" altLang="ko-KR" sz="1000" b="1" i="0" u="none" strike="noStrike" cap="none" normalizeH="0" baseline="0" dirty="0" smtClean="0">
+                      <a:endParaRPr kumimoji="1" lang="en-US" altLang="ko-KR" sz="1000" b="1" i="0" u="none" strike="noStrike" cap="none" normalizeH="0" baseline="0" dirty="0">
                         <a:ln>
                           <a:noFill/>
                         </a:ln>
@@ -21264,7 +21390,7 @@
                         <a:defRPr/>
                       </a:pPr>
                       <a:r>
-                        <a:rPr kumimoji="0" lang="en-US" altLang="ko-KR" sz="1000" dirty="0" smtClean="0">
+                        <a:rPr kumimoji="0" lang="en-US" altLang="ko-KR" sz="1000" dirty="0">
                           <a:solidFill>
                             <a:schemeClr val="tx1"/>
                           </a:solidFill>
@@ -21293,7 +21419,7 @@
                         <a:defRPr/>
                       </a:pPr>
                       <a:r>
-                        <a:rPr kumimoji="0" lang="ko-KR" altLang="en-US" sz="1000" dirty="0" smtClean="0">
+                        <a:rPr kumimoji="0" lang="ko-KR" altLang="en-US" sz="1000" dirty="0">
                           <a:solidFill>
                             <a:schemeClr val="tx1"/>
                           </a:solidFill>
@@ -21303,7 +21429,7 @@
                         <a:t>한대희 </a:t>
                       </a:r>
                       <a:r>
-                        <a:rPr kumimoji="0" lang="en-US" altLang="ko-KR" sz="1000" dirty="0" smtClean="0">
+                        <a:rPr kumimoji="0" lang="en-US" altLang="ko-KR" sz="1000" dirty="0">
                           <a:solidFill>
                             <a:schemeClr val="tx1"/>
                           </a:solidFill>
@@ -21313,7 +21439,7 @@
                         <a:t>3-1 </a:t>
                       </a:r>
                       <a:r>
-                        <a:rPr kumimoji="0" lang="ko-KR" altLang="en-US" sz="1000" dirty="0" smtClean="0">
+                        <a:rPr kumimoji="0" lang="ko-KR" altLang="en-US" sz="1000" dirty="0">
                           <a:solidFill>
                             <a:schemeClr val="tx1"/>
                           </a:solidFill>
@@ -21323,7 +21449,7 @@
                         <a:t>지도서</a:t>
                       </a:r>
                       <a:r>
-                        <a:rPr kumimoji="0" lang="en-US" altLang="ko-KR" sz="1000" dirty="0" smtClean="0">
+                        <a:rPr kumimoji="0" lang="en-US" altLang="ko-KR" sz="1000" dirty="0">
                           <a:solidFill>
                             <a:schemeClr val="tx1"/>
                           </a:solidFill>
@@ -21333,7 +21459,7 @@
                         <a:t>\app\resource\</a:t>
                       </a:r>
                       <a:r>
-                        <a:rPr kumimoji="0" lang="en-US" altLang="ko-KR" sz="1000" dirty="0" err="1" smtClean="0">
+                        <a:rPr kumimoji="0" lang="en-US" altLang="ko-KR" sz="1000" dirty="0" err="1">
                           <a:solidFill>
                             <a:schemeClr val="tx1"/>
                           </a:solidFill>
@@ -21343,7 +21469,7 @@
                         <a:t>contents_sub</a:t>
                       </a:r>
                       <a:r>
-                        <a:rPr kumimoji="0" lang="en-US" altLang="ko-KR" sz="1000" dirty="0" smtClean="0">
+                        <a:rPr kumimoji="0" lang="en-US" altLang="ko-KR" sz="1000" dirty="0">
                           <a:solidFill>
                             <a:schemeClr val="tx1"/>
                           </a:solidFill>
@@ -21395,7 +21521,7 @@
                 </a:tc>
                 <a:extLst>
                   <a:ext uri="{0D108BD9-81ED-4DB2-BD59-A6C34878D82A}">
-                    <a16:rowId xmlns:a16="http://schemas.microsoft.com/office/drawing/2014/main" xmlns="" val="10000"/>
+                    <a16:rowId xmlns:a16="http://schemas.microsoft.com/office/drawing/2014/main" val="10000"/>
                   </a:ext>
                 </a:extLst>
               </a:tr>
@@ -21403,6 +21529,92 @@
           </a:graphicData>
         </a:graphic>
       </p:graphicFrame>
+      <p:sp>
+        <p:nvSpPr>
+          <p:cNvPr id="66" name="타원 42">
+            <a:extLst>
+              <a:ext uri="{FF2B5EF4-FFF2-40B4-BE49-F238E27FC236}">
+                <a16:creationId xmlns:a16="http://schemas.microsoft.com/office/drawing/2014/main" id="{3212423D-A852-4E1F-8E90-AD4321E6595A}"/>
+              </a:ext>
+            </a:extLst>
+          </p:cNvPr>
+          <p:cNvSpPr/>
+          <p:nvPr/>
+        </p:nvSpPr>
+        <p:spPr>
+          <a:xfrm>
+            <a:off x="6511345" y="3914112"/>
+            <a:ext cx="1188132" cy="1188132"/>
+          </a:xfrm>
+          <a:prstGeom prst="ellipse">
+            <a:avLst/>
+          </a:prstGeom>
+          <a:solidFill>
+            <a:srgbClr val="FF0000"/>
+          </a:solidFill>
+          <a:ln>
+            <a:noFill/>
+          </a:ln>
+        </p:spPr>
+        <p:style>
+          <a:lnRef idx="2">
+            <a:schemeClr val="accent2"/>
+          </a:lnRef>
+          <a:fillRef idx="1">
+            <a:schemeClr val="lt1"/>
+          </a:fillRef>
+          <a:effectRef idx="0">
+            <a:schemeClr val="accent2"/>
+          </a:effectRef>
+          <a:fontRef idx="minor">
+            <a:schemeClr val="dk1"/>
+          </a:fontRef>
+        </p:style>
+        <p:txBody>
+          <a:bodyPr vert="horz" wrap="square" lIns="91440" tIns="45720" rIns="91440" bIns="45720" anchor="ctr" anchorCtr="0">
+            <a:prstTxWarp prst="textNoShape">
+              <a:avLst/>
+            </a:prstTxWarp>
+            <a:noAutofit/>
+          </a:bodyPr>
+          <a:lstStyle/>
+          <a:p>
+            <a:pPr marL="0" marR="0" indent="0" algn="ctr" defTabSz="914400" rtl="0" eaLnBrk="1" latinLnBrk="1" hangingPunct="1">
+              <a:lnSpc>
+                <a:spcPct val="100000"/>
+              </a:lnSpc>
+              <a:spcBef>
+                <a:spcPct val="50000"/>
+              </a:spcBef>
+              <a:spcAft>
+                <a:spcPct val="0"/>
+              </a:spcAft>
+              <a:buClrTx/>
+              <a:buFontTx/>
+              <a:buNone/>
+              <a:defRPr/>
+            </a:pPr>
+            <a:r>
+              <a:rPr kumimoji="1" lang="ko-KR" altLang="en-US" sz="1800" b="1" i="0" u="none" strike="noStrike" cap="none" normalizeH="0" baseline="0">
+                <a:solidFill>
+                  <a:schemeClr val="bg1"/>
+                </a:solidFill>
+                <a:effectLst/>
+                <a:latin typeface="맑은 고딕"/>
+                <a:ea typeface="맑은 고딕"/>
+              </a:rPr>
+              <a:t>완료</a:t>
+            </a:r>
+            <a:endParaRPr kumimoji="1" lang="ko-KR" altLang="en-US" sz="1800" b="1" i="0" u="none" strike="noStrike" cap="none" normalizeH="0" baseline="0">
+              <a:solidFill>
+                <a:schemeClr val="bg1"/>
+              </a:solidFill>
+              <a:latin typeface="맑은 고딕"/>
+              <a:ea typeface="맑은 고딕"/>
+            </a:endParaRPr>
+          </a:p>
+        </p:txBody>
+      </p:sp>
     </p:spTree>
     <p:extLst>
       <p:ext uri="{BB962C8B-B14F-4D97-AF65-F5344CB8AC3E}">
@@ -21413,13 +21625,6 @@
   <p:clrMapOvr>
     <a:masterClrMapping/>
   </p:clrMapOvr>
-  <p:timing>
-    <p:tnLst>
-      <p:par>
-        <p:cTn id="1" dur="indefinite" restart="never" nodeType="tmRoot"/>
-      </p:par>
-    </p:tnLst>
-  </p:timing>
 </p:sld>
 </file>
 
@@ -21457,7 +21662,13 @@
             <a:tbl>
               <a:tblPr/>
               <a:tblGrid>
-                <a:gridCol w="2016125"/>
+                <a:gridCol w="2016125">
+                  <a:extLst>
+                    <a:ext uri="{9D8B030D-6E8A-4147-A177-3AD203B41FA5}">
+                      <a16:colId xmlns:a16="http://schemas.microsoft.com/office/drawing/2014/main" val="20000"/>
+                    </a:ext>
+                  </a:extLst>
+                </a:gridCol>
               </a:tblGrid>
               <a:tr h="189064">
                 <a:tc>
@@ -21482,7 +21693,7 @@
                         <a:tabLst/>
                       </a:pPr>
                       <a:r>
-                        <a:rPr kumimoji="1" lang="en-US" altLang="ko-KR" sz="1000" b="0" i="0" u="none" strike="noStrike" cap="none" normalizeH="0" baseline="0" dirty="0" smtClean="0">
+                        <a:rPr kumimoji="1" lang="en-US" altLang="ko-KR" sz="1000" b="0" i="0" u="none" strike="noStrike" cap="none" normalizeH="0" baseline="0" dirty="0">
                           <a:ln>
                             <a:noFill/>
                           </a:ln>
@@ -21495,7 +21706,7 @@
                         </a:rPr>
                         <a:t>Θ Description &amp; Function</a:t>
                       </a:r>
-                      <a:endParaRPr kumimoji="1" lang="ko-KR" altLang="en-US" sz="1000" b="0" i="0" u="none" strike="noStrike" cap="none" normalizeH="0" baseline="0" dirty="0" smtClean="0">
+                      <a:endParaRPr kumimoji="1" lang="ko-KR" altLang="en-US" sz="1000" b="0" i="0" u="none" strike="noStrike" cap="none" normalizeH="0" baseline="0" dirty="0">
                         <a:ln>
                           <a:noFill/>
                         </a:ln>
@@ -21556,6 +21767,11 @@
                     </a:solidFill>
                   </a:tcPr>
                 </a:tc>
+                <a:extLst>
+                  <a:ext uri="{0D108BD9-81ED-4DB2-BD59-A6C34878D82A}">
+                    <a16:rowId xmlns:a16="http://schemas.microsoft.com/office/drawing/2014/main" val="10000"/>
+                  </a:ext>
+                </a:extLst>
               </a:tr>
             </a:tbl>
           </a:graphicData>
@@ -21712,21 +21928,14 @@
           <a:p>
             <a:pPr algn="just"/>
             <a:r>
-              <a:rPr lang="ko-KR" altLang="en-US" sz="1900" spc="-150" dirty="0" smtClean="0">
+              <a:rPr lang="ko-KR" altLang="en-US" sz="1900" spc="-150" dirty="0">
                 <a:latin typeface="맑은 고딕" pitchFamily="50" charset="-127"/>
                 <a:ea typeface="맑은 고딕" pitchFamily="50" charset="-127"/>
               </a:rPr>
-              <a:t>직각이 모두 몇 개인지 </a:t>
+              <a:t>직각이 모두 몇 개인지 써 보세요</a:t>
             </a:r>
             <a:r>
-              <a:rPr lang="ko-KR" altLang="en-US" sz="1900" spc="-150" dirty="0" smtClean="0">
-                <a:latin typeface="맑은 고딕" pitchFamily="50" charset="-127"/>
-                <a:ea typeface="맑은 고딕" pitchFamily="50" charset="-127"/>
-              </a:rPr>
-              <a:t>써 보세요</a:t>
-            </a:r>
-            <a:r>
-              <a:rPr lang="en-US" altLang="ko-KR" sz="1900" spc="-150" dirty="0" smtClean="0">
+              <a:rPr lang="en-US" altLang="ko-KR" sz="1900" spc="-150" dirty="0">
                 <a:latin typeface="맑은 고딕" pitchFamily="50" charset="-127"/>
                 <a:ea typeface="맑은 고딕" pitchFamily="50" charset="-127"/>
               </a:rPr>
@@ -21914,7 +22123,7 @@
               </a:lnSpc>
             </a:pPr>
             <a:r>
-              <a:rPr lang="en-US" altLang="ko-KR" sz="1100" b="1" dirty="0" smtClean="0">
+              <a:rPr lang="en-US" altLang="ko-KR" sz="1100" b="1" dirty="0">
                 <a:solidFill>
                   <a:schemeClr val="bg1"/>
                 </a:solidFill>
@@ -22105,7 +22314,7 @@
               </a:lnSpc>
             </a:pPr>
             <a:r>
-              <a:rPr lang="en-US" altLang="ko-KR" sz="1100" b="1" dirty="0" smtClean="0">
+              <a:rPr lang="en-US" altLang="ko-KR" sz="1100" b="1" dirty="0">
                 <a:solidFill>
                   <a:schemeClr val="bg1"/>
                 </a:solidFill>
@@ -22305,13 +22514,6 @@
               </a:rPr>
               <a:t>3</a:t>
             </a:r>
-            <a:endParaRPr lang="en-US" altLang="ko-KR" sz="1100" b="1" dirty="0" smtClean="0">
-              <a:solidFill>
-                <a:schemeClr val="bg1"/>
-              </a:solidFill>
-              <a:latin typeface="맑은 고딕" pitchFamily="50" charset="-127"/>
-              <a:ea typeface="맑은 고딕" pitchFamily="50" charset="-127"/>
-            </a:endParaRPr>
           </a:p>
         </p:txBody>
       </p:sp>
@@ -22502,13 +22704,6 @@
               </a:rPr>
               <a:t>2</a:t>
             </a:r>
-            <a:endParaRPr lang="en-US" altLang="ko-KR" sz="1100" b="1" dirty="0" smtClean="0">
-              <a:solidFill>
-                <a:schemeClr val="bg1"/>
-              </a:solidFill>
-              <a:latin typeface="맑은 고딕" pitchFamily="50" charset="-127"/>
-              <a:ea typeface="맑은 고딕" pitchFamily="50" charset="-127"/>
-            </a:endParaRPr>
           </a:p>
         </p:txBody>
       </p:sp>
@@ -22691,7 +22886,7 @@
               </a:lnSpc>
             </a:pPr>
             <a:r>
-              <a:rPr lang="ko-KR" altLang="en-US" sz="1100" b="1" spc="-150" dirty="0" smtClean="0">
+              <a:rPr lang="ko-KR" altLang="en-US" sz="1100" b="1" spc="-150" dirty="0">
                 <a:solidFill>
                   <a:schemeClr val="bg1"/>
                 </a:solidFill>
@@ -22700,7 +22895,7 @@
               </a:rPr>
               <a:t>개념 정리</a:t>
             </a:r>
-            <a:endParaRPr lang="en-US" altLang="ko-KR" sz="1100" b="1" spc="-150" dirty="0" smtClean="0">
+            <a:endParaRPr lang="en-US" altLang="ko-KR" sz="1100" b="1" spc="-150" dirty="0">
               <a:solidFill>
                 <a:schemeClr val="bg1"/>
               </a:solidFill>
@@ -22985,19 +23180,8 @@
                 <a:latin typeface="맑은 고딕" pitchFamily="50" charset="-127"/>
                 <a:ea typeface="맑은 고딕" pitchFamily="50" charset="-127"/>
               </a:rPr>
-              <a:t>3</a:t>
+              <a:t>3-1	</a:t>
             </a:r>
-            <a:r>
-              <a:rPr lang="en-US" altLang="ko-KR" sz="900" dirty="0" smtClean="0">
-                <a:latin typeface="맑은 고딕" pitchFamily="50" charset="-127"/>
-                <a:ea typeface="맑은 고딕" pitchFamily="50" charset="-127"/>
-              </a:rPr>
-              <a:t>-1	</a:t>
-            </a:r>
-            <a:endParaRPr lang="en-US" altLang="ko-KR" sz="900" dirty="0">
-              <a:latin typeface="맑은 고딕" pitchFamily="50" charset="-127"/>
-              <a:ea typeface="맑은 고딕" pitchFamily="50" charset="-127"/>
-            </a:endParaRPr>
           </a:p>
         </p:txBody>
       </p:sp>
@@ -23154,14 +23338,14 @@
           </a:lstStyle>
           <a:p>
             <a:r>
-              <a:rPr lang="en-US" altLang="ko-KR" sz="900" dirty="0" smtClean="0">
+              <a:rPr lang="en-US" altLang="ko-KR" sz="900" dirty="0">
                 <a:latin typeface="맑은 고딕" pitchFamily="50" charset="-127"/>
                 <a:ea typeface="맑은 고딕" pitchFamily="50" charset="-127"/>
               </a:rPr>
               <a:t>2. </a:t>
             </a:r>
             <a:r>
-              <a:rPr lang="ko-KR" altLang="en-US" sz="900" dirty="0" smtClean="0">
+              <a:rPr lang="ko-KR" altLang="en-US" sz="900" dirty="0">
                 <a:latin typeface="맑은 고딕" pitchFamily="50" charset="-127"/>
                 <a:ea typeface="맑은 고딕" pitchFamily="50" charset="-127"/>
               </a:rPr>
@@ -23251,49 +23435,42 @@
               </a:rPr>
               <a:t>. </a:t>
             </a:r>
-            <a:r>
-              <a:rPr lang="en-US" altLang="ko-KR" sz="1000" dirty="0" smtClean="0">
-                <a:latin typeface="맑은 고딕" pitchFamily="50" charset="-127"/>
-                <a:ea typeface="맑은 고딕" pitchFamily="50" charset="-127"/>
-              </a:rPr>
-              <a:t/>
-            </a:r>
             <a:br>
-              <a:rPr lang="en-US" altLang="ko-KR" sz="1000" dirty="0" smtClean="0">
+              <a:rPr lang="en-US" altLang="ko-KR" sz="1000" dirty="0">
                 <a:latin typeface="맑은 고딕" pitchFamily="50" charset="-127"/>
                 <a:ea typeface="맑은 고딕" pitchFamily="50" charset="-127"/>
               </a:rPr>
             </a:br>
             <a:r>
-              <a:rPr lang="en-US" altLang="ko-KR" sz="1000" dirty="0" smtClean="0">
+              <a:rPr lang="en-US" altLang="ko-KR" sz="1000" dirty="0">
                 <a:latin typeface="맑은 고딕" pitchFamily="50" charset="-127"/>
                 <a:ea typeface="맑은 고딕" pitchFamily="50" charset="-127"/>
               </a:rPr>
               <a:t>#1-1 </a:t>
             </a:r>
             <a:r>
-              <a:rPr lang="ko-KR" altLang="en-US" sz="1000" dirty="0" smtClean="0">
+              <a:rPr lang="ko-KR" altLang="en-US" sz="1000" dirty="0">
                 <a:latin typeface="맑은 고딕" pitchFamily="50" charset="-127"/>
                 <a:ea typeface="맑은 고딕" pitchFamily="50" charset="-127"/>
               </a:rPr>
               <a:t>클릭 시 </a:t>
             </a:r>
             <a:r>
-              <a:rPr lang="en-US" altLang="ko-KR" sz="1000" dirty="0" smtClean="0">
+              <a:rPr lang="en-US" altLang="ko-KR" sz="1000" dirty="0">
                 <a:latin typeface="맑은 고딕" pitchFamily="50" charset="-127"/>
                 <a:ea typeface="맑은 고딕" pitchFamily="50" charset="-127"/>
               </a:rPr>
               <a:t>#1 </a:t>
             </a:r>
             <a:r>
-              <a:rPr lang="ko-KR" altLang="en-US" sz="1000" dirty="0" smtClean="0">
+              <a:rPr lang="ko-KR" altLang="en-US" sz="1000" dirty="0">
                 <a:latin typeface="맑은 고딕" pitchFamily="50" charset="-127"/>
                 <a:ea typeface="맑은 고딕" pitchFamily="50" charset="-127"/>
               </a:rPr>
               <a:t>나타남</a:t>
             </a:r>
             <a:r>
-              <a:rPr lang="en-US" altLang="ko-KR" sz="1000" dirty="0" smtClean="0">
+              <a:rPr lang="en-US" altLang="ko-KR" sz="1000" dirty="0">
                 <a:latin typeface="맑은 고딕" pitchFamily="50" charset="-127"/>
                 <a:ea typeface="맑은 고딕" pitchFamily="50" charset="-127"/>
               </a:rPr>
@@ -23357,58 +23534,47 @@
               </a:rPr>
               <a:t>. </a:t>
             </a:r>
-            <a:r>
-              <a:rPr lang="en-US" altLang="ko-KR" sz="1000" dirty="0" smtClean="0">
-                <a:latin typeface="맑은 고딕" pitchFamily="50" charset="-127"/>
-                <a:ea typeface="맑은 고딕" pitchFamily="50" charset="-127"/>
-              </a:rPr>
-              <a:t/>
-            </a:r>
             <a:br>
-              <a:rPr lang="en-US" altLang="ko-KR" sz="1000" dirty="0" smtClean="0">
+              <a:rPr lang="en-US" altLang="ko-KR" sz="1000" dirty="0">
                 <a:latin typeface="맑은 고딕" pitchFamily="50" charset="-127"/>
                 <a:ea typeface="맑은 고딕" pitchFamily="50" charset="-127"/>
               </a:rPr>
             </a:br>
             <a:r>
-              <a:rPr lang="en-US" altLang="ko-KR" sz="1000" dirty="0" smtClean="0">
+              <a:rPr lang="en-US" altLang="ko-KR" sz="1000" dirty="0">
                 <a:latin typeface="맑은 고딕" pitchFamily="50" charset="-127"/>
                 <a:ea typeface="맑은 고딕" pitchFamily="50" charset="-127"/>
               </a:rPr>
               <a:t>#2-1 </a:t>
             </a:r>
             <a:r>
-              <a:rPr lang="ko-KR" altLang="en-US" sz="1000" dirty="0" smtClean="0">
+              <a:rPr lang="ko-KR" altLang="en-US" sz="1000" dirty="0">
                 <a:latin typeface="맑은 고딕" pitchFamily="50" charset="-127"/>
                 <a:ea typeface="맑은 고딕" pitchFamily="50" charset="-127"/>
               </a:rPr>
               <a:t>클릭 시 </a:t>
             </a:r>
             <a:r>
-              <a:rPr lang="en-US" altLang="ko-KR" sz="1000" dirty="0" smtClean="0">
+              <a:rPr lang="en-US" altLang="ko-KR" sz="1000" dirty="0">
                 <a:latin typeface="맑은 고딕" pitchFamily="50" charset="-127"/>
                 <a:ea typeface="맑은 고딕" pitchFamily="50" charset="-127"/>
               </a:rPr>
               <a:t>#2 </a:t>
             </a:r>
             <a:r>
-              <a:rPr lang="ko-KR" altLang="en-US" sz="1000" dirty="0" smtClean="0">
+              <a:rPr lang="ko-KR" altLang="en-US" sz="1000" dirty="0">
                 <a:latin typeface="맑은 고딕" pitchFamily="50" charset="-127"/>
                 <a:ea typeface="맑은 고딕" pitchFamily="50" charset="-127"/>
               </a:rPr>
               <a:t>나타남</a:t>
             </a:r>
             <a:r>
-              <a:rPr lang="en-US" altLang="ko-KR" sz="1000" dirty="0" smtClean="0">
+              <a:rPr lang="en-US" altLang="ko-KR" sz="1000" dirty="0">
                 <a:latin typeface="맑은 고딕" pitchFamily="50" charset="-127"/>
                 <a:ea typeface="맑은 고딕" pitchFamily="50" charset="-127"/>
               </a:rPr>
               <a:t>.</a:t>
             </a:r>
-            <a:endParaRPr lang="en-US" altLang="ko-KR" sz="1000" dirty="0">
-              <a:latin typeface="맑은 고딕" pitchFamily="50" charset="-127"/>
-              <a:ea typeface="맑은 고딕" pitchFamily="50" charset="-127"/>
-            </a:endParaRPr>
           </a:p>
           <a:p>
             <a:pPr marL="228600" indent="-228600">
@@ -23426,18 +23592,11 @@
               <a:buAutoNum type="arabicPeriod"/>
             </a:pPr>
             <a:r>
-              <a:rPr lang="ko-KR" altLang="en-US" sz="1000" dirty="0" smtClean="0">
-                <a:latin typeface="맑은 고딕" pitchFamily="50" charset="-127"/>
-                <a:ea typeface="맑은 고딕" pitchFamily="50" charset="-127"/>
-              </a:rPr>
-              <a:t>답 </a:t>
-            </a:r>
-            <a:r>
               <a:rPr lang="ko-KR" altLang="en-US" sz="1000" dirty="0">
                 <a:latin typeface="맑은 고딕" pitchFamily="50" charset="-127"/>
                 <a:ea typeface="맑은 고딕" pitchFamily="50" charset="-127"/>
               </a:rPr>
-              <a:t>칸 클릭하면 답 나타남</a:t>
+              <a:t>답 칸 클릭하면 답 나타남</a:t>
             </a:r>
             <a:r>
               <a:rPr lang="en-US" altLang="ko-KR" sz="1000" dirty="0">
@@ -23482,26 +23641,26 @@
               <a:t> 됨</a:t>
             </a:r>
             <a:r>
-              <a:rPr lang="en-US" altLang="ko-KR" sz="1000" dirty="0" smtClean="0">
+              <a:rPr lang="en-US" altLang="ko-KR" sz="1000" dirty="0">
                 <a:latin typeface="맑은 고딕" pitchFamily="50" charset="-127"/>
                 <a:ea typeface="맑은 고딕" pitchFamily="50" charset="-127"/>
               </a:rPr>
               <a:t>.</a:t>
             </a:r>
             <a:br>
-              <a:rPr lang="en-US" altLang="ko-KR" sz="1000" dirty="0" smtClean="0">
+              <a:rPr lang="en-US" altLang="ko-KR" sz="1000" dirty="0">
                 <a:latin typeface="맑은 고딕" pitchFamily="50" charset="-127"/>
                 <a:ea typeface="맑은 고딕" pitchFamily="50" charset="-127"/>
               </a:rPr>
             </a:br>
-            <a:endParaRPr lang="en-US" altLang="ko-KR" sz="1000" dirty="0" smtClean="0">
+            <a:endParaRPr lang="en-US" altLang="ko-KR" sz="1000" dirty="0">
               <a:latin typeface="맑은 고딕" pitchFamily="50" charset="-127"/>
               <a:ea typeface="맑은 고딕" pitchFamily="50" charset="-127"/>
             </a:endParaRPr>
           </a:p>
           <a:p>
             <a:pPr marL="228600" indent="-228600"/>
-            <a:endParaRPr lang="en-US" altLang="ko-KR" sz="1000" dirty="0" smtClean="0">
+            <a:endParaRPr lang="en-US" altLang="ko-KR" sz="1000" dirty="0">
               <a:latin typeface="맑은 고딕" pitchFamily="50" charset="-127"/>
               <a:ea typeface="맑은 고딕" pitchFamily="50" charset="-127"/>
             </a:endParaRPr>
@@ -23659,14 +23818,14 @@
           <a:p>
             <a:pPr algn="just"/>
             <a:r>
-              <a:rPr lang="ko-KR" altLang="en-US" sz="1100" dirty="0" smtClean="0">
+              <a:rPr lang="ko-KR" altLang="en-US" sz="1100" dirty="0">
                 <a:latin typeface="맑은 고딕" pitchFamily="50" charset="-127"/>
                 <a:ea typeface="맑은 고딕" pitchFamily="50" charset="-127"/>
               </a:rPr>
               <a:t>직각을 알아볼까요</a:t>
             </a:r>
             <a:r>
-              <a:rPr lang="ko-KR" altLang="en-US" sz="1100" dirty="0" smtClean="0">
+              <a:rPr lang="ko-KR" altLang="en-US" sz="1100" dirty="0">
                 <a:solidFill>
                   <a:srgbClr val="339933"/>
                 </a:solidFill>
@@ -23676,7 +23835,7 @@
               <a:t>│ </a:t>
             </a:r>
             <a:r>
-              <a:rPr lang="en-US" altLang="ko-KR" sz="1100" dirty="0" smtClean="0">
+              <a:rPr lang="en-US" altLang="ko-KR" sz="1100" dirty="0">
                 <a:solidFill>
                   <a:srgbClr val="339933"/>
                 </a:solidFill>
@@ -23686,7 +23845,7 @@
               <a:t>30~31</a:t>
             </a:r>
             <a:r>
-              <a:rPr lang="ko-KR" altLang="en-US" sz="1100" dirty="0" smtClean="0">
+              <a:rPr lang="ko-KR" altLang="en-US" sz="1100" dirty="0">
                 <a:solidFill>
                   <a:srgbClr val="339933"/>
                 </a:solidFill>
@@ -23695,7 +23854,7 @@
               </a:rPr>
               <a:t>쪽</a:t>
             </a:r>
-            <a:endParaRPr lang="en-US" altLang="ko-KR" sz="1100" dirty="0" smtClean="0">
+            <a:endParaRPr lang="en-US" altLang="ko-KR" sz="1100" dirty="0">
               <a:solidFill>
                 <a:srgbClr val="339933"/>
               </a:solidFill>
@@ -23858,14 +24017,14 @@
           </a:lstStyle>
           <a:p>
             <a:r>
-              <a:rPr lang="en-US" altLang="ko-KR" sz="900" dirty="0" smtClean="0">
+              <a:rPr lang="en-US" altLang="ko-KR" sz="900" dirty="0">
                 <a:latin typeface="맑은 고딕" pitchFamily="50" charset="-127"/>
                 <a:ea typeface="맑은 고딕" pitchFamily="50" charset="-127"/>
               </a:rPr>
               <a:t>04 </a:t>
             </a:r>
             <a:r>
-              <a:rPr lang="ko-KR" altLang="en-US" sz="900" dirty="0" smtClean="0">
+              <a:rPr lang="ko-KR" altLang="en-US" sz="900" dirty="0">
                 <a:latin typeface="맑은 고딕" pitchFamily="50" charset="-127"/>
                 <a:ea typeface="맑은 고딕" pitchFamily="50" charset="-127"/>
               </a:rPr>
@@ -24034,7 +24193,7 @@
               <a:defRPr/>
             </a:pPr>
             <a:r>
-              <a:rPr kumimoji="0" lang="en-US" altLang="ko-KR" sz="900" dirty="0" smtClean="0">
+              <a:rPr kumimoji="0" lang="en-US" altLang="ko-KR" sz="900" dirty="0">
                 <a:latin typeface="맑은 고딕" pitchFamily="50" charset="-127"/>
                 <a:ea typeface="맑은 고딕" pitchFamily="50" charset="-127"/>
               </a:rPr>
@@ -24235,13 +24394,6 @@
               </a:rPr>
               <a:t>5</a:t>
             </a:r>
-            <a:endParaRPr lang="en-US" altLang="ko-KR" sz="1100" b="1" dirty="0" smtClean="0">
-              <a:solidFill>
-                <a:schemeClr val="bg1"/>
-              </a:solidFill>
-              <a:latin typeface="맑은 고딕" pitchFamily="50" charset="-127"/>
-              <a:ea typeface="맑은 고딕" pitchFamily="50" charset="-127"/>
-            </a:endParaRPr>
           </a:p>
         </p:txBody>
       </p:sp>
@@ -24349,7 +24501,7 @@
           <a:p>
             <a:pPr algn="ctr"/>
             <a:r>
-              <a:rPr lang="en-US" altLang="ko-KR" sz="2000" b="1" dirty="0" smtClean="0">
+              <a:rPr lang="en-US" altLang="ko-KR" sz="2000" b="1" dirty="0">
                 <a:solidFill>
                   <a:schemeClr val="accent1"/>
                 </a:solidFill>
@@ -24373,7 +24525,7 @@
           <p:cNvPr id="84" name="그림 83">
             <a:extLst>
               <a:ext uri="{FF2B5EF4-FFF2-40B4-BE49-F238E27FC236}">
-                <a16:creationId xmlns="" xmlns:a16="http://schemas.microsoft.com/office/drawing/2014/main" id="{DEEB3194-430D-4A4E-8DEF-5B08710B8A78}"/>
+                <a16:creationId xmlns:a16="http://schemas.microsoft.com/office/drawing/2014/main" id="{DEEB3194-430D-4A4E-8DEF-5B08710B8A78}"/>
               </a:ext>
             </a:extLst>
           </p:cNvPr>
@@ -24438,7 +24590,7 @@
           <a:p>
             <a:pPr algn="ctr"/>
             <a:r>
-              <a:rPr lang="en-US" altLang="ko-KR" sz="2000" b="1" dirty="0" smtClean="0">
+              <a:rPr lang="en-US" altLang="ko-KR" sz="2000" b="1" dirty="0">
                 <a:solidFill>
                   <a:schemeClr val="accent1"/>
                 </a:solidFill>
@@ -24462,7 +24614,7 @@
           <p:cNvPr id="95" name="그림 94">
             <a:extLst>
               <a:ext uri="{FF2B5EF4-FFF2-40B4-BE49-F238E27FC236}">
-                <a16:creationId xmlns="" xmlns:a16="http://schemas.microsoft.com/office/drawing/2014/main" id="{DEEB3194-430D-4A4E-8DEF-5B08710B8A78}"/>
+                <a16:creationId xmlns:a16="http://schemas.microsoft.com/office/drawing/2014/main" id="{DEEB3194-430D-4A4E-8DEF-5B08710B8A78}"/>
               </a:ext>
             </a:extLst>
           </p:cNvPr>
@@ -24527,7 +24679,7 @@
           <a:p>
             <a:pPr algn="ctr"/>
             <a:r>
-              <a:rPr lang="en-US" altLang="ko-KR" sz="2000" b="1" dirty="0" smtClean="0">
+              <a:rPr lang="en-US" altLang="ko-KR" sz="2000" b="1" dirty="0">
                 <a:solidFill>
                   <a:schemeClr val="accent1"/>
                 </a:solidFill>
@@ -24551,7 +24703,7 @@
           <p:cNvPr id="98" name="그림 97">
             <a:extLst>
               <a:ext uri="{FF2B5EF4-FFF2-40B4-BE49-F238E27FC236}">
-                <a16:creationId xmlns="" xmlns:a16="http://schemas.microsoft.com/office/drawing/2014/main" id="{DEEB3194-430D-4A4E-8DEF-5B08710B8A78}"/>
+                <a16:creationId xmlns:a16="http://schemas.microsoft.com/office/drawing/2014/main" id="{DEEB3194-430D-4A4E-8DEF-5B08710B8A78}"/>
               </a:ext>
             </a:extLst>
           </p:cNvPr>
@@ -24869,14 +25021,14 @@
                 <a:gridCol w="858104">
                   <a:extLst>
                     <a:ext uri="{9D8B030D-6E8A-4147-A177-3AD203B41FA5}">
-                      <a16:colId xmlns:a16="http://schemas.microsoft.com/office/drawing/2014/main" xmlns="" val="20000"/>
+                      <a16:colId xmlns:a16="http://schemas.microsoft.com/office/drawing/2014/main" val="20000"/>
                     </a:ext>
                   </a:extLst>
                 </a:gridCol>
                 <a:gridCol w="5830760">
                   <a:extLst>
                     <a:ext uri="{9D8B030D-6E8A-4147-A177-3AD203B41FA5}">
-                      <a16:colId xmlns:a16="http://schemas.microsoft.com/office/drawing/2014/main" xmlns="" val="20001"/>
+                      <a16:colId xmlns:a16="http://schemas.microsoft.com/office/drawing/2014/main" val="20001"/>
                     </a:ext>
                   </a:extLst>
                 </a:gridCol>
@@ -24907,7 +25059,7 @@
                         </a:tabLst>
                       </a:pPr>
                       <a:r>
-                        <a:rPr kumimoji="1" lang="ko-KR" altLang="en-US" sz="1000" b="1" i="0" u="none" strike="noStrike" cap="none" normalizeH="0" baseline="0" dirty="0" smtClean="0">
+                        <a:rPr kumimoji="1" lang="ko-KR" altLang="en-US" sz="1000" b="1" i="0" u="none" strike="noStrike" cap="none" normalizeH="0" baseline="0" dirty="0">
                           <a:ln>
                             <a:noFill/>
                           </a:ln>
@@ -24920,7 +25072,7 @@
                         </a:rPr>
                         <a:t>삽화 파일명</a:t>
                       </a:r>
-                      <a:endParaRPr kumimoji="1" lang="en-US" altLang="ko-KR" sz="1000" b="1" i="0" u="none" strike="noStrike" cap="none" normalizeH="0" baseline="0" dirty="0" smtClean="0">
+                      <a:endParaRPr kumimoji="1" lang="en-US" altLang="ko-KR" sz="1000" b="1" i="0" u="none" strike="noStrike" cap="none" normalizeH="0" baseline="0" dirty="0">
                         <a:ln>
                           <a:noFill/>
                         </a:ln>
@@ -25007,7 +25159,7 @@
                         <a:defRPr/>
                       </a:pPr>
                       <a:r>
-                        <a:rPr kumimoji="0" lang="en-US" altLang="ko-KR" sz="1000" dirty="0" smtClean="0">
+                        <a:rPr kumimoji="0" lang="en-US" altLang="ko-KR" sz="1000" dirty="0">
                           <a:solidFill>
                             <a:schemeClr val="tx1"/>
                           </a:solidFill>
@@ -25036,7 +25188,7 @@
                         <a:defRPr/>
                       </a:pPr>
                       <a:r>
-                        <a:rPr kumimoji="0" lang="ko-KR" altLang="en-US" sz="1000" dirty="0" smtClean="0">
+                        <a:rPr kumimoji="0" lang="ko-KR" altLang="en-US" sz="1000" dirty="0">
                           <a:solidFill>
                             <a:schemeClr val="tx1"/>
                           </a:solidFill>
@@ -25046,7 +25198,7 @@
                         <a:t>한대희 </a:t>
                       </a:r>
                       <a:r>
-                        <a:rPr kumimoji="0" lang="en-US" altLang="ko-KR" sz="1000" dirty="0" smtClean="0">
+                        <a:rPr kumimoji="0" lang="en-US" altLang="ko-KR" sz="1000" dirty="0">
                           <a:solidFill>
                             <a:schemeClr val="tx1"/>
                           </a:solidFill>
@@ -25056,7 +25208,7 @@
                         <a:t>3-1 </a:t>
                       </a:r>
                       <a:r>
-                        <a:rPr kumimoji="0" lang="ko-KR" altLang="en-US" sz="1000" dirty="0" smtClean="0">
+                        <a:rPr kumimoji="0" lang="ko-KR" altLang="en-US" sz="1000" dirty="0">
                           <a:solidFill>
                             <a:schemeClr val="tx1"/>
                           </a:solidFill>
@@ -25066,7 +25218,7 @@
                         <a:t>지도서</a:t>
                       </a:r>
                       <a:r>
-                        <a:rPr kumimoji="0" lang="en-US" altLang="ko-KR" sz="1000" dirty="0" smtClean="0">
+                        <a:rPr kumimoji="0" lang="en-US" altLang="ko-KR" sz="1000" dirty="0">
                           <a:solidFill>
                             <a:schemeClr val="tx1"/>
                           </a:solidFill>
@@ -25076,7 +25228,7 @@
                         <a:t>\app\resource\</a:t>
                       </a:r>
                       <a:r>
-                        <a:rPr kumimoji="0" lang="en-US" altLang="ko-KR" sz="1000" dirty="0" err="1" smtClean="0">
+                        <a:rPr kumimoji="0" lang="en-US" altLang="ko-KR" sz="1000" dirty="0" err="1">
                           <a:solidFill>
                             <a:schemeClr val="tx1"/>
                           </a:solidFill>
@@ -25086,7 +25238,7 @@
                         <a:t>contents_sub</a:t>
                       </a:r>
                       <a:r>
-                        <a:rPr kumimoji="0" lang="en-US" altLang="ko-KR" sz="1000" dirty="0" smtClean="0">
+                        <a:rPr kumimoji="0" lang="en-US" altLang="ko-KR" sz="1000" dirty="0">
                           <a:solidFill>
                             <a:schemeClr val="tx1"/>
                           </a:solidFill>
@@ -25138,7 +25290,7 @@
                 </a:tc>
                 <a:extLst>
                   <a:ext uri="{0D108BD9-81ED-4DB2-BD59-A6C34878D82A}">
-                    <a16:rowId xmlns:a16="http://schemas.microsoft.com/office/drawing/2014/main" xmlns="" val="10000"/>
+                    <a16:rowId xmlns:a16="http://schemas.microsoft.com/office/drawing/2014/main" val="10000"/>
                   </a:ext>
                 </a:extLst>
               </a:tr>
@@ -25194,7 +25346,7 @@
               <a:defRPr/>
             </a:pPr>
             <a:r>
-              <a:rPr lang="en-US" altLang="ko-KR" sz="1100" b="1" dirty="0" smtClean="0">
+              <a:rPr lang="en-US" altLang="ko-KR" sz="1100" b="1" dirty="0">
                 <a:solidFill>
                   <a:schemeClr val="bg1"/>
                 </a:solidFill>
@@ -25361,7 +25513,7 @@
           <a:p>
             <a:pPr algn="ctr"/>
             <a:r>
-              <a:rPr lang="ko-KR" altLang="en-US" sz="1900" dirty="0" smtClean="0">
+              <a:rPr lang="ko-KR" altLang="en-US" sz="1900" dirty="0">
                 <a:latin typeface="맑은 고딕" pitchFamily="50" charset="-127"/>
                 <a:ea typeface="맑은 고딕" pitchFamily="50" charset="-127"/>
               </a:rPr>
@@ -25518,7 +25670,7 @@
           <a:p>
             <a:pPr algn="ctr"/>
             <a:r>
-              <a:rPr lang="ko-KR" altLang="en-US" sz="1900" dirty="0" smtClean="0">
+              <a:rPr lang="ko-KR" altLang="en-US" sz="1900" dirty="0">
                 <a:latin typeface="맑은 고딕" pitchFamily="50" charset="-127"/>
                 <a:ea typeface="맑은 고딕" pitchFamily="50" charset="-127"/>
               </a:rPr>
@@ -25675,7 +25827,7 @@
           <a:p>
             <a:pPr algn="ctr"/>
             <a:r>
-              <a:rPr lang="ko-KR" altLang="en-US" sz="1900" dirty="0" smtClean="0">
+              <a:rPr lang="ko-KR" altLang="en-US" sz="1900" dirty="0">
                 <a:latin typeface="맑은 고딕" pitchFamily="50" charset="-127"/>
                 <a:ea typeface="맑은 고딕" pitchFamily="50" charset="-127"/>
               </a:rPr>
@@ -25732,7 +25884,7 @@
               <a:defRPr/>
             </a:pPr>
             <a:r>
-              <a:rPr lang="en-US" altLang="ko-KR" sz="1100" b="1" dirty="0" smtClean="0">
+              <a:rPr lang="en-US" altLang="ko-KR" sz="1100" b="1" dirty="0">
                 <a:solidFill>
                   <a:schemeClr val="bg1"/>
                 </a:solidFill>
@@ -25799,7 +25951,7 @@
               <a:defRPr/>
             </a:pPr>
             <a:r>
-              <a:rPr lang="en-US" altLang="ko-KR" sz="1100" b="1" dirty="0" smtClean="0">
+              <a:rPr lang="en-US" altLang="ko-KR" sz="1100" b="1" dirty="0">
                 <a:solidFill>
                   <a:schemeClr val="bg1"/>
                 </a:solidFill>
@@ -25866,7 +26018,7 @@
               <a:defRPr/>
             </a:pPr>
             <a:r>
-              <a:rPr lang="en-US" altLang="ko-KR" sz="1100" b="1" dirty="0" smtClean="0">
+              <a:rPr lang="en-US" altLang="ko-KR" sz="1100" b="1" dirty="0">
                 <a:solidFill>
                   <a:schemeClr val="bg1"/>
                 </a:solidFill>
@@ -25933,7 +26085,7 @@
               <a:defRPr/>
             </a:pPr>
             <a:r>
-              <a:rPr lang="en-US" altLang="ko-KR" sz="1100" b="1" dirty="0" smtClean="0">
+              <a:rPr lang="en-US" altLang="ko-KR" sz="1100" b="1" dirty="0">
                 <a:solidFill>
                   <a:schemeClr val="bg1"/>
                 </a:solidFill>
@@ -25952,6 +26104,92 @@
           </a:p>
         </p:txBody>
       </p:sp>
+      <p:sp>
+        <p:nvSpPr>
+          <p:cNvPr id="51" name="타원 42">
+            <a:extLst>
+              <a:ext uri="{FF2B5EF4-FFF2-40B4-BE49-F238E27FC236}">
+                <a16:creationId xmlns:a16="http://schemas.microsoft.com/office/drawing/2014/main" id="{5004B26D-B142-4E84-9939-00798F550D82}"/>
+              </a:ext>
+            </a:extLst>
+          </p:cNvPr>
+          <p:cNvSpPr/>
+          <p:nvPr/>
+        </p:nvSpPr>
+        <p:spPr>
+          <a:xfrm>
+            <a:off x="6511345" y="3914112"/>
+            <a:ext cx="1188132" cy="1188132"/>
+          </a:xfrm>
+          <a:prstGeom prst="ellipse">
+            <a:avLst/>
+          </a:prstGeom>
+          <a:solidFill>
+            <a:srgbClr val="FF0000"/>
+          </a:solidFill>
+          <a:ln>
+            <a:noFill/>
+          </a:ln>
+        </p:spPr>
+        <p:style>
+          <a:lnRef idx="2">
+            <a:schemeClr val="accent2"/>
+          </a:lnRef>
+          <a:fillRef idx="1">
+            <a:schemeClr val="lt1"/>
+          </a:fillRef>
+          <a:effectRef idx="0">
+            <a:schemeClr val="accent2"/>
+          </a:effectRef>
+          <a:fontRef idx="minor">
+            <a:schemeClr val="dk1"/>
+          </a:fontRef>
+        </p:style>
+        <p:txBody>
+          <a:bodyPr vert="horz" wrap="square" lIns="91440" tIns="45720" rIns="91440" bIns="45720" anchor="ctr" anchorCtr="0">
+            <a:prstTxWarp prst="textNoShape">
+              <a:avLst/>
+            </a:prstTxWarp>
+            <a:noAutofit/>
+          </a:bodyPr>
+          <a:lstStyle/>
+          <a:p>
+            <a:pPr marL="0" marR="0" indent="0" algn="ctr" defTabSz="914400" rtl="0" eaLnBrk="1" latinLnBrk="1" hangingPunct="1">
+              <a:lnSpc>
+                <a:spcPct val="100000"/>
+              </a:lnSpc>
+              <a:spcBef>
+                <a:spcPct val="50000"/>
+              </a:spcBef>
+              <a:spcAft>
+                <a:spcPct val="0"/>
+              </a:spcAft>
+              <a:buClrTx/>
+              <a:buFontTx/>
+              <a:buNone/>
+              <a:defRPr/>
+            </a:pPr>
+            <a:r>
+              <a:rPr kumimoji="1" lang="ko-KR" altLang="en-US" sz="1800" b="1" i="0" u="none" strike="noStrike" cap="none" normalizeH="0" baseline="0">
+                <a:solidFill>
+                  <a:schemeClr val="bg1"/>
+                </a:solidFill>
+                <a:effectLst/>
+                <a:latin typeface="맑은 고딕"/>
+                <a:ea typeface="맑은 고딕"/>
+              </a:rPr>
+              <a:t>완료</a:t>
+            </a:r>
+            <a:endParaRPr kumimoji="1" lang="ko-KR" altLang="en-US" sz="1800" b="1" i="0" u="none" strike="noStrike" cap="none" normalizeH="0" baseline="0">
+              <a:solidFill>
+                <a:schemeClr val="bg1"/>
+              </a:solidFill>
+              <a:latin typeface="맑은 고딕"/>
+              <a:ea typeface="맑은 고딕"/>
+            </a:endParaRPr>
+          </a:p>
+        </p:txBody>
+      </p:sp>
     </p:spTree>
     <p:extLst>
       <p:ext uri="{BB962C8B-B14F-4D97-AF65-F5344CB8AC3E}">
@@ -25962,13 +26200,6 @@
   <p:clrMapOvr>
     <a:masterClrMapping/>
   </p:clrMapOvr>
-  <p:timing>
-    <p:tnLst>
-      <p:par>
-        <p:cTn id="1" dur="indefinite" restart="never" nodeType="tmRoot"/>
-      </p:par>
-    </p:tnLst>
-  </p:timing>
 </p:sld>
 </file>
 
@@ -26028,7 +26259,7 @@
           <a:p>
             <a:pPr algn="ctr"/>
             <a:r>
-              <a:rPr lang="ko-KR" altLang="en-US" sz="1900" dirty="0" err="1" smtClean="0">
+              <a:rPr lang="ko-KR" altLang="en-US" sz="1900" dirty="0" err="1">
                 <a:solidFill>
                   <a:schemeClr val="tx1"/>
                 </a:solidFill>
@@ -26064,7 +26295,13 @@
             <a:tbl>
               <a:tblPr/>
               <a:tblGrid>
-                <a:gridCol w="2016125"/>
+                <a:gridCol w="2016125">
+                  <a:extLst>
+                    <a:ext uri="{9D8B030D-6E8A-4147-A177-3AD203B41FA5}">
+                      <a16:colId xmlns:a16="http://schemas.microsoft.com/office/drawing/2014/main" val="20000"/>
+                    </a:ext>
+                  </a:extLst>
+                </a:gridCol>
               </a:tblGrid>
               <a:tr h="189064">
                 <a:tc>
@@ -26089,7 +26326,7 @@
                         <a:tabLst/>
                       </a:pPr>
                       <a:r>
-                        <a:rPr kumimoji="1" lang="en-US" altLang="ko-KR" sz="1000" b="0" i="0" u="none" strike="noStrike" cap="none" normalizeH="0" baseline="0" dirty="0" smtClean="0">
+                        <a:rPr kumimoji="1" lang="en-US" altLang="ko-KR" sz="1000" b="0" i="0" u="none" strike="noStrike" cap="none" normalizeH="0" baseline="0" dirty="0">
                           <a:ln>
                             <a:noFill/>
                           </a:ln>
@@ -26102,7 +26339,7 @@
                         </a:rPr>
                         <a:t>Θ Description &amp; Function</a:t>
                       </a:r>
-                      <a:endParaRPr kumimoji="1" lang="ko-KR" altLang="en-US" sz="1000" b="0" i="0" u="none" strike="noStrike" cap="none" normalizeH="0" baseline="0" dirty="0" smtClean="0">
+                      <a:endParaRPr kumimoji="1" lang="ko-KR" altLang="en-US" sz="1000" b="0" i="0" u="none" strike="noStrike" cap="none" normalizeH="0" baseline="0" dirty="0">
                         <a:ln>
                           <a:noFill/>
                         </a:ln>
@@ -26163,6 +26400,11 @@
                     </a:solidFill>
                   </a:tcPr>
                 </a:tc>
+                <a:extLst>
+                  <a:ext uri="{0D108BD9-81ED-4DB2-BD59-A6C34878D82A}">
+                    <a16:rowId xmlns:a16="http://schemas.microsoft.com/office/drawing/2014/main" val="10000"/>
+                  </a:ext>
+                </a:extLst>
               </a:tr>
             </a:tbl>
           </a:graphicData>
@@ -26319,42 +26561,42 @@
           <a:p>
             <a:pPr algn="just"/>
             <a:r>
-              <a:rPr lang="ko-KR" altLang="en-US" sz="1900" spc="-150" dirty="0" smtClean="0">
+              <a:rPr lang="ko-KR" altLang="en-US" sz="1900" spc="-150" dirty="0">
                 <a:latin typeface="맑은 고딕" pitchFamily="50" charset="-127"/>
                 <a:ea typeface="맑은 고딕" pitchFamily="50" charset="-127"/>
               </a:rPr>
               <a:t>삼각자를 사용하여 점 </a:t>
             </a:r>
             <a:r>
-              <a:rPr lang="ko-KR" altLang="en-US" sz="1900" spc="-150" dirty="0" err="1" smtClean="0">
+              <a:rPr lang="ko-KR" altLang="en-US" sz="1900" spc="-150" dirty="0" err="1">
                 <a:latin typeface="맑은 고딕" pitchFamily="50" charset="-127"/>
                 <a:ea typeface="맑은 고딕" pitchFamily="50" charset="-127"/>
               </a:rPr>
               <a:t>ㄴ을</a:t>
             </a:r>
             <a:r>
-              <a:rPr lang="ko-KR" altLang="en-US" sz="1900" spc="-150" dirty="0" smtClean="0">
+              <a:rPr lang="ko-KR" altLang="en-US" sz="1900" spc="-150" dirty="0">
                 <a:latin typeface="맑은 고딕" pitchFamily="50" charset="-127"/>
                 <a:ea typeface="맑은 고딕" pitchFamily="50" charset="-127"/>
               </a:rPr>
               <a:t> </a:t>
             </a:r>
             <a:r>
-              <a:rPr lang="ko-KR" altLang="en-US" sz="1900" spc="-150" dirty="0" err="1" smtClean="0">
+              <a:rPr lang="ko-KR" altLang="en-US" sz="1900" spc="-150" dirty="0" err="1">
                 <a:latin typeface="맑은 고딕" pitchFamily="50" charset="-127"/>
                 <a:ea typeface="맑은 고딕" pitchFamily="50" charset="-127"/>
               </a:rPr>
               <a:t>꼭짓점으로</a:t>
             </a:r>
             <a:r>
-              <a:rPr lang="ko-KR" altLang="en-US" sz="1900" spc="-150" dirty="0" smtClean="0">
+              <a:rPr lang="ko-KR" altLang="en-US" sz="1900" spc="-150" dirty="0">
                 <a:latin typeface="맑은 고딕" pitchFamily="50" charset="-127"/>
                 <a:ea typeface="맑은 고딕" pitchFamily="50" charset="-127"/>
               </a:rPr>
               <a:t> 하는 직각을 그려 보세요</a:t>
             </a:r>
             <a:r>
-              <a:rPr lang="en-US" altLang="ko-KR" sz="1900" spc="-150" dirty="0" smtClean="0">
+              <a:rPr lang="en-US" altLang="ko-KR" sz="1900" spc="-150" dirty="0">
                 <a:latin typeface="맑은 고딕" pitchFamily="50" charset="-127"/>
                 <a:ea typeface="맑은 고딕" pitchFamily="50" charset="-127"/>
               </a:rPr>
@@ -26542,7 +26784,7 @@
               </a:lnSpc>
             </a:pPr>
             <a:r>
-              <a:rPr lang="en-US" altLang="ko-KR" sz="1100" b="1" dirty="0" smtClean="0">
+              <a:rPr lang="en-US" altLang="ko-KR" sz="1100" b="1" dirty="0">
                 <a:solidFill>
                   <a:schemeClr val="bg1"/>
                 </a:solidFill>
@@ -26733,7 +26975,7 @@
               </a:lnSpc>
             </a:pPr>
             <a:r>
-              <a:rPr lang="en-US" altLang="ko-KR" sz="1100" b="1" dirty="0" smtClean="0">
+              <a:rPr lang="en-US" altLang="ko-KR" sz="1100" b="1" dirty="0">
                 <a:solidFill>
                   <a:schemeClr val="bg1"/>
                 </a:solidFill>
@@ -26932,13 +27174,6 @@
               </a:rPr>
               <a:t>3</a:t>
             </a:r>
-            <a:endParaRPr lang="en-US" altLang="ko-KR" sz="1100" b="1" dirty="0" smtClean="0">
-              <a:solidFill>
-                <a:schemeClr val="bg1"/>
-              </a:solidFill>
-              <a:latin typeface="맑은 고딕" pitchFamily="50" charset="-127"/>
-              <a:ea typeface="맑은 고딕" pitchFamily="50" charset="-127"/>
-            </a:endParaRPr>
           </a:p>
         </p:txBody>
       </p:sp>
@@ -27130,13 +27365,6 @@
               </a:rPr>
               <a:t>2</a:t>
             </a:r>
-            <a:endParaRPr lang="en-US" altLang="ko-KR" sz="1100" b="1" dirty="0" smtClean="0">
-              <a:solidFill>
-                <a:schemeClr val="bg1"/>
-              </a:solidFill>
-              <a:latin typeface="맑은 고딕" pitchFamily="50" charset="-127"/>
-              <a:ea typeface="맑은 고딕" pitchFamily="50" charset="-127"/>
-            </a:endParaRPr>
           </a:p>
         </p:txBody>
       </p:sp>
@@ -27319,7 +27547,7 @@
               </a:lnSpc>
             </a:pPr>
             <a:r>
-              <a:rPr lang="ko-KR" altLang="en-US" sz="1100" b="1" spc="-150" dirty="0" smtClean="0">
+              <a:rPr lang="ko-KR" altLang="en-US" sz="1100" b="1" spc="-150" dirty="0">
                 <a:solidFill>
                   <a:schemeClr val="bg1"/>
                 </a:solidFill>
@@ -27328,7 +27556,7 @@
               </a:rPr>
               <a:t>개념 정리</a:t>
             </a:r>
-            <a:endParaRPr lang="en-US" altLang="ko-KR" sz="1100" b="1" spc="-150" dirty="0" smtClean="0">
+            <a:endParaRPr lang="en-US" altLang="ko-KR" sz="1100" b="1" spc="-150" dirty="0">
               <a:solidFill>
                 <a:schemeClr val="bg1"/>
               </a:solidFill>
@@ -27374,34 +27602,27 @@
               <a:buAutoNum type="arabicPeriod"/>
             </a:pPr>
             <a:r>
-              <a:rPr lang="ko-KR" altLang="en-US" sz="1000" dirty="0" err="1" smtClean="0">
+              <a:rPr lang="ko-KR" altLang="en-US" sz="1000" dirty="0" err="1">
                 <a:latin typeface="맑은 고딕" pitchFamily="50" charset="-127"/>
                 <a:ea typeface="맑은 고딕" pitchFamily="50" charset="-127"/>
               </a:rPr>
               <a:t>지시문</a:t>
             </a:r>
-            <a:r>
-              <a:rPr lang="en-US" altLang="ko-KR" sz="1000" dirty="0" smtClean="0">
-                <a:latin typeface="맑은 고딕" pitchFamily="50" charset="-127"/>
-                <a:ea typeface="맑은 고딕" pitchFamily="50" charset="-127"/>
-              </a:rPr>
-              <a:t/>
-            </a:r>
             <a:br>
-              <a:rPr lang="en-US" altLang="ko-KR" sz="1000" dirty="0" smtClean="0">
+              <a:rPr lang="en-US" altLang="ko-KR" sz="1000" dirty="0">
                 <a:latin typeface="맑은 고딕" pitchFamily="50" charset="-127"/>
                 <a:ea typeface="맑은 고딕" pitchFamily="50" charset="-127"/>
               </a:rPr>
             </a:br>
             <a:r>
-              <a:rPr lang="ko-KR" altLang="en-US" sz="1000" dirty="0" smtClean="0">
+              <a:rPr lang="ko-KR" altLang="en-US" sz="1000" dirty="0">
                 <a:latin typeface="맑은 고딕" pitchFamily="50" charset="-127"/>
                 <a:ea typeface="맑은 고딕" pitchFamily="50" charset="-127"/>
               </a:rPr>
               <a:t>볼드</a:t>
             </a:r>
             <a:r>
-              <a:rPr lang="en-US" altLang="ko-KR" sz="1000" dirty="0" smtClean="0">
+              <a:rPr lang="en-US" altLang="ko-KR" sz="1000" dirty="0">
                 <a:latin typeface="맑은 고딕" pitchFamily="50" charset="-127"/>
                 <a:ea typeface="맑은 고딕" pitchFamily="50" charset="-127"/>
                 <a:sym typeface="Wingdings" panose="05000000000000000000" pitchFamily="2" charset="2"/>
@@ -27409,7 +27630,7 @@
               <a:t> </a:t>
             </a:r>
             <a:r>
-              <a:rPr lang="ko-KR" altLang="en-US" sz="1000" dirty="0" smtClean="0">
+              <a:rPr lang="ko-KR" altLang="en-US" sz="1000" dirty="0">
                 <a:latin typeface="맑은 고딕" pitchFamily="50" charset="-127"/>
                 <a:ea typeface="맑은 고딕" pitchFamily="50" charset="-127"/>
                 <a:sym typeface="Wingdings" panose="05000000000000000000" pitchFamily="2" charset="2"/>
@@ -27417,7 +27638,7 @@
               <a:t>삼각자</a:t>
             </a:r>
             <a:r>
-              <a:rPr lang="en-US" altLang="ko-KR" sz="1000" dirty="0" smtClean="0">
+              <a:rPr lang="en-US" altLang="ko-KR" sz="1000" dirty="0">
                 <a:latin typeface="맑은 고딕" pitchFamily="50" charset="-127"/>
                 <a:ea typeface="맑은 고딕" pitchFamily="50" charset="-127"/>
                 <a:sym typeface="Wingdings" panose="05000000000000000000" pitchFamily="2" charset="2"/>
@@ -27425,14 +27646,14 @@
               <a:t>, </a:t>
             </a:r>
             <a:r>
-              <a:rPr lang="ko-KR" altLang="en-US" sz="1000" dirty="0" smtClean="0">
+              <a:rPr lang="ko-KR" altLang="en-US" sz="1000" dirty="0">
                 <a:latin typeface="맑은 고딕" pitchFamily="50" charset="-127"/>
                 <a:ea typeface="맑은 고딕" pitchFamily="50" charset="-127"/>
                 <a:sym typeface="Wingdings" panose="05000000000000000000" pitchFamily="2" charset="2"/>
               </a:rPr>
               <a:t>드래그</a:t>
             </a:r>
-            <a:endParaRPr lang="en-US" altLang="ko-KR" sz="1000" dirty="0" smtClean="0">
+            <a:endParaRPr lang="en-US" altLang="ko-KR" sz="1000" dirty="0">
               <a:latin typeface="맑은 고딕" pitchFamily="50" charset="-127"/>
               <a:ea typeface="맑은 고딕" pitchFamily="50" charset="-127"/>
               <a:sym typeface="Wingdings" panose="05000000000000000000" pitchFamily="2" charset="2"/>
@@ -27442,7 +27663,7 @@
             <a:pPr marL="228600" indent="-228600">
               <a:buAutoNum type="arabicPeriod"/>
             </a:pPr>
-            <a:endParaRPr lang="en-US" altLang="ko-KR" sz="1000" dirty="0" smtClean="0">
+            <a:endParaRPr lang="en-US" altLang="ko-KR" sz="1000" dirty="0">
               <a:latin typeface="맑은 고딕" pitchFamily="50" charset="-127"/>
               <a:ea typeface="맑은 고딕" pitchFamily="50" charset="-127"/>
               <a:sym typeface="Wingdings" panose="05000000000000000000" pitchFamily="2" charset="2"/>
@@ -27453,39 +27674,32 @@
               <a:buAutoNum type="arabicPeriod"/>
             </a:pPr>
             <a:r>
-              <a:rPr lang="ko-KR" altLang="en-US" sz="1000" dirty="0" smtClean="0">
+              <a:rPr lang="ko-KR" altLang="en-US" sz="1000" dirty="0">
                 <a:latin typeface="맑은 고딕" pitchFamily="50" charset="-127"/>
                 <a:ea typeface="맑은 고딕" pitchFamily="50" charset="-127"/>
               </a:rPr>
               <a:t>삼각자를 드래그하여 마우스로 선 긋기 기능 있음</a:t>
             </a:r>
             <a:r>
-              <a:rPr lang="en-US" altLang="ko-KR" sz="1000" dirty="0" smtClean="0">
+              <a:rPr lang="en-US" altLang="ko-KR" sz="1000" dirty="0">
                 <a:latin typeface="맑은 고딕" pitchFamily="50" charset="-127"/>
                 <a:ea typeface="맑은 고딕" pitchFamily="50" charset="-127"/>
               </a:rPr>
               <a:t>. </a:t>
             </a:r>
             <a:r>
-              <a:rPr lang="ko-KR" altLang="en-US" sz="1000" dirty="0" smtClean="0">
+              <a:rPr lang="ko-KR" altLang="en-US" sz="1000" dirty="0">
                 <a:latin typeface="맑은 고딕" pitchFamily="50" charset="-127"/>
                 <a:ea typeface="맑은 고딕" pitchFamily="50" charset="-127"/>
               </a:rPr>
               <a:t>전자저작물과 기능 동일함</a:t>
             </a:r>
             <a:r>
-              <a:rPr lang="en-US" altLang="ko-KR" sz="1000" dirty="0" smtClean="0">
+              <a:rPr lang="en-US" altLang="ko-KR" sz="1000" dirty="0">
                 <a:latin typeface="맑은 고딕" pitchFamily="50" charset="-127"/>
                 <a:ea typeface="맑은 고딕" pitchFamily="50" charset="-127"/>
               </a:rPr>
               <a:t>.</a:t>
-            </a:r>
-            <a:r>
-              <a:rPr lang="en-US" altLang="ko-KR" sz="1000" dirty="0">
-                <a:latin typeface="맑은 고딕" pitchFamily="50" charset="-127"/>
-                <a:ea typeface="맑은 고딕" pitchFamily="50" charset="-127"/>
-              </a:rPr>
-              <a:t/>
             </a:r>
             <a:br>
               <a:rPr lang="en-US" altLang="ko-KR" sz="1000" dirty="0">
@@ -27532,21 +27746,7 @@
                 <a:latin typeface="맑은 고딕" pitchFamily="50" charset="-127"/>
                 <a:ea typeface="맑은 고딕" pitchFamily="50" charset="-127"/>
               </a:rPr>
-              <a:t>\</a:t>
-            </a:r>
-            <a:r>
-              <a:rPr lang="en-US" altLang="ko-KR" sz="1000" dirty="0" smtClean="0">
-                <a:latin typeface="맑은 고딕" pitchFamily="50" charset="-127"/>
-                <a:ea typeface="맑은 고딕" pitchFamily="50" charset="-127"/>
-              </a:rPr>
-              <a:t>app\resource\contents\lesson02\ops\2</a:t>
-            </a:r>
-            <a:r>
-              <a:rPr lang="en-US" altLang="ko-KR" sz="1000" dirty="0">
-                <a:latin typeface="맑은 고딕" pitchFamily="50" charset="-127"/>
-                <a:ea typeface="맑은 고딕" pitchFamily="50" charset="-127"/>
-              </a:rPr>
-              <a:t/>
+              <a:t>\app\resource\contents\lesson02\ops\2</a:t>
             </a:r>
             <a:br>
               <a:rPr lang="en-US" altLang="ko-KR" sz="1000" dirty="0">
@@ -27554,7 +27754,7 @@
                 <a:ea typeface="맑은 고딕" pitchFamily="50" charset="-127"/>
               </a:rPr>
             </a:br>
-            <a:endParaRPr lang="en-US" altLang="ko-KR" sz="1000" dirty="0" smtClean="0">
+            <a:endParaRPr lang="en-US" altLang="ko-KR" sz="1000" dirty="0">
               <a:latin typeface="맑은 고딕" pitchFamily="50" charset="-127"/>
               <a:ea typeface="맑은 고딕" pitchFamily="50" charset="-127"/>
             </a:endParaRPr>
@@ -27565,20 +27765,20 @@
               <a:buAutoNum type="arabicPeriod"/>
             </a:pPr>
             <a:r>
-              <a:rPr lang="ko-KR" altLang="en-US" sz="1000" dirty="0" err="1" smtClean="0">
+              <a:rPr lang="ko-KR" altLang="en-US" sz="1000" dirty="0" err="1">
                 <a:latin typeface="맑은 고딕" pitchFamily="50" charset="-127"/>
                 <a:ea typeface="맑은 고딕" pitchFamily="50" charset="-127"/>
               </a:rPr>
               <a:t>말풍선</a:t>
             </a:r>
             <a:r>
-              <a:rPr lang="ko-KR" altLang="en-US" sz="1000" dirty="0" smtClean="0">
+              <a:rPr lang="ko-KR" altLang="en-US" sz="1000" dirty="0">
                 <a:latin typeface="맑은 고딕" pitchFamily="50" charset="-127"/>
                 <a:ea typeface="맑은 고딕" pitchFamily="50" charset="-127"/>
               </a:rPr>
               <a:t> 소스 사용</a:t>
             </a:r>
-            <a:endParaRPr lang="en-US" altLang="ko-KR" sz="1000" dirty="0" smtClean="0">
+            <a:endParaRPr lang="en-US" altLang="ko-KR" sz="1000" dirty="0">
               <a:latin typeface="맑은 고딕" pitchFamily="50" charset="-127"/>
               <a:ea typeface="맑은 고딕" pitchFamily="50" charset="-127"/>
             </a:endParaRPr>
@@ -27599,42 +27799,42 @@
               <a:buAutoNum type="arabicPeriod"/>
             </a:pPr>
             <a:r>
-              <a:rPr lang="ko-KR" altLang="en-US" sz="1000" dirty="0" smtClean="0">
+              <a:rPr lang="ko-KR" altLang="en-US" sz="1000" dirty="0">
                 <a:latin typeface="맑은 고딕" pitchFamily="50" charset="-127"/>
                 <a:ea typeface="맑은 고딕" pitchFamily="50" charset="-127"/>
               </a:rPr>
               <a:t>예 보기 클릭 시 예시 답안 나타남</a:t>
             </a:r>
             <a:r>
-              <a:rPr lang="en-US" altLang="ko-KR" sz="1000" dirty="0" smtClean="0">
+              <a:rPr lang="en-US" altLang="ko-KR" sz="1000" dirty="0">
                 <a:latin typeface="맑은 고딕" pitchFamily="50" charset="-127"/>
                 <a:ea typeface="맑은 고딕" pitchFamily="50" charset="-127"/>
               </a:rPr>
               <a:t>. </a:t>
             </a:r>
             <a:r>
-              <a:rPr lang="ko-KR" altLang="en-US" sz="1000" dirty="0" err="1" smtClean="0">
+              <a:rPr lang="ko-KR" altLang="en-US" sz="1000" dirty="0" err="1">
                 <a:latin typeface="맑은 고딕" pitchFamily="50" charset="-127"/>
                 <a:ea typeface="맑은 고딕" pitchFamily="50" charset="-127"/>
               </a:rPr>
               <a:t>다시하기로</a:t>
             </a:r>
             <a:r>
-              <a:rPr lang="ko-KR" altLang="en-US" sz="1000" dirty="0" smtClean="0">
+              <a:rPr lang="ko-KR" altLang="en-US" sz="1000" dirty="0">
                 <a:latin typeface="맑은 고딕" pitchFamily="50" charset="-127"/>
                 <a:ea typeface="맑은 고딕" pitchFamily="50" charset="-127"/>
               </a:rPr>
               <a:t> </a:t>
             </a:r>
             <a:r>
-              <a:rPr lang="ko-KR" altLang="en-US" sz="1000" dirty="0" err="1" smtClean="0">
+              <a:rPr lang="ko-KR" altLang="en-US" sz="1000" dirty="0" err="1">
                 <a:latin typeface="맑은 고딕" pitchFamily="50" charset="-127"/>
                 <a:ea typeface="맑은 고딕" pitchFamily="50" charset="-127"/>
               </a:rPr>
               <a:t>토글됨</a:t>
             </a:r>
             <a:r>
-              <a:rPr lang="en-US" altLang="ko-KR" sz="1000" dirty="0" smtClean="0">
+              <a:rPr lang="en-US" altLang="ko-KR" sz="1000" dirty="0">
                 <a:latin typeface="맑은 고딕" pitchFamily="50" charset="-127"/>
                 <a:ea typeface="맑은 고딕" pitchFamily="50" charset="-127"/>
               </a:rPr>
@@ -27653,7 +27853,7 @@
           </a:p>
           <a:p>
             <a:r>
-              <a:rPr lang="en-US" altLang="ko-KR" sz="1000" dirty="0" smtClean="0">
+              <a:rPr lang="en-US" altLang="ko-KR" sz="1000" dirty="0">
                 <a:solidFill>
                   <a:srgbClr val="FF0000"/>
                 </a:solidFill>
@@ -27663,7 +27863,7 @@
               <a:t>[</a:t>
             </a:r>
             <a:r>
-              <a:rPr lang="ko-KR" altLang="en-US" sz="1000" dirty="0" smtClean="0">
+              <a:rPr lang="ko-KR" altLang="en-US" sz="1000" dirty="0">
                 <a:solidFill>
                   <a:srgbClr val="FF0000"/>
                 </a:solidFill>
@@ -27673,7 +27873,7 @@
               <a:t>예시 답안</a:t>
             </a:r>
             <a:r>
-              <a:rPr lang="en-US" altLang="ko-KR" sz="1000" dirty="0" smtClean="0">
+              <a:rPr lang="en-US" altLang="ko-KR" sz="1000" dirty="0">
                 <a:solidFill>
                   <a:srgbClr val="FF0000"/>
                 </a:solidFill>
@@ -27682,13 +27882,6 @@
               </a:rPr>
               <a:t>]</a:t>
             </a:r>
-            <a:endParaRPr lang="en-US" altLang="ko-KR" sz="1000" dirty="0" smtClean="0">
-              <a:solidFill>
-                <a:srgbClr val="FF0000"/>
-              </a:solidFill>
-              <a:latin typeface="맑은 고딕" pitchFamily="50" charset="-127"/>
-              <a:ea typeface="맑은 고딕" pitchFamily="50" charset="-127"/>
-            </a:endParaRPr>
           </a:p>
         </p:txBody>
       </p:sp>
@@ -27903,19 +28096,8 @@
                 <a:latin typeface="맑은 고딕" pitchFamily="50" charset="-127"/>
                 <a:ea typeface="맑은 고딕" pitchFamily="50" charset="-127"/>
               </a:rPr>
-              <a:t>3</a:t>
+              <a:t>3-1	</a:t>
             </a:r>
-            <a:r>
-              <a:rPr lang="en-US" altLang="ko-KR" sz="900" dirty="0" smtClean="0">
-                <a:latin typeface="맑은 고딕" pitchFamily="50" charset="-127"/>
-                <a:ea typeface="맑은 고딕" pitchFamily="50" charset="-127"/>
-              </a:rPr>
-              <a:t>-1	</a:t>
-            </a:r>
-            <a:endParaRPr lang="en-US" altLang="ko-KR" sz="900" dirty="0">
-              <a:latin typeface="맑은 고딕" pitchFamily="50" charset="-127"/>
-              <a:ea typeface="맑은 고딕" pitchFamily="50" charset="-127"/>
-            </a:endParaRPr>
           </a:p>
         </p:txBody>
       </p:sp>
@@ -28072,14 +28254,14 @@
           </a:lstStyle>
           <a:p>
             <a:r>
-              <a:rPr lang="en-US" altLang="ko-KR" sz="900" dirty="0" smtClean="0">
+              <a:rPr lang="en-US" altLang="ko-KR" sz="900" dirty="0">
                 <a:latin typeface="맑은 고딕" pitchFamily="50" charset="-127"/>
                 <a:ea typeface="맑은 고딕" pitchFamily="50" charset="-127"/>
               </a:rPr>
               <a:t>2. </a:t>
             </a:r>
             <a:r>
-              <a:rPr lang="ko-KR" altLang="en-US" sz="900" dirty="0" smtClean="0">
+              <a:rPr lang="ko-KR" altLang="en-US" sz="900" dirty="0">
                 <a:latin typeface="맑은 고딕" pitchFamily="50" charset="-127"/>
                 <a:ea typeface="맑은 고딕" pitchFamily="50" charset="-127"/>
               </a:rPr>
@@ -28243,14 +28425,14 @@
           <a:p>
             <a:pPr algn="just"/>
             <a:r>
-              <a:rPr lang="ko-KR" altLang="en-US" sz="1100" dirty="0" smtClean="0">
+              <a:rPr lang="ko-KR" altLang="en-US" sz="1100" dirty="0">
                 <a:latin typeface="맑은 고딕" pitchFamily="50" charset="-127"/>
                 <a:ea typeface="맑은 고딕" pitchFamily="50" charset="-127"/>
               </a:rPr>
               <a:t>직각을 알아볼까요</a:t>
             </a:r>
             <a:r>
-              <a:rPr lang="ko-KR" altLang="en-US" sz="1100" dirty="0" smtClean="0">
+              <a:rPr lang="ko-KR" altLang="en-US" sz="1100" dirty="0">
                 <a:solidFill>
                   <a:srgbClr val="339933"/>
                 </a:solidFill>
@@ -28260,7 +28442,7 @@
               <a:t>│ </a:t>
             </a:r>
             <a:r>
-              <a:rPr lang="en-US" altLang="ko-KR" sz="1100" dirty="0" smtClean="0">
+              <a:rPr lang="en-US" altLang="ko-KR" sz="1100" dirty="0">
                 <a:solidFill>
                   <a:srgbClr val="339933"/>
                 </a:solidFill>
@@ -28270,7 +28452,7 @@
               <a:t>30~31</a:t>
             </a:r>
             <a:r>
-              <a:rPr lang="ko-KR" altLang="en-US" sz="1100" dirty="0" smtClean="0">
+              <a:rPr lang="ko-KR" altLang="en-US" sz="1100" dirty="0">
                 <a:solidFill>
                   <a:srgbClr val="339933"/>
                 </a:solidFill>
@@ -28279,7 +28461,7 @@
               </a:rPr>
               <a:t>쪽</a:t>
             </a:r>
-            <a:endParaRPr lang="en-US" altLang="ko-KR" sz="1100" dirty="0" smtClean="0">
+            <a:endParaRPr lang="en-US" altLang="ko-KR" sz="1100" dirty="0">
               <a:solidFill>
                 <a:srgbClr val="339933"/>
               </a:solidFill>
@@ -28442,14 +28624,14 @@
           </a:lstStyle>
           <a:p>
             <a:r>
-              <a:rPr lang="en-US" altLang="ko-KR" sz="900" dirty="0" smtClean="0">
+              <a:rPr lang="en-US" altLang="ko-KR" sz="900" dirty="0">
                 <a:latin typeface="맑은 고딕" pitchFamily="50" charset="-127"/>
                 <a:ea typeface="맑은 고딕" pitchFamily="50" charset="-127"/>
               </a:rPr>
               <a:t>04 </a:t>
             </a:r>
             <a:r>
-              <a:rPr lang="ko-KR" altLang="en-US" sz="900" dirty="0" smtClean="0">
+              <a:rPr lang="ko-KR" altLang="en-US" sz="900" dirty="0">
                 <a:latin typeface="맑은 고딕" pitchFamily="50" charset="-127"/>
                 <a:ea typeface="맑은 고딕" pitchFamily="50" charset="-127"/>
               </a:rPr>
@@ -28618,7 +28800,7 @@
               <a:defRPr/>
             </a:pPr>
             <a:r>
-              <a:rPr kumimoji="0" lang="en-US" altLang="ko-KR" sz="900" dirty="0" smtClean="0">
+              <a:rPr kumimoji="0" lang="en-US" altLang="ko-KR" sz="900" dirty="0">
                 <a:latin typeface="맑은 고딕" pitchFamily="50" charset="-127"/>
                 <a:ea typeface="맑은 고딕" pitchFamily="50" charset="-127"/>
               </a:rPr>
@@ -28819,13 +29001,6 @@
               </a:rPr>
               <a:t>5</a:t>
             </a:r>
-            <a:endParaRPr lang="en-US" altLang="ko-KR" sz="1100" b="1" dirty="0" smtClean="0">
-              <a:solidFill>
-                <a:schemeClr val="bg1"/>
-              </a:solidFill>
-              <a:latin typeface="맑은 고딕" pitchFamily="50" charset="-127"/>
-              <a:ea typeface="맑은 고딕" pitchFamily="50" charset="-127"/>
-            </a:endParaRPr>
           </a:p>
         </p:txBody>
       </p:sp>
@@ -28855,14 +29030,14 @@
                 <a:gridCol w="858104">
                   <a:extLst>
                     <a:ext uri="{9D8B030D-6E8A-4147-A177-3AD203B41FA5}">
-                      <a16:colId xmlns:a16="http://schemas.microsoft.com/office/drawing/2014/main" xmlns="" val="20000"/>
+                      <a16:colId xmlns:a16="http://schemas.microsoft.com/office/drawing/2014/main" val="20000"/>
                     </a:ext>
                   </a:extLst>
                 </a:gridCol>
                 <a:gridCol w="5830760">
                   <a:extLst>
                     <a:ext uri="{9D8B030D-6E8A-4147-A177-3AD203B41FA5}">
-                      <a16:colId xmlns:a16="http://schemas.microsoft.com/office/drawing/2014/main" xmlns="" val="20001"/>
+                      <a16:colId xmlns:a16="http://schemas.microsoft.com/office/drawing/2014/main" val="20001"/>
                     </a:ext>
                   </a:extLst>
                 </a:gridCol>
@@ -28893,7 +29068,7 @@
                         </a:tabLst>
                       </a:pPr>
                       <a:r>
-                        <a:rPr kumimoji="1" lang="ko-KR" altLang="en-US" sz="1000" b="1" i="0" u="none" strike="noStrike" cap="none" normalizeH="0" baseline="0" dirty="0" smtClean="0">
+                        <a:rPr kumimoji="1" lang="ko-KR" altLang="en-US" sz="1000" b="1" i="0" u="none" strike="noStrike" cap="none" normalizeH="0" baseline="0" dirty="0">
                           <a:ln>
                             <a:noFill/>
                           </a:ln>
@@ -28906,7 +29081,7 @@
                         </a:rPr>
                         <a:t>삽화 파일명</a:t>
                       </a:r>
-                      <a:endParaRPr kumimoji="1" lang="en-US" altLang="ko-KR" sz="1000" b="1" i="0" u="none" strike="noStrike" cap="none" normalizeH="0" baseline="0" dirty="0" smtClean="0">
+                      <a:endParaRPr kumimoji="1" lang="en-US" altLang="ko-KR" sz="1000" b="1" i="0" u="none" strike="noStrike" cap="none" normalizeH="0" baseline="0" dirty="0">
                         <a:ln>
                           <a:noFill/>
                         </a:ln>
@@ -28993,7 +29168,7 @@
                         <a:defRPr/>
                       </a:pPr>
                       <a:r>
-                        <a:rPr kumimoji="0" lang="en-US" altLang="ko-KR" sz="1000" dirty="0" smtClean="0">
+                        <a:rPr kumimoji="0" lang="en-US" altLang="ko-KR" sz="1000" dirty="0">
                           <a:solidFill>
                             <a:schemeClr val="tx1"/>
                           </a:solidFill>
@@ -29022,7 +29197,7 @@
                         <a:defRPr/>
                       </a:pPr>
                       <a:r>
-                        <a:rPr kumimoji="0" lang="ko-KR" altLang="en-US" sz="1000" dirty="0" smtClean="0">
+                        <a:rPr kumimoji="0" lang="ko-KR" altLang="en-US" sz="1000" dirty="0">
                           <a:solidFill>
                             <a:schemeClr val="tx1"/>
                           </a:solidFill>
@@ -29032,7 +29207,7 @@
                         <a:t>한대희 </a:t>
                       </a:r>
                       <a:r>
-                        <a:rPr kumimoji="0" lang="en-US" altLang="ko-KR" sz="1000" dirty="0" smtClean="0">
+                        <a:rPr kumimoji="0" lang="en-US" altLang="ko-KR" sz="1000" dirty="0">
                           <a:solidFill>
                             <a:schemeClr val="tx1"/>
                           </a:solidFill>
@@ -29042,7 +29217,7 @@
                         <a:t>3-1 </a:t>
                       </a:r>
                       <a:r>
-                        <a:rPr kumimoji="0" lang="ko-KR" altLang="en-US" sz="1000" dirty="0" smtClean="0">
+                        <a:rPr kumimoji="0" lang="ko-KR" altLang="en-US" sz="1000" dirty="0">
                           <a:solidFill>
                             <a:schemeClr val="tx1"/>
                           </a:solidFill>
@@ -29052,7 +29227,7 @@
                         <a:t>지도서</a:t>
                       </a:r>
                       <a:r>
-                        <a:rPr kumimoji="0" lang="en-US" altLang="ko-KR" sz="1000" dirty="0" smtClean="0">
+                        <a:rPr kumimoji="0" lang="en-US" altLang="ko-KR" sz="1000" dirty="0">
                           <a:solidFill>
                             <a:schemeClr val="tx1"/>
                           </a:solidFill>
@@ -29062,7 +29237,7 @@
                         <a:t>\app\resource\</a:t>
                       </a:r>
                       <a:r>
-                        <a:rPr kumimoji="0" lang="en-US" altLang="ko-KR" sz="1000" dirty="0" err="1" smtClean="0">
+                        <a:rPr kumimoji="0" lang="en-US" altLang="ko-KR" sz="1000" dirty="0" err="1">
                           <a:solidFill>
                             <a:schemeClr val="tx1"/>
                           </a:solidFill>
@@ -29072,7 +29247,7 @@
                         <a:t>contents_sub</a:t>
                       </a:r>
                       <a:r>
-                        <a:rPr kumimoji="0" lang="en-US" altLang="ko-KR" sz="1000" dirty="0" smtClean="0">
+                        <a:rPr kumimoji="0" lang="en-US" altLang="ko-KR" sz="1000" dirty="0">
                           <a:solidFill>
                             <a:schemeClr val="tx1"/>
                           </a:solidFill>
@@ -29124,7 +29299,7 @@
                 </a:tc>
                 <a:extLst>
                   <a:ext uri="{0D108BD9-81ED-4DB2-BD59-A6C34878D82A}">
-                    <a16:rowId xmlns:a16="http://schemas.microsoft.com/office/drawing/2014/main" xmlns="" val="10000"/>
+                    <a16:rowId xmlns:a16="http://schemas.microsoft.com/office/drawing/2014/main" val="10000"/>
                   </a:ext>
                 </a:extLst>
               </a:tr>
@@ -29287,34 +29462,34 @@
           <a:p>
             <a:pPr algn="ctr"/>
             <a:r>
-              <a:rPr lang="ko-KR" altLang="en-US" sz="900" b="1" spc="-150" dirty="0" smtClean="0">
+              <a:rPr lang="ko-KR" altLang="en-US" sz="900" b="1" spc="-150" dirty="0">
                 <a:latin typeface="맑은 고딕" pitchFamily="50" charset="-127"/>
                 <a:ea typeface="맑은 고딕" pitchFamily="50" charset="-127"/>
               </a:rPr>
               <a:t>삼각자</a:t>
             </a:r>
             <a:r>
-              <a:rPr lang="ko-KR" altLang="en-US" sz="900" spc="-150" dirty="0" smtClean="0">
+              <a:rPr lang="ko-KR" altLang="en-US" sz="900" spc="-150" dirty="0">
                 <a:latin typeface="맑은 고딕" pitchFamily="50" charset="-127"/>
                 <a:ea typeface="맑은 고딕" pitchFamily="50" charset="-127"/>
               </a:rPr>
               <a:t>를 </a:t>
             </a:r>
             <a:r>
-              <a:rPr lang="ko-KR" altLang="en-US" sz="900" b="1" spc="-150" dirty="0" smtClean="0">
+              <a:rPr lang="ko-KR" altLang="en-US" sz="900" b="1" spc="-150" dirty="0">
                 <a:latin typeface="맑은 고딕" pitchFamily="50" charset="-127"/>
                 <a:ea typeface="맑은 고딕" pitchFamily="50" charset="-127"/>
               </a:rPr>
               <a:t>드래그</a:t>
             </a:r>
             <a:r>
-              <a:rPr lang="ko-KR" altLang="en-US" sz="900" spc="-150" dirty="0" smtClean="0">
+              <a:rPr lang="ko-KR" altLang="en-US" sz="900" spc="-150" dirty="0">
                 <a:latin typeface="맑은 고딕" pitchFamily="50" charset="-127"/>
                 <a:ea typeface="맑은 고딕" pitchFamily="50" charset="-127"/>
               </a:rPr>
               <a:t>하여 옮기세요</a:t>
             </a:r>
-            <a:endParaRPr lang="en-US" altLang="ko-KR" sz="900" spc="-150" dirty="0" smtClean="0">
+            <a:endParaRPr lang="en-US" altLang="ko-KR" sz="900" spc="-150" dirty="0">
               <a:latin typeface="맑은 고딕" pitchFamily="50" charset="-127"/>
               <a:ea typeface="맑은 고딕" pitchFamily="50" charset="-127"/>
             </a:endParaRPr>
@@ -29369,7 +29544,7 @@
               <a:defRPr/>
             </a:pPr>
             <a:r>
-              <a:rPr lang="en-US" altLang="ko-KR" sz="1100" b="1" dirty="0" smtClean="0">
+              <a:rPr lang="en-US" altLang="ko-KR" sz="1100" b="1" dirty="0">
                 <a:solidFill>
                   <a:schemeClr val="bg1"/>
                 </a:solidFill>
@@ -29496,7 +29671,7 @@
           <p:cNvPr id="72" name="그림 71">
             <a:extLst>
               <a:ext uri="{FF2B5EF4-FFF2-40B4-BE49-F238E27FC236}">
-                <a16:creationId xmlns="" xmlns:a16="http://schemas.microsoft.com/office/drawing/2014/main" id="{7747FD6F-C544-4BC9-B5F0-A2437BD739EA}"/>
+                <a16:creationId xmlns:a16="http://schemas.microsoft.com/office/drawing/2014/main" id="{7747FD6F-C544-4BC9-B5F0-A2437BD739EA}"/>
               </a:ext>
             </a:extLst>
           </p:cNvPr>
@@ -29532,7 +29707,7 @@
           <p:cNvPr id="73" name="그림 72">
             <a:extLst>
               <a:ext uri="{FF2B5EF4-FFF2-40B4-BE49-F238E27FC236}">
-                <a16:creationId xmlns:a16="http://schemas.microsoft.com/office/drawing/2014/main" xmlns="" id="{3F22ECF9-1835-4EC7-9E33-60D84FE23811}"/>
+                <a16:creationId xmlns:a16="http://schemas.microsoft.com/office/drawing/2014/main" id="{3F22ECF9-1835-4EC7-9E33-60D84FE23811}"/>
               </a:ext>
             </a:extLst>
           </p:cNvPr>
@@ -29878,7 +30053,7 @@
           <p:cNvPr id="77" name="직사각형 76">
             <a:extLst>
               <a:ext uri="{FF2B5EF4-FFF2-40B4-BE49-F238E27FC236}">
-                <a16:creationId xmlns="" xmlns:a16="http://schemas.microsoft.com/office/drawing/2014/main" id="{A3FD23CB-6379-403F-BC3A-9D57C9BCA2FC}"/>
+                <a16:creationId xmlns:a16="http://schemas.microsoft.com/office/drawing/2014/main" id="{A3FD23CB-6379-403F-BC3A-9D57C9BCA2FC}"/>
               </a:ext>
             </a:extLst>
           </p:cNvPr>
@@ -29927,20 +30102,10 @@
                 <a:latin typeface="맑은 고딕" pitchFamily="50" charset="-127"/>
                 <a:ea typeface="맑은 고딕" pitchFamily="50" charset="-127"/>
               </a:rPr>
-              <a:t>삼각자의 </a:t>
+              <a:t>삼각자의 직각인</a:t>
             </a:r>
             <a:r>
-              <a:rPr lang="ko-KR" altLang="en-US" sz="1600" dirty="0" smtClean="0">
-                <a:solidFill>
-                  <a:schemeClr val="tx1"/>
-                </a:solidFill>
-                <a:latin typeface="맑은 고딕" pitchFamily="50" charset="-127"/>
-                <a:ea typeface="맑은 고딕" pitchFamily="50" charset="-127"/>
-              </a:rPr>
-              <a:t>직각인</a:t>
-            </a:r>
-            <a:r>
-              <a:rPr lang="en-US" altLang="ko-KR" sz="1600" dirty="0" smtClean="0">
+              <a:rPr lang="en-US" altLang="ko-KR" sz="1600" dirty="0">
                 <a:solidFill>
                   <a:schemeClr val="tx1"/>
                 </a:solidFill>
@@ -29950,7 +30115,7 @@
               <a:t> </a:t>
             </a:r>
             <a:r>
-              <a:rPr lang="ko-KR" altLang="en-US" sz="1600" dirty="0" smtClean="0">
+              <a:rPr lang="ko-KR" altLang="en-US" sz="1600" dirty="0">
                 <a:solidFill>
                   <a:schemeClr val="tx1"/>
                 </a:solidFill>
@@ -29960,7 +30125,7 @@
               <a:t>부분을 이용하여</a:t>
             </a:r>
             <a:r>
-              <a:rPr lang="en-US" altLang="ko-KR" sz="1600" dirty="0" smtClean="0">
+              <a:rPr lang="en-US" altLang="ko-KR" sz="1600" dirty="0">
                 <a:solidFill>
                   <a:schemeClr val="tx1"/>
                 </a:solidFill>
@@ -29970,24 +30135,14 @@
               <a:t> </a:t>
             </a:r>
             <a:r>
-              <a:rPr lang="ko-KR" altLang="en-US" sz="1600" dirty="0" smtClean="0">
+              <a:rPr lang="ko-KR" altLang="en-US" sz="1600" dirty="0">
                 <a:solidFill>
                   <a:schemeClr val="tx1"/>
                 </a:solidFill>
                 <a:latin typeface="맑은 고딕" pitchFamily="50" charset="-127"/>
                 <a:ea typeface="맑은 고딕" pitchFamily="50" charset="-127"/>
               </a:rPr>
-              <a:t>그리면 </a:t>
-            </a:r>
-            <a:r>
-              <a:rPr lang="ko-KR" altLang="en-US" sz="1600" dirty="0">
-                <a:solidFill>
-                  <a:schemeClr val="tx1"/>
-                </a:solidFill>
-                <a:latin typeface="맑은 고딕" pitchFamily="50" charset="-127"/>
-                <a:ea typeface="맑은 고딕" pitchFamily="50" charset="-127"/>
-              </a:rPr>
-              <a:t>돼요</a:t>
+              <a:t>그리면 돼요</a:t>
             </a:r>
             <a:r>
               <a:rPr lang="en-US" altLang="ko-KR" sz="1600" dirty="0">
@@ -30111,7 +30266,7 @@
               <a:defRPr/>
             </a:pPr>
             <a:r>
-              <a:rPr lang="en-US" altLang="ko-KR" sz="1100" b="1" dirty="0" smtClean="0">
+              <a:rPr lang="en-US" altLang="ko-KR" sz="1100" b="1" dirty="0">
                 <a:solidFill>
                   <a:schemeClr val="bg1"/>
                 </a:solidFill>
@@ -30178,7 +30333,7 @@
               <a:defRPr/>
             </a:pPr>
             <a:r>
-              <a:rPr lang="en-US" altLang="ko-KR" sz="1100" b="1" dirty="0" smtClean="0">
+              <a:rPr lang="en-US" altLang="ko-KR" sz="1100" b="1" dirty="0">
                 <a:solidFill>
                   <a:schemeClr val="bg1"/>
                 </a:solidFill>
@@ -30245,7 +30400,7 @@
               <a:defRPr/>
             </a:pPr>
             <a:r>
-              <a:rPr lang="en-US" altLang="ko-KR" sz="1100" b="1" dirty="0" smtClean="0">
+              <a:rPr lang="en-US" altLang="ko-KR" sz="1100" b="1" dirty="0">
                 <a:solidFill>
                   <a:schemeClr val="bg1"/>
                 </a:solidFill>
@@ -30274,18 +30429,11 @@
   <p:clrMapOvr>
     <a:masterClrMapping/>
   </p:clrMapOvr>
-  <p:timing>
-    <p:tnLst>
-      <p:par>
-        <p:cTn id="1" dur="indefinite" restart="never" nodeType="tmRoot"/>
-      </p:par>
-    </p:tnLst>
-  </p:timing>
 </p:sld>
 </file>
 
 <file path=ppt/slides/slide7.xml><?xml version="1.0" encoding="utf-8"?>
-<p:sld xmlns:r="http://schemas.openxmlformats.org/officeDocument/2006/relationships" xmlns:c="http://schemas.openxmlformats.org/drawingml/2006/chart" xmlns:a="http://schemas.openxmlformats.org/drawingml/2006/main" xmlns:dgm="http://schemas.openxmlformats.org/drawingml/2006/diagram" xmlns:dsp="http://schemas.microsoft.com/office/drawing/2008/diagram" xmlns:p="http://schemas.openxmlformats.org/presentationml/2006/main">
+<p:sld xmlns:a="http://schemas.openxmlformats.org/drawingml/2006/main" xmlns:r="http://schemas.openxmlformats.org/officeDocument/2006/relationships" xmlns:p="http://schemas.openxmlformats.org/presentationml/2006/main">
   <p:cSld>
     <p:spTree>
       <p:nvGrpSpPr>
@@ -30379,10 +30527,6 @@
               </a:rPr>
               <a:t>ㄱ</a:t>
             </a:r>
-            <a:endParaRPr lang="ko-KR" altLang="en-US" sz="1900">
-              <a:latin typeface="맑은 고딕"/>
-              <a:ea typeface="맑은 고딕"/>
-            </a:endParaRPr>
           </a:p>
         </p:txBody>
       </p:sp>
@@ -30434,10 +30578,6 @@
               </a:rPr>
               <a:t>ㄴ</a:t>
             </a:r>
-            <a:endParaRPr lang="ko-KR" altLang="en-US" sz="1900">
-              <a:latin typeface="맑은 고딕"/>
-              <a:ea typeface="맑은 고딕"/>
-            </a:endParaRPr>
           </a:p>
         </p:txBody>
       </p:sp>
@@ -30489,10 +30629,6 @@
               </a:rPr>
               <a:t>ㄷ</a:t>
             </a:r>
-            <a:endParaRPr lang="ko-KR" altLang="en-US" sz="1900">
-              <a:latin typeface="맑은 고딕"/>
-              <a:ea typeface="맑은 고딕"/>
-            </a:endParaRPr>
           </a:p>
         </p:txBody>
       </p:sp>
@@ -30544,10 +30680,6 @@
               </a:rPr>
               <a:t>ㄹ</a:t>
             </a:r>
-            <a:endParaRPr lang="ko-KR" altLang="en-US" sz="1900">
-              <a:latin typeface="맑은 고딕"/>
-              <a:ea typeface="맑은 고딕"/>
-            </a:endParaRPr>
           </a:p>
         </p:txBody>
       </p:sp>
@@ -30599,10 +30731,6 @@
               </a:rPr>
               <a:t>ㅁ</a:t>
             </a:r>
-            <a:endParaRPr lang="ko-KR" altLang="en-US" sz="1900">
-              <a:latin typeface="맑은 고딕"/>
-              <a:ea typeface="맑은 고딕"/>
-            </a:endParaRPr>
           </a:p>
         </p:txBody>
       </p:sp>
@@ -30621,13 +30749,21 @@
         <a:graphic>
           <a:graphicData uri="http://schemas.openxmlformats.org/drawingml/2006/table">
             <a:tbl>
+              <a:tblPr/>
               <a:tblGrid>
-                <a:gridCol w="2016125"/>
+                <a:gridCol w="2016125">
+                  <a:extLst>
+                    <a:ext uri="{9D8B030D-6E8A-4147-A177-3AD203B41FA5}">
+                      <a16:colId xmlns:a16="http://schemas.microsoft.com/office/drawing/2014/main" val="20000"/>
+                    </a:ext>
+                  </a:extLst>
+                </a:gridCol>
               </a:tblGrid>
               <a:tr h="189064">
                 <a:tc>
                   <a:txBody>
-                    <a:bodyPr vert="horz" lIns="53929" tIns="25167" rIns="53929" bIns="25167" anchor="ctr" anchorCtr="0"/>
+                    <a:bodyPr/>
+                    <a:lstStyle/>
                     <a:p>
                       <a:pPr marL="0" marR="0" lvl="0" indent="0" algn="l" defTabSz="850900" rtl="0" eaLnBrk="1" latinLnBrk="1" hangingPunct="1">
                         <a:lnSpc>
@@ -30701,10 +30837,15 @@
                       <a:noFill/>
                     </a:lnBlToTr>
                     <a:solidFill>
-                      <a:srgbClr val="dddddd"/>
+                      <a:srgbClr val="DDDDDD"/>
                     </a:solidFill>
                   </a:tcPr>
                 </a:tc>
+                <a:extLst>
+                  <a:ext uri="{0D108BD9-81ED-4DB2-BD59-A6C34878D82A}">
+                    <a16:rowId xmlns:a16="http://schemas.microsoft.com/office/drawing/2014/main" val="10000"/>
+                  </a:ext>
+                </a:extLst>
               </a:tr>
             </a:tbl>
           </a:graphicData>
@@ -30876,10 +31017,6 @@
               </a:rPr>
               <a:t>.</a:t>
             </a:r>
-            <a:endParaRPr lang="en-US" altLang="ko-KR" sz="1900" b="0" spc="-150">
-              <a:latin typeface="맑은 고딕"/>
-              <a:ea typeface="맑은 고딕"/>
-            </a:endParaRPr>
           </a:p>
         </p:txBody>
       </p:sp>
@@ -31072,13 +31209,6 @@
               </a:rPr>
               <a:t>1</a:t>
             </a:r>
-            <a:endParaRPr lang="en-US" altLang="ko-KR" sz="1100" b="1">
-              <a:solidFill>
-                <a:schemeClr val="bg1"/>
-              </a:solidFill>
-              <a:latin typeface="맑은 고딕"/>
-              <a:ea typeface="맑은 고딕"/>
-            </a:endParaRPr>
           </a:p>
         </p:txBody>
       </p:sp>
@@ -31270,13 +31400,6 @@
               </a:rPr>
               <a:t>4</a:t>
             </a:r>
-            <a:endParaRPr lang="en-US" altLang="ko-KR" sz="1100" b="1">
-              <a:solidFill>
-                <a:schemeClr val="bg1"/>
-              </a:solidFill>
-              <a:latin typeface="맑은 고딕"/>
-              <a:ea typeface="맑은 고딕"/>
-            </a:endParaRPr>
           </a:p>
         </p:txBody>
       </p:sp>
@@ -31469,13 +31592,6 @@
               </a:rPr>
               <a:t>3</a:t>
             </a:r>
-            <a:endParaRPr lang="en-US" altLang="ko-KR" sz="1100" b="1">
-              <a:solidFill>
-                <a:schemeClr val="bg1"/>
-              </a:solidFill>
-              <a:latin typeface="맑은 고딕"/>
-              <a:ea typeface="맑은 고딕"/>
-            </a:endParaRPr>
           </a:p>
         </p:txBody>
       </p:sp>
@@ -31668,13 +31784,6 @@
               </a:rPr>
               <a:t>2</a:t>
             </a:r>
-            <a:endParaRPr lang="en-US" altLang="ko-KR" sz="1100" b="1">
-              <a:solidFill>
-                <a:schemeClr val="bg1"/>
-              </a:solidFill>
-              <a:latin typeface="맑은 고딕"/>
-              <a:ea typeface="맑은 고딕"/>
-            </a:endParaRPr>
           </a:p>
         </p:txBody>
       </p:sp>
@@ -32021,10 +32130,6 @@
               </a:rPr>
               <a:t>.</a:t>
             </a:r>
-            <a:endParaRPr lang="en-US" altLang="ko-KR" sz="1000">
-              <a:latin typeface="맑은 고딕"/>
-              <a:ea typeface="맑은 고딕"/>
-            </a:endParaRPr>
           </a:p>
           <a:p>
             <a:pPr marL="228600" indent="-228600">
@@ -32085,10 +32190,6 @@
               </a:rPr>
               <a:t>.</a:t>
             </a:r>
-            <a:endParaRPr lang="en-US" altLang="ko-KR" sz="1000">
-              <a:latin typeface="맑은 고딕"/>
-              <a:ea typeface="맑은 고딕"/>
-            </a:endParaRPr>
           </a:p>
           <a:p>
             <a:pPr marL="228600" indent="-228600" algn="just">
@@ -32148,7 +32249,7 @@
             <a:avLst/>
           </a:prstGeom>
           <a:solidFill>
-            <a:srgbClr val="ff0000"/>
+            <a:srgbClr val="FF0000"/>
           </a:solidFill>
           <a:ln w="9525">
             <a:noFill/>
@@ -32360,10 +32461,6 @@
               </a:rPr>
               <a:t>3-1	</a:t>
             </a:r>
-            <a:endParaRPr lang="en-US" altLang="ko-KR" sz="900">
-              <a:latin typeface="맑은 고딕"/>
-              <a:ea typeface="맑은 고딕"/>
-            </a:endParaRPr>
           </a:p>
         </p:txBody>
       </p:sp>
@@ -33270,13 +33367,6 @@
               </a:rPr>
               <a:t>5</a:t>
             </a:r>
-            <a:endParaRPr lang="en-US" altLang="ko-KR" sz="1100" b="1">
-              <a:solidFill>
-                <a:schemeClr val="bg1"/>
-              </a:solidFill>
-              <a:latin typeface="맑은 고딕"/>
-              <a:ea typeface="맑은 고딕"/>
-            </a:endParaRPr>
           </a:p>
         </p:txBody>
       </p:sp>
@@ -33351,13 +33441,6 @@
               </a:rPr>
               <a:t>각 ㄷㅁㄹ 또는 각 ㄹㅁㄷ</a:t>
             </a:r>
-            <a:endParaRPr lang="ko-KR" altLang="en-US" sz="2000" b="1">
-              <a:solidFill>
-                <a:schemeClr val="accent1"/>
-              </a:solidFill>
-              <a:latin typeface="맑은 고딕"/>
-              <a:ea typeface="맑은 고딕"/>
-            </a:endParaRPr>
           </a:p>
         </p:txBody>
       </p:sp>
@@ -33415,7 +33498,7 @@
             </a:prstGeom>
             <a:ln w="28575">
               <a:solidFill>
-                <a:srgbClr val="ff0000"/>
+                <a:srgbClr val="FF0000"/>
               </a:solidFill>
             </a:ln>
           </p:spPr>
@@ -33450,7 +33533,7 @@
             </a:prstGeom>
             <a:ln w="28575">
               <a:solidFill>
-                <a:srgbClr val="ff0000"/>
+                <a:srgbClr val="FF0000"/>
               </a:solidFill>
             </a:ln>
           </p:spPr>
@@ -33500,7 +33583,7 @@
             </a:prstGeom>
             <a:ln w="28575">
               <a:solidFill>
-                <a:srgbClr val="ff0000"/>
+                <a:srgbClr val="FF0000"/>
               </a:solidFill>
             </a:ln>
           </p:spPr>
@@ -33535,7 +33618,7 @@
             </a:prstGeom>
             <a:ln w="28575">
               <a:solidFill>
-                <a:srgbClr val="ff0000"/>
+                <a:srgbClr val="FF0000"/>
               </a:solidFill>
             </a:ln>
           </p:spPr>
@@ -33570,14 +33653,28 @@
         <a:graphic>
           <a:graphicData uri="http://schemas.openxmlformats.org/drawingml/2006/table">
             <a:tbl>
+              <a:tblPr/>
               <a:tblGrid>
-                <a:gridCol w="858104"/>
-                <a:gridCol w="5830760"/>
+                <a:gridCol w="858104">
+                  <a:extLst>
+                    <a:ext uri="{9D8B030D-6E8A-4147-A177-3AD203B41FA5}">
+                      <a16:colId xmlns:a16="http://schemas.microsoft.com/office/drawing/2014/main" val="20000"/>
+                    </a:ext>
+                  </a:extLst>
+                </a:gridCol>
+                <a:gridCol w="5830760">
+                  <a:extLst>
+                    <a:ext uri="{9D8B030D-6E8A-4147-A177-3AD203B41FA5}">
+                      <a16:colId xmlns:a16="http://schemas.microsoft.com/office/drawing/2014/main" val="20001"/>
+                    </a:ext>
+                  </a:extLst>
+                </a:gridCol>
               </a:tblGrid>
               <a:tr h="282949">
                 <a:tc>
                   <a:txBody>
-                    <a:bodyPr vert="horz" lIns="72000" tIns="0" rIns="0" bIns="0" anchor="ctr" anchorCtr="0"/>
+                    <a:bodyPr/>
+                    <a:lstStyle/>
                     <a:p>
                       <a:pPr marL="0" marR="0" lvl="0" indent="0" algn="l" defTabSz="914400" rtl="0" eaLnBrk="1" latinLnBrk="1" hangingPunct="1">
                         <a:lnSpc>
@@ -33664,7 +33761,8 @@
                 </a:tc>
                 <a:tc>
                   <a:txBody>
-                    <a:bodyPr vert="horz" lIns="72000" tIns="0" rIns="0" bIns="0" anchor="ctr" anchorCtr="0"/>
+                    <a:bodyPr/>
+                    <a:lstStyle/>
                     <a:p>
                       <a:pPr marL="0" marR="0" indent="0" algn="l" defTabSz="914400" rtl="0" eaLnBrk="1" latinLnBrk="1" hangingPunct="1">
                         <a:lnSpc>
@@ -33691,13 +33789,6 @@
                         </a:rPr>
                         <a:t>2_3_4_01.sgv</a:t>
                       </a:r>
-                      <a:endParaRPr kumimoji="0" lang="en-US" altLang="ko-KR" sz="1000">
-                        <a:solidFill>
-                          <a:schemeClr val="tx1"/>
-                        </a:solidFill>
-                        <a:latin typeface="맑은 고딕"/>
-                        <a:ea typeface="맑은 고딕"/>
-                      </a:endParaRPr>
                     </a:p>
                     <a:p>
                       <a:pPr marL="0" marR="0" indent="0" algn="l" defTabSz="914400" rtl="0" eaLnBrk="1" latinLnBrk="1" hangingPunct="1">
@@ -33755,13 +33846,6 @@
                         </a:rPr>
                         <a:t>\app\resource\contents_sub\lesson02\ops\2\images\2_3</a:t>
                       </a:r>
-                      <a:endParaRPr kumimoji="0" lang="en-US" altLang="ko-KR" sz="1000">
-                        <a:solidFill>
-                          <a:schemeClr val="tx1"/>
-                        </a:solidFill>
-                        <a:latin typeface="맑은 고딕"/>
-                        <a:ea typeface="맑은 고딕"/>
-                      </a:endParaRPr>
                     </a:p>
                   </a:txBody>
                   <a:tcPr marL="72000" marR="0" marT="0" marB="0" anchor="ctr" horzOverflow="overflow">
@@ -33795,6 +33879,11 @@
                     </a:lnB>
                   </a:tcPr>
                 </a:tc>
+                <a:extLst>
+                  <a:ext uri="{0D108BD9-81ED-4DB2-BD59-A6C34878D82A}">
+                    <a16:rowId xmlns:a16="http://schemas.microsoft.com/office/drawing/2014/main" val="10000"/>
+                  </a:ext>
+                </a:extLst>
               </a:tr>
             </a:tbl>
           </a:graphicData>
@@ -33815,7 +33904,7 @@
             <a:avLst/>
           </a:prstGeom>
           <a:solidFill>
-            <a:srgbClr val="ff0000"/>
+            <a:srgbClr val="FF0000"/>
           </a:solidFill>
           <a:ln w="9525">
             <a:noFill/>
@@ -33882,7 +33971,7 @@
             <a:avLst/>
           </a:prstGeom>
           <a:solidFill>
-            <a:srgbClr val="ff0000"/>
+            <a:srgbClr val="FF0000"/>
           </a:solidFill>
           <a:ln>
             <a:noFill/>
@@ -33952,11 +34041,11 @@
   <p:clrMapOvr>
     <a:masterClrMapping/>
   </p:clrMapOvr>
-  <mc:AlternateContent xmlns:mc="http://schemas.openxmlformats.org/markup-compatibility/2006">
-    <mc:Choice xmlns:p14="http://schemas.microsoft.com/office/powerpoint/2010/main" Requires="p14">
-      <p:transition xmlns:mc="http://schemas.openxmlformats.org/markup-compatibility/2006" xmlns:p14="http://schemas.microsoft.com/office/powerpoint/2010/main" mc:Ignorable="p14" p14:dur="500"/>
+  <mc:AlternateContent xmlns:mc="http://schemas.openxmlformats.org/markup-compatibility/2006" xmlns:p14="http://schemas.microsoft.com/office/powerpoint/2010/main">
+    <mc:Choice Requires="p14">
+      <p:transition/>
     </mc:Choice>
-    <mc:Fallback>
+    <mc:Fallback xmlns:dsp="http://schemas.microsoft.com/office/drawing/2008/diagram" xmlns:dgm="http://schemas.openxmlformats.org/drawingml/2006/diagram" xmlns:c="http://schemas.openxmlformats.org/drawingml/2006/chart" xmlns="">
       <p:transition/>
     </mc:Fallback>
   </mc:AlternateContent>
@@ -33964,7 +34053,7 @@
 </file>
 
 <file path=ppt/slides/slide8.xml><?xml version="1.0" encoding="utf-8"?>
-<p:sld xmlns:r="http://schemas.openxmlformats.org/officeDocument/2006/relationships" xmlns:c="http://schemas.openxmlformats.org/drawingml/2006/chart" xmlns:a="http://schemas.openxmlformats.org/drawingml/2006/main" xmlns:dgm="http://schemas.openxmlformats.org/drawingml/2006/diagram" xmlns:dsp="http://schemas.microsoft.com/office/drawing/2008/diagram" xmlns:p="http://schemas.openxmlformats.org/presentationml/2006/main">
+<p:sld xmlns:a="http://schemas.openxmlformats.org/drawingml/2006/main" xmlns:r="http://schemas.openxmlformats.org/officeDocument/2006/relationships" xmlns:p="http://schemas.openxmlformats.org/presentationml/2006/main">
   <p:cSld>
     <p:spTree>
       <p:nvGrpSpPr>
@@ -33995,13 +34084,21 @@
         <a:graphic>
           <a:graphicData uri="http://schemas.openxmlformats.org/drawingml/2006/table">
             <a:tbl>
+              <a:tblPr/>
               <a:tblGrid>
-                <a:gridCol w="2016125"/>
+                <a:gridCol w="2016125">
+                  <a:extLst>
+                    <a:ext uri="{9D8B030D-6E8A-4147-A177-3AD203B41FA5}">
+                      <a16:colId xmlns:a16="http://schemas.microsoft.com/office/drawing/2014/main" val="20000"/>
+                    </a:ext>
+                  </a:extLst>
+                </a:gridCol>
               </a:tblGrid>
               <a:tr h="189064">
                 <a:tc>
                   <a:txBody>
-                    <a:bodyPr vert="horz" lIns="53929" tIns="25167" rIns="53929" bIns="25167" anchor="ctr" anchorCtr="0"/>
+                    <a:bodyPr/>
+                    <a:lstStyle/>
                     <a:p>
                       <a:pPr marL="0" marR="0" lvl="0" indent="0" algn="l" defTabSz="850900" rtl="0" eaLnBrk="1" latinLnBrk="1" hangingPunct="1">
                         <a:lnSpc>
@@ -34075,10 +34172,15 @@
                       <a:noFill/>
                     </a:lnBlToTr>
                     <a:solidFill>
-                      <a:srgbClr val="dddddd"/>
+                      <a:srgbClr val="DDDDDD"/>
                     </a:solidFill>
                   </a:tcPr>
                 </a:tc>
+                <a:extLst>
+                  <a:ext uri="{0D108BD9-81ED-4DB2-BD59-A6C34878D82A}">
+                    <a16:rowId xmlns:a16="http://schemas.microsoft.com/office/drawing/2014/main" val="10000"/>
+                  </a:ext>
+                </a:extLst>
               </a:tr>
             </a:tbl>
           </a:graphicData>
@@ -34250,10 +34352,6 @@
               </a:rPr>
               <a:t>.</a:t>
             </a:r>
-            <a:endParaRPr lang="en-US" altLang="ko-KR" sz="1900" b="0" spc="-150">
-              <a:latin typeface="맑은 고딕"/>
-              <a:ea typeface="맑은 고딕"/>
-            </a:endParaRPr>
           </a:p>
         </p:txBody>
       </p:sp>
@@ -34446,13 +34544,6 @@
               </a:rPr>
               <a:t>1</a:t>
             </a:r>
-            <a:endParaRPr lang="en-US" altLang="ko-KR" sz="1100" b="1">
-              <a:solidFill>
-                <a:schemeClr val="bg1"/>
-              </a:solidFill>
-              <a:latin typeface="맑은 고딕"/>
-              <a:ea typeface="맑은 고딕"/>
-            </a:endParaRPr>
           </a:p>
         </p:txBody>
       </p:sp>
@@ -34644,13 +34735,6 @@
               </a:rPr>
               <a:t>5</a:t>
             </a:r>
-            <a:endParaRPr lang="en-US" altLang="ko-KR" sz="1100" b="1">
-              <a:solidFill>
-                <a:schemeClr val="bg1"/>
-              </a:solidFill>
-              <a:latin typeface="맑은 고딕"/>
-              <a:ea typeface="맑은 고딕"/>
-            </a:endParaRPr>
           </a:p>
         </p:txBody>
       </p:sp>
@@ -34843,13 +34927,6 @@
               </a:rPr>
               <a:t>3</a:t>
             </a:r>
-            <a:endParaRPr lang="en-US" altLang="ko-KR" sz="1100" b="1">
-              <a:solidFill>
-                <a:schemeClr val="bg1"/>
-              </a:solidFill>
-              <a:latin typeface="맑은 고딕"/>
-              <a:ea typeface="맑은 고딕"/>
-            </a:endParaRPr>
           </a:p>
         </p:txBody>
       </p:sp>
@@ -35042,13 +35119,6 @@
               </a:rPr>
               <a:t>2</a:t>
             </a:r>
-            <a:endParaRPr lang="en-US" altLang="ko-KR" sz="1100" b="1">
-              <a:solidFill>
-                <a:schemeClr val="bg1"/>
-              </a:solidFill>
-              <a:latin typeface="맑은 고딕"/>
-              <a:ea typeface="맑은 고딕"/>
-            </a:endParaRPr>
           </a:p>
         </p:txBody>
       </p:sp>
@@ -35349,10 +35419,6 @@
               </a:rPr>
               <a:t>지니 캐릭터 사용</a:t>
             </a:r>
-            <a:endParaRPr lang="ko-KR" altLang="en-US" sz="1000">
-              <a:latin typeface="맑은 고딕"/>
-              <a:ea typeface="맑은 고딕"/>
-            </a:endParaRPr>
           </a:p>
           <a:p>
             <a:pPr marL="228600" indent="-228600">
@@ -35399,10 +35465,6 @@
               </a:rPr>
               <a:t>.</a:t>
             </a:r>
-            <a:endParaRPr lang="en-US" altLang="ko-KR" sz="1000">
-              <a:latin typeface="맑은 고딕"/>
-              <a:ea typeface="맑은 고딕"/>
-            </a:endParaRPr>
           </a:p>
           <a:p>
             <a:pPr marL="228600" indent="-228600">
@@ -35526,10 +35588,6 @@
               </a:rPr>
               <a:t>)</a:t>
             </a:r>
-            <a:endParaRPr lang="en-US" altLang="ko-KR" sz="1000">
-              <a:latin typeface="맑은 고딕"/>
-              <a:ea typeface="맑은 고딕"/>
-            </a:endParaRPr>
           </a:p>
           <a:p>
             <a:pPr marL="228600" indent="-228600" algn="just">
@@ -35590,10 +35648,6 @@
               </a:rPr>
               <a:t>.</a:t>
             </a:r>
-            <a:endParaRPr lang="en-US" altLang="ko-KR" sz="1000">
-              <a:latin typeface="맑은 고딕"/>
-              <a:ea typeface="맑은 고딕"/>
-            </a:endParaRPr>
           </a:p>
         </p:txBody>
       </p:sp>
@@ -35612,7 +35666,7 @@
             <a:avLst/>
           </a:prstGeom>
           <a:solidFill>
-            <a:srgbClr val="ff0000"/>
+            <a:srgbClr val="FF0000"/>
           </a:solidFill>
           <a:ln w="9525">
             <a:noFill/>
@@ -35824,10 +35878,6 @@
               </a:rPr>
               <a:t>3-1	</a:t>
             </a:r>
-            <a:endParaRPr lang="en-US" altLang="ko-KR" sz="900">
-              <a:latin typeface="맑은 고딕"/>
-              <a:ea typeface="맑은 고딕"/>
-            </a:endParaRPr>
           </a:p>
         </p:txBody>
       </p:sp>
@@ -36734,13 +36784,6 @@
               </a:rPr>
               <a:t>4</a:t>
             </a:r>
-            <a:endParaRPr lang="en-US" altLang="ko-KR" sz="1100" b="1">
-              <a:solidFill>
-                <a:schemeClr val="bg1"/>
-              </a:solidFill>
-              <a:latin typeface="맑은 고딕"/>
-              <a:ea typeface="맑은 고딕"/>
-            </a:endParaRPr>
           </a:p>
         </p:txBody>
       </p:sp>
@@ -36944,13 +36987,6 @@
               </a:rPr>
               <a:t>시</a:t>
             </a:r>
-            <a:endParaRPr lang="ko-KR" altLang="en-US" sz="1800">
-              <a:solidFill>
-                <a:schemeClr val="tx1"/>
-              </a:solidFill>
-              <a:latin typeface="맑은 고딕"/>
-              <a:ea typeface="맑은 고딕"/>
-            </a:endParaRPr>
           </a:p>
           <a:p>
             <a:pPr algn="ctr">
@@ -37044,13 +37080,6 @@
               </a:rPr>
               <a:t>시계의 긴 바늘이</a:t>
             </a:r>
-            <a:endParaRPr lang="ko-KR" altLang="en-US" sz="1800">
-              <a:solidFill>
-                <a:schemeClr val="tx1"/>
-              </a:solidFill>
-              <a:latin typeface="맑은 고딕"/>
-              <a:ea typeface="맑은 고딕"/>
-            </a:endParaRPr>
           </a:p>
           <a:p>
             <a:pPr algn="ctr">
@@ -37096,13 +37125,6 @@
               </a:rPr>
               <a:t>긴바늘과</a:t>
             </a:r>
-            <a:endParaRPr lang="ko-KR" altLang="en-US" sz="1800">
-              <a:solidFill>
-                <a:schemeClr val="tx1"/>
-              </a:solidFill>
-              <a:latin typeface="맑은 고딕"/>
-              <a:ea typeface="맑은 고딕"/>
-            </a:endParaRPr>
           </a:p>
           <a:p>
             <a:pPr algn="ctr">
@@ -37118,13 +37140,6 @@
               </a:rPr>
               <a:t>짧은바늘이 이루는</a:t>
             </a:r>
-            <a:endParaRPr lang="ko-KR" altLang="en-US" sz="1800">
-              <a:solidFill>
-                <a:schemeClr val="tx1"/>
-              </a:solidFill>
-              <a:latin typeface="맑은 고딕"/>
-              <a:ea typeface="맑은 고딕"/>
-            </a:endParaRPr>
           </a:p>
           <a:p>
             <a:pPr algn="ctr">
@@ -37221,13 +37236,6 @@
               </a:rPr>
               <a:t>시</a:t>
             </a:r>
-            <a:endParaRPr lang="ko-KR" altLang="en-US" sz="2000" b="1">
-              <a:solidFill>
-                <a:schemeClr val="accent1"/>
-              </a:solidFill>
-              <a:latin typeface="맑은 고딕"/>
-              <a:ea typeface="맑은 고딕"/>
-            </a:endParaRPr>
           </a:p>
         </p:txBody>
       </p:sp>
@@ -37300,7 +37308,7 @@
             <a:avLst/>
           </a:prstGeom>
           <a:solidFill>
-            <a:srgbClr val="ff0000"/>
+            <a:srgbClr val="FF0000"/>
           </a:solidFill>
           <a:ln w="9525">
             <a:noFill/>
@@ -37367,7 +37375,7 @@
             <a:avLst/>
           </a:prstGeom>
           <a:solidFill>
-            <a:srgbClr val="ff0000"/>
+            <a:srgbClr val="FF0000"/>
           </a:solidFill>
           <a:ln w="9525">
             <a:noFill/>
@@ -37434,7 +37442,7 @@
             <a:avLst/>
           </a:prstGeom>
           <a:solidFill>
-            <a:srgbClr val="ff0000"/>
+            <a:srgbClr val="FF0000"/>
           </a:solidFill>
           <a:ln w="9525">
             <a:noFill/>
@@ -37501,14 +37509,28 @@
         <a:graphic>
           <a:graphicData uri="http://schemas.openxmlformats.org/drawingml/2006/table">
             <a:tbl>
+              <a:tblPr/>
               <a:tblGrid>
-                <a:gridCol w="858104"/>
-                <a:gridCol w="5830760"/>
+                <a:gridCol w="858104">
+                  <a:extLst>
+                    <a:ext uri="{9D8B030D-6E8A-4147-A177-3AD203B41FA5}">
+                      <a16:colId xmlns:a16="http://schemas.microsoft.com/office/drawing/2014/main" val="20000"/>
+                    </a:ext>
+                  </a:extLst>
+                </a:gridCol>
+                <a:gridCol w="5830760">
+                  <a:extLst>
+                    <a:ext uri="{9D8B030D-6E8A-4147-A177-3AD203B41FA5}">
+                      <a16:colId xmlns:a16="http://schemas.microsoft.com/office/drawing/2014/main" val="20001"/>
+                    </a:ext>
+                  </a:extLst>
+                </a:gridCol>
               </a:tblGrid>
               <a:tr h="282949">
                 <a:tc>
                   <a:txBody>
-                    <a:bodyPr vert="horz" lIns="72000" tIns="0" rIns="0" bIns="0" anchor="ctr" anchorCtr="0"/>
+                    <a:bodyPr/>
+                    <a:lstStyle/>
                     <a:p>
                       <a:pPr marL="0" marR="0" lvl="0" indent="0" algn="l" defTabSz="914400" rtl="0" eaLnBrk="1" latinLnBrk="1" hangingPunct="1">
                         <a:lnSpc>
@@ -37595,7 +37617,8 @@
                 </a:tc>
                 <a:tc>
                   <a:txBody>
-                    <a:bodyPr vert="horz" lIns="72000" tIns="0" rIns="0" bIns="0" anchor="ctr" anchorCtr="0"/>
+                    <a:bodyPr/>
+                    <a:lstStyle/>
                     <a:p>
                       <a:pPr marL="0" marR="0" indent="0" algn="l" defTabSz="914400" rtl="0" eaLnBrk="1" latinLnBrk="1" hangingPunct="1">
                         <a:lnSpc>
@@ -37622,13 +37645,6 @@
                         </a:rPr>
                         <a:t>2_3_5_01.png</a:t>
                       </a:r>
-                      <a:endParaRPr kumimoji="0" lang="en-US" altLang="ko-KR" sz="1000">
-                        <a:solidFill>
-                          <a:schemeClr val="tx1"/>
-                        </a:solidFill>
-                        <a:latin typeface="맑은 고딕"/>
-                        <a:ea typeface="맑은 고딕"/>
-                      </a:endParaRPr>
                     </a:p>
                     <a:p>
                       <a:pPr marL="0" marR="0" indent="0" algn="l" defTabSz="914400" rtl="0" eaLnBrk="1" latinLnBrk="1" hangingPunct="1">
@@ -37686,13 +37702,6 @@
                         </a:rPr>
                         <a:t>\app\resource\contents_sub\lesson02\ops\2\images\2_3</a:t>
                       </a:r>
-                      <a:endParaRPr kumimoji="0" lang="en-US" altLang="ko-KR" sz="1000">
-                        <a:solidFill>
-                          <a:schemeClr val="tx1"/>
-                        </a:solidFill>
-                        <a:latin typeface="맑은 고딕"/>
-                        <a:ea typeface="맑은 고딕"/>
-                      </a:endParaRPr>
                     </a:p>
                   </a:txBody>
                   <a:tcPr marL="72000" marR="0" marT="0" marB="0" anchor="ctr" horzOverflow="overflow">
@@ -37726,6 +37735,11 @@
                     </a:lnB>
                   </a:tcPr>
                 </a:tc>
+                <a:extLst>
+                  <a:ext uri="{0D108BD9-81ED-4DB2-BD59-A6C34878D82A}">
+                    <a16:rowId xmlns:a16="http://schemas.microsoft.com/office/drawing/2014/main" val="10000"/>
+                  </a:ext>
+                </a:extLst>
               </a:tr>
             </a:tbl>
           </a:graphicData>
@@ -37746,7 +37760,7 @@
             <a:avLst/>
           </a:prstGeom>
           <a:solidFill>
-            <a:srgbClr val="ff0000"/>
+            <a:srgbClr val="FF0000"/>
           </a:solidFill>
           <a:ln w="9525">
             <a:noFill/>
@@ -37828,26 +37842,105 @@
           <a:effectLst/>
         </p:spPr>
       </p:pic>
+      <p:sp>
+        <p:nvSpPr>
+          <p:cNvPr id="41" name="타원 42">
+            <a:extLst>
+              <a:ext uri="{FF2B5EF4-FFF2-40B4-BE49-F238E27FC236}">
+                <a16:creationId xmlns:a16="http://schemas.microsoft.com/office/drawing/2014/main" id="{FF584BCC-EAF2-4C53-AE34-B7A9A0E98DD0}"/>
+              </a:ext>
+            </a:extLst>
+          </p:cNvPr>
+          <p:cNvSpPr/>
+          <p:nvPr/>
+        </p:nvSpPr>
+        <p:spPr>
+          <a:xfrm>
+            <a:off x="6511345" y="3914112"/>
+            <a:ext cx="1188132" cy="1188132"/>
+          </a:xfrm>
+          <a:prstGeom prst="ellipse">
+            <a:avLst/>
+          </a:prstGeom>
+          <a:solidFill>
+            <a:srgbClr val="FF0000"/>
+          </a:solidFill>
+          <a:ln>
+            <a:noFill/>
+          </a:ln>
+        </p:spPr>
+        <p:style>
+          <a:lnRef idx="2">
+            <a:schemeClr val="accent2"/>
+          </a:lnRef>
+          <a:fillRef idx="1">
+            <a:schemeClr val="lt1"/>
+          </a:fillRef>
+          <a:effectRef idx="0">
+            <a:schemeClr val="accent2"/>
+          </a:effectRef>
+          <a:fontRef idx="minor">
+            <a:schemeClr val="dk1"/>
+          </a:fontRef>
+        </p:style>
+        <p:txBody>
+          <a:bodyPr vert="horz" wrap="square" lIns="91440" tIns="45720" rIns="91440" bIns="45720" anchor="ctr" anchorCtr="0">
+            <a:prstTxWarp prst="textNoShape">
+              <a:avLst/>
+            </a:prstTxWarp>
+            <a:noAutofit/>
+          </a:bodyPr>
+          <a:lstStyle/>
+          <a:p>
+            <a:pPr marL="0" marR="0" indent="0" algn="ctr" defTabSz="914400" rtl="0" eaLnBrk="1" latinLnBrk="1" hangingPunct="1">
+              <a:lnSpc>
+                <a:spcPct val="100000"/>
+              </a:lnSpc>
+              <a:spcBef>
+                <a:spcPct val="50000"/>
+              </a:spcBef>
+              <a:spcAft>
+                <a:spcPct val="0"/>
+              </a:spcAft>
+              <a:buClrTx/>
+              <a:buFontTx/>
+              <a:buNone/>
+              <a:defRPr/>
+            </a:pPr>
+            <a:r>
+              <a:rPr kumimoji="1" lang="ko-KR" altLang="en-US" sz="1800" b="1" i="0" u="none" strike="noStrike" cap="none" normalizeH="0" baseline="0">
+                <a:solidFill>
+                  <a:schemeClr val="bg1"/>
+                </a:solidFill>
+                <a:effectLst/>
+                <a:latin typeface="맑은 고딕"/>
+                <a:ea typeface="맑은 고딕"/>
+              </a:rPr>
+              <a:t>완료</a:t>
+            </a:r>
+            <a:endParaRPr kumimoji="1" lang="ko-KR" altLang="en-US" sz="1800" b="1" i="0" u="none" strike="noStrike" cap="none" normalizeH="0" baseline="0">
+              <a:solidFill>
+                <a:schemeClr val="bg1"/>
+              </a:solidFill>
+              <a:latin typeface="맑은 고딕"/>
+              <a:ea typeface="맑은 고딕"/>
+            </a:endParaRPr>
+          </a:p>
+        </p:txBody>
+      </p:sp>
     </p:spTree>
   </p:cSld>
   <p:clrMapOvr>
     <a:masterClrMapping/>
   </p:clrMapOvr>
-  <mc:AlternateContent xmlns:mc="http://schemas.openxmlformats.org/markup-compatibility/2006">
-    <mc:Choice xmlns:p14="http://schemas.microsoft.com/office/powerpoint/2010/main" Requires="p14">
-      <p:transition xmlns:mc="http://schemas.openxmlformats.org/markup-compatibility/2006" xmlns:p14="http://schemas.microsoft.com/office/powerpoint/2010/main" mc:Ignorable="p14" p14:dur="500"/>
+  <mc:AlternateContent xmlns:mc="http://schemas.openxmlformats.org/markup-compatibility/2006" xmlns:p14="http://schemas.microsoft.com/office/powerpoint/2010/main">
+    <mc:Choice Requires="p14">
+      <p:transition/>
     </mc:Choice>
-    <mc:Fallback>
+    <mc:Fallback xmlns:dsp="http://schemas.microsoft.com/office/drawing/2008/diagram" xmlns:dgm="http://schemas.openxmlformats.org/drawingml/2006/diagram" xmlns:c="http://schemas.openxmlformats.org/drawingml/2006/chart" xmlns="">
       <p:transition/>
     </mc:Fallback>
   </mc:AlternateContent>
-  <p:timing>
-    <p:tnLst>
-      <p:par>
-        <p:cTn id="1" dur="indefinite" restart="never" nodeType="tmRoot"/>
-      </p:par>
-    </p:tnLst>
-  </p:timing>
 </p:sld>
 </file>
 
@@ -38080,7 +38173,7 @@
           <a:p>
             <a:pPr algn="ctr"/>
             <a:r>
-              <a:rPr lang="en-US" altLang="ko-KR" sz="1800" dirty="0" smtClean="0">
+              <a:rPr lang="en-US" altLang="ko-KR" sz="1800" dirty="0">
                 <a:solidFill>
                   <a:schemeClr val="tx1"/>
                 </a:solidFill>
@@ -38090,7 +38183,7 @@
               <a:t>7</a:t>
             </a:r>
             <a:r>
-              <a:rPr lang="ko-KR" altLang="en-US" sz="1800" dirty="0" smtClean="0">
+              <a:rPr lang="ko-KR" altLang="en-US" sz="1800" dirty="0">
                 <a:solidFill>
                   <a:schemeClr val="tx1"/>
                 </a:solidFill>
@@ -38100,7 +38193,7 @@
               <a:t>시와 </a:t>
             </a:r>
             <a:r>
-              <a:rPr lang="en-US" altLang="ko-KR" sz="1800" dirty="0" smtClean="0">
+              <a:rPr lang="en-US" altLang="ko-KR" sz="1800" dirty="0">
                 <a:solidFill>
                   <a:schemeClr val="tx1"/>
                 </a:solidFill>
@@ -38110,7 +38203,7 @@
               <a:t>12</a:t>
             </a:r>
             <a:r>
-              <a:rPr lang="ko-KR" altLang="en-US" sz="1800" dirty="0" smtClean="0">
+              <a:rPr lang="ko-KR" altLang="en-US" sz="1800" dirty="0">
                 <a:solidFill>
                   <a:schemeClr val="tx1"/>
                 </a:solidFill>
@@ -38119,7 +38212,7 @@
               </a:rPr>
               <a:t>시</a:t>
             </a:r>
-            <a:endParaRPr lang="en-US" altLang="ko-KR" sz="1800" dirty="0" smtClean="0">
+            <a:endParaRPr lang="en-US" altLang="ko-KR" sz="1800" dirty="0">
               <a:solidFill>
                 <a:schemeClr val="tx1"/>
               </a:solidFill>
@@ -38130,7 +38223,7 @@
           <a:p>
             <a:pPr algn="ctr"/>
             <a:r>
-              <a:rPr lang="ko-KR" altLang="en-US" sz="1800" dirty="0" smtClean="0">
+              <a:rPr lang="ko-KR" altLang="en-US" sz="1800" dirty="0">
                 <a:solidFill>
                   <a:schemeClr val="tx1"/>
                 </a:solidFill>
@@ -38140,7 +38233,7 @@
               <a:t>사이의 시각이야</a:t>
             </a:r>
             <a:r>
-              <a:rPr lang="en-US" altLang="ko-KR" sz="1800" dirty="0" smtClean="0">
+              <a:rPr lang="en-US" altLang="ko-KR" sz="1800" dirty="0">
                 <a:solidFill>
                   <a:schemeClr val="tx1"/>
                 </a:solidFill>
@@ -38199,7 +38292,7 @@
           <a:p>
             <a:pPr algn="ctr"/>
             <a:r>
-              <a:rPr lang="ko-KR" altLang="en-US" sz="1800" dirty="0" smtClean="0">
+              <a:rPr lang="ko-KR" altLang="en-US" sz="1800" dirty="0">
                 <a:solidFill>
                   <a:schemeClr val="tx1"/>
                 </a:solidFill>
@@ -38208,7 +38301,7 @@
               </a:rPr>
               <a:t>시계의 긴 바늘이</a:t>
             </a:r>
-            <a:endParaRPr lang="en-US" altLang="ko-KR" sz="1800" dirty="0" smtClean="0">
+            <a:endParaRPr lang="en-US" altLang="ko-KR" sz="1800" dirty="0">
               <a:solidFill>
                 <a:schemeClr val="tx1"/>
               </a:solidFill>
@@ -38219,7 +38312,7 @@
           <a:p>
             <a:pPr algn="ctr"/>
             <a:r>
-              <a:rPr lang="en-US" altLang="ko-KR" sz="1800" dirty="0" smtClean="0">
+              <a:rPr lang="en-US" altLang="ko-KR" sz="1800" dirty="0">
                 <a:solidFill>
                   <a:schemeClr val="tx1"/>
                 </a:solidFill>
@@ -38229,7 +38322,7 @@
               <a:t>12</a:t>
             </a:r>
             <a:r>
-              <a:rPr lang="ko-KR" altLang="en-US" sz="1800" dirty="0" smtClean="0">
+              <a:rPr lang="ko-KR" altLang="en-US" sz="1800" dirty="0">
                 <a:solidFill>
                   <a:schemeClr val="tx1"/>
                 </a:solidFill>
@@ -38239,7 +38332,7 @@
               <a:t>를 가리키고</a:t>
             </a:r>
             <a:r>
-              <a:rPr lang="en-US" altLang="ko-KR" sz="1800" dirty="0" smtClean="0">
+              <a:rPr lang="en-US" altLang="ko-KR" sz="1800" dirty="0">
                 <a:solidFill>
                   <a:schemeClr val="tx1"/>
                 </a:solidFill>
@@ -38249,7 +38342,7 @@
               <a:t>, </a:t>
             </a:r>
             <a:r>
-              <a:rPr lang="ko-KR" altLang="en-US" sz="1800" dirty="0" err="1" smtClean="0">
+              <a:rPr lang="ko-KR" altLang="en-US" sz="1800" dirty="0" err="1">
                 <a:solidFill>
                   <a:schemeClr val="tx1"/>
                 </a:solidFill>
@@ -38258,7 +38351,7 @@
               </a:rPr>
               <a:t>긴바늘과</a:t>
             </a:r>
-            <a:endParaRPr lang="en-US" altLang="ko-KR" sz="1800" dirty="0" smtClean="0">
+            <a:endParaRPr lang="en-US" altLang="ko-KR" sz="1800" dirty="0">
               <a:solidFill>
                 <a:schemeClr val="tx1"/>
               </a:solidFill>
@@ -38269,7 +38362,7 @@
           <a:p>
             <a:pPr algn="ctr"/>
             <a:r>
-              <a:rPr lang="ko-KR" altLang="en-US" sz="1800" dirty="0" err="1" smtClean="0">
+              <a:rPr lang="ko-KR" altLang="en-US" sz="1800" dirty="0" err="1">
                 <a:solidFill>
                   <a:schemeClr val="tx1"/>
                 </a:solidFill>
@@ -38279,7 +38372,7 @@
               <a:t>짧은바늘이</a:t>
             </a:r>
             <a:r>
-              <a:rPr lang="ko-KR" altLang="en-US" sz="1800" dirty="0" smtClean="0">
+              <a:rPr lang="ko-KR" altLang="en-US" sz="1800" dirty="0">
                 <a:solidFill>
                   <a:schemeClr val="tx1"/>
                 </a:solidFill>
@@ -38288,7 +38381,7 @@
               </a:rPr>
               <a:t> 이루는</a:t>
             </a:r>
-            <a:endParaRPr lang="en-US" altLang="ko-KR" sz="1800" dirty="0" smtClean="0">
+            <a:endParaRPr lang="en-US" altLang="ko-KR" sz="1800" dirty="0">
               <a:solidFill>
                 <a:schemeClr val="tx1"/>
               </a:solidFill>
@@ -38299,7 +38392,7 @@
           <a:p>
             <a:pPr algn="ctr"/>
             <a:r>
-              <a:rPr lang="ko-KR" altLang="en-US" sz="1800" dirty="0" smtClean="0">
+              <a:rPr lang="ko-KR" altLang="en-US" sz="1800" dirty="0">
                 <a:solidFill>
                   <a:schemeClr val="tx1"/>
                 </a:solidFill>
@@ -38309,7 +38402,7 @@
               <a:t>각은 직각이야</a:t>
             </a:r>
             <a:r>
-              <a:rPr lang="en-US" altLang="ko-KR" sz="1800" dirty="0" smtClean="0">
+              <a:rPr lang="en-US" altLang="ko-KR" sz="1800" dirty="0">
                 <a:solidFill>
                   <a:schemeClr val="tx1"/>
                 </a:solidFill>
@@ -38368,7 +38461,7 @@
           <a:p>
             <a:pPr algn="ctr"/>
             <a:r>
-              <a:rPr lang="en-US" altLang="ko-KR" sz="2000" b="1" dirty="0" smtClean="0">
+              <a:rPr lang="en-US" altLang="ko-KR" sz="2000" b="1" dirty="0">
                 <a:solidFill>
                   <a:schemeClr val="accent1"/>
                 </a:solidFill>
@@ -38378,7 +38471,7 @@
               <a:t>9</a:t>
             </a:r>
             <a:r>
-              <a:rPr lang="ko-KR" altLang="en-US" sz="2000" b="1" dirty="0" smtClean="0">
+              <a:rPr lang="ko-KR" altLang="en-US" sz="2000" b="1" dirty="0">
                 <a:solidFill>
                   <a:schemeClr val="accent1"/>
                 </a:solidFill>
@@ -38387,13 +38480,6 @@
               </a:rPr>
               <a:t>시</a:t>
             </a:r>
-            <a:endParaRPr lang="ko-KR" altLang="en-US" sz="2000" b="1" dirty="0">
-              <a:solidFill>
-                <a:schemeClr val="accent1"/>
-              </a:solidFill>
-              <a:latin typeface="맑은 고딕" pitchFamily="50" charset="-127"/>
-              <a:ea typeface="맑은 고딕" pitchFamily="50" charset="-127"/>
-            </a:endParaRPr>
           </a:p>
         </p:txBody>
       </p:sp>
@@ -38445,7 +38531,7 @@
               <a:defRPr/>
             </a:pPr>
             <a:r>
-              <a:rPr lang="en-US" altLang="ko-KR" sz="1100" b="1" dirty="0" smtClean="0">
+              <a:rPr lang="en-US" altLang="ko-KR" sz="1100" b="1" dirty="0">
                 <a:solidFill>
                   <a:schemeClr val="bg1"/>
                 </a:solidFill>
@@ -38481,7 +38567,13 @@
             <a:tbl>
               <a:tblPr/>
               <a:tblGrid>
-                <a:gridCol w="2016125"/>
+                <a:gridCol w="2016125">
+                  <a:extLst>
+                    <a:ext uri="{9D8B030D-6E8A-4147-A177-3AD203B41FA5}">
+                      <a16:colId xmlns:a16="http://schemas.microsoft.com/office/drawing/2014/main" val="20000"/>
+                    </a:ext>
+                  </a:extLst>
+                </a:gridCol>
               </a:tblGrid>
               <a:tr h="189064">
                 <a:tc>
@@ -38506,7 +38598,7 @@
                         <a:tabLst/>
                       </a:pPr>
                       <a:r>
-                        <a:rPr kumimoji="1" lang="en-US" altLang="ko-KR" sz="1000" b="0" i="0" u="none" strike="noStrike" cap="none" normalizeH="0" baseline="0" dirty="0" smtClean="0">
+                        <a:rPr kumimoji="1" lang="en-US" altLang="ko-KR" sz="1000" b="0" i="0" u="none" strike="noStrike" cap="none" normalizeH="0" baseline="0" dirty="0">
                           <a:ln>
                             <a:noFill/>
                           </a:ln>
@@ -38519,7 +38611,7 @@
                         </a:rPr>
                         <a:t>Θ Description &amp; Function</a:t>
                       </a:r>
-                      <a:endParaRPr kumimoji="1" lang="ko-KR" altLang="en-US" sz="1000" b="0" i="0" u="none" strike="noStrike" cap="none" normalizeH="0" baseline="0" dirty="0" smtClean="0">
+                      <a:endParaRPr kumimoji="1" lang="ko-KR" altLang="en-US" sz="1000" b="0" i="0" u="none" strike="noStrike" cap="none" normalizeH="0" baseline="0" dirty="0">
                         <a:ln>
                           <a:noFill/>
                         </a:ln>
@@ -38580,6 +38672,11 @@
                     </a:solidFill>
                   </a:tcPr>
                 </a:tc>
+                <a:extLst>
+                  <a:ext uri="{0D108BD9-81ED-4DB2-BD59-A6C34878D82A}">
+                    <a16:rowId xmlns:a16="http://schemas.microsoft.com/office/drawing/2014/main" val="10000"/>
+                  </a:ext>
+                </a:extLst>
               </a:tr>
             </a:tbl>
           </a:graphicData>
@@ -38764,7 +38861,7 @@
               </a:lnSpc>
             </a:pPr>
             <a:r>
-              <a:rPr lang="en-US" altLang="ko-KR" sz="1100" b="1" dirty="0" smtClean="0">
+              <a:rPr lang="en-US" altLang="ko-KR" sz="1100" b="1" dirty="0">
                 <a:solidFill>
                   <a:schemeClr val="bg1"/>
                 </a:solidFill>
@@ -38963,13 +39060,6 @@
               </a:rPr>
               <a:t>5</a:t>
             </a:r>
-            <a:endParaRPr lang="en-US" altLang="ko-KR" sz="1100" b="1" dirty="0" smtClean="0">
-              <a:solidFill>
-                <a:schemeClr val="bg1"/>
-              </a:solidFill>
-              <a:latin typeface="맑은 고딕" pitchFamily="50" charset="-127"/>
-              <a:ea typeface="맑은 고딕" pitchFamily="50" charset="-127"/>
-            </a:endParaRPr>
           </a:p>
         </p:txBody>
       </p:sp>
@@ -39161,13 +39251,6 @@
               </a:rPr>
               <a:t>3</a:t>
             </a:r>
-            <a:endParaRPr lang="en-US" altLang="ko-KR" sz="1100" b="1" dirty="0" smtClean="0">
-              <a:solidFill>
-                <a:schemeClr val="bg1"/>
-              </a:solidFill>
-              <a:latin typeface="맑은 고딕" pitchFamily="50" charset="-127"/>
-              <a:ea typeface="맑은 고딕" pitchFamily="50" charset="-127"/>
-            </a:endParaRPr>
           </a:p>
         </p:txBody>
       </p:sp>
@@ -39359,13 +39442,6 @@
               </a:rPr>
               <a:t>2</a:t>
             </a:r>
-            <a:endParaRPr lang="en-US" altLang="ko-KR" sz="1100" b="1" dirty="0" smtClean="0">
-              <a:solidFill>
-                <a:schemeClr val="bg1"/>
-              </a:solidFill>
-              <a:latin typeface="맑은 고딕" pitchFamily="50" charset="-127"/>
-              <a:ea typeface="맑은 고딕" pitchFamily="50" charset="-127"/>
-            </a:endParaRPr>
           </a:p>
         </p:txBody>
       </p:sp>
@@ -39548,7 +39624,7 @@
               </a:lnSpc>
             </a:pPr>
             <a:r>
-              <a:rPr lang="ko-KR" altLang="en-US" sz="1100" b="1" spc="-150" dirty="0" smtClean="0">
+              <a:rPr lang="ko-KR" altLang="en-US" sz="1100" b="1" spc="-150" dirty="0">
                 <a:solidFill>
                   <a:schemeClr val="bg1"/>
                 </a:solidFill>
@@ -39557,7 +39633,7 @@
               </a:rPr>
               <a:t>개념 정리</a:t>
             </a:r>
-            <a:endParaRPr lang="en-US" altLang="ko-KR" sz="1100" b="1" spc="-150" dirty="0" smtClean="0">
+            <a:endParaRPr lang="en-US" altLang="ko-KR" sz="1100" b="1" spc="-150" dirty="0">
               <a:solidFill>
                 <a:schemeClr val="bg1"/>
               </a:solidFill>
@@ -39788,19 +39864,8 @@
                 <a:latin typeface="맑은 고딕" pitchFamily="50" charset="-127"/>
                 <a:ea typeface="맑은 고딕" pitchFamily="50" charset="-127"/>
               </a:rPr>
-              <a:t>3</a:t>
+              <a:t>3-1	</a:t>
             </a:r>
-            <a:r>
-              <a:rPr lang="en-US" altLang="ko-KR" sz="900" dirty="0" smtClean="0">
-                <a:latin typeface="맑은 고딕" pitchFamily="50" charset="-127"/>
-                <a:ea typeface="맑은 고딕" pitchFamily="50" charset="-127"/>
-              </a:rPr>
-              <a:t>-1	</a:t>
-            </a:r>
-            <a:endParaRPr lang="en-US" altLang="ko-KR" sz="900" dirty="0">
-              <a:latin typeface="맑은 고딕" pitchFamily="50" charset="-127"/>
-              <a:ea typeface="맑은 고딕" pitchFamily="50" charset="-127"/>
-            </a:endParaRPr>
           </a:p>
         </p:txBody>
       </p:sp>
@@ -39957,14 +40022,14 @@
           </a:lstStyle>
           <a:p>
             <a:r>
-              <a:rPr lang="en-US" altLang="ko-KR" sz="900" dirty="0" smtClean="0">
+              <a:rPr lang="en-US" altLang="ko-KR" sz="900" dirty="0">
                 <a:latin typeface="맑은 고딕" pitchFamily="50" charset="-127"/>
                 <a:ea typeface="맑은 고딕" pitchFamily="50" charset="-127"/>
               </a:rPr>
               <a:t>2. </a:t>
             </a:r>
             <a:r>
-              <a:rPr lang="ko-KR" altLang="en-US" sz="900" dirty="0" smtClean="0">
+              <a:rPr lang="ko-KR" altLang="en-US" sz="900" dirty="0">
                 <a:latin typeface="맑은 고딕" pitchFamily="50" charset="-127"/>
                 <a:ea typeface="맑은 고딕" pitchFamily="50" charset="-127"/>
               </a:rPr>
@@ -40128,14 +40193,14 @@
           <a:p>
             <a:pPr algn="just"/>
             <a:r>
-              <a:rPr lang="ko-KR" altLang="en-US" sz="1100" dirty="0" smtClean="0">
+              <a:rPr lang="ko-KR" altLang="en-US" sz="1100" dirty="0">
                 <a:latin typeface="맑은 고딕" pitchFamily="50" charset="-127"/>
                 <a:ea typeface="맑은 고딕" pitchFamily="50" charset="-127"/>
               </a:rPr>
               <a:t>직각을 알아볼까요</a:t>
             </a:r>
             <a:r>
-              <a:rPr lang="ko-KR" altLang="en-US" sz="1100" dirty="0" smtClean="0">
+              <a:rPr lang="ko-KR" altLang="en-US" sz="1100" dirty="0">
                 <a:solidFill>
                   <a:srgbClr val="339933"/>
                 </a:solidFill>
@@ -40145,7 +40210,7 @@
               <a:t>│ </a:t>
             </a:r>
             <a:r>
-              <a:rPr lang="en-US" altLang="ko-KR" sz="1100" dirty="0" smtClean="0">
+              <a:rPr lang="en-US" altLang="ko-KR" sz="1100" dirty="0">
                 <a:solidFill>
                   <a:srgbClr val="339933"/>
                 </a:solidFill>
@@ -40155,7 +40220,7 @@
               <a:t>30~31</a:t>
             </a:r>
             <a:r>
-              <a:rPr lang="ko-KR" altLang="en-US" sz="1100" dirty="0" smtClean="0">
+              <a:rPr lang="ko-KR" altLang="en-US" sz="1100" dirty="0">
                 <a:solidFill>
                   <a:srgbClr val="339933"/>
                 </a:solidFill>
@@ -40164,7 +40229,7 @@
               </a:rPr>
               <a:t>쪽</a:t>
             </a:r>
-            <a:endParaRPr lang="en-US" altLang="ko-KR" sz="1100" dirty="0" smtClean="0">
+            <a:endParaRPr lang="en-US" altLang="ko-KR" sz="1100" dirty="0">
               <a:solidFill>
                 <a:srgbClr val="339933"/>
               </a:solidFill>
@@ -40327,14 +40392,14 @@
           </a:lstStyle>
           <a:p>
             <a:r>
-              <a:rPr lang="en-US" altLang="ko-KR" sz="900" dirty="0" smtClean="0">
+              <a:rPr lang="en-US" altLang="ko-KR" sz="900" dirty="0">
                 <a:latin typeface="맑은 고딕" pitchFamily="50" charset="-127"/>
                 <a:ea typeface="맑은 고딕" pitchFamily="50" charset="-127"/>
               </a:rPr>
               <a:t>04 </a:t>
             </a:r>
             <a:r>
-              <a:rPr lang="ko-KR" altLang="en-US" sz="900" dirty="0" smtClean="0">
+              <a:rPr lang="ko-KR" altLang="en-US" sz="900" dirty="0">
                 <a:latin typeface="맑은 고딕" pitchFamily="50" charset="-127"/>
                 <a:ea typeface="맑은 고딕" pitchFamily="50" charset="-127"/>
               </a:rPr>
@@ -40503,7 +40568,7 @@
               <a:defRPr/>
             </a:pPr>
             <a:r>
-              <a:rPr kumimoji="0" lang="en-US" altLang="ko-KR" sz="900" dirty="0" smtClean="0">
+              <a:rPr kumimoji="0" lang="en-US" altLang="ko-KR" sz="900" dirty="0">
                 <a:latin typeface="맑은 고딕" pitchFamily="50" charset="-127"/>
                 <a:ea typeface="맑은 고딕" pitchFamily="50" charset="-127"/>
               </a:rPr>
@@ -40695,7 +40760,7 @@
               </a:lnSpc>
             </a:pPr>
             <a:r>
-              <a:rPr lang="en-US" altLang="ko-KR" sz="1100" b="1" dirty="0" smtClean="0">
+              <a:rPr lang="en-US" altLang="ko-KR" sz="1100" b="1" dirty="0">
                 <a:solidFill>
                   <a:schemeClr val="bg1"/>
                 </a:solidFill>
@@ -41359,21 +41424,21 @@
           <a:p>
             <a:pPr algn="just"/>
             <a:r>
-              <a:rPr lang="en-US" altLang="ko-KR" sz="1000" b="1" dirty="0" smtClean="0">
+              <a:rPr lang="en-US" altLang="ko-KR" sz="1000" b="1" dirty="0">
                 <a:latin typeface="맑은 고딕" pitchFamily="50" charset="-127"/>
                 <a:ea typeface="맑은 고딕" pitchFamily="50" charset="-127"/>
               </a:rPr>
               <a:t>&lt;</a:t>
             </a:r>
             <a:r>
-              <a:rPr lang="ko-KR" altLang="en-US" sz="1000" b="1" dirty="0" smtClean="0">
+              <a:rPr lang="ko-KR" altLang="en-US" sz="1000" b="1" dirty="0">
                 <a:latin typeface="맑은 고딕" pitchFamily="50" charset="-127"/>
                 <a:ea typeface="맑은 고딕" pitchFamily="50" charset="-127"/>
               </a:rPr>
               <a:t>풀이 화면 선택 시 보이는 화면</a:t>
             </a:r>
             <a:r>
-              <a:rPr lang="en-US" altLang="ko-KR" sz="1000" b="1" dirty="0" smtClean="0">
+              <a:rPr lang="en-US" altLang="ko-KR" sz="1000" b="1" dirty="0">
                 <a:latin typeface="맑은 고딕" pitchFamily="50" charset="-127"/>
                 <a:ea typeface="맑은 고딕" pitchFamily="50" charset="-127"/>
               </a:rPr>
@@ -41389,7 +41454,7 @@
           </a:p>
           <a:p>
             <a:pPr marL="228600" indent="-228600" algn="just"/>
-            <a:endParaRPr lang="en-US" altLang="ko-KR" sz="1000" dirty="0" smtClean="0">
+            <a:endParaRPr lang="en-US" altLang="ko-KR" sz="1000" dirty="0">
               <a:latin typeface="맑은 고딕" pitchFamily="50" charset="-127"/>
               <a:ea typeface="맑은 고딕" pitchFamily="50" charset="-127"/>
             </a:endParaRPr>
@@ -41475,25 +41540,18 @@
               <a:t> </a:t>
             </a:r>
             <a:r>
-              <a:rPr lang="ko-KR" altLang="en-US" sz="1800" dirty="0" err="1" smtClean="0">
+              <a:rPr lang="ko-KR" altLang="en-US" sz="1800" dirty="0" err="1">
                 <a:latin typeface="맑은 고딕" pitchFamily="50" charset="-127"/>
                 <a:ea typeface="맑은 고딕" pitchFamily="50" charset="-127"/>
               </a:rPr>
               <a:t>짧은바늘이</a:t>
             </a:r>
             <a:r>
-              <a:rPr lang="ko-KR" altLang="en-US" sz="1800" dirty="0" smtClean="0">
-                <a:latin typeface="맑은 고딕" pitchFamily="50" charset="-127"/>
-                <a:ea typeface="맑은 고딕" pitchFamily="50" charset="-127"/>
-              </a:rPr>
-              <a:t> </a:t>
-            </a:r>
-            <a:r>
               <a:rPr lang="ko-KR" altLang="en-US" sz="1800" dirty="0">
                 <a:latin typeface="맑은 고딕" pitchFamily="50" charset="-127"/>
                 <a:ea typeface="맑은 고딕" pitchFamily="50" charset="-127"/>
               </a:rPr>
-              <a:t>이루는 각이 직각이므로 </a:t>
+              <a:t> 이루는 각이 직각이므로 </a:t>
             </a:r>
             <a:r>
               <a:rPr lang="en-US" altLang="ko-KR" sz="1800" dirty="0">
@@ -41517,7 +41575,7 @@
               <a:t>9</a:t>
             </a:r>
             <a:r>
-              <a:rPr lang="ko-KR" altLang="en-US" sz="1800" dirty="0" smtClean="0">
+              <a:rPr lang="ko-KR" altLang="en-US" sz="1800" dirty="0">
                 <a:latin typeface="맑은 고딕" pitchFamily="50" charset="-127"/>
                 <a:ea typeface="맑은 고딕" pitchFamily="50" charset="-127"/>
               </a:rPr>
@@ -41530,14 +41588,10 @@
               </a:rPr>
               <a:t>. </a:t>
             </a:r>
-            <a:endParaRPr lang="en-US" altLang="ko-KR" sz="1800" dirty="0" smtClean="0">
-              <a:latin typeface="맑은 고딕" pitchFamily="50" charset="-127"/>
-              <a:ea typeface="맑은 고딕" pitchFamily="50" charset="-127"/>
-            </a:endParaRPr>
           </a:p>
           <a:p>
             <a:r>
-              <a:rPr lang="en-US" altLang="ko-KR" sz="1800" dirty="0" smtClean="0">
+              <a:rPr lang="en-US" altLang="ko-KR" sz="1800" dirty="0">
                 <a:latin typeface="맑은 고딕" pitchFamily="50" charset="-127"/>
                 <a:ea typeface="맑은 고딕" pitchFamily="50" charset="-127"/>
               </a:rPr>
@@ -41562,14 +41616,7 @@
                 <a:latin typeface="맑은 고딕" pitchFamily="50" charset="-127"/>
                 <a:ea typeface="맑은 고딕" pitchFamily="50" charset="-127"/>
               </a:rPr>
-              <a:t>시 사이의 시각이므로 설명하고 </a:t>
-            </a:r>
-            <a:r>
-              <a:rPr lang="ko-KR" altLang="en-US" sz="1800" dirty="0" smtClean="0">
-                <a:latin typeface="맑은 고딕" pitchFamily="50" charset="-127"/>
-                <a:ea typeface="맑은 고딕" pitchFamily="50" charset="-127"/>
-              </a:rPr>
-              <a:t>있는 시각은 </a:t>
+              <a:t>시 사이의 시각이므로 설명하고 있는 시각은 </a:t>
             </a:r>
             <a:r>
               <a:rPr lang="en-US" altLang="ko-KR" sz="1800" dirty="0">
@@ -41592,7 +41639,7 @@
               </a:rPr>
               <a:t>.</a:t>
             </a:r>
-            <a:endParaRPr lang="ko-KR" altLang="en-US" sz="1800" dirty="0" smtClean="0">
+            <a:endParaRPr lang="ko-KR" altLang="en-US" sz="1800" dirty="0">
               <a:latin typeface="맑은 고딕" pitchFamily="50" charset="-127"/>
               <a:ea typeface="맑은 고딕" pitchFamily="50" charset="-127"/>
             </a:endParaRPr>
@@ -41750,14 +41797,14 @@
           <a:p>
             <a:pPr algn="just"/>
             <a:r>
-              <a:rPr lang="ko-KR" altLang="en-US" sz="1900" spc="-150" dirty="0" smtClean="0">
+              <a:rPr lang="ko-KR" altLang="en-US" sz="1900" spc="-150" dirty="0">
                 <a:latin typeface="맑은 고딕" pitchFamily="50" charset="-127"/>
                 <a:ea typeface="맑은 고딕" pitchFamily="50" charset="-127"/>
               </a:rPr>
               <a:t>설명하고 있는 시각을 구해 보세요</a:t>
             </a:r>
             <a:r>
-              <a:rPr lang="en-US" altLang="ko-KR" sz="1900" spc="-150" dirty="0" smtClean="0">
+              <a:rPr lang="en-US" altLang="ko-KR" sz="1900" spc="-150" dirty="0">
                 <a:latin typeface="맑은 고딕" pitchFamily="50" charset="-127"/>
                 <a:ea typeface="맑은 고딕" pitchFamily="50" charset="-127"/>
               </a:rPr>
@@ -41792,14 +41839,14 @@
                 <a:gridCol w="858104">
                   <a:extLst>
                     <a:ext uri="{9D8B030D-6E8A-4147-A177-3AD203B41FA5}">
-                      <a16:colId xmlns:a16="http://schemas.microsoft.com/office/drawing/2014/main" xmlns="" val="20000"/>
+                      <a16:colId xmlns:a16="http://schemas.microsoft.com/office/drawing/2014/main" val="20000"/>
                     </a:ext>
                   </a:extLst>
                 </a:gridCol>
                 <a:gridCol w="5830760">
                   <a:extLst>
                     <a:ext uri="{9D8B030D-6E8A-4147-A177-3AD203B41FA5}">
-                      <a16:colId xmlns:a16="http://schemas.microsoft.com/office/drawing/2014/main" xmlns="" val="20001"/>
+                      <a16:colId xmlns:a16="http://schemas.microsoft.com/office/drawing/2014/main" val="20001"/>
                     </a:ext>
                   </a:extLst>
                 </a:gridCol>
@@ -41830,7 +41877,7 @@
                         </a:tabLst>
                       </a:pPr>
                       <a:r>
-                        <a:rPr kumimoji="1" lang="ko-KR" altLang="en-US" sz="1000" b="1" i="0" u="none" strike="noStrike" cap="none" normalizeH="0" baseline="0" dirty="0" smtClean="0">
+                        <a:rPr kumimoji="1" lang="ko-KR" altLang="en-US" sz="1000" b="1" i="0" u="none" strike="noStrike" cap="none" normalizeH="0" baseline="0" dirty="0">
                           <a:ln>
                             <a:noFill/>
                           </a:ln>
@@ -41843,7 +41890,7 @@
                         </a:rPr>
                         <a:t>삽화 파일명</a:t>
                       </a:r>
-                      <a:endParaRPr kumimoji="1" lang="en-US" altLang="ko-KR" sz="1000" b="1" i="0" u="none" strike="noStrike" cap="none" normalizeH="0" baseline="0" dirty="0" smtClean="0">
+                      <a:endParaRPr kumimoji="1" lang="en-US" altLang="ko-KR" sz="1000" b="1" i="0" u="none" strike="noStrike" cap="none" normalizeH="0" baseline="0" dirty="0">
                         <a:ln>
                           <a:noFill/>
                         </a:ln>
@@ -41930,7 +41977,7 @@
                         <a:defRPr/>
                       </a:pPr>
                       <a:r>
-                        <a:rPr kumimoji="0" lang="en-US" altLang="ko-KR" sz="1000" dirty="0" smtClean="0">
+                        <a:rPr kumimoji="0" lang="en-US" altLang="ko-KR" sz="1000" dirty="0">
                           <a:solidFill>
                             <a:schemeClr val="tx1"/>
                           </a:solidFill>
@@ -41959,7 +42006,7 @@
                         <a:defRPr/>
                       </a:pPr>
                       <a:r>
-                        <a:rPr kumimoji="0" lang="ko-KR" altLang="en-US" sz="1000" dirty="0" smtClean="0">
+                        <a:rPr kumimoji="0" lang="ko-KR" altLang="en-US" sz="1000" dirty="0">
                           <a:solidFill>
                             <a:schemeClr val="tx1"/>
                           </a:solidFill>
@@ -41969,7 +42016,7 @@
                         <a:t>한대희 </a:t>
                       </a:r>
                       <a:r>
-                        <a:rPr kumimoji="0" lang="en-US" altLang="ko-KR" sz="1000" dirty="0" smtClean="0">
+                        <a:rPr kumimoji="0" lang="en-US" altLang="ko-KR" sz="1000" dirty="0">
                           <a:solidFill>
                             <a:schemeClr val="tx1"/>
                           </a:solidFill>
@@ -41979,7 +42026,7 @@
                         <a:t>3-1 </a:t>
                       </a:r>
                       <a:r>
-                        <a:rPr kumimoji="0" lang="ko-KR" altLang="en-US" sz="1000" dirty="0" smtClean="0">
+                        <a:rPr kumimoji="0" lang="ko-KR" altLang="en-US" sz="1000" dirty="0">
                           <a:solidFill>
                             <a:schemeClr val="tx1"/>
                           </a:solidFill>
@@ -41989,7 +42036,7 @@
                         <a:t>지도서</a:t>
                       </a:r>
                       <a:r>
-                        <a:rPr kumimoji="0" lang="en-US" altLang="ko-KR" sz="1000" dirty="0" smtClean="0">
+                        <a:rPr kumimoji="0" lang="en-US" altLang="ko-KR" sz="1000" dirty="0">
                           <a:solidFill>
                             <a:schemeClr val="tx1"/>
                           </a:solidFill>
@@ -41999,7 +42046,7 @@
                         <a:t>\app\resource\</a:t>
                       </a:r>
                       <a:r>
-                        <a:rPr kumimoji="0" lang="en-US" altLang="ko-KR" sz="1000" dirty="0" err="1" smtClean="0">
+                        <a:rPr kumimoji="0" lang="en-US" altLang="ko-KR" sz="1000" dirty="0" err="1">
                           <a:solidFill>
                             <a:schemeClr val="tx1"/>
                           </a:solidFill>
@@ -42009,7 +42056,7 @@
                         <a:t>contents_sub</a:t>
                       </a:r>
                       <a:r>
-                        <a:rPr kumimoji="0" lang="en-US" altLang="ko-KR" sz="1000" dirty="0" smtClean="0">
+                        <a:rPr kumimoji="0" lang="en-US" altLang="ko-KR" sz="1000" dirty="0">
                           <a:solidFill>
                             <a:schemeClr val="tx1"/>
                           </a:solidFill>
@@ -42061,7 +42108,7 @@
                 </a:tc>
                 <a:extLst>
                   <a:ext uri="{0D108BD9-81ED-4DB2-BD59-A6C34878D82A}">
-                    <a16:rowId xmlns:a16="http://schemas.microsoft.com/office/drawing/2014/main" xmlns="" val="10000"/>
+                    <a16:rowId xmlns:a16="http://schemas.microsoft.com/office/drawing/2014/main" val="10000"/>
                   </a:ext>
                 </a:extLst>
               </a:tr>
@@ -42399,6 +42446,92 @@
           </a:extLst>
         </p:spPr>
       </p:pic>
+      <p:sp>
+        <p:nvSpPr>
+          <p:cNvPr id="55" name="타원 42">
+            <a:extLst>
+              <a:ext uri="{FF2B5EF4-FFF2-40B4-BE49-F238E27FC236}">
+                <a16:creationId xmlns:a16="http://schemas.microsoft.com/office/drawing/2014/main" id="{66721066-58D3-49A4-B2DE-F223F1560211}"/>
+              </a:ext>
+            </a:extLst>
+          </p:cNvPr>
+          <p:cNvSpPr/>
+          <p:nvPr/>
+        </p:nvSpPr>
+        <p:spPr>
+          <a:xfrm>
+            <a:off x="6511345" y="3914112"/>
+            <a:ext cx="1188132" cy="1188132"/>
+          </a:xfrm>
+          <a:prstGeom prst="ellipse">
+            <a:avLst/>
+          </a:prstGeom>
+          <a:solidFill>
+            <a:srgbClr val="FF0000"/>
+          </a:solidFill>
+          <a:ln>
+            <a:noFill/>
+          </a:ln>
+        </p:spPr>
+        <p:style>
+          <a:lnRef idx="2">
+            <a:schemeClr val="accent2"/>
+          </a:lnRef>
+          <a:fillRef idx="1">
+            <a:schemeClr val="lt1"/>
+          </a:fillRef>
+          <a:effectRef idx="0">
+            <a:schemeClr val="accent2"/>
+          </a:effectRef>
+          <a:fontRef idx="minor">
+            <a:schemeClr val="dk1"/>
+          </a:fontRef>
+        </p:style>
+        <p:txBody>
+          <a:bodyPr vert="horz" wrap="square" lIns="91440" tIns="45720" rIns="91440" bIns="45720" anchor="ctr" anchorCtr="0">
+            <a:prstTxWarp prst="textNoShape">
+              <a:avLst/>
+            </a:prstTxWarp>
+            <a:noAutofit/>
+          </a:bodyPr>
+          <a:lstStyle/>
+          <a:p>
+            <a:pPr marL="0" marR="0" indent="0" algn="ctr" defTabSz="914400" rtl="0" eaLnBrk="1" latinLnBrk="1" hangingPunct="1">
+              <a:lnSpc>
+                <a:spcPct val="100000"/>
+              </a:lnSpc>
+              <a:spcBef>
+                <a:spcPct val="50000"/>
+              </a:spcBef>
+              <a:spcAft>
+                <a:spcPct val="0"/>
+              </a:spcAft>
+              <a:buClrTx/>
+              <a:buFontTx/>
+              <a:buNone/>
+              <a:defRPr/>
+            </a:pPr>
+            <a:r>
+              <a:rPr kumimoji="1" lang="ko-KR" altLang="en-US" sz="1800" b="1" i="0" u="none" strike="noStrike" cap="none" normalizeH="0" baseline="0">
+                <a:solidFill>
+                  <a:schemeClr val="bg1"/>
+                </a:solidFill>
+                <a:effectLst/>
+                <a:latin typeface="맑은 고딕"/>
+                <a:ea typeface="맑은 고딕"/>
+              </a:rPr>
+              <a:t>완료</a:t>
+            </a:r>
+            <a:endParaRPr kumimoji="1" lang="ko-KR" altLang="en-US" sz="1800" b="1" i="0" u="none" strike="noStrike" cap="none" normalizeH="0" baseline="0">
+              <a:solidFill>
+                <a:schemeClr val="bg1"/>
+              </a:solidFill>
+              <a:latin typeface="맑은 고딕"/>
+              <a:ea typeface="맑은 고딕"/>
+            </a:endParaRPr>
+          </a:p>
+        </p:txBody>
+      </p:sp>
     </p:spTree>
     <p:extLst>
       <p:ext uri="{BB962C8B-B14F-4D97-AF65-F5344CB8AC3E}">
@@ -42409,52 +42542,45 @@
   <p:clrMapOvr>
     <a:masterClrMapping/>
   </p:clrMapOvr>
-  <p:timing>
-    <p:tnLst>
-      <p:par>
-        <p:cTn id="1" dur="indefinite" restart="never" nodeType="tmRoot"/>
-      </p:par>
-    </p:tnLst>
-  </p:timing>
 </p:sld>
 </file>
 
 <file path=ppt/theme/theme1.xml><?xml version="1.0" encoding="utf-8"?>
-<a:theme xmlns:r="http://schemas.openxmlformats.org/officeDocument/2006/relationships" xmlns:c="http://schemas.openxmlformats.org/drawingml/2006/chart" xmlns:dgm="http://schemas.openxmlformats.org/drawingml/2006/diagram" xmlns:dsp="http://schemas.microsoft.com/office/drawing/2008/diagram" xmlns:a="http://schemas.openxmlformats.org/drawingml/2006/main" xmlns:pic="http://schemas.openxmlformats.org/drawingml/2006/picture" xmlns:wp="http://schemas.openxmlformats.org/drawingml/2006/wordprocessingDrawing" xmlns:xdr="http://schemas.openxmlformats.org/drawingml/2006/spreadsheetDrawing" xmlns:p="http://schemas.openxmlformats.org/presentationml/2006/main" name="3_기본 디자인">
+<a:theme xmlns:a="http://schemas.openxmlformats.org/drawingml/2006/main" name="3_기본 디자인">
   <a:themeElements>
     <a:clrScheme name="Office">
       <a:dk1>
         <a:sysClr val="windowText" lastClr="000000"/>
       </a:dk1>
       <a:lt1>
-        <a:sysClr val="window" lastClr="ffffff"/>
+        <a:sysClr val="window" lastClr="FFFFFF"/>
       </a:lt1>
       <a:dk2>
-        <a:srgbClr val="1f497d"/>
+        <a:srgbClr val="1F497D"/>
       </a:dk2>
       <a:lt2>
-        <a:srgbClr val="eeece1"/>
+        <a:srgbClr val="EEECE1"/>
       </a:lt2>
       <a:accent1>
-        <a:srgbClr val="4f81bd"/>
+        <a:srgbClr val="4F81BD"/>
       </a:accent1>
       <a:accent2>
-        <a:srgbClr val="c0504d"/>
+        <a:srgbClr val="C0504D"/>
       </a:accent2>
       <a:accent3>
-        <a:srgbClr val="9bbb59"/>
+        <a:srgbClr val="9BBB59"/>
       </a:accent3>
       <a:accent4>
-        <a:srgbClr val="8064a2"/>
+        <a:srgbClr val="8064A2"/>
       </a:accent4>
       <a:accent5>
-        <a:srgbClr val="4bacc6"/>
+        <a:srgbClr val="4BACC6"/>
       </a:accent5>
       <a:accent6>
-        <a:srgbClr val="f79646"/>
+        <a:srgbClr val="F79646"/>
       </a:accent6>
       <a:hlink>
-        <a:srgbClr val="0000ff"/>
+        <a:srgbClr val="0000FF"/>
       </a:hlink>
       <a:folHlink>
         <a:srgbClr val="800080"/>
@@ -42645,7 +42771,7 @@
         <a:noFill/>
         <a:ln w="12700">
           <a:solidFill>
-            <a:srgbClr val="ff0000"/>
+            <a:srgbClr val="FF0000"/>
           </a:solidFill>
         </a:ln>
       </a:spPr>
@@ -42701,18 +42827,19 @@
       </a:lstStyle>
     </a:txDef>
   </a:objectDefaults>
+  <a:extraClrSchemeLst/>
 </a:theme>
 </file>
 
 <file path=ppt/theme/theme2.xml><?xml version="1.0" encoding="utf-8"?>
-<a:theme xmlns:r="http://schemas.openxmlformats.org/officeDocument/2006/relationships" xmlns:c="http://schemas.openxmlformats.org/drawingml/2006/chart" xmlns:dgm="http://schemas.openxmlformats.org/drawingml/2006/diagram" xmlns:dsp="http://schemas.microsoft.com/office/drawing/2008/diagram" xmlns:a="http://schemas.openxmlformats.org/drawingml/2006/main" xmlns:pic="http://schemas.openxmlformats.org/drawingml/2006/picture" xmlns:wp="http://schemas.openxmlformats.org/drawingml/2006/wordprocessingDrawing" xmlns:xdr="http://schemas.openxmlformats.org/drawingml/2006/spreadsheetDrawing" xmlns:p="http://schemas.openxmlformats.org/presentationml/2006/main" name="Office 테마">
+<a:theme xmlns:a="http://schemas.openxmlformats.org/drawingml/2006/main" name="Office 테마">
   <a:themeElements>
     <a:clrScheme name="">
       <a:dk1>
         <a:srgbClr val="000000"/>
       </a:dk1>
       <a:lt1>
-        <a:srgbClr val="ffffff"/>
+        <a:srgbClr val="FFFFFF"/>
       </a:lt1>
       <a:dk2>
         <a:srgbClr val="000000"/>
@@ -42721,28 +42848,28 @@
         <a:srgbClr val="808080"/>
       </a:lt2>
       <a:accent1>
-        <a:srgbClr val="bbe0e3"/>
+        <a:srgbClr val="BBE0E3"/>
       </a:accent1>
       <a:accent2>
         <a:srgbClr val="333399"/>
       </a:accent2>
       <a:accent3>
-        <a:srgbClr val="ffffff"/>
+        <a:srgbClr val="FFFFFF"/>
       </a:accent3>
       <a:accent4>
         <a:srgbClr val="000000"/>
       </a:accent4>
       <a:accent5>
-        <a:srgbClr val="daedef"/>
+        <a:srgbClr val="DAEDEF"/>
       </a:accent5>
       <a:accent6>
-        <a:srgbClr val="2d2d8a"/>
+        <a:srgbClr val="2D2D8A"/>
       </a:accent6>
       <a:hlink>
         <a:srgbClr val="009999"/>
       </a:hlink>
       <a:folHlink>
-        <a:srgbClr val="99cc00"/>
+        <a:srgbClr val="99CC00"/>
       </a:folHlink>
     </a:clrScheme>
     <a:fontScheme name="Office">
@@ -42982,18 +43109,20 @@
       </a:bgFillStyleLst>
     </a:fmtScheme>
   </a:themeElements>
+  <a:objectDefaults/>
+  <a:extraClrSchemeLst/>
 </a:theme>
 </file>
 
 <file path=ppt/theme/theme3.xml><?xml version="1.0" encoding="utf-8"?>
-<a:theme xmlns:r="http://schemas.openxmlformats.org/officeDocument/2006/relationships" xmlns:c="http://schemas.openxmlformats.org/drawingml/2006/chart" xmlns:dgm="http://schemas.openxmlformats.org/drawingml/2006/diagram" xmlns:dsp="http://schemas.microsoft.com/office/drawing/2008/diagram" xmlns:a="http://schemas.openxmlformats.org/drawingml/2006/main" xmlns:pic="http://schemas.openxmlformats.org/drawingml/2006/picture" xmlns:wp="http://schemas.openxmlformats.org/drawingml/2006/wordprocessingDrawing" xmlns:xdr="http://schemas.openxmlformats.org/drawingml/2006/spreadsheetDrawing" xmlns:p="http://schemas.openxmlformats.org/presentationml/2006/main" name="Office 테마">
+<a:theme xmlns:a="http://schemas.openxmlformats.org/drawingml/2006/main" name="Office 테마">
   <a:themeElements>
     <a:clrScheme name="">
       <a:dk1>
         <a:srgbClr val="000000"/>
       </a:dk1>
       <a:lt1>
-        <a:srgbClr val="ffffff"/>
+        <a:srgbClr val="FFFFFF"/>
       </a:lt1>
       <a:dk2>
         <a:srgbClr val="000000"/>
@@ -43002,28 +43131,28 @@
         <a:srgbClr val="808080"/>
       </a:lt2>
       <a:accent1>
-        <a:srgbClr val="bbe0e3"/>
+        <a:srgbClr val="BBE0E3"/>
       </a:accent1>
       <a:accent2>
         <a:srgbClr val="333399"/>
       </a:accent2>
       <a:accent3>
-        <a:srgbClr val="ffffff"/>
+        <a:srgbClr val="FFFFFF"/>
       </a:accent3>
       <a:accent4>
         <a:srgbClr val="000000"/>
       </a:accent4>
       <a:accent5>
-        <a:srgbClr val="daedef"/>
+        <a:srgbClr val="DAEDEF"/>
       </a:accent5>
       <a:accent6>
-        <a:srgbClr val="2d2d8a"/>
+        <a:srgbClr val="2D2D8A"/>
       </a:accent6>
       <a:hlink>
         <a:srgbClr val="009999"/>
       </a:hlink>
       <a:folHlink>
-        <a:srgbClr val="99cc00"/>
+        <a:srgbClr val="99CC00"/>
       </a:folHlink>
     </a:clrScheme>
     <a:fontScheme name="Office">
@@ -43263,5 +43392,7 @@
       </a:bgFillStyleLst>
     </a:fmtScheme>
   </a:themeElements>
+  <a:objectDefaults/>
+  <a:extraClrSchemeLst/>
 </a:theme>
 </file>